--- a/docs/ODBC2KML Demo Slides.pptx
+++ b/docs/ODBC2KML Demo Slides.pptx
@@ -5,15 +5,26 @@
     <p:sldMasterId id="2147483744" r:id="rId1"/>
   </p:sldMasterIdLst>
   <p:notesMasterIdLst>
-    <p:notesMasterId r:id="rId8"/>
+    <p:notesMasterId r:id="rId19"/>
   </p:notesMasterIdLst>
   <p:sldIdLst>
     <p:sldId id="256" r:id="rId2"/>
-    <p:sldId id="257" r:id="rId3"/>
-    <p:sldId id="266" r:id="rId4"/>
-    <p:sldId id="259" r:id="rId5"/>
-    <p:sldId id="267" r:id="rId6"/>
-    <p:sldId id="262" r:id="rId7"/>
+    <p:sldId id="276" r:id="rId3"/>
+    <p:sldId id="277" r:id="rId4"/>
+    <p:sldId id="278" r:id="rId5"/>
+    <p:sldId id="279" r:id="rId6"/>
+    <p:sldId id="257" r:id="rId7"/>
+    <p:sldId id="266" r:id="rId8"/>
+    <p:sldId id="259" r:id="rId9"/>
+    <p:sldId id="269" r:id="rId10"/>
+    <p:sldId id="270" r:id="rId11"/>
+    <p:sldId id="271" r:id="rId12"/>
+    <p:sldId id="272" r:id="rId13"/>
+    <p:sldId id="273" r:id="rId14"/>
+    <p:sldId id="275" r:id="rId15"/>
+    <p:sldId id="274" r:id="rId16"/>
+    <p:sldId id="267" r:id="rId17"/>
+    <p:sldId id="262" r:id="rId18"/>
   </p:sldIdLst>
   <p:sldSz cx="9144000" cy="6858000" type="screen4x3"/>
   <p:notesSz cx="6858000" cy="9144000"/>
@@ -115,6 +126,214 @@
 </p:presentation>
 </file>
 
+<file path=ppt/charts/chart1.xml><?xml version="1.0" encoding="utf-8"?>
+<c:chartSpace xmlns:c="http://schemas.openxmlformats.org/drawingml/2006/chart" xmlns:a="http://schemas.openxmlformats.org/drawingml/2006/main" xmlns:r="http://schemas.openxmlformats.org/officeDocument/2006/relationships">
+  <c:date1904 val="1"/>
+  <c:lang val="en-US"/>
+  <c:roundedCorners val="1"/>
+  <c:style val="2"/>
+  <c:clrMapOvr bg1="dk1" tx1="lt1" bg2="dk2" tx2="lt2" accent1="accent1" accent2="accent2" accent3="accent3" accent4="accent4" accent5="accent5" accent6="accent6" hlink="hlink" folHlink="folHlink"/>
+  <c:chart>
+    <c:title>
+      <c:tx>
+        <c:rich>
+          <a:bodyPr/>
+          <a:lstStyle/>
+          <a:p>
+            <a:pPr>
+              <a:defRPr/>
+            </a:pPr>
+            <a:r>
+              <a:rPr lang="en-US" dirty="0" smtClean="0"/>
+              <a:t>Hours Worked on Project</a:t>
+            </a:r>
+            <a:endParaRPr lang="en-US" dirty="0"/>
+          </a:p>
+        </c:rich>
+      </c:tx>
+      <c:layout/>
+      <c:overlay val="1"/>
+    </c:title>
+    <c:autoTitleDeleted val="0"/>
+    <c:plotArea>
+      <c:layout/>
+      <c:lineChart>
+        <c:grouping val="standard"/>
+        <c:varyColors val="1"/>
+        <c:ser>
+          <c:idx val="0"/>
+          <c:order val="0"/>
+          <c:tx>
+            <c:strRef>
+              <c:f>Sheet1!$B$1</c:f>
+              <c:strCache>
+                <c:ptCount val="1"/>
+                <c:pt idx="0">
+                  <c:v>Hours</c:v>
+                </c:pt>
+              </c:strCache>
+            </c:strRef>
+          </c:tx>
+          <c:cat>
+            <c:strRef>
+              <c:f>Sheet1!$A$2:$A$13</c:f>
+              <c:strCache>
+                <c:ptCount val="12"/>
+                <c:pt idx="0">
+                  <c:v>January 10-16</c:v>
+                </c:pt>
+                <c:pt idx="1">
+                  <c:v>Jan 17-23</c:v>
+                </c:pt>
+                <c:pt idx="2">
+                  <c:v>Jan 24-30</c:v>
+                </c:pt>
+                <c:pt idx="3">
+                  <c:v>Jan 31 - Feb 6</c:v>
+                </c:pt>
+                <c:pt idx="4">
+                  <c:v>Feb. 7 - Feb 13</c:v>
+                </c:pt>
+                <c:pt idx="5">
+                  <c:v>Feb 14 - Feb 20</c:v>
+                </c:pt>
+                <c:pt idx="6">
+                  <c:v>Feb 21- Feb 27</c:v>
+                </c:pt>
+                <c:pt idx="7">
+                  <c:v>Feb 28 - March 6</c:v>
+                </c:pt>
+                <c:pt idx="8">
+                  <c:v>March 7 - March 13</c:v>
+                </c:pt>
+                <c:pt idx="9">
+                  <c:v>March 21 - March 27</c:v>
+                </c:pt>
+                <c:pt idx="10">
+                  <c:v>March 28 - April 3</c:v>
+                </c:pt>
+                <c:pt idx="11">
+                  <c:v>April 4 - April 10</c:v>
+                </c:pt>
+              </c:strCache>
+            </c:strRef>
+          </c:cat>
+          <c:val>
+            <c:numRef>
+              <c:f>Sheet1!$B$2:$B$13</c:f>
+              <c:numCache>
+                <c:formatCode>General</c:formatCode>
+                <c:ptCount val="12"/>
+                <c:pt idx="0">
+                  <c:v>6</c:v>
+                </c:pt>
+                <c:pt idx="1">
+                  <c:v>14</c:v>
+                </c:pt>
+                <c:pt idx="2">
+                  <c:v>10</c:v>
+                </c:pt>
+                <c:pt idx="3">
+                  <c:v>6</c:v>
+                </c:pt>
+                <c:pt idx="4">
+                  <c:v>10</c:v>
+                </c:pt>
+                <c:pt idx="5">
+                  <c:v>14</c:v>
+                </c:pt>
+                <c:pt idx="6">
+                  <c:v>10</c:v>
+                </c:pt>
+                <c:pt idx="7">
+                  <c:v>15</c:v>
+                </c:pt>
+                <c:pt idx="8">
+                  <c:v>12</c:v>
+                </c:pt>
+                <c:pt idx="9">
+                  <c:v>34</c:v>
+                </c:pt>
+                <c:pt idx="10">
+                  <c:v>53</c:v>
+                </c:pt>
+              </c:numCache>
+            </c:numRef>
+          </c:val>
+          <c:smooth val="1"/>
+        </c:ser>
+        <c:dLbls>
+          <c:showLegendKey val="0"/>
+          <c:showVal val="0"/>
+          <c:showCatName val="0"/>
+          <c:showSerName val="0"/>
+          <c:showPercent val="0"/>
+          <c:showBubbleSize val="0"/>
+        </c:dLbls>
+        <c:marker val="1"/>
+        <c:smooth val="0"/>
+        <c:axId val="113646592"/>
+        <c:axId val="113672960"/>
+      </c:lineChart>
+      <c:catAx>
+        <c:axId val="113646592"/>
+        <c:scaling>
+          <c:orientation val="minMax"/>
+        </c:scaling>
+        <c:delete val="1"/>
+        <c:axPos val="b"/>
+        <c:majorTickMark val="cross"/>
+        <c:minorTickMark val="cross"/>
+        <c:tickLblPos val="nextTo"/>
+        <c:crossAx val="113672960"/>
+        <c:crosses val="autoZero"/>
+        <c:auto val="1"/>
+        <c:lblAlgn val="ctr"/>
+        <c:lblOffset val="100"/>
+        <c:noMultiLvlLbl val="1"/>
+      </c:catAx>
+      <c:valAx>
+        <c:axId val="113672960"/>
+        <c:scaling>
+          <c:orientation val="minMax"/>
+        </c:scaling>
+        <c:delete val="1"/>
+        <c:axPos val="l"/>
+        <c:majorGridlines/>
+        <c:numFmt formatCode="General" sourceLinked="1"/>
+        <c:majorTickMark val="cross"/>
+        <c:minorTickMark val="cross"/>
+        <c:tickLblPos val="nextTo"/>
+        <c:crossAx val="113646592"/>
+        <c:crosses val="autoZero"/>
+        <c:crossBetween val="between"/>
+      </c:valAx>
+    </c:plotArea>
+    <c:legend>
+      <c:legendPos val="r"/>
+      <c:layout/>
+      <c:overlay val="1"/>
+    </c:legend>
+    <c:plotVisOnly val="1"/>
+    <c:dispBlanksAs val="zero"/>
+    <c:showDLblsOverMax val="1"/>
+  </c:chart>
+  <c:txPr>
+    <a:bodyPr/>
+    <a:lstStyle/>
+    <a:p>
+      <a:pPr>
+        <a:defRPr sz="1800"/>
+      </a:pPr>
+      <a:endParaRPr lang="en-US"/>
+    </a:p>
+  </c:txPr>
+  <c:externalData r:id="rId2">
+    <c:autoUpdate val="0"/>
+  </c:externalData>
+</c:chartSpace>
+</file>
+
 <file path=ppt/notesMasters/notesMaster1.xml><?xml version="1.0" encoding="utf-8"?>
 <p:notesMaster xmlns:a="http://schemas.openxmlformats.org/drawingml/2006/main" xmlns:r="http://schemas.openxmlformats.org/officeDocument/2006/relationships" xmlns:p="http://schemas.openxmlformats.org/presentationml/2006/main">
   <p:cSld>
@@ -467,6 +686,720 @@
     </a:lvl9pPr>
   </p:notesStyle>
 </p:notesMaster>
+</file>
+
+<file path=ppt/notesSlides/notesSlide1.xml><?xml version="1.0" encoding="utf-8"?>
+<p:notes xmlns:a="http://schemas.openxmlformats.org/drawingml/2006/main" xmlns:r="http://schemas.openxmlformats.org/officeDocument/2006/relationships" xmlns:p="http://schemas.openxmlformats.org/presentationml/2006/main">
+  <p:cSld>
+    <p:bg>
+      <p:bgPr>
+        <a:solidFill>
+          <a:srgbClr xmlns:mc="http://schemas.openxmlformats.org/markup-compatibility/2006" xmlns:a14="http://schemas.microsoft.com/office/drawing/2010/main" val="FFFFFF" mc:Ignorable=""/>
+        </a:solidFill>
+        <a:effectLst/>
+      </p:bgPr>
+    </p:bg>
+    <p:spTree>
+      <p:nvGrpSpPr>
+        <p:cNvPr id="1" name=""/>
+        <p:cNvGrpSpPr/>
+        <p:nvPr/>
+      </p:nvGrpSpPr>
+      <p:grpSpPr>
+        <a:xfrm>
+          <a:off x="0" y="0"/>
+          <a:ext cx="0" cy="0"/>
+          <a:chOff x="0" y="0"/>
+          <a:chExt cx="0" cy="0"/>
+        </a:xfrm>
+      </p:grpSpPr>
+      <p:sp>
+        <p:nvSpPr>
+          <p:cNvPr id="14338" name="Rectangle 6"/>
+          <p:cNvSpPr>
+            <a:spLocks noGrp="1" noChangeArrowheads="1"/>
+          </p:cNvSpPr>
+          <p:nvPr>
+            <p:ph type="sldNum" sz="quarter" idx="5"/>
+          </p:nvPr>
+        </p:nvSpPr>
+        <p:spPr bwMode="auto">
+          <a:noFill/>
+          <a:extLst>
+            <a:ext uri="{909E8E84-426E-40DD-AFC4-6F175D3DCCD1}">
+              <a14:hiddenFill xmlns:a14="http://schemas.microsoft.com/office/drawing/2010/main">
+                <a:solidFill>
+                  <a:srgbClr xmlns:mc="http://schemas.openxmlformats.org/markup-compatibility/2006" val="FFFFFF" mc:Ignorable=""/>
+                </a:solidFill>
+              </a14:hiddenFill>
+            </a:ext>
+            <a:ext uri="{91240B29-F687-4F45-9708-019B960494DF}">
+              <a14:hiddenLine xmlns:a14="http://schemas.microsoft.com/office/drawing/2010/main" w="9525">
+                <a:solidFill>
+                  <a:srgbClr xmlns:mc="http://schemas.openxmlformats.org/markup-compatibility/2006" val="000000" mc:Ignorable=""/>
+                </a:solidFill>
+                <a:miter lim="800000"/>
+                <a:headEnd/>
+                <a:tailEnd/>
+              </a14:hiddenLine>
+            </a:ext>
+          </a:extLst>
+        </p:spPr>
+        <p:txBody>
+          <a:bodyPr/>
+          <a:lstStyle>
+            <a:lvl1pPr>
+              <a:defRPr>
+                <a:solidFill>
+                  <a:schemeClr val="tx1"/>
+                </a:solidFill>
+                <a:latin typeface="Century Gothic" pitchFamily="34" charset="0"/>
+              </a:defRPr>
+            </a:lvl1pPr>
+            <a:lvl2pPr marL="742950" indent="-285750">
+              <a:defRPr>
+                <a:solidFill>
+                  <a:schemeClr val="tx1"/>
+                </a:solidFill>
+                <a:latin typeface="Century Gothic" pitchFamily="34" charset="0"/>
+              </a:defRPr>
+            </a:lvl2pPr>
+            <a:lvl3pPr marL="1143000" indent="-228600">
+              <a:defRPr>
+                <a:solidFill>
+                  <a:schemeClr val="tx1"/>
+                </a:solidFill>
+                <a:latin typeface="Century Gothic" pitchFamily="34" charset="0"/>
+              </a:defRPr>
+            </a:lvl3pPr>
+            <a:lvl4pPr marL="1600200" indent="-228600">
+              <a:defRPr>
+                <a:solidFill>
+                  <a:schemeClr val="tx1"/>
+                </a:solidFill>
+                <a:latin typeface="Century Gothic" pitchFamily="34" charset="0"/>
+              </a:defRPr>
+            </a:lvl4pPr>
+            <a:lvl5pPr marL="2057400" indent="-228600">
+              <a:defRPr>
+                <a:solidFill>
+                  <a:schemeClr val="tx1"/>
+                </a:solidFill>
+                <a:latin typeface="Century Gothic" pitchFamily="34" charset="0"/>
+              </a:defRPr>
+            </a:lvl5pPr>
+            <a:lvl6pPr marL="2514600" indent="-228600" fontAlgn="base">
+              <a:spcBef>
+                <a:spcPct val="0"/>
+              </a:spcBef>
+              <a:spcAft>
+                <a:spcPct val="0"/>
+              </a:spcAft>
+              <a:defRPr>
+                <a:solidFill>
+                  <a:schemeClr val="tx1"/>
+                </a:solidFill>
+                <a:latin typeface="Century Gothic" pitchFamily="34" charset="0"/>
+              </a:defRPr>
+            </a:lvl6pPr>
+            <a:lvl7pPr marL="2971800" indent="-228600" fontAlgn="base">
+              <a:spcBef>
+                <a:spcPct val="0"/>
+              </a:spcBef>
+              <a:spcAft>
+                <a:spcPct val="0"/>
+              </a:spcAft>
+              <a:defRPr>
+                <a:solidFill>
+                  <a:schemeClr val="tx1"/>
+                </a:solidFill>
+                <a:latin typeface="Century Gothic" pitchFamily="34" charset="0"/>
+              </a:defRPr>
+            </a:lvl7pPr>
+            <a:lvl8pPr marL="3429000" indent="-228600" fontAlgn="base">
+              <a:spcBef>
+                <a:spcPct val="0"/>
+              </a:spcBef>
+              <a:spcAft>
+                <a:spcPct val="0"/>
+              </a:spcAft>
+              <a:defRPr>
+                <a:solidFill>
+                  <a:schemeClr val="tx1"/>
+                </a:solidFill>
+                <a:latin typeface="Century Gothic" pitchFamily="34" charset="0"/>
+              </a:defRPr>
+            </a:lvl8pPr>
+            <a:lvl9pPr marL="3886200" indent="-228600" fontAlgn="base">
+              <a:spcBef>
+                <a:spcPct val="0"/>
+              </a:spcBef>
+              <a:spcAft>
+                <a:spcPct val="0"/>
+              </a:spcAft>
+              <a:defRPr>
+                <a:solidFill>
+                  <a:schemeClr val="tx1"/>
+                </a:solidFill>
+                <a:latin typeface="Century Gothic" pitchFamily="34" charset="0"/>
+              </a:defRPr>
+            </a:lvl9pPr>
+          </a:lstStyle>
+          <a:p>
+            <a:fld id="{CA6E9890-973A-4D74-94F1-A3CF83460CA7}" type="slidenum">
+              <a:rPr lang="en-US">
+                <a:latin typeface="Calibri" pitchFamily="34" charset="0"/>
+              </a:rPr>
+              <a:pPr/>
+              <a:t>2</a:t>
+            </a:fld>
+            <a:endParaRPr lang="en-US">
+              <a:latin typeface="Calibri" pitchFamily="34" charset="0"/>
+            </a:endParaRPr>
+          </a:p>
+        </p:txBody>
+      </p:sp>
+      <p:sp>
+        <p:nvSpPr>
+          <p:cNvPr id="14339" name="Rectangle 1"/>
+          <p:cNvSpPr txBox="1">
+            <a:spLocks noGrp="1" noRot="1" noChangeAspect="1" noChangeArrowheads="1" noTextEdit="1"/>
+          </p:cNvSpPr>
+          <p:nvPr>
+            <p:ph type="sldImg"/>
+          </p:nvPr>
+        </p:nvSpPr>
+        <p:spPr bwMode="auto">
+          <a:xfrm>
+            <a:off x="1143000" y="693738"/>
+            <a:ext cx="4572000" cy="3429000"/>
+          </a:xfrm>
+          <a:solidFill>
+            <a:srgbClr xmlns:mc="http://schemas.openxmlformats.org/markup-compatibility/2006" xmlns:a14="http://schemas.microsoft.com/office/drawing/2010/main" val="FFFFFF" mc:Ignorable=""/>
+          </a:solidFill>
+          <a:ln>
+            <a:solidFill>
+              <a:srgbClr xmlns:mc="http://schemas.openxmlformats.org/markup-compatibility/2006" xmlns:a14="http://schemas.microsoft.com/office/drawing/2010/main" val="000000" mc:Ignorable=""/>
+            </a:solidFill>
+            <a:miter lim="800000"/>
+            <a:headEnd/>
+            <a:tailEnd/>
+          </a:ln>
+        </p:spPr>
+      </p:sp>
+      <p:sp>
+        <p:nvSpPr>
+          <p:cNvPr id="14340" name="Rectangle 2"/>
+          <p:cNvSpPr txBox="1">
+            <a:spLocks noGrp="1" noChangeArrowheads="1"/>
+          </p:cNvSpPr>
+          <p:nvPr>
+            <p:ph type="body" idx="1"/>
+          </p:nvPr>
+        </p:nvSpPr>
+        <p:spPr bwMode="auto">
+          <a:xfrm>
+            <a:off x="685800" y="4341813"/>
+            <a:ext cx="5487988" cy="4032250"/>
+          </a:xfrm>
+          <a:noFill/>
+          <a:extLst>
+            <a:ext uri="{909E8E84-426E-40DD-AFC4-6F175D3DCCD1}">
+              <a14:hiddenFill xmlns:a14="http://schemas.microsoft.com/office/drawing/2010/main">
+                <a:solidFill>
+                  <a:srgbClr xmlns:mc="http://schemas.openxmlformats.org/markup-compatibility/2006" val="FFFFFF" mc:Ignorable=""/>
+                </a:solidFill>
+              </a14:hiddenFill>
+            </a:ext>
+            <a:ext uri="{91240B29-F687-4F45-9708-019B960494DF}">
+              <a14:hiddenLine xmlns:a14="http://schemas.microsoft.com/office/drawing/2010/main" w="9525">
+                <a:solidFill>
+                  <a:srgbClr xmlns:mc="http://schemas.openxmlformats.org/markup-compatibility/2006" val="000000" mc:Ignorable=""/>
+                </a:solidFill>
+                <a:round/>
+                <a:headEnd/>
+                <a:tailEnd/>
+              </a14:hiddenLine>
+            </a:ext>
+          </a:extLst>
+        </p:spPr>
+        <p:txBody>
+          <a:bodyPr wrap="none" numCol="1" anchor="ctr" anchorCtr="0" compatLnSpc="1">
+            <a:prstTxWarp prst="textNoShape">
+              <a:avLst/>
+            </a:prstTxWarp>
+          </a:bodyPr>
+          <a:lstStyle>
+            <a:lvl1pPr>
+              <a:defRPr sz="1200">
+                <a:solidFill>
+                  <a:schemeClr val="tx1"/>
+                </a:solidFill>
+                <a:latin typeface="Calibri" pitchFamily="34" charset="0"/>
+              </a:defRPr>
+            </a:lvl1pPr>
+            <a:lvl2pPr marL="742950" indent="-285750">
+              <a:defRPr sz="1200">
+                <a:solidFill>
+                  <a:schemeClr val="tx1"/>
+                </a:solidFill>
+                <a:latin typeface="Calibri" pitchFamily="34" charset="0"/>
+              </a:defRPr>
+            </a:lvl2pPr>
+            <a:lvl3pPr marL="1143000" indent="-228600">
+              <a:defRPr sz="1200">
+                <a:solidFill>
+                  <a:schemeClr val="tx1"/>
+                </a:solidFill>
+                <a:latin typeface="Calibri" pitchFamily="34" charset="0"/>
+              </a:defRPr>
+            </a:lvl3pPr>
+            <a:lvl4pPr marL="1600200" indent="-228600">
+              <a:defRPr sz="1200">
+                <a:solidFill>
+                  <a:schemeClr val="tx1"/>
+                </a:solidFill>
+                <a:latin typeface="Calibri" pitchFamily="34" charset="0"/>
+              </a:defRPr>
+            </a:lvl4pPr>
+            <a:lvl5pPr marL="2057400" indent="-228600">
+              <a:defRPr sz="1200">
+                <a:solidFill>
+                  <a:schemeClr val="tx1"/>
+                </a:solidFill>
+                <a:latin typeface="Calibri" pitchFamily="34" charset="0"/>
+              </a:defRPr>
+            </a:lvl5pPr>
+            <a:lvl6pPr marL="2514600" indent="-228600" fontAlgn="base">
+              <a:spcBef>
+                <a:spcPct val="30000"/>
+              </a:spcBef>
+              <a:spcAft>
+                <a:spcPct val="0"/>
+              </a:spcAft>
+              <a:defRPr sz="1200">
+                <a:solidFill>
+                  <a:schemeClr val="tx1"/>
+                </a:solidFill>
+                <a:latin typeface="Calibri" pitchFamily="34" charset="0"/>
+              </a:defRPr>
+            </a:lvl6pPr>
+            <a:lvl7pPr marL="2971800" indent="-228600" fontAlgn="base">
+              <a:spcBef>
+                <a:spcPct val="30000"/>
+              </a:spcBef>
+              <a:spcAft>
+                <a:spcPct val="0"/>
+              </a:spcAft>
+              <a:defRPr sz="1200">
+                <a:solidFill>
+                  <a:schemeClr val="tx1"/>
+                </a:solidFill>
+                <a:latin typeface="Calibri" pitchFamily="34" charset="0"/>
+              </a:defRPr>
+            </a:lvl7pPr>
+            <a:lvl8pPr marL="3429000" indent="-228600" fontAlgn="base">
+              <a:spcBef>
+                <a:spcPct val="30000"/>
+              </a:spcBef>
+              <a:spcAft>
+                <a:spcPct val="0"/>
+              </a:spcAft>
+              <a:defRPr sz="1200">
+                <a:solidFill>
+                  <a:schemeClr val="tx1"/>
+                </a:solidFill>
+                <a:latin typeface="Calibri" pitchFamily="34" charset="0"/>
+              </a:defRPr>
+            </a:lvl8pPr>
+            <a:lvl9pPr marL="3886200" indent="-228600" fontAlgn="base">
+              <a:spcBef>
+                <a:spcPct val="30000"/>
+              </a:spcBef>
+              <a:spcAft>
+                <a:spcPct val="0"/>
+              </a:spcAft>
+              <a:defRPr sz="1200">
+                <a:solidFill>
+                  <a:schemeClr val="tx1"/>
+                </a:solidFill>
+                <a:latin typeface="Calibri" pitchFamily="34" charset="0"/>
+              </a:defRPr>
+            </a:lvl9pPr>
+          </a:lstStyle>
+          <a:p>
+            <a:pPr>
+              <a:spcBef>
+                <a:spcPct val="0"/>
+              </a:spcBef>
+            </a:pPr>
+            <a:endParaRPr lang="en-US" smtClean="0"/>
+          </a:p>
+        </p:txBody>
+      </p:sp>
+    </p:spTree>
+  </p:cSld>
+  <p:clrMapOvr>
+    <a:masterClrMapping/>
+  </p:clrMapOvr>
+</p:notes>
+</file>
+
+<file path=ppt/notesSlides/notesSlide2.xml><?xml version="1.0" encoding="utf-8"?>
+<p:notes xmlns:a="http://schemas.openxmlformats.org/drawingml/2006/main" xmlns:r="http://schemas.openxmlformats.org/officeDocument/2006/relationships" xmlns:p="http://schemas.openxmlformats.org/presentationml/2006/main">
+  <p:cSld>
+    <p:bg>
+      <p:bgPr>
+        <a:solidFill>
+          <a:srgbClr xmlns:mc="http://schemas.openxmlformats.org/markup-compatibility/2006" xmlns:a14="http://schemas.microsoft.com/office/drawing/2010/main" val="FFFFFF" mc:Ignorable=""/>
+        </a:solidFill>
+        <a:effectLst/>
+      </p:bgPr>
+    </p:bg>
+    <p:spTree>
+      <p:nvGrpSpPr>
+        <p:cNvPr id="1" name=""/>
+        <p:cNvGrpSpPr/>
+        <p:nvPr/>
+      </p:nvGrpSpPr>
+      <p:grpSpPr>
+        <a:xfrm>
+          <a:off x="0" y="0"/>
+          <a:ext cx="0" cy="0"/>
+          <a:chOff x="0" y="0"/>
+          <a:chExt cx="0" cy="0"/>
+        </a:xfrm>
+      </p:grpSpPr>
+      <p:sp>
+        <p:nvSpPr>
+          <p:cNvPr id="15362" name="Rectangle 6"/>
+          <p:cNvSpPr>
+            <a:spLocks noGrp="1" noChangeArrowheads="1"/>
+          </p:cNvSpPr>
+          <p:nvPr>
+            <p:ph type="sldNum" sz="quarter" idx="5"/>
+          </p:nvPr>
+        </p:nvSpPr>
+        <p:spPr bwMode="auto">
+          <a:noFill/>
+          <a:extLst>
+            <a:ext uri="{909E8E84-426E-40DD-AFC4-6F175D3DCCD1}">
+              <a14:hiddenFill xmlns:a14="http://schemas.microsoft.com/office/drawing/2010/main">
+                <a:solidFill>
+                  <a:srgbClr xmlns:mc="http://schemas.openxmlformats.org/markup-compatibility/2006" val="FFFFFF" mc:Ignorable=""/>
+                </a:solidFill>
+              </a14:hiddenFill>
+            </a:ext>
+            <a:ext uri="{91240B29-F687-4F45-9708-019B960494DF}">
+              <a14:hiddenLine xmlns:a14="http://schemas.microsoft.com/office/drawing/2010/main" w="9525">
+                <a:solidFill>
+                  <a:srgbClr xmlns:mc="http://schemas.openxmlformats.org/markup-compatibility/2006" val="000000" mc:Ignorable=""/>
+                </a:solidFill>
+                <a:miter lim="800000"/>
+                <a:headEnd/>
+                <a:tailEnd/>
+              </a14:hiddenLine>
+            </a:ext>
+          </a:extLst>
+        </p:spPr>
+        <p:txBody>
+          <a:bodyPr/>
+          <a:lstStyle>
+            <a:lvl1pPr>
+              <a:defRPr>
+                <a:solidFill>
+                  <a:schemeClr val="tx1"/>
+                </a:solidFill>
+                <a:latin typeface="Century Gothic" pitchFamily="34" charset="0"/>
+              </a:defRPr>
+            </a:lvl1pPr>
+            <a:lvl2pPr marL="742950" indent="-285750">
+              <a:defRPr>
+                <a:solidFill>
+                  <a:schemeClr val="tx1"/>
+                </a:solidFill>
+                <a:latin typeface="Century Gothic" pitchFamily="34" charset="0"/>
+              </a:defRPr>
+            </a:lvl2pPr>
+            <a:lvl3pPr marL="1143000" indent="-228600">
+              <a:defRPr>
+                <a:solidFill>
+                  <a:schemeClr val="tx1"/>
+                </a:solidFill>
+                <a:latin typeface="Century Gothic" pitchFamily="34" charset="0"/>
+              </a:defRPr>
+            </a:lvl3pPr>
+            <a:lvl4pPr marL="1600200" indent="-228600">
+              <a:defRPr>
+                <a:solidFill>
+                  <a:schemeClr val="tx1"/>
+                </a:solidFill>
+                <a:latin typeface="Century Gothic" pitchFamily="34" charset="0"/>
+              </a:defRPr>
+            </a:lvl4pPr>
+            <a:lvl5pPr marL="2057400" indent="-228600">
+              <a:defRPr>
+                <a:solidFill>
+                  <a:schemeClr val="tx1"/>
+                </a:solidFill>
+                <a:latin typeface="Century Gothic" pitchFamily="34" charset="0"/>
+              </a:defRPr>
+            </a:lvl5pPr>
+            <a:lvl6pPr marL="2514600" indent="-228600" fontAlgn="base">
+              <a:spcBef>
+                <a:spcPct val="0"/>
+              </a:spcBef>
+              <a:spcAft>
+                <a:spcPct val="0"/>
+              </a:spcAft>
+              <a:defRPr>
+                <a:solidFill>
+                  <a:schemeClr val="tx1"/>
+                </a:solidFill>
+                <a:latin typeface="Century Gothic" pitchFamily="34" charset="0"/>
+              </a:defRPr>
+            </a:lvl6pPr>
+            <a:lvl7pPr marL="2971800" indent="-228600" fontAlgn="base">
+              <a:spcBef>
+                <a:spcPct val="0"/>
+              </a:spcBef>
+              <a:spcAft>
+                <a:spcPct val="0"/>
+              </a:spcAft>
+              <a:defRPr>
+                <a:solidFill>
+                  <a:schemeClr val="tx1"/>
+                </a:solidFill>
+                <a:latin typeface="Century Gothic" pitchFamily="34" charset="0"/>
+              </a:defRPr>
+            </a:lvl7pPr>
+            <a:lvl8pPr marL="3429000" indent="-228600" fontAlgn="base">
+              <a:spcBef>
+                <a:spcPct val="0"/>
+              </a:spcBef>
+              <a:spcAft>
+                <a:spcPct val="0"/>
+              </a:spcAft>
+              <a:defRPr>
+                <a:solidFill>
+                  <a:schemeClr val="tx1"/>
+                </a:solidFill>
+                <a:latin typeface="Century Gothic" pitchFamily="34" charset="0"/>
+              </a:defRPr>
+            </a:lvl8pPr>
+            <a:lvl9pPr marL="3886200" indent="-228600" fontAlgn="base">
+              <a:spcBef>
+                <a:spcPct val="0"/>
+              </a:spcBef>
+              <a:spcAft>
+                <a:spcPct val="0"/>
+              </a:spcAft>
+              <a:defRPr>
+                <a:solidFill>
+                  <a:schemeClr val="tx1"/>
+                </a:solidFill>
+                <a:latin typeface="Century Gothic" pitchFamily="34" charset="0"/>
+              </a:defRPr>
+            </a:lvl9pPr>
+          </a:lstStyle>
+          <a:p>
+            <a:fld id="{6C4D691D-EB48-438C-B23D-FF4D5A558717}" type="slidenum">
+              <a:rPr lang="en-US">
+                <a:latin typeface="Calibri" pitchFamily="34" charset="0"/>
+              </a:rPr>
+              <a:pPr/>
+              <a:t>3</a:t>
+            </a:fld>
+            <a:endParaRPr lang="en-US">
+              <a:latin typeface="Calibri" pitchFamily="34" charset="0"/>
+            </a:endParaRPr>
+          </a:p>
+        </p:txBody>
+      </p:sp>
+      <p:sp>
+        <p:nvSpPr>
+          <p:cNvPr id="15363" name="Rectangle 1"/>
+          <p:cNvSpPr txBox="1">
+            <a:spLocks noGrp="1" noRot="1" noChangeAspect="1" noChangeArrowheads="1" noTextEdit="1"/>
+          </p:cNvSpPr>
+          <p:nvPr>
+            <p:ph type="sldImg"/>
+          </p:nvPr>
+        </p:nvSpPr>
+        <p:spPr bwMode="auto">
+          <a:xfrm>
+            <a:off x="1143000" y="693738"/>
+            <a:ext cx="4572000" cy="3429000"/>
+          </a:xfrm>
+          <a:solidFill>
+            <a:srgbClr xmlns:mc="http://schemas.openxmlformats.org/markup-compatibility/2006" xmlns:a14="http://schemas.microsoft.com/office/drawing/2010/main" val="FFFFFF" mc:Ignorable=""/>
+          </a:solidFill>
+          <a:ln>
+            <a:solidFill>
+              <a:srgbClr xmlns:mc="http://schemas.openxmlformats.org/markup-compatibility/2006" xmlns:a14="http://schemas.microsoft.com/office/drawing/2010/main" val="000000" mc:Ignorable=""/>
+            </a:solidFill>
+            <a:miter lim="800000"/>
+            <a:headEnd/>
+            <a:tailEnd/>
+          </a:ln>
+        </p:spPr>
+      </p:sp>
+      <p:sp>
+        <p:nvSpPr>
+          <p:cNvPr id="15364" name="Rectangle 2"/>
+          <p:cNvSpPr txBox="1">
+            <a:spLocks noGrp="1" noChangeArrowheads="1"/>
+          </p:cNvSpPr>
+          <p:nvPr>
+            <p:ph type="body" idx="1"/>
+          </p:nvPr>
+        </p:nvSpPr>
+        <p:spPr bwMode="auto">
+          <a:xfrm>
+            <a:off x="685800" y="4341813"/>
+            <a:ext cx="5487988" cy="4032250"/>
+          </a:xfrm>
+          <a:noFill/>
+          <a:extLst>
+            <a:ext uri="{909E8E84-426E-40DD-AFC4-6F175D3DCCD1}">
+              <a14:hiddenFill xmlns:a14="http://schemas.microsoft.com/office/drawing/2010/main">
+                <a:solidFill>
+                  <a:srgbClr xmlns:mc="http://schemas.openxmlformats.org/markup-compatibility/2006" val="FFFFFF" mc:Ignorable=""/>
+                </a:solidFill>
+              </a14:hiddenFill>
+            </a:ext>
+            <a:ext uri="{91240B29-F687-4F45-9708-019B960494DF}">
+              <a14:hiddenLine xmlns:a14="http://schemas.microsoft.com/office/drawing/2010/main" w="9525">
+                <a:solidFill>
+                  <a:srgbClr xmlns:mc="http://schemas.openxmlformats.org/markup-compatibility/2006" val="000000" mc:Ignorable=""/>
+                </a:solidFill>
+                <a:round/>
+                <a:headEnd/>
+                <a:tailEnd/>
+              </a14:hiddenLine>
+            </a:ext>
+          </a:extLst>
+        </p:spPr>
+        <p:txBody>
+          <a:bodyPr wrap="none" numCol="1" anchor="ctr" anchorCtr="0" compatLnSpc="1">
+            <a:prstTxWarp prst="textNoShape">
+              <a:avLst/>
+            </a:prstTxWarp>
+          </a:bodyPr>
+          <a:lstStyle>
+            <a:lvl1pPr>
+              <a:defRPr sz="1200">
+                <a:solidFill>
+                  <a:schemeClr val="tx1"/>
+                </a:solidFill>
+                <a:latin typeface="Calibri" pitchFamily="34" charset="0"/>
+              </a:defRPr>
+            </a:lvl1pPr>
+            <a:lvl2pPr marL="742950" indent="-285750">
+              <a:defRPr sz="1200">
+                <a:solidFill>
+                  <a:schemeClr val="tx1"/>
+                </a:solidFill>
+                <a:latin typeface="Calibri" pitchFamily="34" charset="0"/>
+              </a:defRPr>
+            </a:lvl2pPr>
+            <a:lvl3pPr marL="1143000" indent="-228600">
+              <a:defRPr sz="1200">
+                <a:solidFill>
+                  <a:schemeClr val="tx1"/>
+                </a:solidFill>
+                <a:latin typeface="Calibri" pitchFamily="34" charset="0"/>
+              </a:defRPr>
+            </a:lvl3pPr>
+            <a:lvl4pPr marL="1600200" indent="-228600">
+              <a:defRPr sz="1200">
+                <a:solidFill>
+                  <a:schemeClr val="tx1"/>
+                </a:solidFill>
+                <a:latin typeface="Calibri" pitchFamily="34" charset="0"/>
+              </a:defRPr>
+            </a:lvl4pPr>
+            <a:lvl5pPr marL="2057400" indent="-228600">
+              <a:defRPr sz="1200">
+                <a:solidFill>
+                  <a:schemeClr val="tx1"/>
+                </a:solidFill>
+                <a:latin typeface="Calibri" pitchFamily="34" charset="0"/>
+              </a:defRPr>
+            </a:lvl5pPr>
+            <a:lvl6pPr marL="2514600" indent="-228600" fontAlgn="base">
+              <a:spcBef>
+                <a:spcPct val="30000"/>
+              </a:spcBef>
+              <a:spcAft>
+                <a:spcPct val="0"/>
+              </a:spcAft>
+              <a:defRPr sz="1200">
+                <a:solidFill>
+                  <a:schemeClr val="tx1"/>
+                </a:solidFill>
+                <a:latin typeface="Calibri" pitchFamily="34" charset="0"/>
+              </a:defRPr>
+            </a:lvl6pPr>
+            <a:lvl7pPr marL="2971800" indent="-228600" fontAlgn="base">
+              <a:spcBef>
+                <a:spcPct val="30000"/>
+              </a:spcBef>
+              <a:spcAft>
+                <a:spcPct val="0"/>
+              </a:spcAft>
+              <a:defRPr sz="1200">
+                <a:solidFill>
+                  <a:schemeClr val="tx1"/>
+                </a:solidFill>
+                <a:latin typeface="Calibri" pitchFamily="34" charset="0"/>
+              </a:defRPr>
+            </a:lvl7pPr>
+            <a:lvl8pPr marL="3429000" indent="-228600" fontAlgn="base">
+              <a:spcBef>
+                <a:spcPct val="30000"/>
+              </a:spcBef>
+              <a:spcAft>
+                <a:spcPct val="0"/>
+              </a:spcAft>
+              <a:defRPr sz="1200">
+                <a:solidFill>
+                  <a:schemeClr val="tx1"/>
+                </a:solidFill>
+                <a:latin typeface="Calibri" pitchFamily="34" charset="0"/>
+              </a:defRPr>
+            </a:lvl8pPr>
+            <a:lvl9pPr marL="3886200" indent="-228600" fontAlgn="base">
+              <a:spcBef>
+                <a:spcPct val="30000"/>
+              </a:spcBef>
+              <a:spcAft>
+                <a:spcPct val="0"/>
+              </a:spcAft>
+              <a:defRPr sz="1200">
+                <a:solidFill>
+                  <a:schemeClr val="tx1"/>
+                </a:solidFill>
+                <a:latin typeface="Calibri" pitchFamily="34" charset="0"/>
+              </a:defRPr>
+            </a:lvl9pPr>
+          </a:lstStyle>
+          <a:p>
+            <a:pPr>
+              <a:spcBef>
+                <a:spcPct val="0"/>
+              </a:spcBef>
+            </a:pPr>
+            <a:endParaRPr lang="en-US" smtClean="0"/>
+          </a:p>
+        </p:txBody>
+      </p:sp>
+    </p:spTree>
+  </p:cSld>
+  <p:clrMapOvr>
+    <a:masterClrMapping/>
+  </p:clrMapOvr>
+</p:notes>
 </file>
 
 <file path=ppt/slideLayouts/slideLayout1.xml><?xml version="1.0" encoding="utf-8"?>
@@ -4062,7 +4995,7 @@
 </p:sld>
 </file>
 
-<file path=ppt/slides/slide2.xml><?xml version="1.0" encoding="utf-8"?>
+<file path=ppt/slides/slide10.xml><?xml version="1.0" encoding="utf-8"?>
 <p:sld xmlns:a="http://schemas.openxmlformats.org/drawingml/2006/main" xmlns:r="http://schemas.openxmlformats.org/officeDocument/2006/relationships" xmlns:p="http://schemas.openxmlformats.org/presentationml/2006/main">
   <p:cSld>
     <p:spTree>
@@ -4089,98 +5022,114 @@
             <p:ph type="title"/>
           </p:nvPr>
         </p:nvSpPr>
-        <p:spPr/>
-        <p:txBody>
-          <a:bodyPr>
-            <a:normAutofit/>
-          </a:bodyPr>
-          <a:lstStyle/>
-          <a:p>
-            <a:r>
-              <a:rPr lang="en-US" dirty="0" smtClean="0"/>
-              <a:t>Major Functions</a:t>
-            </a:r>
-            <a:endParaRPr lang="en-US" dirty="0"/>
-          </a:p>
-        </p:txBody>
-      </p:sp>
-      <p:sp>
-        <p:nvSpPr>
-          <p:cNvPr id="3" name="Content Placeholder 2"/>
-          <p:cNvSpPr>
-            <a:spLocks noGrp="1"/>
-          </p:cNvSpPr>
-          <p:nvPr>
-            <p:ph idx="1"/>
-          </p:nvPr>
-        </p:nvSpPr>
-        <p:spPr/>
+        <p:spPr>
+          <a:xfrm>
+            <a:off x="76200" y="267494"/>
+            <a:ext cx="8915400" cy="1399032"/>
+          </a:xfrm>
+        </p:spPr>
         <p:txBody>
           <a:bodyPr/>
           <a:lstStyle/>
           <a:p>
             <a:r>
               <a:rPr lang="en-US" dirty="0" smtClean="0"/>
-              <a:t>Create Connection</a:t>
-            </a:r>
-          </a:p>
-          <a:p>
+              <a:t>Design – </a:t>
+            </a:r>
+            <a:r>
+              <a:rPr lang="en-US" dirty="0" err="1" smtClean="0"/>
+              <a:t>ConnDetails</a:t>
+            </a:r>
             <a:r>
               <a:rPr lang="en-US" dirty="0" smtClean="0"/>
-              <a:t>Edit Connection</a:t>
-            </a:r>
-          </a:p>
-          <a:p>
-            <a:r>
-              <a:rPr lang="en-US" dirty="0" smtClean="0"/>
-              <a:t>Delete Connection</a:t>
-            </a:r>
-          </a:p>
-          <a:p>
-            <a:r>
-              <a:rPr lang="en-US" dirty="0" smtClean="0"/>
-              <a:t>Generate KML File</a:t>
-            </a:r>
-          </a:p>
-          <a:p>
-            <a:pPr lvl="1"/>
-            <a:r>
-              <a:rPr lang="en-US" dirty="0" smtClean="0"/>
-              <a:t>Web Service</a:t>
-            </a:r>
-          </a:p>
-          <a:p>
-            <a:pPr lvl="1"/>
-            <a:r>
-              <a:rPr lang="en-US" dirty="0" smtClean="0"/>
-              <a:t>Web Application</a:t>
-            </a:r>
-          </a:p>
-          <a:p>
-            <a:r>
-              <a:rPr lang="en-US" dirty="0" smtClean="0"/>
-              <a:t>Preview KML on Google Maps</a:t>
+              <a:t>: </a:t>
+            </a:r>
+            <a:r>
+              <a:rPr lang="en-US" dirty="0" err="1" smtClean="0"/>
+              <a:t>ConnInfo</a:t>
             </a:r>
             <a:endParaRPr lang="en-US" dirty="0"/>
           </a:p>
         </p:txBody>
       </p:sp>
+      <p:pic>
+        <p:nvPicPr>
+          <p:cNvPr id="2050" name="Picture 2"/>
+          <p:cNvPicPr>
+            <a:picLocks noChangeAspect="1" noChangeArrowheads="1"/>
+          </p:cNvPicPr>
+          <p:nvPr/>
+        </p:nvPicPr>
+        <p:blipFill>
+          <a:blip r:embed="rId2">
+            <a:extLst>
+              <a:ext uri="{28A0092B-C50C-407E-A947-70E740481C1C}">
+                <a14:useLocalDpi xmlns:a14="http://schemas.microsoft.com/office/drawing/2010/main" val="0"/>
+              </a:ext>
+            </a:extLst>
+          </a:blip>
+          <a:srcRect/>
+          <a:stretch>
+            <a:fillRect/>
+          </a:stretch>
+        </p:blipFill>
+        <p:spPr bwMode="auto">
+          <a:xfrm>
+            <a:off x="228600" y="1905000"/>
+            <a:ext cx="8763000" cy="4377217"/>
+          </a:xfrm>
+          <a:prstGeom prst="rect">
+            <a:avLst/>
+          </a:prstGeom>
+          <a:noFill/>
+          <a:ln>
+            <a:noFill/>
+          </a:ln>
+          <a:effectLst/>
+          <a:extLst>
+            <a:ext uri="{909E8E84-426E-40DD-AFC4-6F175D3DCCD1}">
+              <a14:hiddenFill xmlns:a14="http://schemas.microsoft.com/office/drawing/2010/main">
+                <a:solidFill>
+                  <a:schemeClr val="accent1"/>
+                </a:solidFill>
+              </a14:hiddenFill>
+            </a:ext>
+            <a:ext uri="{91240B29-F687-4F45-9708-019B960494DF}">
+              <a14:hiddenLine xmlns:a14="http://schemas.microsoft.com/office/drawing/2010/main" w="9525">
+                <a:solidFill>
+                  <a:schemeClr val="tx1"/>
+                </a:solidFill>
+                <a:miter lim="800000"/>
+                <a:headEnd/>
+                <a:tailEnd/>
+              </a14:hiddenLine>
+            </a:ext>
+            <a:ext uri="{AF507438-7753-43E0-B8FC-AC1667EBCBE1}">
+              <a14:hiddenEffects xmlns:a14="http://schemas.microsoft.com/office/drawing/2010/main">
+                <a:effectLst>
+                  <a:outerShdw dist="35921" dir="2700000" algn="ctr" rotWithShape="0">
+                    <a:schemeClr val="bg2"/>
+                  </a:outerShdw>
+                </a:effectLst>
+              </a14:hiddenEffects>
+            </a:ext>
+          </a:extLst>
+        </p:spPr>
+      </p:pic>
     </p:spTree>
+    <p:extLst>
+      <p:ext uri="{BB962C8B-B14F-4D97-AF65-F5344CB8AC3E}">
+        <p14:creationId xmlns:p14="http://schemas.microsoft.com/office/powerpoint/2010/main" val="1904229652"/>
+      </p:ext>
+    </p:extLst>
   </p:cSld>
   <p:clrMapOvr>
     <a:masterClrMapping/>
   </p:clrMapOvr>
-  <p:timing>
-    <p:tnLst>
-      <p:par>
-        <p:cTn xmlns:p14="http://schemas.microsoft.com/office/powerpoint/2010/main" id="1" dur="indefinite" restart="never" nodeType="tmRoot"/>
-      </p:par>
-    </p:tnLst>
-  </p:timing>
 </p:sld>
 </file>
 
-<file path=ppt/slides/slide3.xml><?xml version="1.0" encoding="utf-8"?>
+<file path=ppt/slides/slide11.xml><?xml version="1.0" encoding="utf-8"?>
 <p:sld xmlns:a="http://schemas.openxmlformats.org/drawingml/2006/main" xmlns:r="http://schemas.openxmlformats.org/officeDocument/2006/relationships" xmlns:p="http://schemas.openxmlformats.org/presentationml/2006/main">
   <p:cSld>
     <p:spTree>
@@ -4207,114 +5156,110 @@
             <p:ph type="title"/>
           </p:nvPr>
         </p:nvSpPr>
-        <p:spPr/>
+        <p:spPr>
+          <a:xfrm>
+            <a:off x="76200" y="267494"/>
+            <a:ext cx="8915400" cy="1399032"/>
+          </a:xfrm>
+        </p:spPr>
         <p:txBody>
           <a:bodyPr/>
           <a:lstStyle/>
           <a:p>
             <a:r>
               <a:rPr lang="en-US" dirty="0" smtClean="0"/>
-              <a:t>List of Requirements</a:t>
+              <a:t>Design – </a:t>
+            </a:r>
+            <a:r>
+              <a:rPr lang="en-US" dirty="0" err="1" smtClean="0"/>
+              <a:t>ConnDetails</a:t>
+            </a:r>
+            <a:r>
+              <a:rPr lang="en-US" dirty="0" smtClean="0"/>
+              <a:t>: Mapping</a:t>
             </a:r>
             <a:endParaRPr lang="en-US" dirty="0"/>
           </a:p>
         </p:txBody>
       </p:sp>
-      <p:sp>
-        <p:nvSpPr>
-          <p:cNvPr id="3" name="Content Placeholder 2"/>
-          <p:cNvSpPr>
-            <a:spLocks noGrp="1"/>
-          </p:cNvSpPr>
-          <p:nvPr>
-            <p:ph idx="1"/>
-          </p:nvPr>
-        </p:nvSpPr>
-        <p:spPr>
-          <a:xfrm>
-            <a:off x="457200" y="1676400"/>
-            <a:ext cx="8229600" cy="4572000"/>
-          </a:xfrm>
-        </p:spPr>
-        <p:txBody>
-          <a:bodyPr/>
-          <a:lstStyle/>
-          <a:p>
-            <a:r>
-              <a:rPr lang="en-US" dirty="0" smtClean="0"/>
-              <a:t>Create Connection</a:t>
-            </a:r>
-          </a:p>
-          <a:p>
-            <a:r>
-              <a:rPr lang="en-US" dirty="0" smtClean="0"/>
-              <a:t>Edit Connection</a:t>
-            </a:r>
-          </a:p>
-          <a:p>
-            <a:r>
-              <a:rPr lang="en-US" dirty="0" smtClean="0"/>
-              <a:t>Delete Connection</a:t>
-            </a:r>
-          </a:p>
-          <a:p>
-            <a:r>
-              <a:rPr lang="en-US" dirty="0" smtClean="0"/>
-              <a:t>View </a:t>
-            </a:r>
-            <a:r>
-              <a:rPr lang="en-US" dirty="0" smtClean="0"/>
-              <a:t>Connection</a:t>
-            </a:r>
-          </a:p>
-          <a:p>
-            <a:r>
-              <a:rPr lang="en-US" dirty="0"/>
-              <a:t>Map database fields to KML fields</a:t>
-            </a:r>
-          </a:p>
-          <a:p>
-            <a:r>
-              <a:rPr lang="en-US" dirty="0"/>
-              <a:t>View Values from Database Tables</a:t>
-            </a:r>
-          </a:p>
-          <a:p>
-            <a:r>
-              <a:rPr lang="en-US" dirty="0"/>
-              <a:t>Set Description</a:t>
-            </a:r>
-          </a:p>
-          <a:p>
-            <a:r>
-              <a:rPr lang="en-US" dirty="0"/>
-              <a:t>Insert field value into KML description</a:t>
-            </a:r>
-          </a:p>
-          <a:p>
-            <a:endParaRPr lang="en-US" dirty="0" smtClean="0"/>
-          </a:p>
-          <a:p>
-            <a:endParaRPr lang="en-US" dirty="0"/>
-          </a:p>
-        </p:txBody>
-      </p:sp>
+      <p:pic>
+        <p:nvPicPr>
+          <p:cNvPr id="3074" name="Picture 2"/>
+          <p:cNvPicPr>
+            <a:picLocks noChangeAspect="1" noChangeArrowheads="1"/>
+          </p:cNvPicPr>
+          <p:nvPr/>
+        </p:nvPicPr>
+        <p:blipFill>
+          <a:blip r:embed="rId2">
+            <a:extLst>
+              <a:ext uri="{28A0092B-C50C-407E-A947-70E740481C1C}">
+                <a14:useLocalDpi xmlns:a14="http://schemas.microsoft.com/office/drawing/2010/main" val="0"/>
+              </a:ext>
+            </a:extLst>
+          </a:blip>
+          <a:srcRect/>
+          <a:stretch>
+            <a:fillRect/>
+          </a:stretch>
+        </p:blipFill>
+        <p:spPr bwMode="auto">
+          <a:xfrm>
+            <a:off x="76200" y="2438400"/>
+            <a:ext cx="8991600" cy="3255735"/>
+          </a:xfrm>
+          <a:prstGeom prst="rect">
+            <a:avLst/>
+          </a:prstGeom>
+          <a:noFill/>
+          <a:ln>
+            <a:noFill/>
+          </a:ln>
+          <a:effectLst/>
+          <a:extLst>
+            <a:ext uri="{909E8E84-426E-40DD-AFC4-6F175D3DCCD1}">
+              <a14:hiddenFill xmlns:a14="http://schemas.microsoft.com/office/drawing/2010/main">
+                <a:solidFill>
+                  <a:schemeClr val="accent1"/>
+                </a:solidFill>
+              </a14:hiddenFill>
+            </a:ext>
+            <a:ext uri="{91240B29-F687-4F45-9708-019B960494DF}">
+              <a14:hiddenLine xmlns:a14="http://schemas.microsoft.com/office/drawing/2010/main" w="9525">
+                <a:solidFill>
+                  <a:schemeClr val="tx1"/>
+                </a:solidFill>
+                <a:miter lim="800000"/>
+                <a:headEnd/>
+                <a:tailEnd/>
+              </a14:hiddenLine>
+            </a:ext>
+            <a:ext uri="{AF507438-7753-43E0-B8FC-AC1667EBCBE1}">
+              <a14:hiddenEffects xmlns:a14="http://schemas.microsoft.com/office/drawing/2010/main">
+                <a:effectLst>
+                  <a:outerShdw dist="35921" dir="2700000" algn="ctr" rotWithShape="0">
+                    <a:schemeClr val="bg2"/>
+                  </a:outerShdw>
+                </a:effectLst>
+              </a14:hiddenEffects>
+            </a:ext>
+          </a:extLst>
+        </p:spPr>
+      </p:pic>
     </p:spTree>
+    <p:extLst>
+      <p:ext uri="{BB962C8B-B14F-4D97-AF65-F5344CB8AC3E}">
+        <p14:creationId xmlns:p14="http://schemas.microsoft.com/office/powerpoint/2010/main" val="4164307088"/>
+      </p:ext>
+    </p:extLst>
   </p:cSld>
   <p:clrMapOvr>
     <a:masterClrMapping/>
   </p:clrMapOvr>
-  <p:timing>
-    <p:tnLst>
-      <p:par>
-        <p:cTn xmlns:p14="http://schemas.microsoft.com/office/powerpoint/2010/main" id="1" dur="indefinite" restart="never" nodeType="tmRoot"/>
-      </p:par>
-    </p:tnLst>
-  </p:timing>
 </p:sld>
 </file>
 
-<file path=ppt/slides/slide4.xml><?xml version="1.0" encoding="utf-8"?>
+<file path=ppt/slides/slide12.xml><?xml version="1.0" encoding="utf-8"?>
 <p:sld xmlns:a="http://schemas.openxmlformats.org/drawingml/2006/main" xmlns:r="http://schemas.openxmlformats.org/officeDocument/2006/relationships" xmlns:p="http://schemas.openxmlformats.org/presentationml/2006/main">
   <p:cSld>
     <p:spTree>
@@ -4343,8 +5288,8 @@
         </p:nvSpPr>
         <p:spPr>
           <a:xfrm>
-            <a:off x="381000" y="277368"/>
-            <a:ext cx="8229600" cy="1399032"/>
+            <a:off x="-228600" y="267494"/>
+            <a:ext cx="9372600" cy="1399032"/>
           </a:xfrm>
         </p:spPr>
         <p:txBody>
@@ -4353,124 +5298,574 @@
           <a:p>
             <a:r>
               <a:rPr lang="en-US" dirty="0" smtClean="0"/>
-              <a:t>Requirements, cont.</a:t>
+              <a:t>Design - </a:t>
+            </a:r>
+            <a:r>
+              <a:rPr lang="en-US" dirty="0" err="1" smtClean="0"/>
+              <a:t>ConnDetails</a:t>
+            </a:r>
+            <a:r>
+              <a:rPr lang="en-US" dirty="0" smtClean="0"/>
+              <a:t>: Description</a:t>
             </a:r>
             <a:endParaRPr lang="en-US" dirty="0"/>
           </a:p>
         </p:txBody>
       </p:sp>
-      <p:sp>
-        <p:nvSpPr>
-          <p:cNvPr id="3" name="Content Placeholder 2"/>
-          <p:cNvSpPr>
-            <a:spLocks noGrp="1"/>
-          </p:cNvSpPr>
-          <p:nvPr>
-            <p:ph idx="1"/>
-          </p:nvPr>
-        </p:nvSpPr>
-        <p:spPr>
-          <a:xfrm>
-            <a:off x="457200" y="1828800"/>
-            <a:ext cx="8229600" cy="4724400"/>
-          </a:xfrm>
-        </p:spPr>
-        <p:txBody>
-          <a:bodyPr>
-            <a:normAutofit/>
-          </a:bodyPr>
-          <a:lstStyle/>
-          <a:p>
-            <a:r>
-              <a:rPr lang="en-US" dirty="0" smtClean="0"/>
-              <a:t>Upload an Icon from User’s Computer</a:t>
-            </a:r>
-          </a:p>
-          <a:p>
-            <a:r>
-              <a:rPr lang="en-US" dirty="0" smtClean="0"/>
-              <a:t>Upload an Icon from the web</a:t>
-            </a:r>
-          </a:p>
-          <a:p>
-            <a:r>
-              <a:rPr lang="en-US" dirty="0" smtClean="0"/>
-              <a:t>Add an </a:t>
-            </a:r>
-            <a:r>
-              <a:rPr lang="en-US" dirty="0" smtClean="0"/>
-              <a:t>Icon </a:t>
-            </a:r>
-            <a:r>
-              <a:rPr lang="en-US" dirty="0" smtClean="0"/>
-              <a:t>to the </a:t>
-            </a:r>
-            <a:r>
-              <a:rPr lang="en-US" dirty="0" smtClean="0"/>
-              <a:t>Connection</a:t>
-            </a:r>
-            <a:endParaRPr lang="en-US" dirty="0" smtClean="0"/>
-          </a:p>
-          <a:p>
-            <a:r>
-              <a:rPr lang="en-US" dirty="0" smtClean="0"/>
-              <a:t>Select </a:t>
-            </a:r>
-            <a:r>
-              <a:rPr lang="en-US" dirty="0" smtClean="0"/>
-              <a:t>Icon Overlay Color</a:t>
-            </a:r>
-            <a:endParaRPr lang="en-US" dirty="0" smtClean="0"/>
-          </a:p>
-          <a:p>
-            <a:r>
-              <a:rPr lang="en-US" dirty="0" smtClean="0"/>
-              <a:t>Set </a:t>
-            </a:r>
-            <a:r>
-              <a:rPr lang="en-US" dirty="0" smtClean="0"/>
-              <a:t>Icon Condition</a:t>
-            </a:r>
-          </a:p>
-          <a:p>
-            <a:r>
-              <a:rPr lang="en-US" dirty="0"/>
-              <a:t>Generate KML from Web Service</a:t>
-            </a:r>
-          </a:p>
-          <a:p>
-            <a:r>
-              <a:rPr lang="en-US" dirty="0"/>
-              <a:t>Generate KML from Web Application</a:t>
-            </a:r>
-          </a:p>
-          <a:p>
-            <a:r>
-              <a:rPr lang="en-US" dirty="0"/>
-              <a:t>Preview KML on Google Maps</a:t>
-            </a:r>
-          </a:p>
-          <a:p>
-            <a:endParaRPr lang="en-US" dirty="0" smtClean="0"/>
-          </a:p>
-        </p:txBody>
-      </p:sp>
+      <p:pic>
+        <p:nvPicPr>
+          <p:cNvPr id="4098" name="Picture 2"/>
+          <p:cNvPicPr>
+            <a:picLocks noChangeAspect="1" noChangeArrowheads="1"/>
+          </p:cNvPicPr>
+          <p:nvPr/>
+        </p:nvPicPr>
+        <p:blipFill>
+          <a:blip r:embed="rId2">
+            <a:extLst>
+              <a:ext uri="{28A0092B-C50C-407E-A947-70E740481C1C}">
+                <a14:useLocalDpi xmlns:a14="http://schemas.microsoft.com/office/drawing/2010/main" val="0"/>
+              </a:ext>
+            </a:extLst>
+          </a:blip>
+          <a:srcRect/>
+          <a:stretch>
+            <a:fillRect/>
+          </a:stretch>
+        </p:blipFill>
+        <p:spPr bwMode="auto">
+          <a:xfrm>
+            <a:off x="76200" y="2057400"/>
+            <a:ext cx="8915400" cy="3928820"/>
+          </a:xfrm>
+          <a:prstGeom prst="rect">
+            <a:avLst/>
+          </a:prstGeom>
+          <a:noFill/>
+          <a:ln>
+            <a:noFill/>
+          </a:ln>
+          <a:effectLst/>
+          <a:extLst>
+            <a:ext uri="{909E8E84-426E-40DD-AFC4-6F175D3DCCD1}">
+              <a14:hiddenFill xmlns:a14="http://schemas.microsoft.com/office/drawing/2010/main">
+                <a:solidFill>
+                  <a:schemeClr val="accent1"/>
+                </a:solidFill>
+              </a14:hiddenFill>
+            </a:ext>
+            <a:ext uri="{91240B29-F687-4F45-9708-019B960494DF}">
+              <a14:hiddenLine xmlns:a14="http://schemas.microsoft.com/office/drawing/2010/main" w="9525">
+                <a:solidFill>
+                  <a:schemeClr val="tx1"/>
+                </a:solidFill>
+                <a:miter lim="800000"/>
+                <a:headEnd/>
+                <a:tailEnd/>
+              </a14:hiddenLine>
+            </a:ext>
+            <a:ext uri="{AF507438-7753-43E0-B8FC-AC1667EBCBE1}">
+              <a14:hiddenEffects xmlns:a14="http://schemas.microsoft.com/office/drawing/2010/main">
+                <a:effectLst>
+                  <a:outerShdw dist="35921" dir="2700000" algn="ctr" rotWithShape="0">
+                    <a:schemeClr val="bg2"/>
+                  </a:outerShdw>
+                </a:effectLst>
+              </a14:hiddenEffects>
+            </a:ext>
+          </a:extLst>
+        </p:spPr>
+      </p:pic>
     </p:spTree>
+    <p:extLst>
+      <p:ext uri="{BB962C8B-B14F-4D97-AF65-F5344CB8AC3E}">
+        <p14:creationId xmlns:p14="http://schemas.microsoft.com/office/powerpoint/2010/main" val="506937973"/>
+      </p:ext>
+    </p:extLst>
   </p:cSld>
   <p:clrMapOvr>
     <a:masterClrMapping/>
   </p:clrMapOvr>
-  <p:timing>
-    <p:tnLst>
-      <p:par>
-        <p:cTn xmlns:p14="http://schemas.microsoft.com/office/powerpoint/2010/main" id="1" dur="indefinite" restart="never" nodeType="tmRoot"/>
-      </p:par>
-    </p:tnLst>
-  </p:timing>
 </p:sld>
 </file>
 
-<file path=ppt/slides/slide5.xml><?xml version="1.0" encoding="utf-8"?>
+<file path=ppt/slides/slide13.xml><?xml version="1.0" encoding="utf-8"?>
+<p:sld xmlns:a="http://schemas.openxmlformats.org/drawingml/2006/main" xmlns:r="http://schemas.openxmlformats.org/officeDocument/2006/relationships" xmlns:p="http://schemas.openxmlformats.org/presentationml/2006/main">
+  <p:cSld>
+    <p:spTree>
+      <p:nvGrpSpPr>
+        <p:cNvPr id="1" name=""/>
+        <p:cNvGrpSpPr/>
+        <p:nvPr/>
+      </p:nvGrpSpPr>
+      <p:grpSpPr>
+        <a:xfrm>
+          <a:off x="0" y="0"/>
+          <a:ext cx="0" cy="0"/>
+          <a:chOff x="0" y="0"/>
+          <a:chExt cx="0" cy="0"/>
+        </a:xfrm>
+      </p:grpSpPr>
+      <p:sp>
+        <p:nvSpPr>
+          <p:cNvPr id="2" name="Title 1"/>
+          <p:cNvSpPr>
+            <a:spLocks noGrp="1"/>
+          </p:cNvSpPr>
+          <p:nvPr>
+            <p:ph type="title"/>
+          </p:nvPr>
+        </p:nvSpPr>
+        <p:spPr>
+          <a:xfrm>
+            <a:off x="76200" y="76200"/>
+            <a:ext cx="8991600" cy="1399032"/>
+          </a:xfrm>
+        </p:spPr>
+        <p:txBody>
+          <a:bodyPr/>
+          <a:lstStyle/>
+          <a:p>
+            <a:pPr marL="55563"/>
+            <a:r>
+              <a:rPr lang="en-US" dirty="0" smtClean="0"/>
+              <a:t>Design – </a:t>
+            </a:r>
+            <a:r>
+              <a:rPr lang="en-US" dirty="0" err="1" smtClean="0"/>
+              <a:t>ConnDetails</a:t>
+            </a:r>
+            <a:r>
+              <a:rPr lang="en-US" dirty="0" smtClean="0"/>
+              <a:t>: Icons and Overlays</a:t>
+            </a:r>
+            <a:endParaRPr lang="en-US" dirty="0"/>
+          </a:p>
+        </p:txBody>
+      </p:sp>
+      <p:pic>
+        <p:nvPicPr>
+          <p:cNvPr id="5122" name="Picture 2"/>
+          <p:cNvPicPr>
+            <a:picLocks noChangeAspect="1" noChangeArrowheads="1"/>
+          </p:cNvPicPr>
+          <p:nvPr/>
+        </p:nvPicPr>
+        <p:blipFill>
+          <a:blip r:embed="rId2">
+            <a:extLst>
+              <a:ext uri="{28A0092B-C50C-407E-A947-70E740481C1C}">
+                <a14:useLocalDpi xmlns:a14="http://schemas.microsoft.com/office/drawing/2010/main" val="0"/>
+              </a:ext>
+            </a:extLst>
+          </a:blip>
+          <a:srcRect/>
+          <a:stretch>
+            <a:fillRect/>
+          </a:stretch>
+        </p:blipFill>
+        <p:spPr bwMode="auto">
+          <a:xfrm>
+            <a:off x="0" y="1380049"/>
+            <a:ext cx="8991600" cy="2048951"/>
+          </a:xfrm>
+          <a:prstGeom prst="rect">
+            <a:avLst/>
+          </a:prstGeom>
+          <a:noFill/>
+          <a:ln>
+            <a:noFill/>
+          </a:ln>
+          <a:effectLst/>
+          <a:extLst>
+            <a:ext uri="{909E8E84-426E-40DD-AFC4-6F175D3DCCD1}">
+              <a14:hiddenFill xmlns:a14="http://schemas.microsoft.com/office/drawing/2010/main">
+                <a:solidFill>
+                  <a:schemeClr val="accent1"/>
+                </a:solidFill>
+              </a14:hiddenFill>
+            </a:ext>
+            <a:ext uri="{91240B29-F687-4F45-9708-019B960494DF}">
+              <a14:hiddenLine xmlns:a14="http://schemas.microsoft.com/office/drawing/2010/main" w="9525">
+                <a:solidFill>
+                  <a:schemeClr val="tx1"/>
+                </a:solidFill>
+                <a:miter lim="800000"/>
+                <a:headEnd/>
+                <a:tailEnd/>
+              </a14:hiddenLine>
+            </a:ext>
+            <a:ext uri="{AF507438-7753-43E0-B8FC-AC1667EBCBE1}">
+              <a14:hiddenEffects xmlns:a14="http://schemas.microsoft.com/office/drawing/2010/main">
+                <a:effectLst>
+                  <a:outerShdw dist="35921" dir="2700000" algn="ctr" rotWithShape="0">
+                    <a:schemeClr val="bg2"/>
+                  </a:outerShdw>
+                </a:effectLst>
+              </a14:hiddenEffects>
+            </a:ext>
+          </a:extLst>
+        </p:spPr>
+      </p:pic>
+      <p:pic>
+        <p:nvPicPr>
+          <p:cNvPr id="5123" name="Picture 3"/>
+          <p:cNvPicPr>
+            <a:picLocks noChangeAspect="1" noChangeArrowheads="1"/>
+          </p:cNvPicPr>
+          <p:nvPr/>
+        </p:nvPicPr>
+        <p:blipFill>
+          <a:blip r:embed="rId3">
+            <a:extLst>
+              <a:ext uri="{28A0092B-C50C-407E-A947-70E740481C1C}">
+                <a14:useLocalDpi xmlns:a14="http://schemas.microsoft.com/office/drawing/2010/main" val="0"/>
+              </a:ext>
+            </a:extLst>
+          </a:blip>
+          <a:srcRect/>
+          <a:stretch>
+            <a:fillRect/>
+          </a:stretch>
+        </p:blipFill>
+        <p:spPr bwMode="auto">
+          <a:xfrm>
+            <a:off x="0" y="3518498"/>
+            <a:ext cx="9059091" cy="3339502"/>
+          </a:xfrm>
+          <a:prstGeom prst="rect">
+            <a:avLst/>
+          </a:prstGeom>
+          <a:noFill/>
+          <a:ln>
+            <a:noFill/>
+          </a:ln>
+          <a:effectLst/>
+          <a:extLst>
+            <a:ext uri="{909E8E84-426E-40DD-AFC4-6F175D3DCCD1}">
+              <a14:hiddenFill xmlns:a14="http://schemas.microsoft.com/office/drawing/2010/main">
+                <a:solidFill>
+                  <a:schemeClr val="accent1"/>
+                </a:solidFill>
+              </a14:hiddenFill>
+            </a:ext>
+            <a:ext uri="{91240B29-F687-4F45-9708-019B960494DF}">
+              <a14:hiddenLine xmlns:a14="http://schemas.microsoft.com/office/drawing/2010/main" w="9525">
+                <a:solidFill>
+                  <a:schemeClr val="tx1"/>
+                </a:solidFill>
+                <a:miter lim="800000"/>
+                <a:headEnd/>
+                <a:tailEnd/>
+              </a14:hiddenLine>
+            </a:ext>
+            <a:ext uri="{AF507438-7753-43E0-B8FC-AC1667EBCBE1}">
+              <a14:hiddenEffects xmlns:a14="http://schemas.microsoft.com/office/drawing/2010/main">
+                <a:effectLst>
+                  <a:outerShdw dist="35921" dir="2700000" algn="ctr" rotWithShape="0">
+                    <a:schemeClr val="bg2"/>
+                  </a:outerShdw>
+                </a:effectLst>
+              </a14:hiddenEffects>
+            </a:ext>
+          </a:extLst>
+        </p:spPr>
+      </p:pic>
+    </p:spTree>
+    <p:extLst>
+      <p:ext uri="{BB962C8B-B14F-4D97-AF65-F5344CB8AC3E}">
+        <p14:creationId xmlns:p14="http://schemas.microsoft.com/office/powerpoint/2010/main" val="849199070"/>
+      </p:ext>
+    </p:extLst>
+  </p:cSld>
+  <p:clrMapOvr>
+    <a:masterClrMapping/>
+  </p:clrMapOvr>
+</p:sld>
+</file>
+
+<file path=ppt/slides/slide14.xml><?xml version="1.0" encoding="utf-8"?>
+<p:sld xmlns:a="http://schemas.openxmlformats.org/drawingml/2006/main" xmlns:r="http://schemas.openxmlformats.org/officeDocument/2006/relationships" xmlns:p="http://schemas.openxmlformats.org/presentationml/2006/main">
+  <p:cSld>
+    <p:spTree>
+      <p:nvGrpSpPr>
+        <p:cNvPr id="1" name=""/>
+        <p:cNvGrpSpPr/>
+        <p:nvPr/>
+      </p:nvGrpSpPr>
+      <p:grpSpPr>
+        <a:xfrm>
+          <a:off x="0" y="0"/>
+          <a:ext cx="0" cy="0"/>
+          <a:chOff x="0" y="0"/>
+          <a:chExt cx="0" cy="0"/>
+        </a:xfrm>
+      </p:grpSpPr>
+      <p:sp>
+        <p:nvSpPr>
+          <p:cNvPr id="2" name="Title 1"/>
+          <p:cNvSpPr>
+            <a:spLocks noGrp="1"/>
+          </p:cNvSpPr>
+          <p:nvPr>
+            <p:ph type="title"/>
+          </p:nvPr>
+        </p:nvSpPr>
+        <p:spPr>
+          <a:xfrm>
+            <a:off x="457200" y="76200"/>
+            <a:ext cx="8229600" cy="1399032"/>
+          </a:xfrm>
+        </p:spPr>
+        <p:txBody>
+          <a:bodyPr/>
+          <a:lstStyle/>
+          <a:p>
+            <a:r>
+              <a:rPr lang="en-US" dirty="0" smtClean="0"/>
+              <a:t>Design - </a:t>
+            </a:r>
+            <a:r>
+              <a:rPr lang="en-US" dirty="0" err="1" smtClean="0"/>
+              <a:t>KMLGenWebSVC</a:t>
+            </a:r>
+            <a:endParaRPr lang="en-US" dirty="0"/>
+          </a:p>
+        </p:txBody>
+      </p:sp>
+      <p:pic>
+        <p:nvPicPr>
+          <p:cNvPr id="7170" name="Picture 2"/>
+          <p:cNvPicPr>
+            <a:picLocks noChangeAspect="1" noChangeArrowheads="1"/>
+          </p:cNvPicPr>
+          <p:nvPr/>
+        </p:nvPicPr>
+        <p:blipFill>
+          <a:blip r:embed="rId2">
+            <a:extLst>
+              <a:ext uri="{28A0092B-C50C-407E-A947-70E740481C1C}">
+                <a14:useLocalDpi xmlns:a14="http://schemas.microsoft.com/office/drawing/2010/main" val="0"/>
+              </a:ext>
+            </a:extLst>
+          </a:blip>
+          <a:srcRect/>
+          <a:stretch>
+            <a:fillRect/>
+          </a:stretch>
+        </p:blipFill>
+        <p:spPr bwMode="auto">
+          <a:xfrm>
+            <a:off x="152400" y="1219200"/>
+            <a:ext cx="8841406" cy="5257800"/>
+          </a:xfrm>
+          <a:prstGeom prst="rect">
+            <a:avLst/>
+          </a:prstGeom>
+          <a:noFill/>
+          <a:ln>
+            <a:noFill/>
+          </a:ln>
+          <a:effectLst/>
+          <a:extLst>
+            <a:ext uri="{909E8E84-426E-40DD-AFC4-6F175D3DCCD1}">
+              <a14:hiddenFill xmlns:a14="http://schemas.microsoft.com/office/drawing/2010/main">
+                <a:solidFill>
+                  <a:schemeClr val="accent1"/>
+                </a:solidFill>
+              </a14:hiddenFill>
+            </a:ext>
+            <a:ext uri="{91240B29-F687-4F45-9708-019B960494DF}">
+              <a14:hiddenLine xmlns:a14="http://schemas.microsoft.com/office/drawing/2010/main" w="9525">
+                <a:solidFill>
+                  <a:schemeClr val="tx1"/>
+                </a:solidFill>
+                <a:miter lim="800000"/>
+                <a:headEnd/>
+                <a:tailEnd/>
+              </a14:hiddenLine>
+            </a:ext>
+            <a:ext uri="{AF507438-7753-43E0-B8FC-AC1667EBCBE1}">
+              <a14:hiddenEffects xmlns:a14="http://schemas.microsoft.com/office/drawing/2010/main">
+                <a:effectLst>
+                  <a:outerShdw dist="35921" dir="2700000" algn="ctr" rotWithShape="0">
+                    <a:schemeClr val="bg2"/>
+                  </a:outerShdw>
+                </a:effectLst>
+              </a14:hiddenEffects>
+            </a:ext>
+          </a:extLst>
+        </p:spPr>
+      </p:pic>
+      <p:cxnSp>
+        <p:nvCxnSpPr>
+          <p:cNvPr id="6" name="Straight Arrow Connector 5"/>
+          <p:cNvCxnSpPr/>
+          <p:nvPr/>
+        </p:nvCxnSpPr>
+        <p:spPr>
+          <a:xfrm>
+            <a:off x="2743200" y="2209800"/>
+            <a:ext cx="3048000" cy="1676400"/>
+          </a:xfrm>
+          <a:prstGeom prst="straightConnector1">
+            <a:avLst/>
+          </a:prstGeom>
+          <a:ln w="76200">
+            <a:tailEnd type="arrow"/>
+          </a:ln>
+        </p:spPr>
+        <p:style>
+          <a:lnRef idx="3">
+            <a:schemeClr val="accent1"/>
+          </a:lnRef>
+          <a:fillRef idx="0">
+            <a:schemeClr val="accent1"/>
+          </a:fillRef>
+          <a:effectRef idx="2">
+            <a:schemeClr val="accent1"/>
+          </a:effectRef>
+          <a:fontRef idx="minor">
+            <a:schemeClr val="tx1"/>
+          </a:fontRef>
+        </p:style>
+      </p:cxnSp>
+    </p:spTree>
+    <p:extLst>
+      <p:ext uri="{BB962C8B-B14F-4D97-AF65-F5344CB8AC3E}">
+        <p14:creationId xmlns:p14="http://schemas.microsoft.com/office/powerpoint/2010/main" val="1780943853"/>
+      </p:ext>
+    </p:extLst>
+  </p:cSld>
+  <p:clrMapOvr>
+    <a:masterClrMapping/>
+  </p:clrMapOvr>
+</p:sld>
+</file>
+
+<file path=ppt/slides/slide15.xml><?xml version="1.0" encoding="utf-8"?>
+<p:sld xmlns:a="http://schemas.openxmlformats.org/drawingml/2006/main" xmlns:r="http://schemas.openxmlformats.org/officeDocument/2006/relationships" xmlns:p="http://schemas.openxmlformats.org/presentationml/2006/main">
+  <p:cSld>
+    <p:spTree>
+      <p:nvGrpSpPr>
+        <p:cNvPr id="1" name=""/>
+        <p:cNvGrpSpPr/>
+        <p:nvPr/>
+      </p:nvGrpSpPr>
+      <p:grpSpPr>
+        <a:xfrm>
+          <a:off x="0" y="0"/>
+          <a:ext cx="0" cy="0"/>
+          <a:chOff x="0" y="0"/>
+          <a:chExt cx="0" cy="0"/>
+        </a:xfrm>
+      </p:grpSpPr>
+      <p:sp>
+        <p:nvSpPr>
+          <p:cNvPr id="2" name="Title 1"/>
+          <p:cNvSpPr>
+            <a:spLocks noGrp="1"/>
+          </p:cNvSpPr>
+          <p:nvPr>
+            <p:ph type="title"/>
+          </p:nvPr>
+        </p:nvSpPr>
+        <p:spPr>
+          <a:xfrm>
+            <a:off x="457200" y="-76200"/>
+            <a:ext cx="8229600" cy="1399032"/>
+          </a:xfrm>
+        </p:spPr>
+        <p:txBody>
+          <a:bodyPr/>
+          <a:lstStyle/>
+          <a:p>
+            <a:r>
+              <a:rPr lang="en-US" dirty="0" smtClean="0"/>
+              <a:t>Design – Preview KML</a:t>
+            </a:r>
+            <a:endParaRPr lang="en-US" dirty="0"/>
+          </a:p>
+        </p:txBody>
+      </p:sp>
+      <p:pic>
+        <p:nvPicPr>
+          <p:cNvPr id="6146" name="Picture 2"/>
+          <p:cNvPicPr>
+            <a:picLocks noChangeAspect="1" noChangeArrowheads="1"/>
+          </p:cNvPicPr>
+          <p:nvPr/>
+        </p:nvPicPr>
+        <p:blipFill>
+          <a:blip r:embed="rId2">
+            <a:extLst>
+              <a:ext uri="{28A0092B-C50C-407E-A947-70E740481C1C}">
+                <a14:useLocalDpi xmlns:a14="http://schemas.microsoft.com/office/drawing/2010/main" val="0"/>
+              </a:ext>
+            </a:extLst>
+          </a:blip>
+          <a:srcRect/>
+          <a:stretch>
+            <a:fillRect/>
+          </a:stretch>
+        </p:blipFill>
+        <p:spPr bwMode="auto">
+          <a:xfrm>
+            <a:off x="609601" y="1101950"/>
+            <a:ext cx="7848600" cy="5756049"/>
+          </a:xfrm>
+          <a:prstGeom prst="rect">
+            <a:avLst/>
+          </a:prstGeom>
+          <a:noFill/>
+          <a:ln>
+            <a:noFill/>
+          </a:ln>
+          <a:effectLst/>
+          <a:extLst>
+            <a:ext uri="{909E8E84-426E-40DD-AFC4-6F175D3DCCD1}">
+              <a14:hiddenFill xmlns:a14="http://schemas.microsoft.com/office/drawing/2010/main">
+                <a:solidFill>
+                  <a:schemeClr val="accent1"/>
+                </a:solidFill>
+              </a14:hiddenFill>
+            </a:ext>
+            <a:ext uri="{91240B29-F687-4F45-9708-019B960494DF}">
+              <a14:hiddenLine xmlns:a14="http://schemas.microsoft.com/office/drawing/2010/main" w="9525">
+                <a:solidFill>
+                  <a:schemeClr val="tx1"/>
+                </a:solidFill>
+                <a:miter lim="800000"/>
+                <a:headEnd/>
+                <a:tailEnd/>
+              </a14:hiddenLine>
+            </a:ext>
+            <a:ext uri="{AF507438-7753-43E0-B8FC-AC1667EBCBE1}">
+              <a14:hiddenEffects xmlns:a14="http://schemas.microsoft.com/office/drawing/2010/main">
+                <a:effectLst>
+                  <a:outerShdw dist="35921" dir="2700000" algn="ctr" rotWithShape="0">
+                    <a:schemeClr val="bg2"/>
+                  </a:outerShdw>
+                </a:effectLst>
+              </a14:hiddenEffects>
+            </a:ext>
+          </a:extLst>
+        </p:spPr>
+      </p:pic>
+    </p:spTree>
+    <p:extLst>
+      <p:ext uri="{BB962C8B-B14F-4D97-AF65-F5344CB8AC3E}">
+        <p14:creationId xmlns:p14="http://schemas.microsoft.com/office/powerpoint/2010/main" val="3481880667"/>
+      </p:ext>
+    </p:extLst>
+  </p:cSld>
+  <p:clrMapOvr>
+    <a:masterClrMapping/>
+  </p:clrMapOvr>
+</p:sld>
+</file>
+
+<file path=ppt/slides/slide16.xml><?xml version="1.0" encoding="utf-8"?>
 <p:sld xmlns:a="http://schemas.openxmlformats.org/drawingml/2006/main" xmlns:r="http://schemas.openxmlformats.org/officeDocument/2006/relationships" xmlns:p="http://schemas.openxmlformats.org/presentationml/2006/main">
   <p:cSld>
     <p:spTree>
@@ -5339,6 +6734,1027 @@
   <p:clrMapOvr>
     <a:masterClrMapping/>
   </p:clrMapOvr>
+  <p:timing>
+    <p:tnLst>
+      <p:par>
+        <p:cTn xmlns:p14="http://schemas.microsoft.com/office/powerpoint/2010/main" id="1" dur="indefinite" restart="never" nodeType="tmRoot"/>
+      </p:par>
+    </p:tnLst>
+  </p:timing>
+</p:sld>
+</file>
+
+<file path=ppt/slides/slide17.xml><?xml version="1.0" encoding="utf-8"?>
+<p:sld xmlns:a="http://schemas.openxmlformats.org/drawingml/2006/main" xmlns:r="http://schemas.openxmlformats.org/officeDocument/2006/relationships" xmlns:p="http://schemas.openxmlformats.org/presentationml/2006/main">
+  <p:cSld>
+    <p:spTree>
+      <p:nvGrpSpPr>
+        <p:cNvPr id="1" name=""/>
+        <p:cNvGrpSpPr/>
+        <p:nvPr/>
+      </p:nvGrpSpPr>
+      <p:grpSpPr>
+        <a:xfrm>
+          <a:off x="0" y="0"/>
+          <a:ext cx="0" cy="0"/>
+          <a:chOff x="0" y="0"/>
+          <a:chExt cx="0" cy="0"/>
+        </a:xfrm>
+      </p:grpSpPr>
+      <p:sp>
+        <p:nvSpPr>
+          <p:cNvPr id="2" name="Title 1"/>
+          <p:cNvSpPr>
+            <a:spLocks noGrp="1"/>
+          </p:cNvSpPr>
+          <p:nvPr>
+            <p:ph type="title"/>
+          </p:nvPr>
+        </p:nvSpPr>
+        <p:spPr>
+          <a:xfrm>
+            <a:off x="457200" y="2895600"/>
+            <a:ext cx="6172200" cy="1143000"/>
+          </a:xfrm>
+        </p:spPr>
+        <p:txBody>
+          <a:bodyPr/>
+          <a:lstStyle/>
+          <a:p>
+            <a:r>
+              <a:rPr lang="en-US" dirty="0" smtClean="0"/>
+              <a:t>Questions?</a:t>
+            </a:r>
+            <a:endParaRPr lang="en-US" dirty="0"/>
+          </a:p>
+        </p:txBody>
+      </p:sp>
+    </p:spTree>
+  </p:cSld>
+  <p:clrMapOvr>
+    <a:masterClrMapping/>
+  </p:clrMapOvr>
+  <p:timing>
+    <p:tnLst>
+      <p:par>
+        <p:cTn xmlns:p14="http://schemas.microsoft.com/office/powerpoint/2010/main" id="1" dur="indefinite" restart="never" nodeType="tmRoot"/>
+      </p:par>
+    </p:tnLst>
+  </p:timing>
+</p:sld>
+</file>
+
+<file path=ppt/slides/slide2.xml><?xml version="1.0" encoding="utf-8"?>
+<p:sld xmlns:a="http://schemas.openxmlformats.org/drawingml/2006/main" xmlns:r="http://schemas.openxmlformats.org/officeDocument/2006/relationships" xmlns:p="http://schemas.openxmlformats.org/presentationml/2006/main">
+  <p:cSld>
+    <p:spTree>
+      <p:nvGrpSpPr>
+        <p:cNvPr id="1" name=""/>
+        <p:cNvGrpSpPr/>
+        <p:nvPr/>
+      </p:nvGrpSpPr>
+      <p:grpSpPr>
+        <a:xfrm>
+          <a:off x="0" y="0"/>
+          <a:ext cx="0" cy="0"/>
+          <a:chOff x="0" y="0"/>
+          <a:chExt cx="0" cy="0"/>
+        </a:xfrm>
+      </p:grpSpPr>
+      <p:sp>
+        <p:nvSpPr>
+          <p:cNvPr id="3073" name="Rectangle 1"/>
+          <p:cNvSpPr>
+            <a:spLocks noGrp="1" noChangeArrowheads="1"/>
+          </p:cNvSpPr>
+          <p:nvPr>
+            <p:ph type="title"/>
+          </p:nvPr>
+        </p:nvSpPr>
+        <p:spPr>
+          <a:xfrm>
+            <a:off x="456481" y="313953"/>
+            <a:ext cx="8228160" cy="1062832"/>
+          </a:xfrm>
+        </p:spPr>
+        <p:txBody>
+          <a:bodyPr lIns="82945" tIns="41473" rIns="82945" bIns="41473"/>
+          <a:lstStyle/>
+          <a:p>
+            <a:pPr marL="484632" indent="0" fontAlgn="auto">
+              <a:spcAft>
+                <a:spcPts val="0"/>
+              </a:spcAft>
+              <a:tabLst>
+                <a:tab pos="656650" algn="l"/>
+                <a:tab pos="1313299" algn="l"/>
+                <a:tab pos="1969949" algn="l"/>
+                <a:tab pos="2626599" algn="l"/>
+                <a:tab pos="3283248" algn="l"/>
+                <a:tab pos="3939898" algn="l"/>
+                <a:tab pos="4596548" algn="l"/>
+                <a:tab pos="5253198" algn="l"/>
+                <a:tab pos="5909847" algn="l"/>
+                <a:tab pos="6566497" algn="l"/>
+                <a:tab pos="7223147" algn="l"/>
+                <a:tab pos="7879796" algn="l"/>
+              </a:tabLst>
+              <a:defRPr/>
+            </a:pPr>
+            <a:r>
+              <a:rPr lang="en-US" dirty="0">
+                <a:solidFill>
+                  <a:schemeClr val="accent1">
+                    <a:tint val="83000"/>
+                    <a:satMod val="150000"/>
+                  </a:schemeClr>
+                </a:solidFill>
+              </a:rPr>
+              <a:t>Project working structure</a:t>
+            </a:r>
+          </a:p>
+        </p:txBody>
+      </p:sp>
+      <p:sp>
+        <p:nvSpPr>
+          <p:cNvPr id="10243" name="Rectangle 2"/>
+          <p:cNvSpPr>
+            <a:spLocks noGrp="1" noChangeArrowheads="1"/>
+          </p:cNvSpPr>
+          <p:nvPr>
+            <p:ph type="body" idx="1"/>
+          </p:nvPr>
+        </p:nvSpPr>
+        <p:spPr>
+          <a:xfrm>
+            <a:off x="457200" y="1604963"/>
+            <a:ext cx="8228013" cy="4949825"/>
+          </a:xfrm>
+        </p:spPr>
+        <p:txBody>
+          <a:bodyPr lIns="82945" tIns="41473" rIns="82945" bIns="41473"/>
+          <a:lstStyle/>
+          <a:p>
+            <a:pPr marL="390525" indent="-293688">
+              <a:buSzPct val="45000"/>
+              <a:buFont typeface="Wingdings" pitchFamily="2" charset="2"/>
+              <a:buChar char=""/>
+              <a:tabLst>
+                <a:tab pos="655638" algn="l"/>
+                <a:tab pos="1312863" algn="l"/>
+                <a:tab pos="1968500" algn="l"/>
+                <a:tab pos="2625725" algn="l"/>
+                <a:tab pos="3282950" algn="l"/>
+                <a:tab pos="3938588" algn="l"/>
+                <a:tab pos="4595813" algn="l"/>
+                <a:tab pos="5253038" algn="l"/>
+                <a:tab pos="5908675" algn="l"/>
+                <a:tab pos="6565900" algn="l"/>
+                <a:tab pos="7223125" algn="l"/>
+                <a:tab pos="7878763" algn="l"/>
+              </a:tabLst>
+            </a:pPr>
+            <a:r>
+              <a:rPr lang="en-US" smtClean="0"/>
+              <a:t>Two weekly group meetings </a:t>
+            </a:r>
+          </a:p>
+          <a:p>
+            <a:pPr marL="390525" indent="-293688">
+              <a:buSzPct val="45000"/>
+              <a:buFont typeface="Wingdings" pitchFamily="2" charset="2"/>
+              <a:buChar char=""/>
+              <a:tabLst>
+                <a:tab pos="655638" algn="l"/>
+                <a:tab pos="1312863" algn="l"/>
+                <a:tab pos="1968500" algn="l"/>
+                <a:tab pos="2625725" algn="l"/>
+                <a:tab pos="3282950" algn="l"/>
+                <a:tab pos="3938588" algn="l"/>
+                <a:tab pos="4595813" algn="l"/>
+                <a:tab pos="5253038" algn="l"/>
+                <a:tab pos="5908675" algn="l"/>
+                <a:tab pos="6565900" algn="l"/>
+                <a:tab pos="7223125" algn="l"/>
+                <a:tab pos="7878763" algn="l"/>
+              </a:tabLst>
+            </a:pPr>
+            <a:r>
+              <a:rPr lang="en-US" smtClean="0"/>
+              <a:t>Weekly reports are submitted explaining the progress made on that week</a:t>
+            </a:r>
+          </a:p>
+          <a:p>
+            <a:pPr marL="390525" indent="-293688">
+              <a:buSzPct val="45000"/>
+              <a:buFont typeface="Wingdings" pitchFamily="2" charset="2"/>
+              <a:buChar char=""/>
+              <a:tabLst>
+                <a:tab pos="655638" algn="l"/>
+                <a:tab pos="1312863" algn="l"/>
+                <a:tab pos="1968500" algn="l"/>
+                <a:tab pos="2625725" algn="l"/>
+                <a:tab pos="3282950" algn="l"/>
+                <a:tab pos="3938588" algn="l"/>
+                <a:tab pos="4595813" algn="l"/>
+                <a:tab pos="5253038" algn="l"/>
+                <a:tab pos="5908675" algn="l"/>
+                <a:tab pos="6565900" algn="l"/>
+                <a:tab pos="7223125" algn="l"/>
+                <a:tab pos="7878763" algn="l"/>
+              </a:tabLst>
+            </a:pPr>
+            <a:r>
+              <a:rPr lang="en-US" smtClean="0"/>
+              <a:t>Used to keep track of project schedule and time management</a:t>
+            </a:r>
+          </a:p>
+          <a:p>
+            <a:pPr marL="390525" indent="-293688">
+              <a:buSzPct val="45000"/>
+              <a:buFont typeface="Wingdings" pitchFamily="2" charset="2"/>
+              <a:buChar char=""/>
+              <a:tabLst>
+                <a:tab pos="655638" algn="l"/>
+                <a:tab pos="1312863" algn="l"/>
+                <a:tab pos="1968500" algn="l"/>
+                <a:tab pos="2625725" algn="l"/>
+                <a:tab pos="3282950" algn="l"/>
+                <a:tab pos="3938588" algn="l"/>
+                <a:tab pos="4595813" algn="l"/>
+                <a:tab pos="5253038" algn="l"/>
+                <a:tab pos="5908675" algn="l"/>
+                <a:tab pos="6565900" algn="l"/>
+                <a:tab pos="7223125" algn="l"/>
+                <a:tab pos="7878763" algn="l"/>
+              </a:tabLst>
+            </a:pPr>
+            <a:r>
+              <a:rPr lang="en-US" smtClean="0"/>
+              <a:t>Log is maintained for every activity in the group</a:t>
+            </a:r>
+          </a:p>
+          <a:p>
+            <a:pPr marL="390525" indent="-293688">
+              <a:buSzPct val="45000"/>
+              <a:buFont typeface="Wingdings" pitchFamily="2" charset="2"/>
+              <a:buChar char=""/>
+              <a:tabLst>
+                <a:tab pos="655638" algn="l"/>
+                <a:tab pos="1312863" algn="l"/>
+                <a:tab pos="1968500" algn="l"/>
+                <a:tab pos="2625725" algn="l"/>
+                <a:tab pos="3282950" algn="l"/>
+                <a:tab pos="3938588" algn="l"/>
+                <a:tab pos="4595813" algn="l"/>
+                <a:tab pos="5253038" algn="l"/>
+                <a:tab pos="5908675" algn="l"/>
+                <a:tab pos="6565900" algn="l"/>
+                <a:tab pos="7223125" algn="l"/>
+                <a:tab pos="7878763" algn="l"/>
+              </a:tabLst>
+            </a:pPr>
+            <a:r>
+              <a:rPr lang="en-US" smtClean="0"/>
+              <a:t>Each person is assigned equal amount of work</a:t>
+            </a:r>
+          </a:p>
+        </p:txBody>
+      </p:sp>
+    </p:spTree>
+    <p:extLst>
+      <p:ext uri="{BB962C8B-B14F-4D97-AF65-F5344CB8AC3E}">
+        <p14:creationId xmlns:p14="http://schemas.microsoft.com/office/powerpoint/2010/main" val="2933005212"/>
+      </p:ext>
+    </p:extLst>
+  </p:cSld>
+  <p:clrMapOvr>
+    <a:masterClrMapping/>
+  </p:clrMapOvr>
+  <p:transition xmlns:p14="http://schemas.microsoft.com/office/powerpoint/2010/main" spd="med"/>
+  <p:timing>
+    <p:tnLst>
+      <p:par>
+        <p:cTn xmlns:p14="http://schemas.microsoft.com/office/powerpoint/2010/main" id="1" dur="indefinite" restart="never" nodeType="tmRoot">
+          <p:childTnLst>
+            <p:seq concurrent="1" nextAc="seek">
+              <p:cTn id="2" dur="0" nodeType="mainSeq"/>
+              <p:prevCondLst>
+                <p:cond evt="onPrev" delay="0">
+                  <p:tgtEl>
+                    <p:sldTgt/>
+                  </p:tgtEl>
+                </p:cond>
+              </p:prevCondLst>
+              <p:nextCondLst>
+                <p:cond evt="onNext" delay="0">
+                  <p:tgtEl>
+                    <p:sldTgt/>
+                  </p:tgtEl>
+                </p:cond>
+              </p:nextCondLst>
+            </p:seq>
+          </p:childTnLst>
+        </p:cTn>
+      </p:par>
+    </p:tnLst>
+  </p:timing>
+</p:sld>
+</file>
+
+<file path=ppt/slides/slide3.xml><?xml version="1.0" encoding="utf-8"?>
+<p:sld xmlns:a="http://schemas.openxmlformats.org/drawingml/2006/main" xmlns:r="http://schemas.openxmlformats.org/officeDocument/2006/relationships" xmlns:p="http://schemas.openxmlformats.org/presentationml/2006/main">
+  <p:cSld>
+    <p:spTree>
+      <p:nvGrpSpPr>
+        <p:cNvPr id="1" name=""/>
+        <p:cNvGrpSpPr/>
+        <p:nvPr/>
+      </p:nvGrpSpPr>
+      <p:grpSpPr>
+        <a:xfrm>
+          <a:off x="0" y="0"/>
+          <a:ext cx="0" cy="0"/>
+          <a:chOff x="0" y="0"/>
+          <a:chExt cx="0" cy="0"/>
+        </a:xfrm>
+      </p:grpSpPr>
+      <p:sp>
+        <p:nvSpPr>
+          <p:cNvPr id="5121" name="Rectangle 1"/>
+          <p:cNvSpPr>
+            <a:spLocks noGrp="1" noChangeArrowheads="1"/>
+          </p:cNvSpPr>
+          <p:nvPr>
+            <p:ph type="title"/>
+          </p:nvPr>
+        </p:nvSpPr>
+        <p:spPr>
+          <a:xfrm>
+            <a:off x="456481" y="313953"/>
+            <a:ext cx="8228160" cy="1062832"/>
+          </a:xfrm>
+        </p:spPr>
+        <p:txBody>
+          <a:bodyPr lIns="82945" tIns="41473" rIns="82945" bIns="41473"/>
+          <a:lstStyle/>
+          <a:p>
+            <a:pPr marL="484632" indent="0" fontAlgn="auto">
+              <a:spcAft>
+                <a:spcPts val="0"/>
+              </a:spcAft>
+              <a:tabLst>
+                <a:tab pos="656650" algn="l"/>
+                <a:tab pos="1313299" algn="l"/>
+                <a:tab pos="1969949" algn="l"/>
+                <a:tab pos="2626599" algn="l"/>
+                <a:tab pos="3283248" algn="l"/>
+                <a:tab pos="3939898" algn="l"/>
+                <a:tab pos="4596548" algn="l"/>
+                <a:tab pos="5253198" algn="l"/>
+                <a:tab pos="5909847" algn="l"/>
+                <a:tab pos="6566497" algn="l"/>
+                <a:tab pos="7223147" algn="l"/>
+                <a:tab pos="7879796" algn="l"/>
+              </a:tabLst>
+              <a:defRPr/>
+            </a:pPr>
+            <a:r>
+              <a:rPr lang="en-US" dirty="0">
+                <a:solidFill>
+                  <a:schemeClr val="accent1">
+                    <a:tint val="83000"/>
+                    <a:satMod val="150000"/>
+                  </a:schemeClr>
+                </a:solidFill>
+              </a:rPr>
+              <a:t>Impacts of this course</a:t>
+            </a:r>
+          </a:p>
+        </p:txBody>
+      </p:sp>
+      <p:sp>
+        <p:nvSpPr>
+          <p:cNvPr id="5122" name="Rectangle 2"/>
+          <p:cNvSpPr>
+            <a:spLocks noGrp="1" noChangeArrowheads="1"/>
+          </p:cNvSpPr>
+          <p:nvPr>
+            <p:ph type="body" idx="1"/>
+          </p:nvPr>
+        </p:nvSpPr>
+        <p:spPr>
+          <a:xfrm>
+            <a:off x="457200" y="1604963"/>
+            <a:ext cx="8228013" cy="5408612"/>
+          </a:xfrm>
+        </p:spPr>
+        <p:txBody>
+          <a:bodyPr lIns="82945" tIns="41473" rIns="82945" bIns="41473">
+            <a:normAutofit lnSpcReduction="10000"/>
+          </a:bodyPr>
+          <a:lstStyle/>
+          <a:p>
+            <a:pPr marL="391686" indent="-293764" fontAlgn="auto">
+              <a:spcAft>
+                <a:spcPts val="0"/>
+              </a:spcAft>
+              <a:buSzPct val="45000"/>
+              <a:buFont typeface="Wingdings" charset="2"/>
+              <a:buChar char=""/>
+              <a:tabLst>
+                <a:tab pos="656650" algn="l"/>
+                <a:tab pos="1313299" algn="l"/>
+                <a:tab pos="1969949" algn="l"/>
+                <a:tab pos="2626599" algn="l"/>
+                <a:tab pos="3283248" algn="l"/>
+                <a:tab pos="3939898" algn="l"/>
+                <a:tab pos="4596548" algn="l"/>
+                <a:tab pos="5253198" algn="l"/>
+                <a:tab pos="5909847" algn="l"/>
+                <a:tab pos="6566497" algn="l"/>
+                <a:tab pos="7223147" algn="l"/>
+                <a:tab pos="7879796" algn="l"/>
+              </a:tabLst>
+              <a:defRPr/>
+            </a:pPr>
+            <a:r>
+              <a:rPr lang="en-US" dirty="0"/>
+              <a:t>Every document goes through multiple revisions</a:t>
+            </a:r>
+          </a:p>
+          <a:p>
+            <a:pPr marL="391686" indent="-293764" fontAlgn="auto">
+              <a:spcAft>
+                <a:spcPts val="0"/>
+              </a:spcAft>
+              <a:buSzPct val="45000"/>
+              <a:buFont typeface="Wingdings" charset="2"/>
+              <a:buChar char=""/>
+              <a:tabLst>
+                <a:tab pos="656650" algn="l"/>
+                <a:tab pos="1313299" algn="l"/>
+                <a:tab pos="1969949" algn="l"/>
+                <a:tab pos="2626599" algn="l"/>
+                <a:tab pos="3283248" algn="l"/>
+                <a:tab pos="3939898" algn="l"/>
+                <a:tab pos="4596548" algn="l"/>
+                <a:tab pos="5253198" algn="l"/>
+                <a:tab pos="5909847" algn="l"/>
+                <a:tab pos="6566497" algn="l"/>
+                <a:tab pos="7223147" algn="l"/>
+                <a:tab pos="7879796" algn="l"/>
+              </a:tabLst>
+              <a:defRPr/>
+            </a:pPr>
+            <a:r>
+              <a:rPr lang="en-US" dirty="0"/>
+              <a:t>Make students to understand whole SE process</a:t>
+            </a:r>
+          </a:p>
+          <a:p>
+            <a:pPr marL="391686" indent="-293764" fontAlgn="auto">
+              <a:spcAft>
+                <a:spcPts val="0"/>
+              </a:spcAft>
+              <a:buSzPct val="45000"/>
+              <a:buFont typeface="Wingdings" charset="2"/>
+              <a:buChar char=""/>
+              <a:tabLst>
+                <a:tab pos="656650" algn="l"/>
+                <a:tab pos="1313299" algn="l"/>
+                <a:tab pos="1969949" algn="l"/>
+                <a:tab pos="2626599" algn="l"/>
+                <a:tab pos="3283248" algn="l"/>
+                <a:tab pos="3939898" algn="l"/>
+                <a:tab pos="4596548" algn="l"/>
+                <a:tab pos="5253198" algn="l"/>
+                <a:tab pos="5909847" algn="l"/>
+                <a:tab pos="6566497" algn="l"/>
+                <a:tab pos="7223147" algn="l"/>
+                <a:tab pos="7879796" algn="l"/>
+              </a:tabLst>
+              <a:defRPr/>
+            </a:pPr>
+            <a:r>
+              <a:rPr lang="en-US" dirty="0"/>
+              <a:t>Builds a good working team relationship</a:t>
+            </a:r>
+          </a:p>
+          <a:p>
+            <a:pPr marL="391686" indent="-293764" fontAlgn="auto">
+              <a:spcAft>
+                <a:spcPts val="0"/>
+              </a:spcAft>
+              <a:buSzPct val="45000"/>
+              <a:buFont typeface="Wingdings" charset="2"/>
+              <a:buChar char=""/>
+              <a:tabLst>
+                <a:tab pos="656650" algn="l"/>
+                <a:tab pos="1313299" algn="l"/>
+                <a:tab pos="1969949" algn="l"/>
+                <a:tab pos="2626599" algn="l"/>
+                <a:tab pos="3283248" algn="l"/>
+                <a:tab pos="3939898" algn="l"/>
+                <a:tab pos="4596548" algn="l"/>
+                <a:tab pos="5253198" algn="l"/>
+                <a:tab pos="5909847" algn="l"/>
+                <a:tab pos="6566497" algn="l"/>
+                <a:tab pos="7223147" algn="l"/>
+                <a:tab pos="7879796" algn="l"/>
+              </a:tabLst>
+              <a:defRPr/>
+            </a:pPr>
+            <a:r>
+              <a:rPr lang="en-US" dirty="0"/>
+              <a:t>ODBC to KML project makes them to think and work on certain things that they have not covered in courses </a:t>
+            </a:r>
+          </a:p>
+          <a:p>
+            <a:pPr marL="391686" indent="-293764" fontAlgn="auto">
+              <a:spcAft>
+                <a:spcPts val="0"/>
+              </a:spcAft>
+              <a:buSzPct val="45000"/>
+              <a:buFont typeface="Wingdings" charset="2"/>
+              <a:buChar char=""/>
+              <a:tabLst>
+                <a:tab pos="656650" algn="l"/>
+                <a:tab pos="1313299" algn="l"/>
+                <a:tab pos="1969949" algn="l"/>
+                <a:tab pos="2626599" algn="l"/>
+                <a:tab pos="3283248" algn="l"/>
+                <a:tab pos="3939898" algn="l"/>
+                <a:tab pos="4596548" algn="l"/>
+                <a:tab pos="5253198" algn="l"/>
+                <a:tab pos="5909847" algn="l"/>
+                <a:tab pos="6566497" algn="l"/>
+                <a:tab pos="7223147" algn="l"/>
+                <a:tab pos="7879796" algn="l"/>
+              </a:tabLst>
+              <a:defRPr/>
+            </a:pPr>
+            <a:r>
+              <a:rPr lang="en-US" dirty="0"/>
+              <a:t>Gives them a kind of real world development experience</a:t>
+            </a:r>
+          </a:p>
+          <a:p>
+            <a:pPr marL="391686" indent="-293764" fontAlgn="auto">
+              <a:spcAft>
+                <a:spcPts val="0"/>
+              </a:spcAft>
+              <a:buSzPct val="45000"/>
+              <a:buFont typeface="Wingdings" charset="2"/>
+              <a:buChar char=""/>
+              <a:tabLst>
+                <a:tab pos="656650" algn="l"/>
+                <a:tab pos="1313299" algn="l"/>
+                <a:tab pos="1969949" algn="l"/>
+                <a:tab pos="2626599" algn="l"/>
+                <a:tab pos="3283248" algn="l"/>
+                <a:tab pos="3939898" algn="l"/>
+                <a:tab pos="4596548" algn="l"/>
+                <a:tab pos="5253198" algn="l"/>
+                <a:tab pos="5909847" algn="l"/>
+                <a:tab pos="6566497" algn="l"/>
+                <a:tab pos="7223147" algn="l"/>
+                <a:tab pos="7879796" algn="l"/>
+              </a:tabLst>
+              <a:defRPr/>
+            </a:pPr>
+            <a:r>
+              <a:rPr lang="en-US" smtClean="0"/>
+              <a:t>Really </a:t>
+            </a:r>
+            <a:r>
+              <a:rPr lang="en-US" dirty="0"/>
+              <a:t>fun experience for all</a:t>
+            </a:r>
+          </a:p>
+        </p:txBody>
+      </p:sp>
+    </p:spTree>
+    <p:extLst>
+      <p:ext uri="{BB962C8B-B14F-4D97-AF65-F5344CB8AC3E}">
+        <p14:creationId xmlns:p14="http://schemas.microsoft.com/office/powerpoint/2010/main" val="3560984181"/>
+      </p:ext>
+    </p:extLst>
+  </p:cSld>
+  <p:clrMapOvr>
+    <a:masterClrMapping/>
+  </p:clrMapOvr>
+  <p:transition xmlns:p14="http://schemas.microsoft.com/office/powerpoint/2010/main" spd="med"/>
+  <p:timing>
+    <p:tnLst>
+      <p:par>
+        <p:cTn xmlns:p14="http://schemas.microsoft.com/office/powerpoint/2010/main" id="1" dur="indefinite" restart="never" nodeType="tmRoot">
+          <p:childTnLst>
+            <p:seq concurrent="1" nextAc="seek">
+              <p:cTn id="2" dur="0" nodeType="mainSeq"/>
+              <p:prevCondLst>
+                <p:cond evt="onPrev" delay="0">
+                  <p:tgtEl>
+                    <p:sldTgt/>
+                  </p:tgtEl>
+                </p:cond>
+              </p:prevCondLst>
+              <p:nextCondLst>
+                <p:cond evt="onNext" delay="0">
+                  <p:tgtEl>
+                    <p:sldTgt/>
+                  </p:tgtEl>
+                </p:cond>
+              </p:nextCondLst>
+            </p:seq>
+          </p:childTnLst>
+        </p:cTn>
+      </p:par>
+    </p:tnLst>
+  </p:timing>
+</p:sld>
+</file>
+
+<file path=ppt/slides/slide4.xml><?xml version="1.0" encoding="utf-8"?>
+<p:sld xmlns:a="http://schemas.openxmlformats.org/drawingml/2006/main" xmlns:r="http://schemas.openxmlformats.org/officeDocument/2006/relationships" xmlns:p="http://schemas.openxmlformats.org/presentationml/2006/main">
+  <p:cSld>
+    <p:spTree>
+      <p:nvGrpSpPr>
+        <p:cNvPr id="1" name=""/>
+        <p:cNvGrpSpPr/>
+        <p:nvPr/>
+      </p:nvGrpSpPr>
+      <p:grpSpPr>
+        <a:xfrm>
+          <a:off x="0" y="0"/>
+          <a:ext cx="0" cy="0"/>
+          <a:chOff x="0" y="0"/>
+          <a:chExt cx="0" cy="0"/>
+        </a:xfrm>
+      </p:grpSpPr>
+      <p:sp>
+        <p:nvSpPr>
+          <p:cNvPr id="2" name="Title 1"/>
+          <p:cNvSpPr>
+            <a:spLocks noGrp="1"/>
+          </p:cNvSpPr>
+          <p:nvPr>
+            <p:ph type="title"/>
+          </p:nvPr>
+        </p:nvSpPr>
+        <p:spPr>
+          <a:xfrm>
+            <a:off x="152400" y="0"/>
+            <a:ext cx="3810000" cy="1180306"/>
+          </a:xfrm>
+        </p:spPr>
+        <p:txBody>
+          <a:bodyPr/>
+          <a:lstStyle/>
+          <a:p>
+            <a:pPr marL="484632" indent="0" fontAlgn="auto">
+              <a:spcAft>
+                <a:spcPts val="0"/>
+              </a:spcAft>
+              <a:defRPr/>
+            </a:pPr>
+            <a:r>
+              <a:rPr lang="en-US" dirty="0" smtClean="0">
+                <a:solidFill>
+                  <a:schemeClr val="accent1">
+                    <a:tint val="83000"/>
+                    <a:satMod val="150000"/>
+                  </a:schemeClr>
+                </a:solidFill>
+              </a:rPr>
+              <a:t>The Team</a:t>
+            </a:r>
+            <a:endParaRPr lang="en-US" dirty="0">
+              <a:solidFill>
+                <a:schemeClr val="accent1">
+                  <a:tint val="83000"/>
+                  <a:satMod val="150000"/>
+                </a:schemeClr>
+              </a:solidFill>
+            </a:endParaRPr>
+          </a:p>
+        </p:txBody>
+      </p:sp>
+      <p:sp>
+        <p:nvSpPr>
+          <p:cNvPr id="1028" name="Rectangle 2"/>
+          <p:cNvSpPr>
+            <a:spLocks noChangeArrowheads="1"/>
+          </p:cNvSpPr>
+          <p:nvPr/>
+        </p:nvSpPr>
+        <p:spPr bwMode="auto">
+          <a:xfrm>
+            <a:off x="0" y="0"/>
+            <a:ext cx="9144000" cy="0"/>
+          </a:xfrm>
+          <a:prstGeom prst="rect">
+            <a:avLst/>
+          </a:prstGeom>
+          <a:noFill/>
+          <a:ln>
+            <a:noFill/>
+          </a:ln>
+          <a:extLst>
+            <a:ext uri="{909E8E84-426E-40DD-AFC4-6F175D3DCCD1}">
+              <a14:hiddenFill xmlns:a14="http://schemas.microsoft.com/office/drawing/2010/main">
+                <a:solidFill>
+                  <a:srgbClr xmlns:mc="http://schemas.openxmlformats.org/markup-compatibility/2006" val="FFFFFF" mc:Ignorable=""/>
+                </a:solidFill>
+              </a14:hiddenFill>
+            </a:ext>
+            <a:ext uri="{91240B29-F687-4F45-9708-019B960494DF}">
+              <a14:hiddenLine xmlns:a14="http://schemas.microsoft.com/office/drawing/2010/main" w="9525">
+                <a:solidFill>
+                  <a:srgbClr xmlns:mc="http://schemas.openxmlformats.org/markup-compatibility/2006" val="000000" mc:Ignorable=""/>
+                </a:solidFill>
+                <a:miter lim="800000"/>
+                <a:headEnd/>
+                <a:tailEnd/>
+              </a14:hiddenLine>
+            </a:ext>
+          </a:extLst>
+        </p:spPr>
+        <p:txBody>
+          <a:bodyPr wrap="none" anchor="ctr">
+            <a:spAutoFit/>
+          </a:bodyPr>
+          <a:lstStyle/>
+          <a:p>
+            <a:endParaRPr lang="en-US">
+              <a:latin typeface="Century Gothic" pitchFamily="34" charset="0"/>
+            </a:endParaRPr>
+          </a:p>
+        </p:txBody>
+      </p:sp>
+      <p:sp>
+        <p:nvSpPr>
+          <p:cNvPr id="1029" name="Rectangle 4"/>
+          <p:cNvSpPr>
+            <a:spLocks noChangeArrowheads="1"/>
+          </p:cNvSpPr>
+          <p:nvPr/>
+        </p:nvSpPr>
+        <p:spPr bwMode="auto">
+          <a:xfrm>
+            <a:off x="0" y="0"/>
+            <a:ext cx="9144000" cy="457200"/>
+          </a:xfrm>
+          <a:prstGeom prst="rect">
+            <a:avLst/>
+          </a:prstGeom>
+          <a:noFill/>
+          <a:ln>
+            <a:noFill/>
+          </a:ln>
+          <a:extLst>
+            <a:ext uri="{909E8E84-426E-40DD-AFC4-6F175D3DCCD1}">
+              <a14:hiddenFill xmlns:a14="http://schemas.microsoft.com/office/drawing/2010/main">
+                <a:solidFill>
+                  <a:srgbClr xmlns:mc="http://schemas.openxmlformats.org/markup-compatibility/2006" val="FFFFFF" mc:Ignorable=""/>
+                </a:solidFill>
+              </a14:hiddenFill>
+            </a:ext>
+            <a:ext uri="{91240B29-F687-4F45-9708-019B960494DF}">
+              <a14:hiddenLine xmlns:a14="http://schemas.microsoft.com/office/drawing/2010/main" w="9525">
+                <a:solidFill>
+                  <a:srgbClr xmlns:mc="http://schemas.openxmlformats.org/markup-compatibility/2006" val="000000" mc:Ignorable=""/>
+                </a:solidFill>
+                <a:miter lim="800000"/>
+                <a:headEnd/>
+                <a:tailEnd/>
+              </a14:hiddenLine>
+            </a:ext>
+          </a:extLst>
+        </p:spPr>
+        <p:txBody>
+          <a:bodyPr wrap="none" anchor="ctr">
+            <a:spAutoFit/>
+          </a:bodyPr>
+          <a:lstStyle/>
+          <a:p>
+            <a:endParaRPr lang="en-US">
+              <a:latin typeface="Century Gothic" pitchFamily="34" charset="0"/>
+            </a:endParaRPr>
+          </a:p>
+        </p:txBody>
+      </p:sp>
+      <p:graphicFrame>
+        <p:nvGraphicFramePr>
+          <p:cNvPr id="1026" name="Object 3"/>
+          <p:cNvGraphicFramePr>
+            <a:graphicFrameLocks noChangeAspect="1"/>
+          </p:cNvGraphicFramePr>
+          <p:nvPr/>
+        </p:nvGraphicFramePr>
+        <p:xfrm>
+          <a:off x="1447800" y="457200"/>
+          <a:ext cx="6324600" cy="6662738"/>
+        </p:xfrm>
+        <a:graphic>
+          <a:graphicData uri="http://schemas.openxmlformats.org/presentationml/2006/ole">
+            <mc:AlternateContent xmlns:mc="http://schemas.openxmlformats.org/markup-compatibility/2006">
+              <mc:Choice xmlns:v="urn:schemas-microsoft-com:vml" Requires="v">
+                <p:oleObj spid="_x0000_s8194" name="Visio" r:id="rId3" imgW="6009096" imgH="6232927" progId="Visio.Drawing.11">
+                  <p:embed/>
+                </p:oleObj>
+              </mc:Choice>
+              <mc:Fallback>
+                <p:oleObj name="Visio" r:id="rId3" imgW="6009096" imgH="6232927" progId="Visio.Drawing.11">
+                  <p:embed/>
+                  <p:pic>
+                    <p:nvPicPr>
+                      <p:cNvPr id="0" name=""/>
+                      <p:cNvPicPr>
+                        <a:picLocks noChangeAspect="1" noChangeArrowheads="1"/>
+                      </p:cNvPicPr>
+                      <p:nvPr/>
+                    </p:nvPicPr>
+                    <p:blipFill>
+                      <a:blip r:embed="rId4">
+                        <a:extLst>
+                          <a:ext uri="{28A0092B-C50C-407E-A947-70E740481C1C}">
+                            <a14:useLocalDpi xmlns:a14="http://schemas.microsoft.com/office/drawing/2010/main" val="0"/>
+                          </a:ext>
+                        </a:extLst>
+                      </a:blip>
+                      <a:srcRect/>
+                      <a:stretch>
+                        <a:fillRect/>
+                      </a:stretch>
+                    </p:blipFill>
+                    <p:spPr bwMode="auto">
+                      <a:xfrm>
+                        <a:off x="1447800" y="457200"/>
+                        <a:ext cx="6324600" cy="6662738"/>
+                      </a:xfrm>
+                      <a:prstGeom prst="rect">
+                        <a:avLst/>
+                      </a:prstGeom>
+                      <a:noFill/>
+                      <a:extLst>
+                        <a:ext uri="{909E8E84-426E-40DD-AFC4-6F175D3DCCD1}">
+                          <a14:hiddenFill xmlns:a14="http://schemas.microsoft.com/office/drawing/2010/main">
+                            <a:solidFill>
+                              <a:srgbClr val="FFFFFF" mc:Ignorable=""/>
+                            </a:solidFill>
+                          </a14:hiddenFill>
+                        </a:ext>
+                      </a:extLst>
+                    </p:spPr>
+                  </p:pic>
+                </p:oleObj>
+              </mc:Fallback>
+            </mc:AlternateContent>
+          </a:graphicData>
+        </a:graphic>
+      </p:graphicFrame>
+    </p:spTree>
+    <p:extLst>
+      <p:ext uri="{BB962C8B-B14F-4D97-AF65-F5344CB8AC3E}">
+        <p14:creationId xmlns:p14="http://schemas.microsoft.com/office/powerpoint/2010/main" val="4168669383"/>
+      </p:ext>
+    </p:extLst>
+  </p:cSld>
+  <p:clrMapOvr>
+    <a:masterClrMapping/>
+  </p:clrMapOvr>
+</p:sld>
+</file>
+
+<file path=ppt/slides/slide5.xml><?xml version="1.0" encoding="utf-8"?>
+<p:sld xmlns:a="http://schemas.openxmlformats.org/drawingml/2006/main" xmlns:r="http://schemas.openxmlformats.org/officeDocument/2006/relationships" xmlns:p="http://schemas.openxmlformats.org/presentationml/2006/main">
+  <p:cSld>
+    <p:spTree>
+      <p:nvGrpSpPr>
+        <p:cNvPr id="1" name=""/>
+        <p:cNvGrpSpPr/>
+        <p:nvPr/>
+      </p:nvGrpSpPr>
+      <p:grpSpPr>
+        <a:xfrm>
+          <a:off x="0" y="0"/>
+          <a:ext cx="0" cy="0"/>
+          <a:chOff x="0" y="0"/>
+          <a:chExt cx="0" cy="0"/>
+        </a:xfrm>
+      </p:grpSpPr>
+      <p:graphicFrame>
+        <p:nvGraphicFramePr>
+          <p:cNvPr id="4" name="Chart 3"/>
+          <p:cNvGraphicFramePr/>
+          <p:nvPr/>
+        </p:nvGraphicFramePr>
+        <p:xfrm>
+          <a:off x="533400" y="1143000"/>
+          <a:ext cx="7772400" cy="5715000"/>
+        </p:xfrm>
+        <a:graphic>
+          <a:graphicData uri="http://schemas.openxmlformats.org/drawingml/2006/chart">
+            <c:chart xmlns:c="http://schemas.openxmlformats.org/drawingml/2006/chart" xmlns:r="http://schemas.openxmlformats.org/officeDocument/2006/relationships" r:id="rId2"/>
+          </a:graphicData>
+        </a:graphic>
+      </p:graphicFrame>
+      <p:sp>
+        <p:nvSpPr>
+          <p:cNvPr id="5" name="Title 1"/>
+          <p:cNvSpPr txBox="1">
+            <a:spLocks/>
+          </p:cNvSpPr>
+          <p:nvPr/>
+        </p:nvSpPr>
+        <p:spPr>
+          <a:xfrm>
+            <a:off x="-914400" y="0"/>
+            <a:ext cx="3810000" cy="1180306"/>
+          </a:xfrm>
+          <a:prstGeom prst="rect">
+            <a:avLst/>
+          </a:prstGeom>
+        </p:spPr>
+        <p:txBody>
+          <a:bodyPr anchor="b">
+            <a:normAutofit/>
+          </a:bodyPr>
+          <a:lstStyle/>
+          <a:p>
+            <a:pPr marL="484632" algn="r" fontAlgn="auto">
+              <a:spcAft>
+                <a:spcPts val="0"/>
+              </a:spcAft>
+              <a:defRPr/>
+            </a:pPr>
+            <a:r>
+              <a:rPr lang="en-US" sz="4400" dirty="0">
+                <a:ln w="6350">
+                  <a:solidFill>
+                    <a:schemeClr val="accent1">
+                      <a:shade val="43000"/>
+                    </a:schemeClr>
+                  </a:solidFill>
+                </a:ln>
+                <a:solidFill>
+                  <a:schemeClr val="accent1">
+                    <a:tint val="83000"/>
+                    <a:satMod val="150000"/>
+                  </a:schemeClr>
+                </a:solidFill>
+                <a:effectLst>
+                  <a:outerShdw blurRad="26000" dist="26000" dir="14500000" algn="tl" rotWithShape="0">
+                    <a:srgbClr xmlns:mc="http://schemas.openxmlformats.org/markup-compatibility/2006" xmlns:a14="http://schemas.microsoft.com/office/drawing/2010/main" val="000000" mc:Ignorable="">
+                      <a:alpha val="40000"/>
+                    </a:srgbClr>
+                  </a:outerShdw>
+                </a:effectLst>
+                <a:latin typeface="+mj-lt"/>
+                <a:ea typeface="+mj-ea"/>
+                <a:cs typeface="+mj-cs"/>
+              </a:rPr>
+              <a:t>The Hours</a:t>
+            </a:r>
+            <a:endParaRPr lang="en-US" sz="4400" dirty="0">
+              <a:ln w="6350">
+                <a:solidFill>
+                  <a:schemeClr val="accent1">
+                    <a:shade val="43000"/>
+                  </a:schemeClr>
+                </a:solidFill>
+              </a:ln>
+              <a:solidFill>
+                <a:schemeClr val="accent1">
+                  <a:tint val="83000"/>
+                  <a:satMod val="150000"/>
+                </a:schemeClr>
+              </a:solidFill>
+              <a:effectLst>
+                <a:outerShdw blurRad="26000" dist="26000" dir="14500000" algn="tl" rotWithShape="0">
+                  <a:srgbClr xmlns:mc="http://schemas.openxmlformats.org/markup-compatibility/2006" xmlns:a14="http://schemas.microsoft.com/office/drawing/2010/main" val="000000" mc:Ignorable="">
+                    <a:alpha val="40000"/>
+                  </a:srgbClr>
+                </a:outerShdw>
+              </a:effectLst>
+              <a:latin typeface="+mj-lt"/>
+              <a:ea typeface="+mj-ea"/>
+              <a:cs typeface="+mj-cs"/>
+            </a:endParaRPr>
+          </a:p>
+        </p:txBody>
+      </p:sp>
+    </p:spTree>
+    <p:extLst>
+      <p:ext uri="{BB962C8B-B14F-4D97-AF65-F5344CB8AC3E}">
+        <p14:creationId xmlns:p14="http://schemas.microsoft.com/office/powerpoint/2010/main" val="1044364093"/>
+      </p:ext>
+    </p:extLst>
+  </p:cSld>
+  <p:clrMapOvr>
+    <a:masterClrMapping/>
+  </p:clrMapOvr>
 </p:sld>
 </file>
 
@@ -5369,19 +7785,77 @@
             <p:ph type="title"/>
           </p:nvPr>
         </p:nvSpPr>
-        <p:spPr>
-          <a:xfrm>
-            <a:off x="457200" y="2895600"/>
-            <a:ext cx="6172200" cy="1143000"/>
-          </a:xfrm>
-        </p:spPr>
+        <p:spPr/>
+        <p:txBody>
+          <a:bodyPr>
+            <a:normAutofit/>
+          </a:bodyPr>
+          <a:lstStyle/>
+          <a:p>
+            <a:r>
+              <a:rPr lang="en-US" dirty="0" smtClean="0"/>
+              <a:t>Major Functions</a:t>
+            </a:r>
+            <a:endParaRPr lang="en-US" dirty="0"/>
+          </a:p>
+        </p:txBody>
+      </p:sp>
+      <p:sp>
+        <p:nvSpPr>
+          <p:cNvPr id="3" name="Content Placeholder 2"/>
+          <p:cNvSpPr>
+            <a:spLocks noGrp="1"/>
+          </p:cNvSpPr>
+          <p:nvPr>
+            <p:ph idx="1"/>
+          </p:nvPr>
+        </p:nvSpPr>
+        <p:spPr/>
         <p:txBody>
           <a:bodyPr/>
           <a:lstStyle/>
           <a:p>
             <a:r>
               <a:rPr lang="en-US" dirty="0" smtClean="0"/>
-              <a:t>Questions?</a:t>
+              <a:t>Create Connection</a:t>
+            </a:r>
+          </a:p>
+          <a:p>
+            <a:r>
+              <a:rPr lang="en-US" dirty="0" smtClean="0"/>
+              <a:t>Edit Connection</a:t>
+            </a:r>
+          </a:p>
+          <a:p>
+            <a:r>
+              <a:rPr lang="en-US" dirty="0" smtClean="0"/>
+              <a:t>Delete Connection</a:t>
+            </a:r>
+          </a:p>
+          <a:p>
+            <a:r>
+              <a:rPr lang="en-US" dirty="0" smtClean="0"/>
+              <a:t>Generate KML File</a:t>
+            </a:r>
+          </a:p>
+          <a:p>
+            <a:pPr lvl="1"/>
+            <a:r>
+              <a:rPr lang="en-US" dirty="0" smtClean="0"/>
+              <a:t>Web Service</a:t>
+            </a:r>
+          </a:p>
+          <a:p>
+            <a:pPr lvl="1"/>
+            <a:r>
+              <a:rPr lang="en-US" dirty="0" smtClean="0"/>
+              <a:t>Web Application</a:t>
+            </a:r>
+          </a:p>
+          <a:p>
+            <a:r>
+              <a:rPr lang="en-US" dirty="0" smtClean="0"/>
+              <a:t>Preview KML on Google Maps</a:t>
             </a:r>
             <a:endParaRPr lang="en-US" dirty="0"/>
           </a:p>
@@ -5399,6 +7873,387 @@
       </p:par>
     </p:tnLst>
   </p:timing>
+</p:sld>
+</file>
+
+<file path=ppt/slides/slide7.xml><?xml version="1.0" encoding="utf-8"?>
+<p:sld xmlns:a="http://schemas.openxmlformats.org/drawingml/2006/main" xmlns:r="http://schemas.openxmlformats.org/officeDocument/2006/relationships" xmlns:p="http://schemas.openxmlformats.org/presentationml/2006/main">
+  <p:cSld>
+    <p:spTree>
+      <p:nvGrpSpPr>
+        <p:cNvPr id="1" name=""/>
+        <p:cNvGrpSpPr/>
+        <p:nvPr/>
+      </p:nvGrpSpPr>
+      <p:grpSpPr>
+        <a:xfrm>
+          <a:off x="0" y="0"/>
+          <a:ext cx="0" cy="0"/>
+          <a:chOff x="0" y="0"/>
+          <a:chExt cx="0" cy="0"/>
+        </a:xfrm>
+      </p:grpSpPr>
+      <p:sp>
+        <p:nvSpPr>
+          <p:cNvPr id="2" name="Title 1"/>
+          <p:cNvSpPr>
+            <a:spLocks noGrp="1"/>
+          </p:cNvSpPr>
+          <p:nvPr>
+            <p:ph type="title"/>
+          </p:nvPr>
+        </p:nvSpPr>
+        <p:spPr/>
+        <p:txBody>
+          <a:bodyPr/>
+          <a:lstStyle/>
+          <a:p>
+            <a:r>
+              <a:rPr lang="en-US" dirty="0" smtClean="0"/>
+              <a:t>List of Requirements</a:t>
+            </a:r>
+            <a:endParaRPr lang="en-US" dirty="0"/>
+          </a:p>
+        </p:txBody>
+      </p:sp>
+      <p:sp>
+        <p:nvSpPr>
+          <p:cNvPr id="3" name="Content Placeholder 2"/>
+          <p:cNvSpPr>
+            <a:spLocks noGrp="1"/>
+          </p:cNvSpPr>
+          <p:nvPr>
+            <p:ph idx="1"/>
+          </p:nvPr>
+        </p:nvSpPr>
+        <p:spPr>
+          <a:xfrm>
+            <a:off x="457200" y="1676400"/>
+            <a:ext cx="8229600" cy="4572000"/>
+          </a:xfrm>
+        </p:spPr>
+        <p:txBody>
+          <a:bodyPr/>
+          <a:lstStyle/>
+          <a:p>
+            <a:r>
+              <a:rPr lang="en-US" dirty="0" smtClean="0"/>
+              <a:t>Create Connection</a:t>
+            </a:r>
+          </a:p>
+          <a:p>
+            <a:r>
+              <a:rPr lang="en-US" dirty="0" smtClean="0"/>
+              <a:t>Edit Connection</a:t>
+            </a:r>
+          </a:p>
+          <a:p>
+            <a:r>
+              <a:rPr lang="en-US" dirty="0" smtClean="0"/>
+              <a:t>Delete Connection</a:t>
+            </a:r>
+          </a:p>
+          <a:p>
+            <a:r>
+              <a:rPr lang="en-US" dirty="0" smtClean="0"/>
+              <a:t>View Connection</a:t>
+            </a:r>
+          </a:p>
+          <a:p>
+            <a:r>
+              <a:rPr lang="en-US" dirty="0"/>
+              <a:t>Map database fields to KML fields</a:t>
+            </a:r>
+          </a:p>
+          <a:p>
+            <a:r>
+              <a:rPr lang="en-US" dirty="0"/>
+              <a:t>View Values from Database Tables</a:t>
+            </a:r>
+          </a:p>
+          <a:p>
+            <a:r>
+              <a:rPr lang="en-US" dirty="0"/>
+              <a:t>Set Description</a:t>
+            </a:r>
+          </a:p>
+          <a:p>
+            <a:r>
+              <a:rPr lang="en-US" dirty="0"/>
+              <a:t>Insert field value into KML description</a:t>
+            </a:r>
+          </a:p>
+          <a:p>
+            <a:endParaRPr lang="en-US" dirty="0" smtClean="0"/>
+          </a:p>
+          <a:p>
+            <a:endParaRPr lang="en-US" dirty="0"/>
+          </a:p>
+        </p:txBody>
+      </p:sp>
+    </p:spTree>
+  </p:cSld>
+  <p:clrMapOvr>
+    <a:masterClrMapping/>
+  </p:clrMapOvr>
+  <p:timing>
+    <p:tnLst>
+      <p:par>
+        <p:cTn xmlns:p14="http://schemas.microsoft.com/office/powerpoint/2010/main" id="1" dur="indefinite" restart="never" nodeType="tmRoot"/>
+      </p:par>
+    </p:tnLst>
+  </p:timing>
+</p:sld>
+</file>
+
+<file path=ppt/slides/slide8.xml><?xml version="1.0" encoding="utf-8"?>
+<p:sld xmlns:a="http://schemas.openxmlformats.org/drawingml/2006/main" xmlns:r="http://schemas.openxmlformats.org/officeDocument/2006/relationships" xmlns:p="http://schemas.openxmlformats.org/presentationml/2006/main">
+  <p:cSld>
+    <p:spTree>
+      <p:nvGrpSpPr>
+        <p:cNvPr id="1" name=""/>
+        <p:cNvGrpSpPr/>
+        <p:nvPr/>
+      </p:nvGrpSpPr>
+      <p:grpSpPr>
+        <a:xfrm>
+          <a:off x="0" y="0"/>
+          <a:ext cx="0" cy="0"/>
+          <a:chOff x="0" y="0"/>
+          <a:chExt cx="0" cy="0"/>
+        </a:xfrm>
+      </p:grpSpPr>
+      <p:sp>
+        <p:nvSpPr>
+          <p:cNvPr id="2" name="Title 1"/>
+          <p:cNvSpPr>
+            <a:spLocks noGrp="1"/>
+          </p:cNvSpPr>
+          <p:nvPr>
+            <p:ph type="title"/>
+          </p:nvPr>
+        </p:nvSpPr>
+        <p:spPr>
+          <a:xfrm>
+            <a:off x="381000" y="277368"/>
+            <a:ext cx="8229600" cy="1399032"/>
+          </a:xfrm>
+        </p:spPr>
+        <p:txBody>
+          <a:bodyPr/>
+          <a:lstStyle/>
+          <a:p>
+            <a:r>
+              <a:rPr lang="en-US" dirty="0" smtClean="0"/>
+              <a:t>Requirements, cont.</a:t>
+            </a:r>
+            <a:endParaRPr lang="en-US" dirty="0"/>
+          </a:p>
+        </p:txBody>
+      </p:sp>
+      <p:sp>
+        <p:nvSpPr>
+          <p:cNvPr id="3" name="Content Placeholder 2"/>
+          <p:cNvSpPr>
+            <a:spLocks noGrp="1"/>
+          </p:cNvSpPr>
+          <p:nvPr>
+            <p:ph idx="1"/>
+          </p:nvPr>
+        </p:nvSpPr>
+        <p:spPr>
+          <a:xfrm>
+            <a:off x="457200" y="1828800"/>
+            <a:ext cx="8229600" cy="4724400"/>
+          </a:xfrm>
+        </p:spPr>
+        <p:txBody>
+          <a:bodyPr>
+            <a:normAutofit/>
+          </a:bodyPr>
+          <a:lstStyle/>
+          <a:p>
+            <a:r>
+              <a:rPr lang="en-US" dirty="0" smtClean="0"/>
+              <a:t>Upload an Icon from User’s Computer</a:t>
+            </a:r>
+          </a:p>
+          <a:p>
+            <a:r>
+              <a:rPr lang="en-US" dirty="0" smtClean="0"/>
+              <a:t>Upload an Icon from the web</a:t>
+            </a:r>
+          </a:p>
+          <a:p>
+            <a:r>
+              <a:rPr lang="en-US" dirty="0" smtClean="0"/>
+              <a:t>Add an Icon to the Connection</a:t>
+            </a:r>
+          </a:p>
+          <a:p>
+            <a:r>
+              <a:rPr lang="en-US" dirty="0" smtClean="0"/>
+              <a:t>Select Icon Overlay Color</a:t>
+            </a:r>
+          </a:p>
+          <a:p>
+            <a:r>
+              <a:rPr lang="en-US" dirty="0" smtClean="0"/>
+              <a:t>Set Icon Condition</a:t>
+            </a:r>
+          </a:p>
+          <a:p>
+            <a:r>
+              <a:rPr lang="en-US" dirty="0"/>
+              <a:t>Generate KML from Web Service</a:t>
+            </a:r>
+          </a:p>
+          <a:p>
+            <a:r>
+              <a:rPr lang="en-US" dirty="0"/>
+              <a:t>Generate KML from Web Application</a:t>
+            </a:r>
+          </a:p>
+          <a:p>
+            <a:r>
+              <a:rPr lang="en-US" dirty="0"/>
+              <a:t>Preview KML on Google Maps</a:t>
+            </a:r>
+          </a:p>
+          <a:p>
+            <a:endParaRPr lang="en-US" dirty="0" smtClean="0"/>
+          </a:p>
+        </p:txBody>
+      </p:sp>
+    </p:spTree>
+  </p:cSld>
+  <p:clrMapOvr>
+    <a:masterClrMapping/>
+  </p:clrMapOvr>
+  <p:timing>
+    <p:tnLst>
+      <p:par>
+        <p:cTn xmlns:p14="http://schemas.microsoft.com/office/powerpoint/2010/main" id="1" dur="indefinite" restart="never" nodeType="tmRoot"/>
+      </p:par>
+    </p:tnLst>
+  </p:timing>
+</p:sld>
+</file>
+
+<file path=ppt/slides/slide9.xml><?xml version="1.0" encoding="utf-8"?>
+<p:sld xmlns:a="http://schemas.openxmlformats.org/drawingml/2006/main" xmlns:r="http://schemas.openxmlformats.org/officeDocument/2006/relationships" xmlns:p="http://schemas.openxmlformats.org/presentationml/2006/main">
+  <p:cSld>
+    <p:spTree>
+      <p:nvGrpSpPr>
+        <p:cNvPr id="1" name=""/>
+        <p:cNvGrpSpPr/>
+        <p:nvPr/>
+      </p:nvGrpSpPr>
+      <p:grpSpPr>
+        <a:xfrm>
+          <a:off x="0" y="0"/>
+          <a:ext cx="0" cy="0"/>
+          <a:chOff x="0" y="0"/>
+          <a:chExt cx="0" cy="0"/>
+        </a:xfrm>
+      </p:grpSpPr>
+      <p:sp>
+        <p:nvSpPr>
+          <p:cNvPr id="2" name="Title 1"/>
+          <p:cNvSpPr>
+            <a:spLocks noGrp="1"/>
+          </p:cNvSpPr>
+          <p:nvPr>
+            <p:ph type="title"/>
+          </p:nvPr>
+        </p:nvSpPr>
+        <p:spPr/>
+        <p:txBody>
+          <a:bodyPr/>
+          <a:lstStyle/>
+          <a:p>
+            <a:r>
+              <a:rPr lang="en-US" dirty="0" smtClean="0"/>
+              <a:t>Design – Main Page</a:t>
+            </a:r>
+            <a:endParaRPr lang="en-US" dirty="0"/>
+          </a:p>
+        </p:txBody>
+      </p:sp>
+      <p:pic>
+        <p:nvPicPr>
+          <p:cNvPr id="1026" name="Picture 2"/>
+          <p:cNvPicPr>
+            <a:picLocks noChangeAspect="1" noChangeArrowheads="1"/>
+          </p:cNvPicPr>
+          <p:nvPr/>
+        </p:nvPicPr>
+        <p:blipFill>
+          <a:blip r:embed="rId2">
+            <a:extLst>
+              <a:ext uri="{28A0092B-C50C-407E-A947-70E740481C1C}">
+                <a14:useLocalDpi xmlns:a14="http://schemas.microsoft.com/office/drawing/2010/main" val="0"/>
+              </a:ext>
+            </a:extLst>
+          </a:blip>
+          <a:srcRect/>
+          <a:stretch>
+            <a:fillRect/>
+          </a:stretch>
+        </p:blipFill>
+        <p:spPr bwMode="auto">
+          <a:xfrm>
+            <a:off x="381000" y="2057400"/>
+            <a:ext cx="8583743" cy="4114800"/>
+          </a:xfrm>
+          <a:prstGeom prst="rect">
+            <a:avLst/>
+          </a:prstGeom>
+          <a:noFill/>
+          <a:ln>
+            <a:noFill/>
+          </a:ln>
+          <a:effectLst/>
+          <a:extLst>
+            <a:ext uri="{909E8E84-426E-40DD-AFC4-6F175D3DCCD1}">
+              <a14:hiddenFill xmlns:a14="http://schemas.microsoft.com/office/drawing/2010/main">
+                <a:solidFill>
+                  <a:schemeClr val="accent1"/>
+                </a:solidFill>
+              </a14:hiddenFill>
+            </a:ext>
+            <a:ext uri="{91240B29-F687-4F45-9708-019B960494DF}">
+              <a14:hiddenLine xmlns:a14="http://schemas.microsoft.com/office/drawing/2010/main" w="9525">
+                <a:solidFill>
+                  <a:schemeClr val="tx1"/>
+                </a:solidFill>
+                <a:miter lim="800000"/>
+                <a:headEnd/>
+                <a:tailEnd/>
+              </a14:hiddenLine>
+            </a:ext>
+            <a:ext uri="{AF507438-7753-43E0-B8FC-AC1667EBCBE1}">
+              <a14:hiddenEffects xmlns:a14="http://schemas.microsoft.com/office/drawing/2010/main">
+                <a:effectLst>
+                  <a:outerShdw dist="35921" dir="2700000" algn="ctr" rotWithShape="0">
+                    <a:schemeClr val="bg2"/>
+                  </a:outerShdw>
+                </a:effectLst>
+              </a14:hiddenEffects>
+            </a:ext>
+          </a:extLst>
+        </p:spPr>
+      </p:pic>
+    </p:spTree>
+    <p:extLst>
+      <p:ext uri="{BB962C8B-B14F-4D97-AF65-F5344CB8AC3E}">
+        <p14:creationId xmlns:p14="http://schemas.microsoft.com/office/powerpoint/2010/main" val="3304650941"/>
+      </p:ext>
+    </p:extLst>
+  </p:cSld>
+  <p:clrMapOvr>
+    <a:masterClrMapping/>
+  </p:clrMapOvr>
 </p:sld>
 </file>
 
@@ -5965,4 +8820,282 @@
   <a:objectDefaults/>
   <a:extraClrSchemeLst/>
 </a:theme>
+</file>
+
+<file path=ppt/theme/themeOverride1.xml><?xml version="1.0" encoding="utf-8"?>
+<a:themeOverride xmlns:a="http://schemas.openxmlformats.org/drawingml/2006/main">
+  <a:clrScheme name="Verve">
+    <a:dk1>
+      <a:sysClr val="windowText" lastClr="000000"/>
+    </a:dk1>
+    <a:lt1>
+      <a:sysClr val="window" lastClr="FFFFFF"/>
+    </a:lt1>
+    <a:dk2>
+      <a:srgbClr xmlns:mc="http://schemas.openxmlformats.org/markup-compatibility/2006" xmlns:a14="http://schemas.microsoft.com/office/drawing/2010/main" val="666666" mc:Ignorable=""/>
+    </a:dk2>
+    <a:lt2>
+      <a:srgbClr xmlns:mc="http://schemas.openxmlformats.org/markup-compatibility/2006" xmlns:a14="http://schemas.microsoft.com/office/drawing/2010/main" val="D2D2D2" mc:Ignorable=""/>
+    </a:lt2>
+    <a:accent1>
+      <a:srgbClr xmlns:mc="http://schemas.openxmlformats.org/markup-compatibility/2006" xmlns:a14="http://schemas.microsoft.com/office/drawing/2010/main" val="FF388C" mc:Ignorable=""/>
+    </a:accent1>
+    <a:accent2>
+      <a:srgbClr xmlns:mc="http://schemas.openxmlformats.org/markup-compatibility/2006" xmlns:a14="http://schemas.microsoft.com/office/drawing/2010/main" val="E40059" mc:Ignorable=""/>
+    </a:accent2>
+    <a:accent3>
+      <a:srgbClr xmlns:mc="http://schemas.openxmlformats.org/markup-compatibility/2006" xmlns:a14="http://schemas.microsoft.com/office/drawing/2010/main" val="9C007F" mc:Ignorable=""/>
+    </a:accent3>
+    <a:accent4>
+      <a:srgbClr xmlns:mc="http://schemas.openxmlformats.org/markup-compatibility/2006" xmlns:a14="http://schemas.microsoft.com/office/drawing/2010/main" val="68007F" mc:Ignorable=""/>
+    </a:accent4>
+    <a:accent5>
+      <a:srgbClr xmlns:mc="http://schemas.openxmlformats.org/markup-compatibility/2006" xmlns:a14="http://schemas.microsoft.com/office/drawing/2010/main" val="005BD3" mc:Ignorable=""/>
+    </a:accent5>
+    <a:accent6>
+      <a:srgbClr xmlns:mc="http://schemas.openxmlformats.org/markup-compatibility/2006" xmlns:a14="http://schemas.microsoft.com/office/drawing/2010/main" val="00349E" mc:Ignorable=""/>
+    </a:accent6>
+    <a:hlink>
+      <a:srgbClr xmlns:mc="http://schemas.openxmlformats.org/markup-compatibility/2006" xmlns:a14="http://schemas.microsoft.com/office/drawing/2010/main" val="17BBFD" mc:Ignorable=""/>
+    </a:hlink>
+    <a:folHlink>
+      <a:srgbClr xmlns:mc="http://schemas.openxmlformats.org/markup-compatibility/2006" xmlns:a14="http://schemas.microsoft.com/office/drawing/2010/main" val="FF79C2" mc:Ignorable=""/>
+    </a:folHlink>
+  </a:clrScheme>
+  <a:fontScheme name="Verve">
+    <a:majorFont>
+      <a:latin typeface="Century Gothic"/>
+      <a:ea typeface=""/>
+      <a:cs typeface=""/>
+      <a:font script="Jpan" typeface="HGｺﾞｼｯｸM"/>
+      <a:font script="Hang" typeface="HY중고딕"/>
+      <a:font script="Hans" typeface="幼圆"/>
+      <a:font script="Hant" typeface="微軟正黑體"/>
+      <a:font script="Arab" typeface="Tahoma"/>
+      <a:font script="Hebr" typeface="Gisha"/>
+      <a:font script="Thai" typeface="DilleniaUPC"/>
+      <a:font script="Ethi" typeface="Nyala"/>
+      <a:font script="Beng" typeface="Vrinda"/>
+      <a:font script="Gujr" typeface="Shruti"/>
+      <a:font script="Khmr" typeface="DaunPenh"/>
+      <a:font script="Knda" typeface="Tunga"/>
+      <a:font script="Guru" typeface="Raavi"/>
+      <a:font script="Cans" typeface="Euphemia"/>
+      <a:font script="Cher" typeface="Plantagenet Cherokee"/>
+      <a:font script="Yiii" typeface="Microsoft Yi Baiti"/>
+      <a:font script="Tibt" typeface="Microsoft Himalaya"/>
+      <a:font script="Thaa" typeface="MV Boli"/>
+      <a:font script="Deva" typeface="Mangal"/>
+      <a:font script="Telu" typeface="Gautami"/>
+      <a:font script="Taml" typeface="Latha"/>
+      <a:font script="Syrc" typeface="Estrangelo Edessa"/>
+      <a:font script="Orya" typeface="Kalinga"/>
+      <a:font script="Mlym" typeface="Kartika"/>
+      <a:font script="Laoo" typeface="DokChampa"/>
+      <a:font script="Sinh" typeface="Iskoola Pota"/>
+      <a:font script="Mong" typeface="Mongolian Baiti"/>
+      <a:font script="Viet" typeface="Tahoma"/>
+      <a:font script="Uigh" typeface="Microsoft Uighur"/>
+    </a:majorFont>
+    <a:minorFont>
+      <a:latin typeface="Century Gothic"/>
+      <a:ea typeface=""/>
+      <a:cs typeface=""/>
+      <a:font script="Jpan" typeface="ＭＳ ゴシック"/>
+      <a:font script="Hang" typeface="HY중고딕"/>
+      <a:font script="Hans" typeface="幼圆"/>
+      <a:font script="Hant" typeface="微軟正黑體"/>
+      <a:font script="Arab" typeface="Tahoma"/>
+      <a:font script="Hebr" typeface="Gisha"/>
+      <a:font script="Thai" typeface="DilleniaUPC"/>
+      <a:font script="Ethi" typeface="Nyala"/>
+      <a:font script="Beng" typeface="Vrinda"/>
+      <a:font script="Gujr" typeface="Shruti"/>
+      <a:font script="Khmr" typeface="DaunPenh"/>
+      <a:font script="Knda" typeface="Tunga"/>
+      <a:font script="Guru" typeface="Raavi"/>
+      <a:font script="Cans" typeface="Euphemia"/>
+      <a:font script="Cher" typeface="Plantagenet Cherokee"/>
+      <a:font script="Yiii" typeface="Microsoft Yi Baiti"/>
+      <a:font script="Tibt" typeface="Microsoft Himalaya"/>
+      <a:font script="Thaa" typeface="MV Boli"/>
+      <a:font script="Deva" typeface="Mangal"/>
+      <a:font script="Telu" typeface="Gautami"/>
+      <a:font script="Taml" typeface="Latha"/>
+      <a:font script="Syrc" typeface="Estrangelo Edessa"/>
+      <a:font script="Orya" typeface="Kalinga"/>
+      <a:font script="Mlym" typeface="Kartika"/>
+      <a:font script="Laoo" typeface="DokChampa"/>
+      <a:font script="Sinh" typeface="Iskoola Pota"/>
+      <a:font script="Mong" typeface="Mongolian Baiti"/>
+      <a:font script="Viet" typeface="Verdana"/>
+      <a:font script="Uigh" typeface="Microsoft Uighur"/>
+    </a:minorFont>
+  </a:fontScheme>
+  <a:fmtScheme name="Verve">
+    <a:fillStyleLst>
+      <a:solidFill>
+        <a:schemeClr val="phClr"/>
+      </a:solidFill>
+      <a:gradFill rotWithShape="1">
+        <a:gsLst>
+          <a:gs pos="0">
+            <a:schemeClr val="phClr">
+              <a:tint val="10000"/>
+              <a:satMod val="300000"/>
+            </a:schemeClr>
+          </a:gs>
+          <a:gs pos="34000">
+            <a:schemeClr val="phClr">
+              <a:tint val="13500"/>
+              <a:satMod val="250000"/>
+            </a:schemeClr>
+          </a:gs>
+          <a:gs pos="100000">
+            <a:schemeClr val="phClr">
+              <a:tint val="60000"/>
+              <a:satMod val="200000"/>
+            </a:schemeClr>
+          </a:gs>
+        </a:gsLst>
+        <a:path path="circle">
+          <a:fillToRect l="50000" t="155000" r="50000" b="-55000"/>
+        </a:path>
+      </a:gradFill>
+      <a:gradFill rotWithShape="1">
+        <a:gsLst>
+          <a:gs pos="0">
+            <a:schemeClr val="phClr">
+              <a:tint val="60000"/>
+              <a:satMod val="160000"/>
+            </a:schemeClr>
+          </a:gs>
+          <a:gs pos="46000">
+            <a:schemeClr val="phClr">
+              <a:tint val="86000"/>
+              <a:satMod val="160000"/>
+            </a:schemeClr>
+          </a:gs>
+          <a:gs pos="100000">
+            <a:schemeClr val="phClr">
+              <a:shade val="40000"/>
+              <a:satMod val="160000"/>
+            </a:schemeClr>
+          </a:gs>
+        </a:gsLst>
+        <a:path path="circle">
+          <a:fillToRect l="50000" t="155000" r="50000" b="-55000"/>
+        </a:path>
+      </a:gradFill>
+    </a:fillStyleLst>
+    <a:lnStyleLst>
+      <a:ln w="9525" cap="flat" cmpd="sng" algn="ctr">
+        <a:solidFill>
+          <a:schemeClr val="phClr">
+            <a:satMod val="120000"/>
+          </a:schemeClr>
+        </a:solidFill>
+        <a:prstDash val="solid"/>
+      </a:ln>
+      <a:ln w="25400" cap="flat" cmpd="sng" algn="ctr">
+        <a:solidFill>
+          <a:schemeClr val="phClr"/>
+        </a:solidFill>
+        <a:prstDash val="solid"/>
+      </a:ln>
+      <a:ln w="38100" cap="flat" cmpd="sng" algn="ctr">
+        <a:solidFill>
+          <a:schemeClr val="phClr"/>
+        </a:solidFill>
+        <a:prstDash val="solid"/>
+      </a:ln>
+    </a:lnStyleLst>
+    <a:effectStyleLst>
+      <a:effectStyle>
+        <a:effectLst>
+          <a:outerShdw blurRad="63500" dist="25400" dir="14700000" algn="t" rotWithShape="0">
+            <a:srgbClr xmlns:mc="http://schemas.openxmlformats.org/markup-compatibility/2006" xmlns:a14="http://schemas.microsoft.com/office/drawing/2010/main" val="000000" mc:Ignorable="">
+              <a:alpha val="50000"/>
+            </a:srgbClr>
+          </a:outerShdw>
+        </a:effectLst>
+      </a:effectStyle>
+      <a:effectStyle>
+        <a:effectLst>
+          <a:outerShdw blurRad="50800" dist="38100" dir="14700000" algn="t" rotWithShape="0">
+            <a:srgbClr xmlns:mc="http://schemas.openxmlformats.org/markup-compatibility/2006" xmlns:a14="http://schemas.microsoft.com/office/drawing/2010/main" val="000000" mc:Ignorable="">
+              <a:alpha val="60000"/>
+            </a:srgbClr>
+          </a:outerShdw>
+        </a:effectLst>
+      </a:effectStyle>
+      <a:effectStyle>
+        <a:effectLst>
+          <a:outerShdw blurRad="50800" dist="38100" dir="14700000" algn="t" rotWithShape="0">
+            <a:srgbClr xmlns:mc="http://schemas.openxmlformats.org/markup-compatibility/2006" xmlns:a14="http://schemas.microsoft.com/office/drawing/2010/main" val="000000" mc:Ignorable="">
+              <a:alpha val="60000"/>
+            </a:srgbClr>
+          </a:outerShdw>
+        </a:effectLst>
+        <a:scene3d>
+          <a:camera prst="orthographicFront" fov="0">
+            <a:rot lat="0" lon="0" rev="0"/>
+          </a:camera>
+          <a:lightRig rig="contrasting" dir="t">
+            <a:rot lat="0" lon="0" rev="3600000"/>
+          </a:lightRig>
+        </a:scene3d>
+        <a:sp3d prstMaterial="plastic">
+          <a:bevelT w="127000" h="38200" prst="relaxedInset"/>
+          <a:contourClr>
+            <a:schemeClr val="phClr"/>
+          </a:contourClr>
+        </a:sp3d>
+      </a:effectStyle>
+    </a:effectStyleLst>
+    <a:bgFillStyleLst>
+      <a:solidFill>
+        <a:schemeClr val="phClr"/>
+      </a:solidFill>
+      <a:gradFill rotWithShape="1">
+        <a:gsLst>
+          <a:gs pos="0">
+            <a:schemeClr val="phClr">
+              <a:shade val="48000"/>
+              <a:satMod val="230000"/>
+            </a:schemeClr>
+          </a:gs>
+          <a:gs pos="60000">
+            <a:schemeClr val="phClr">
+              <a:shade val="92000"/>
+              <a:satMod val="230000"/>
+            </a:schemeClr>
+          </a:gs>
+          <a:gs pos="100000">
+            <a:schemeClr val="phClr">
+              <a:tint val="85000"/>
+              <a:satMod val="400000"/>
+            </a:schemeClr>
+          </a:gs>
+        </a:gsLst>
+        <a:lin ang="5400000" scaled="0"/>
+      </a:gradFill>
+      <a:blipFill>
+        <a:blip xmlns:r="http://schemas.openxmlformats.org/officeDocument/2006/relationships" r:embed="rId1">
+          <a:duotone>
+            <a:schemeClr val="phClr">
+              <a:shade val="1200"/>
+              <a:satMod val="150000"/>
+            </a:schemeClr>
+            <a:schemeClr val="phClr">
+              <a:tint val="90000"/>
+              <a:satMod val="150000"/>
+            </a:schemeClr>
+          </a:duotone>
+        </a:blip>
+        <a:tile tx="0" ty="0" sx="70000" sy="70000" flip="none" algn="tl"/>
+      </a:blipFill>
+    </a:bgFillStyleLst>
+  </a:fmtScheme>
+</a:themeOverride>
 </file>
--- a/docs/ODBC2KML Demo Slides.pptx
+++ b/docs/ODBC2KML Demo Slides.pptx
@@ -5,26 +5,31 @@
     <p:sldMasterId id="2147483744" r:id="rId1"/>
   </p:sldMasterIdLst>
   <p:notesMasterIdLst>
-    <p:notesMasterId r:id="rId19"/>
+    <p:notesMasterId r:id="rId24"/>
   </p:notesMasterIdLst>
   <p:sldIdLst>
     <p:sldId id="256" r:id="rId2"/>
     <p:sldId id="276" r:id="rId3"/>
     <p:sldId id="277" r:id="rId4"/>
     <p:sldId id="278" r:id="rId5"/>
-    <p:sldId id="279" r:id="rId6"/>
-    <p:sldId id="257" r:id="rId7"/>
-    <p:sldId id="266" r:id="rId8"/>
-    <p:sldId id="259" r:id="rId9"/>
-    <p:sldId id="269" r:id="rId10"/>
-    <p:sldId id="270" r:id="rId11"/>
-    <p:sldId id="271" r:id="rId12"/>
-    <p:sldId id="272" r:id="rId13"/>
-    <p:sldId id="273" r:id="rId14"/>
-    <p:sldId id="275" r:id="rId15"/>
-    <p:sldId id="274" r:id="rId16"/>
-    <p:sldId id="267" r:id="rId17"/>
-    <p:sldId id="262" r:id="rId18"/>
+    <p:sldId id="283" r:id="rId6"/>
+    <p:sldId id="282" r:id="rId7"/>
+    <p:sldId id="285" r:id="rId8"/>
+    <p:sldId id="284" r:id="rId9"/>
+    <p:sldId id="257" r:id="rId10"/>
+    <p:sldId id="286" r:id="rId11"/>
+    <p:sldId id="287" r:id="rId12"/>
+    <p:sldId id="269" r:id="rId13"/>
+    <p:sldId id="270" r:id="rId14"/>
+    <p:sldId id="271" r:id="rId15"/>
+    <p:sldId id="272" r:id="rId16"/>
+    <p:sldId id="273" r:id="rId17"/>
+    <p:sldId id="275" r:id="rId18"/>
+    <p:sldId id="274" r:id="rId19"/>
+    <p:sldId id="262" r:id="rId20"/>
+    <p:sldId id="267" r:id="rId21"/>
+    <p:sldId id="280" r:id="rId22"/>
+    <p:sldId id="281" r:id="rId23"/>
   </p:sldIdLst>
   <p:sldSz cx="9144000" cy="6858000" type="screen4x3"/>
   <p:notesSz cx="6858000" cy="9144000"/>
@@ -128,11 +133,7 @@
 
 <file path=ppt/charts/chart1.xml><?xml version="1.0" encoding="utf-8"?>
 <c:chartSpace xmlns:c="http://schemas.openxmlformats.org/drawingml/2006/chart" xmlns:a="http://schemas.openxmlformats.org/drawingml/2006/main" xmlns:r="http://schemas.openxmlformats.org/officeDocument/2006/relationships">
-  <c:date1904 val="1"/>
   <c:lang val="en-US"/>
-  <c:roundedCorners val="1"/>
-  <c:style val="2"/>
-  <c:clrMapOvr bg1="dk1" tx1="lt1" bg2="dk2" tx2="lt2" accent1="accent1" accent2="accent2" accent3="accent3" accent4="accent4" accent5="accent5" accent6="accent6" hlink="hlink" folHlink="folHlink"/>
   <c:chart>
     <c:title>
       <c:tx>
@@ -144,22 +145,18 @@
               <a:defRPr/>
             </a:pPr>
             <a:r>
-              <a:rPr lang="en-US" dirty="0" smtClean="0"/>
+              <a:rPr lang="en-US"/>
               <a:t>Hours Worked on Project</a:t>
             </a:r>
-            <a:endParaRPr lang="en-US" dirty="0"/>
           </a:p>
         </c:rich>
       </c:tx>
       <c:layout/>
-      <c:overlay val="1"/>
     </c:title>
-    <c:autoTitleDeleted val="0"/>
     <c:plotArea>
       <c:layout/>
       <c:lineChart>
         <c:grouping val="standard"/>
-        <c:varyColors val="1"/>
         <c:ser>
           <c:idx val="0"/>
           <c:order val="0"/>
@@ -260,51 +257,34 @@
               </c:numCache>
             </c:numRef>
           </c:val>
-          <c:smooth val="1"/>
         </c:ser>
-        <c:dLbls>
-          <c:showLegendKey val="0"/>
-          <c:showVal val="0"/>
-          <c:showCatName val="0"/>
-          <c:showSerName val="0"/>
-          <c:showPercent val="0"/>
-          <c:showBubbleSize val="0"/>
-        </c:dLbls>
         <c:marker val="1"/>
-        <c:smooth val="0"/>
-        <c:axId val="113646592"/>
-        <c:axId val="113672960"/>
+        <c:axId val="83531648"/>
+        <c:axId val="83542400"/>
       </c:lineChart>
       <c:catAx>
-        <c:axId val="113646592"/>
+        <c:axId val="83531648"/>
         <c:scaling>
           <c:orientation val="minMax"/>
         </c:scaling>
-        <c:delete val="1"/>
         <c:axPos val="b"/>
-        <c:majorTickMark val="cross"/>
-        <c:minorTickMark val="cross"/>
         <c:tickLblPos val="nextTo"/>
-        <c:crossAx val="113672960"/>
+        <c:crossAx val="83542400"/>
         <c:crosses val="autoZero"/>
         <c:auto val="1"/>
         <c:lblAlgn val="ctr"/>
         <c:lblOffset val="100"/>
-        <c:noMultiLvlLbl val="1"/>
       </c:catAx>
       <c:valAx>
-        <c:axId val="113672960"/>
+        <c:axId val="83542400"/>
         <c:scaling>
           <c:orientation val="minMax"/>
         </c:scaling>
-        <c:delete val="1"/>
         <c:axPos val="l"/>
         <c:majorGridlines/>
         <c:numFmt formatCode="General" sourceLinked="1"/>
-        <c:majorTickMark val="cross"/>
-        <c:minorTickMark val="cross"/>
         <c:tickLblPos val="nextTo"/>
-        <c:crossAx val="113646592"/>
+        <c:crossAx val="83531648"/>
         <c:crosses val="autoZero"/>
         <c:crossBetween val="between"/>
       </c:valAx>
@@ -312,11 +292,9 @@
     <c:legend>
       <c:legendPos val="r"/>
       <c:layout/>
-      <c:overlay val="1"/>
     </c:legend>
     <c:plotVisOnly val="1"/>
-    <c:dispBlanksAs val="zero"/>
-    <c:showDLblsOverMax val="1"/>
+    <c:dispBlanksAs val="gap"/>
   </c:chart>
   <c:txPr>
     <a:bodyPr/>
@@ -328,9 +306,7 @@
       <a:endParaRPr lang="en-US"/>
     </a:p>
   </c:txPr>
-  <c:externalData r:id="rId2">
-    <c:autoUpdate val="0"/>
-  </c:externalData>
+  <c:externalData r:id="rId1"/>
 </c:chartSpace>
 </file>
 
@@ -588,7 +564,7 @@
     </p:spTree>
     <p:extLst>
       <p:ext uri="{BB962C8B-B14F-4D97-AF65-F5344CB8AC3E}">
-        <p14:creationId xmlns:p14="http://schemas.microsoft.com/office/powerpoint/2010/main" val="411620285"/>
+        <p14:creationId xmlns:p14="http://schemas.microsoft.com/office/powerpoint/2010/main" xmlns="" val="411620285"/>
       </p:ext>
     </p:extLst>
   </p:cSld>
@@ -694,7 +670,7 @@
     <p:bg>
       <p:bgPr>
         <a:solidFill>
-          <a:srgbClr xmlns:mc="http://schemas.openxmlformats.org/markup-compatibility/2006" xmlns:a14="http://schemas.microsoft.com/office/drawing/2010/main" val="FFFFFF" mc:Ignorable=""/>
+          <a:srgbClr val="FFFFFF"/>
         </a:solidFill>
         <a:effectLst/>
       </p:bgPr>
@@ -727,14 +703,14 @@
           <a:noFill/>
           <a:extLst>
             <a:ext uri="{909E8E84-426E-40DD-AFC4-6F175D3DCCD1}">
-              <a14:hiddenFill xmlns:a14="http://schemas.microsoft.com/office/drawing/2010/main">
+              <a14:hiddenFill xmlns:a14="http://schemas.microsoft.com/office/drawing/2010/main" xmlns="">
                 <a:solidFill>
                   <a:srgbClr xmlns:mc="http://schemas.openxmlformats.org/markup-compatibility/2006" val="FFFFFF" mc:Ignorable=""/>
                 </a:solidFill>
               </a14:hiddenFill>
             </a:ext>
             <a:ext uri="{91240B29-F687-4F45-9708-019B960494DF}">
-              <a14:hiddenLine xmlns:a14="http://schemas.microsoft.com/office/drawing/2010/main" w="9525">
+              <a14:hiddenLine xmlns:a14="http://schemas.microsoft.com/office/drawing/2010/main" xmlns="" w="9525">
                 <a:solidFill>
                   <a:srgbClr xmlns:mc="http://schemas.openxmlformats.org/markup-compatibility/2006" val="000000" mc:Ignorable=""/>
                 </a:solidFill>
@@ -875,11 +851,11 @@
             <a:ext cx="4572000" cy="3429000"/>
           </a:xfrm>
           <a:solidFill>
-            <a:srgbClr xmlns:mc="http://schemas.openxmlformats.org/markup-compatibility/2006" xmlns:a14="http://schemas.microsoft.com/office/drawing/2010/main" val="FFFFFF" mc:Ignorable=""/>
+            <a:srgbClr val="FFFFFF"/>
           </a:solidFill>
           <a:ln>
             <a:solidFill>
-              <a:srgbClr xmlns:mc="http://schemas.openxmlformats.org/markup-compatibility/2006" xmlns:a14="http://schemas.microsoft.com/office/drawing/2010/main" val="000000" mc:Ignorable=""/>
+              <a:srgbClr val="000000"/>
             </a:solidFill>
             <a:miter lim="800000"/>
             <a:headEnd/>
@@ -905,14 +881,14 @@
           <a:noFill/>
           <a:extLst>
             <a:ext uri="{909E8E84-426E-40DD-AFC4-6F175D3DCCD1}">
-              <a14:hiddenFill xmlns:a14="http://schemas.microsoft.com/office/drawing/2010/main">
+              <a14:hiddenFill xmlns:a14="http://schemas.microsoft.com/office/drawing/2010/main" xmlns="">
                 <a:solidFill>
                   <a:srgbClr xmlns:mc="http://schemas.openxmlformats.org/markup-compatibility/2006" val="FFFFFF" mc:Ignorable=""/>
                 </a:solidFill>
               </a14:hiddenFill>
             </a:ext>
             <a:ext uri="{91240B29-F687-4F45-9708-019B960494DF}">
-              <a14:hiddenLine xmlns:a14="http://schemas.microsoft.com/office/drawing/2010/main" w="9525">
+              <a14:hiddenLine xmlns:a14="http://schemas.microsoft.com/office/drawing/2010/main" xmlns="" w="9525">
                 <a:solidFill>
                   <a:srgbClr xmlns:mc="http://schemas.openxmlformats.org/markup-compatibility/2006" val="000000" mc:Ignorable=""/>
                 </a:solidFill>
@@ -1051,7 +1027,7 @@
     <p:bg>
       <p:bgPr>
         <a:solidFill>
-          <a:srgbClr xmlns:mc="http://schemas.openxmlformats.org/markup-compatibility/2006" xmlns:a14="http://schemas.microsoft.com/office/drawing/2010/main" val="FFFFFF" mc:Ignorable=""/>
+          <a:srgbClr val="FFFFFF"/>
         </a:solidFill>
         <a:effectLst/>
       </p:bgPr>
@@ -1084,14 +1060,14 @@
           <a:noFill/>
           <a:extLst>
             <a:ext uri="{909E8E84-426E-40DD-AFC4-6F175D3DCCD1}">
-              <a14:hiddenFill xmlns:a14="http://schemas.microsoft.com/office/drawing/2010/main">
+              <a14:hiddenFill xmlns:a14="http://schemas.microsoft.com/office/drawing/2010/main" xmlns="">
                 <a:solidFill>
                   <a:srgbClr xmlns:mc="http://schemas.openxmlformats.org/markup-compatibility/2006" val="FFFFFF" mc:Ignorable=""/>
                 </a:solidFill>
               </a14:hiddenFill>
             </a:ext>
             <a:ext uri="{91240B29-F687-4F45-9708-019B960494DF}">
-              <a14:hiddenLine xmlns:a14="http://schemas.microsoft.com/office/drawing/2010/main" w="9525">
+              <a14:hiddenLine xmlns:a14="http://schemas.microsoft.com/office/drawing/2010/main" xmlns="" w="9525">
                 <a:solidFill>
                   <a:srgbClr xmlns:mc="http://schemas.openxmlformats.org/markup-compatibility/2006" val="000000" mc:Ignorable=""/>
                 </a:solidFill>
@@ -1232,11 +1208,11 @@
             <a:ext cx="4572000" cy="3429000"/>
           </a:xfrm>
           <a:solidFill>
-            <a:srgbClr xmlns:mc="http://schemas.openxmlformats.org/markup-compatibility/2006" xmlns:a14="http://schemas.microsoft.com/office/drawing/2010/main" val="FFFFFF" mc:Ignorable=""/>
+            <a:srgbClr val="FFFFFF"/>
           </a:solidFill>
           <a:ln>
             <a:solidFill>
-              <a:srgbClr xmlns:mc="http://schemas.openxmlformats.org/markup-compatibility/2006" xmlns:a14="http://schemas.microsoft.com/office/drawing/2010/main" val="000000" mc:Ignorable=""/>
+              <a:srgbClr val="000000"/>
             </a:solidFill>
             <a:miter lim="800000"/>
             <a:headEnd/>
@@ -1262,14 +1238,14 @@
           <a:noFill/>
           <a:extLst>
             <a:ext uri="{909E8E84-426E-40DD-AFC4-6F175D3DCCD1}">
-              <a14:hiddenFill xmlns:a14="http://schemas.microsoft.com/office/drawing/2010/main">
+              <a14:hiddenFill xmlns:a14="http://schemas.microsoft.com/office/drawing/2010/main" xmlns="">
                 <a:solidFill>
                   <a:srgbClr xmlns:mc="http://schemas.openxmlformats.org/markup-compatibility/2006" val="FFFFFF" mc:Ignorable=""/>
                 </a:solidFill>
               </a14:hiddenFill>
             </a:ext>
             <a:ext uri="{91240B29-F687-4F45-9708-019B960494DF}">
-              <a14:hiddenLine xmlns:a14="http://schemas.microsoft.com/office/drawing/2010/main" w="9525">
+              <a14:hiddenLine xmlns:a14="http://schemas.microsoft.com/office/drawing/2010/main" xmlns="" w="9525">
                 <a:solidFill>
                   <a:srgbClr xmlns:mc="http://schemas.openxmlformats.org/markup-compatibility/2006" val="000000" mc:Ignorable=""/>
                 </a:solidFill>
@@ -1678,7 +1654,7 @@
             <a:lvl1pPr algn="ctr">
               <a:defRPr sz="1300">
                 <a:solidFill>
-                  <a:srgbClr xmlns:mc="http://schemas.openxmlformats.org/markup-compatibility/2006" xmlns:a14="http://schemas.microsoft.com/office/drawing/2010/main" val="FFFFFF" mc:Ignorable=""/>
+                  <a:srgbClr val="FFFFFF"/>
                 </a:solidFill>
               </a:defRPr>
             </a:lvl1pPr>
@@ -4570,7 +4546,7 @@
           </a:solidFill>
           <a:effectLst>
             <a:outerShdw blurRad="26000" dist="26000" dir="14500000" algn="tl" rotWithShape="0">
-              <a:srgbClr xmlns:mc="http://schemas.openxmlformats.org/markup-compatibility/2006" xmlns:a14="http://schemas.microsoft.com/office/drawing/2010/main" val="000000" mc:Ignorable="">
+              <a:srgbClr val="000000">
                 <a:alpha val="40000"/>
               </a:srgbClr>
             </a:outerShdw>
@@ -4985,10 +4961,11 @@
   <p:clrMapOvr>
     <a:masterClrMapping/>
   </p:clrMapOvr>
+  <p:transition/>
   <p:timing>
     <p:tnLst>
       <p:par>
-        <p:cTn xmlns:p14="http://schemas.microsoft.com/office/powerpoint/2010/main" id="1" dur="indefinite" restart="never" nodeType="tmRoot"/>
+        <p:cTn id="1" dur="indefinite" restart="never" nodeType="tmRoot"/>
       </p:par>
     </p:tnLst>
   </p:timing>
@@ -5022,106 +4999,69 @@
             <p:ph type="title"/>
           </p:nvPr>
         </p:nvSpPr>
-        <p:spPr>
-          <a:xfrm>
-            <a:off x="76200" y="267494"/>
-            <a:ext cx="8915400" cy="1399032"/>
-          </a:xfrm>
-        </p:spPr>
+        <p:spPr/>
         <p:txBody>
           <a:bodyPr/>
           <a:lstStyle/>
           <a:p>
             <a:r>
               <a:rPr lang="en-US" dirty="0" smtClean="0"/>
-              <a:t>Design – </a:t>
-            </a:r>
-            <a:r>
-              <a:rPr lang="en-US" dirty="0" err="1" smtClean="0"/>
-              <a:t>ConnDetails</a:t>
-            </a:r>
+              <a:t>Technologies Used</a:t>
+            </a:r>
+            <a:endParaRPr lang="en-US" dirty="0"/>
+          </a:p>
+        </p:txBody>
+      </p:sp>
+      <p:sp>
+        <p:nvSpPr>
+          <p:cNvPr id="3" name="Content Placeholder 2"/>
+          <p:cNvSpPr>
+            <a:spLocks noGrp="1"/>
+          </p:cNvSpPr>
+          <p:nvPr>
+            <p:ph idx="1"/>
+          </p:nvPr>
+        </p:nvSpPr>
+        <p:spPr/>
+        <p:txBody>
+          <a:bodyPr/>
+          <a:lstStyle/>
+          <a:p>
             <a:r>
               <a:rPr lang="en-US" dirty="0" smtClean="0"/>
-              <a:t>: </a:t>
-            </a:r>
-            <a:r>
-              <a:rPr lang="en-US" dirty="0" err="1" smtClean="0"/>
-              <a:t>ConnInfo</a:t>
-            </a:r>
-            <a:endParaRPr lang="en-US" dirty="0"/>
-          </a:p>
-        </p:txBody>
-      </p:sp>
-      <p:pic>
-        <p:nvPicPr>
-          <p:cNvPr id="2050" name="Picture 2"/>
-          <p:cNvPicPr>
-            <a:picLocks noChangeAspect="1" noChangeArrowheads="1"/>
-          </p:cNvPicPr>
-          <p:nvPr/>
-        </p:nvPicPr>
-        <p:blipFill>
-          <a:blip r:embed="rId2">
-            <a:extLst>
-              <a:ext uri="{28A0092B-C50C-407E-A947-70E740481C1C}">
-                <a14:useLocalDpi xmlns:a14="http://schemas.microsoft.com/office/drawing/2010/main" val="0"/>
-              </a:ext>
-            </a:extLst>
-          </a:blip>
-          <a:srcRect/>
-          <a:stretch>
-            <a:fillRect/>
-          </a:stretch>
-        </p:blipFill>
-        <p:spPr bwMode="auto">
-          <a:xfrm>
-            <a:off x="228600" y="1905000"/>
-            <a:ext cx="8763000" cy="4377217"/>
-          </a:xfrm>
-          <a:prstGeom prst="rect">
-            <a:avLst/>
-          </a:prstGeom>
-          <a:noFill/>
-          <a:ln>
-            <a:noFill/>
-          </a:ln>
-          <a:effectLst/>
-          <a:extLst>
-            <a:ext uri="{909E8E84-426E-40DD-AFC4-6F175D3DCCD1}">
-              <a14:hiddenFill xmlns:a14="http://schemas.microsoft.com/office/drawing/2010/main">
-                <a:solidFill>
-                  <a:schemeClr val="accent1"/>
-                </a:solidFill>
-              </a14:hiddenFill>
-            </a:ext>
-            <a:ext uri="{91240B29-F687-4F45-9708-019B960494DF}">
-              <a14:hiddenLine xmlns:a14="http://schemas.microsoft.com/office/drawing/2010/main" w="9525">
-                <a:solidFill>
-                  <a:schemeClr val="tx1"/>
-                </a:solidFill>
-                <a:miter lim="800000"/>
-                <a:headEnd/>
-                <a:tailEnd/>
-              </a14:hiddenLine>
-            </a:ext>
-            <a:ext uri="{AF507438-7753-43E0-B8FC-AC1667EBCBE1}">
-              <a14:hiddenEffects xmlns:a14="http://schemas.microsoft.com/office/drawing/2010/main">
-                <a:effectLst>
-                  <a:outerShdw dist="35921" dir="2700000" algn="ctr" rotWithShape="0">
-                    <a:schemeClr val="bg2"/>
-                  </a:outerShdw>
-                </a:effectLst>
-              </a14:hiddenEffects>
-            </a:ext>
-          </a:extLst>
-        </p:spPr>
-      </p:pic>
+              <a:t>ASP.NET 2.0</a:t>
+            </a:r>
+          </a:p>
+          <a:p>
+            <a:endParaRPr lang="en-US" dirty="0" smtClean="0"/>
+          </a:p>
+          <a:p>
+            <a:r>
+              <a:rPr lang="en-US" dirty="0" smtClean="0"/>
+              <a:t>C#.NET</a:t>
+            </a:r>
+          </a:p>
+          <a:p>
+            <a:endParaRPr lang="en-US" dirty="0" smtClean="0"/>
+          </a:p>
+          <a:p>
+            <a:r>
+              <a:rPr lang="en-US" dirty="0" smtClean="0"/>
+              <a:t>JavaScript/Ajax</a:t>
+            </a:r>
+          </a:p>
+          <a:p>
+            <a:endParaRPr lang="en-US" dirty="0" smtClean="0"/>
+          </a:p>
+          <a:p>
+            <a:r>
+              <a:rPr lang="en-US" dirty="0" smtClean="0"/>
+              <a:t>Microsoft SQL Server Database</a:t>
+            </a:r>
+          </a:p>
+        </p:txBody>
+      </p:sp>
     </p:spTree>
-    <p:extLst>
-      <p:ext uri="{BB962C8B-B14F-4D97-AF65-F5344CB8AC3E}">
-        <p14:creationId xmlns:p14="http://schemas.microsoft.com/office/powerpoint/2010/main" val="1904229652"/>
-      </p:ext>
-    </p:extLst>
   </p:cSld>
   <p:clrMapOvr>
     <a:masterClrMapping/>
@@ -5156,102 +5096,70 @@
             <p:ph type="title"/>
           </p:nvPr>
         </p:nvSpPr>
-        <p:spPr>
-          <a:xfrm>
-            <a:off x="76200" y="267494"/>
-            <a:ext cx="8915400" cy="1399032"/>
-          </a:xfrm>
-        </p:spPr>
+        <p:spPr/>
         <p:txBody>
           <a:bodyPr/>
           <a:lstStyle/>
           <a:p>
             <a:r>
               <a:rPr lang="en-US" dirty="0" smtClean="0"/>
-              <a:t>Design – </a:t>
-            </a:r>
-            <a:r>
-              <a:rPr lang="en-US" dirty="0" err="1" smtClean="0"/>
-              <a:t>ConnDetails</a:t>
-            </a:r>
+              <a:t>Technical Design</a:t>
+            </a:r>
+            <a:endParaRPr lang="en-US" dirty="0"/>
+          </a:p>
+        </p:txBody>
+      </p:sp>
+      <p:sp>
+        <p:nvSpPr>
+          <p:cNvPr id="3" name="Content Placeholder 2"/>
+          <p:cNvSpPr>
+            <a:spLocks noGrp="1"/>
+          </p:cNvSpPr>
+          <p:nvPr>
+            <p:ph idx="1"/>
+          </p:nvPr>
+        </p:nvSpPr>
+        <p:spPr/>
+        <p:txBody>
+          <a:bodyPr/>
+          <a:lstStyle/>
+          <a:p>
             <a:r>
               <a:rPr lang="en-US" dirty="0" smtClean="0"/>
-              <a:t>: Mapping</a:t>
+              <a:t>Core ODBC2KML classes</a:t>
+            </a:r>
+          </a:p>
+          <a:p>
+            <a:endParaRPr lang="en-US" dirty="0" smtClean="0"/>
+          </a:p>
+          <a:p>
+            <a:r>
+              <a:rPr lang="en-US" dirty="0" smtClean="0"/>
+              <a:t>ODBC Database Connections</a:t>
+            </a:r>
+          </a:p>
+          <a:p>
+            <a:endParaRPr lang="en-US" dirty="0" smtClean="0"/>
+          </a:p>
+          <a:p>
+            <a:r>
+              <a:rPr lang="en-US" dirty="0" smtClean="0"/>
+              <a:t>Public facing Web Pages</a:t>
+            </a:r>
+          </a:p>
+          <a:p>
+            <a:endParaRPr lang="en-US" dirty="0" smtClean="0"/>
+          </a:p>
+          <a:p>
+            <a:r>
+              <a:rPr lang="en-US" dirty="0" smtClean="0"/>
+              <a:t>KML Generation Web Service</a:t>
             </a:r>
             <a:endParaRPr lang="en-US" dirty="0"/>
           </a:p>
         </p:txBody>
       </p:sp>
-      <p:pic>
-        <p:nvPicPr>
-          <p:cNvPr id="3074" name="Picture 2"/>
-          <p:cNvPicPr>
-            <a:picLocks noChangeAspect="1" noChangeArrowheads="1"/>
-          </p:cNvPicPr>
-          <p:nvPr/>
-        </p:nvPicPr>
-        <p:blipFill>
-          <a:blip r:embed="rId2">
-            <a:extLst>
-              <a:ext uri="{28A0092B-C50C-407E-A947-70E740481C1C}">
-                <a14:useLocalDpi xmlns:a14="http://schemas.microsoft.com/office/drawing/2010/main" val="0"/>
-              </a:ext>
-            </a:extLst>
-          </a:blip>
-          <a:srcRect/>
-          <a:stretch>
-            <a:fillRect/>
-          </a:stretch>
-        </p:blipFill>
-        <p:spPr bwMode="auto">
-          <a:xfrm>
-            <a:off x="76200" y="2438400"/>
-            <a:ext cx="8991600" cy="3255735"/>
-          </a:xfrm>
-          <a:prstGeom prst="rect">
-            <a:avLst/>
-          </a:prstGeom>
-          <a:noFill/>
-          <a:ln>
-            <a:noFill/>
-          </a:ln>
-          <a:effectLst/>
-          <a:extLst>
-            <a:ext uri="{909E8E84-426E-40DD-AFC4-6F175D3DCCD1}">
-              <a14:hiddenFill xmlns:a14="http://schemas.microsoft.com/office/drawing/2010/main">
-                <a:solidFill>
-                  <a:schemeClr val="accent1"/>
-                </a:solidFill>
-              </a14:hiddenFill>
-            </a:ext>
-            <a:ext uri="{91240B29-F687-4F45-9708-019B960494DF}">
-              <a14:hiddenLine xmlns:a14="http://schemas.microsoft.com/office/drawing/2010/main" w="9525">
-                <a:solidFill>
-                  <a:schemeClr val="tx1"/>
-                </a:solidFill>
-                <a:miter lim="800000"/>
-                <a:headEnd/>
-                <a:tailEnd/>
-              </a14:hiddenLine>
-            </a:ext>
-            <a:ext uri="{AF507438-7753-43E0-B8FC-AC1667EBCBE1}">
-              <a14:hiddenEffects xmlns:a14="http://schemas.microsoft.com/office/drawing/2010/main">
-                <a:effectLst>
-                  <a:outerShdw dist="35921" dir="2700000" algn="ctr" rotWithShape="0">
-                    <a:schemeClr val="bg2"/>
-                  </a:outerShdw>
-                </a:effectLst>
-              </a14:hiddenEffects>
-            </a:ext>
-          </a:extLst>
-        </p:spPr>
-      </p:pic>
     </p:spTree>
-    <p:extLst>
-      <p:ext uri="{BB962C8B-B14F-4D97-AF65-F5344CB8AC3E}">
-        <p14:creationId xmlns:p14="http://schemas.microsoft.com/office/powerpoint/2010/main" val="4164307088"/>
-      </p:ext>
-    </p:extLst>
   </p:cSld>
   <p:clrMapOvr>
     <a:masterClrMapping/>
@@ -5286,27 +5194,14 @@
             <p:ph type="title"/>
           </p:nvPr>
         </p:nvSpPr>
-        <p:spPr>
-          <a:xfrm>
-            <a:off x="-228600" y="267494"/>
-            <a:ext cx="9372600" cy="1399032"/>
-          </a:xfrm>
-        </p:spPr>
+        <p:spPr/>
         <p:txBody>
           <a:bodyPr/>
           <a:lstStyle/>
           <a:p>
             <a:r>
               <a:rPr lang="en-US" dirty="0" smtClean="0"/>
-              <a:t>Design - </a:t>
-            </a:r>
-            <a:r>
-              <a:rPr lang="en-US" dirty="0" err="1" smtClean="0"/>
-              <a:t>ConnDetails</a:t>
-            </a:r>
-            <a:r>
-              <a:rPr lang="en-US" dirty="0" smtClean="0"/>
-              <a:t>: Description</a:t>
+              <a:t>Design – Main Page</a:t>
             </a:r>
             <a:endParaRPr lang="en-US" dirty="0"/>
           </a:p>
@@ -5314,17 +5209,17 @@
       </p:sp>
       <p:pic>
         <p:nvPicPr>
-          <p:cNvPr id="4098" name="Picture 2"/>
+          <p:cNvPr id="1026" name="Picture 2"/>
           <p:cNvPicPr>
             <a:picLocks noChangeAspect="1" noChangeArrowheads="1"/>
           </p:cNvPicPr>
           <p:nvPr/>
         </p:nvPicPr>
         <p:blipFill>
-          <a:blip r:embed="rId2">
+          <a:blip r:embed="rId2" cstate="print">
             <a:extLst>
               <a:ext uri="{28A0092B-C50C-407E-A947-70E740481C1C}">
-                <a14:useLocalDpi xmlns:a14="http://schemas.microsoft.com/office/drawing/2010/main" val="0"/>
+                <a14:useLocalDpi xmlns:a14="http://schemas.microsoft.com/office/drawing/2010/main" xmlns="" val="0"/>
               </a:ext>
             </a:extLst>
           </a:blip>
@@ -5335,8 +5230,8 @@
         </p:blipFill>
         <p:spPr bwMode="auto">
           <a:xfrm>
-            <a:off x="76200" y="2057400"/>
-            <a:ext cx="8915400" cy="3928820"/>
+            <a:off x="381000" y="2057400"/>
+            <a:ext cx="8583743" cy="4114800"/>
           </a:xfrm>
           <a:prstGeom prst="rect">
             <a:avLst/>
@@ -5348,14 +5243,14 @@
           <a:effectLst/>
           <a:extLst>
             <a:ext uri="{909E8E84-426E-40DD-AFC4-6F175D3DCCD1}">
-              <a14:hiddenFill xmlns:a14="http://schemas.microsoft.com/office/drawing/2010/main">
+              <a14:hiddenFill xmlns:a14="http://schemas.microsoft.com/office/drawing/2010/main" xmlns="">
                 <a:solidFill>
                   <a:schemeClr val="accent1"/>
                 </a:solidFill>
               </a14:hiddenFill>
             </a:ext>
             <a:ext uri="{91240B29-F687-4F45-9708-019B960494DF}">
-              <a14:hiddenLine xmlns:a14="http://schemas.microsoft.com/office/drawing/2010/main" w="9525">
+              <a14:hiddenLine xmlns:a14="http://schemas.microsoft.com/office/drawing/2010/main" xmlns="" w="9525">
                 <a:solidFill>
                   <a:schemeClr val="tx1"/>
                 </a:solidFill>
@@ -5365,7 +5260,7 @@
               </a14:hiddenLine>
             </a:ext>
             <a:ext uri="{AF507438-7753-43E0-B8FC-AC1667EBCBE1}">
-              <a14:hiddenEffects xmlns:a14="http://schemas.microsoft.com/office/drawing/2010/main">
+              <a14:hiddenEffects xmlns:a14="http://schemas.microsoft.com/office/drawing/2010/main" xmlns="">
                 <a:effectLst>
                   <a:outerShdw dist="35921" dir="2700000" algn="ctr" rotWithShape="0">
                     <a:schemeClr val="bg2"/>
@@ -5379,13 +5274,20 @@
     </p:spTree>
     <p:extLst>
       <p:ext uri="{BB962C8B-B14F-4D97-AF65-F5344CB8AC3E}">
-        <p14:creationId xmlns:p14="http://schemas.microsoft.com/office/powerpoint/2010/main" val="506937973"/>
+        <p14:creationId xmlns:p14="http://schemas.microsoft.com/office/powerpoint/2010/main" xmlns="" val="3304650941"/>
       </p:ext>
     </p:extLst>
   </p:cSld>
   <p:clrMapOvr>
     <a:masterClrMapping/>
   </p:clrMapOvr>
+  <p:timing>
+    <p:tnLst>
+      <p:par>
+        <p:cTn id="1" dur="indefinite" restart="never" nodeType="tmRoot"/>
+      </p:par>
+    </p:tnLst>
+  </p:timing>
 </p:sld>
 </file>
 
@@ -5418,15 +5320,14 @@
         </p:nvSpPr>
         <p:spPr>
           <a:xfrm>
-            <a:off x="76200" y="76200"/>
-            <a:ext cx="8991600" cy="1399032"/>
+            <a:off x="76200" y="267494"/>
+            <a:ext cx="8915400" cy="1399032"/>
           </a:xfrm>
         </p:spPr>
         <p:txBody>
           <a:bodyPr/>
           <a:lstStyle/>
           <a:p>
-            <a:pPr marL="55563"/>
             <a:r>
               <a:rPr lang="en-US" dirty="0" smtClean="0"/>
               <a:t>Design – </a:t>
@@ -5437,7 +5338,11 @@
             </a:r>
             <a:r>
               <a:rPr lang="en-US" dirty="0" smtClean="0"/>
-              <a:t>: Icons and Overlays</a:t>
+              <a:t>: </a:t>
+            </a:r>
+            <a:r>
+              <a:rPr lang="en-US" dirty="0" err="1" smtClean="0"/>
+              <a:t>ConnInfo</a:t>
             </a:r>
             <a:endParaRPr lang="en-US" dirty="0"/>
           </a:p>
@@ -5445,17 +5350,17 @@
       </p:sp>
       <p:pic>
         <p:nvPicPr>
-          <p:cNvPr id="5122" name="Picture 2"/>
+          <p:cNvPr id="2050" name="Picture 2"/>
           <p:cNvPicPr>
             <a:picLocks noChangeAspect="1" noChangeArrowheads="1"/>
           </p:cNvPicPr>
           <p:nvPr/>
         </p:nvPicPr>
         <p:blipFill>
-          <a:blip r:embed="rId2">
+          <a:blip r:embed="rId2" cstate="print">
             <a:extLst>
               <a:ext uri="{28A0092B-C50C-407E-A947-70E740481C1C}">
-                <a14:useLocalDpi xmlns:a14="http://schemas.microsoft.com/office/drawing/2010/main" val="0"/>
+                <a14:useLocalDpi xmlns:a14="http://schemas.microsoft.com/office/drawing/2010/main" xmlns="" val="0"/>
               </a:ext>
             </a:extLst>
           </a:blip>
@@ -5466,8 +5371,8 @@
         </p:blipFill>
         <p:spPr bwMode="auto">
           <a:xfrm>
-            <a:off x="0" y="1380049"/>
-            <a:ext cx="8991600" cy="2048951"/>
+            <a:off x="228600" y="1905000"/>
+            <a:ext cx="8763000" cy="4377217"/>
           </a:xfrm>
           <a:prstGeom prst="rect">
             <a:avLst/>
@@ -5479,14 +5384,14 @@
           <a:effectLst/>
           <a:extLst>
             <a:ext uri="{909E8E84-426E-40DD-AFC4-6F175D3DCCD1}">
-              <a14:hiddenFill xmlns:a14="http://schemas.microsoft.com/office/drawing/2010/main">
+              <a14:hiddenFill xmlns:a14="http://schemas.microsoft.com/office/drawing/2010/main" xmlns="">
                 <a:solidFill>
                   <a:schemeClr val="accent1"/>
                 </a:solidFill>
               </a14:hiddenFill>
             </a:ext>
             <a:ext uri="{91240B29-F687-4F45-9708-019B960494DF}">
-              <a14:hiddenLine xmlns:a14="http://schemas.microsoft.com/office/drawing/2010/main" w="9525">
+              <a14:hiddenLine xmlns:a14="http://schemas.microsoft.com/office/drawing/2010/main" xmlns="" w="9525">
                 <a:solidFill>
                   <a:schemeClr val="tx1"/>
                 </a:solidFill>
@@ -5496,7 +5401,7 @@
               </a14:hiddenLine>
             </a:ext>
             <a:ext uri="{AF507438-7753-43E0-B8FC-AC1667EBCBE1}">
-              <a14:hiddenEffects xmlns:a14="http://schemas.microsoft.com/office/drawing/2010/main">
+              <a14:hiddenEffects xmlns:a14="http://schemas.microsoft.com/office/drawing/2010/main" xmlns="">
                 <a:effectLst>
                   <a:outerShdw dist="35921" dir="2700000" algn="ctr" rotWithShape="0">
                     <a:schemeClr val="bg2"/>
@@ -5507,80 +5412,23 @@
           </a:extLst>
         </p:spPr>
       </p:pic>
-      <p:pic>
-        <p:nvPicPr>
-          <p:cNvPr id="5123" name="Picture 3"/>
-          <p:cNvPicPr>
-            <a:picLocks noChangeAspect="1" noChangeArrowheads="1"/>
-          </p:cNvPicPr>
-          <p:nvPr/>
-        </p:nvPicPr>
-        <p:blipFill>
-          <a:blip r:embed="rId3">
-            <a:extLst>
-              <a:ext uri="{28A0092B-C50C-407E-A947-70E740481C1C}">
-                <a14:useLocalDpi xmlns:a14="http://schemas.microsoft.com/office/drawing/2010/main" val="0"/>
-              </a:ext>
-            </a:extLst>
-          </a:blip>
-          <a:srcRect/>
-          <a:stretch>
-            <a:fillRect/>
-          </a:stretch>
-        </p:blipFill>
-        <p:spPr bwMode="auto">
-          <a:xfrm>
-            <a:off x="0" y="3518498"/>
-            <a:ext cx="9059091" cy="3339502"/>
-          </a:xfrm>
-          <a:prstGeom prst="rect">
-            <a:avLst/>
-          </a:prstGeom>
-          <a:noFill/>
-          <a:ln>
-            <a:noFill/>
-          </a:ln>
-          <a:effectLst/>
-          <a:extLst>
-            <a:ext uri="{909E8E84-426E-40DD-AFC4-6F175D3DCCD1}">
-              <a14:hiddenFill xmlns:a14="http://schemas.microsoft.com/office/drawing/2010/main">
-                <a:solidFill>
-                  <a:schemeClr val="accent1"/>
-                </a:solidFill>
-              </a14:hiddenFill>
-            </a:ext>
-            <a:ext uri="{91240B29-F687-4F45-9708-019B960494DF}">
-              <a14:hiddenLine xmlns:a14="http://schemas.microsoft.com/office/drawing/2010/main" w="9525">
-                <a:solidFill>
-                  <a:schemeClr val="tx1"/>
-                </a:solidFill>
-                <a:miter lim="800000"/>
-                <a:headEnd/>
-                <a:tailEnd/>
-              </a14:hiddenLine>
-            </a:ext>
-            <a:ext uri="{AF507438-7753-43E0-B8FC-AC1667EBCBE1}">
-              <a14:hiddenEffects xmlns:a14="http://schemas.microsoft.com/office/drawing/2010/main">
-                <a:effectLst>
-                  <a:outerShdw dist="35921" dir="2700000" algn="ctr" rotWithShape="0">
-                    <a:schemeClr val="bg2"/>
-                  </a:outerShdw>
-                </a:effectLst>
-              </a14:hiddenEffects>
-            </a:ext>
-          </a:extLst>
-        </p:spPr>
-      </p:pic>
     </p:spTree>
     <p:extLst>
       <p:ext uri="{BB962C8B-B14F-4D97-AF65-F5344CB8AC3E}">
-        <p14:creationId xmlns:p14="http://schemas.microsoft.com/office/powerpoint/2010/main" val="849199070"/>
+        <p14:creationId xmlns:p14="http://schemas.microsoft.com/office/powerpoint/2010/main" xmlns="" val="1904229652"/>
       </p:ext>
     </p:extLst>
   </p:cSld>
   <p:clrMapOvr>
     <a:masterClrMapping/>
   </p:clrMapOvr>
+  <p:timing>
+    <p:tnLst>
+      <p:par>
+        <p:cTn id="1" dur="indefinite" restart="never" nodeType="tmRoot"/>
+      </p:par>
+    </p:tnLst>
+  </p:timing>
 </p:sld>
 </file>
 
@@ -5613,8 +5461,8 @@
         </p:nvSpPr>
         <p:spPr>
           <a:xfrm>
-            <a:off x="457200" y="76200"/>
-            <a:ext cx="8229600" cy="1399032"/>
+            <a:off x="76200" y="267494"/>
+            <a:ext cx="8915400" cy="1399032"/>
           </a:xfrm>
         </p:spPr>
         <p:txBody>
@@ -5623,11 +5471,15 @@
           <a:p>
             <a:r>
               <a:rPr lang="en-US" dirty="0" smtClean="0"/>
-              <a:t>Design - </a:t>
+              <a:t>Design – </a:t>
             </a:r>
             <a:r>
               <a:rPr lang="en-US" dirty="0" err="1" smtClean="0"/>
-              <a:t>KMLGenWebSVC</a:t>
+              <a:t>ConnDetails</a:t>
+            </a:r>
+            <a:r>
+              <a:rPr lang="en-US" dirty="0" smtClean="0"/>
+              <a:t>: Mapping</a:t>
             </a:r>
             <a:endParaRPr lang="en-US" dirty="0"/>
           </a:p>
@@ -5635,17 +5487,17 @@
       </p:sp>
       <p:pic>
         <p:nvPicPr>
-          <p:cNvPr id="7170" name="Picture 2"/>
+          <p:cNvPr id="3074" name="Picture 2"/>
           <p:cNvPicPr>
             <a:picLocks noChangeAspect="1" noChangeArrowheads="1"/>
           </p:cNvPicPr>
           <p:nvPr/>
         </p:nvPicPr>
         <p:blipFill>
-          <a:blip r:embed="rId2">
+          <a:blip r:embed="rId2" cstate="print">
             <a:extLst>
               <a:ext uri="{28A0092B-C50C-407E-A947-70E740481C1C}">
-                <a14:useLocalDpi xmlns:a14="http://schemas.microsoft.com/office/drawing/2010/main" val="0"/>
+                <a14:useLocalDpi xmlns:a14="http://schemas.microsoft.com/office/drawing/2010/main" xmlns="" val="0"/>
               </a:ext>
             </a:extLst>
           </a:blip>
@@ -5656,8 +5508,8 @@
         </p:blipFill>
         <p:spPr bwMode="auto">
           <a:xfrm>
-            <a:off x="152400" y="1219200"/>
-            <a:ext cx="8841406" cy="5257800"/>
+            <a:off x="76200" y="2438400"/>
+            <a:ext cx="8991600" cy="3255735"/>
           </a:xfrm>
           <a:prstGeom prst="rect">
             <a:avLst/>
@@ -5669,14 +5521,14 @@
           <a:effectLst/>
           <a:extLst>
             <a:ext uri="{909E8E84-426E-40DD-AFC4-6F175D3DCCD1}">
-              <a14:hiddenFill xmlns:a14="http://schemas.microsoft.com/office/drawing/2010/main">
+              <a14:hiddenFill xmlns:a14="http://schemas.microsoft.com/office/drawing/2010/main" xmlns="">
                 <a:solidFill>
                   <a:schemeClr val="accent1"/>
                 </a:solidFill>
               </a14:hiddenFill>
             </a:ext>
             <a:ext uri="{91240B29-F687-4F45-9708-019B960494DF}">
-              <a14:hiddenLine xmlns:a14="http://schemas.microsoft.com/office/drawing/2010/main" w="9525">
+              <a14:hiddenLine xmlns:a14="http://schemas.microsoft.com/office/drawing/2010/main" xmlns="" w="9525">
                 <a:solidFill>
                   <a:schemeClr val="tx1"/>
                 </a:solidFill>
@@ -5686,7 +5538,7 @@
               </a14:hiddenLine>
             </a:ext>
             <a:ext uri="{AF507438-7753-43E0-B8FC-AC1667EBCBE1}">
-              <a14:hiddenEffects xmlns:a14="http://schemas.microsoft.com/office/drawing/2010/main">
+              <a14:hiddenEffects xmlns:a14="http://schemas.microsoft.com/office/drawing/2010/main" xmlns="">
                 <a:effectLst>
                   <a:outerShdw dist="35921" dir="2700000" algn="ctr" rotWithShape="0">
                     <a:schemeClr val="bg2"/>
@@ -5697,49 +5549,23 @@
           </a:extLst>
         </p:spPr>
       </p:pic>
-      <p:cxnSp>
-        <p:nvCxnSpPr>
-          <p:cNvPr id="6" name="Straight Arrow Connector 5"/>
-          <p:cNvCxnSpPr/>
-          <p:nvPr/>
-        </p:nvCxnSpPr>
-        <p:spPr>
-          <a:xfrm>
-            <a:off x="2743200" y="2209800"/>
-            <a:ext cx="3048000" cy="1676400"/>
-          </a:xfrm>
-          <a:prstGeom prst="straightConnector1">
-            <a:avLst/>
-          </a:prstGeom>
-          <a:ln w="76200">
-            <a:tailEnd type="arrow"/>
-          </a:ln>
-        </p:spPr>
-        <p:style>
-          <a:lnRef idx="3">
-            <a:schemeClr val="accent1"/>
-          </a:lnRef>
-          <a:fillRef idx="0">
-            <a:schemeClr val="accent1"/>
-          </a:fillRef>
-          <a:effectRef idx="2">
-            <a:schemeClr val="accent1"/>
-          </a:effectRef>
-          <a:fontRef idx="minor">
-            <a:schemeClr val="tx1"/>
-          </a:fontRef>
-        </p:style>
-      </p:cxnSp>
     </p:spTree>
     <p:extLst>
       <p:ext uri="{BB962C8B-B14F-4D97-AF65-F5344CB8AC3E}">
-        <p14:creationId xmlns:p14="http://schemas.microsoft.com/office/powerpoint/2010/main" val="1780943853"/>
+        <p14:creationId xmlns:p14="http://schemas.microsoft.com/office/powerpoint/2010/main" xmlns="" val="4164307088"/>
       </p:ext>
     </p:extLst>
   </p:cSld>
   <p:clrMapOvr>
     <a:masterClrMapping/>
   </p:clrMapOvr>
+  <p:timing>
+    <p:tnLst>
+      <p:par>
+        <p:cTn id="1" dur="indefinite" restart="never" nodeType="tmRoot"/>
+      </p:par>
+    </p:tnLst>
+  </p:timing>
 </p:sld>
 </file>
 
@@ -5772,8 +5598,8 @@
         </p:nvSpPr>
         <p:spPr>
           <a:xfrm>
-            <a:off x="457200" y="-76200"/>
-            <a:ext cx="8229600" cy="1399032"/>
+            <a:off x="-228600" y="267494"/>
+            <a:ext cx="9372600" cy="1399032"/>
           </a:xfrm>
         </p:spPr>
         <p:txBody>
@@ -5782,7 +5608,15 @@
           <a:p>
             <a:r>
               <a:rPr lang="en-US" dirty="0" smtClean="0"/>
-              <a:t>Design – Preview KML</a:t>
+              <a:t>Design - </a:t>
+            </a:r>
+            <a:r>
+              <a:rPr lang="en-US" dirty="0" err="1" smtClean="0"/>
+              <a:t>ConnDetails</a:t>
+            </a:r>
+            <a:r>
+              <a:rPr lang="en-US" dirty="0" smtClean="0"/>
+              <a:t>: Description</a:t>
             </a:r>
             <a:endParaRPr lang="en-US" dirty="0"/>
           </a:p>
@@ -5790,17 +5624,17 @@
       </p:sp>
       <p:pic>
         <p:nvPicPr>
-          <p:cNvPr id="6146" name="Picture 2"/>
+          <p:cNvPr id="4098" name="Picture 2"/>
           <p:cNvPicPr>
             <a:picLocks noChangeAspect="1" noChangeArrowheads="1"/>
           </p:cNvPicPr>
           <p:nvPr/>
         </p:nvPicPr>
         <p:blipFill>
-          <a:blip r:embed="rId2">
+          <a:blip r:embed="rId2" cstate="print">
             <a:extLst>
               <a:ext uri="{28A0092B-C50C-407E-A947-70E740481C1C}">
-                <a14:useLocalDpi xmlns:a14="http://schemas.microsoft.com/office/drawing/2010/main" val="0"/>
+                <a14:useLocalDpi xmlns:a14="http://schemas.microsoft.com/office/drawing/2010/main" xmlns="" val="0"/>
               </a:ext>
             </a:extLst>
           </a:blip>
@@ -5811,8 +5645,8 @@
         </p:blipFill>
         <p:spPr bwMode="auto">
           <a:xfrm>
-            <a:off x="609601" y="1101950"/>
-            <a:ext cx="7848600" cy="5756049"/>
+            <a:off x="76200" y="2057400"/>
+            <a:ext cx="8915400" cy="3928820"/>
           </a:xfrm>
           <a:prstGeom prst="rect">
             <a:avLst/>
@@ -5824,14 +5658,14 @@
           <a:effectLst/>
           <a:extLst>
             <a:ext uri="{909E8E84-426E-40DD-AFC4-6F175D3DCCD1}">
-              <a14:hiddenFill xmlns:a14="http://schemas.microsoft.com/office/drawing/2010/main">
+              <a14:hiddenFill xmlns:a14="http://schemas.microsoft.com/office/drawing/2010/main" xmlns="">
                 <a:solidFill>
                   <a:schemeClr val="accent1"/>
                 </a:solidFill>
               </a14:hiddenFill>
             </a:ext>
             <a:ext uri="{91240B29-F687-4F45-9708-019B960494DF}">
-              <a14:hiddenLine xmlns:a14="http://schemas.microsoft.com/office/drawing/2010/main" w="9525">
+              <a14:hiddenLine xmlns:a14="http://schemas.microsoft.com/office/drawing/2010/main" xmlns="" w="9525">
                 <a:solidFill>
                   <a:schemeClr val="tx1"/>
                 </a:solidFill>
@@ -5841,7 +5675,7 @@
               </a14:hiddenLine>
             </a:ext>
             <a:ext uri="{AF507438-7753-43E0-B8FC-AC1667EBCBE1}">
-              <a14:hiddenEffects xmlns:a14="http://schemas.microsoft.com/office/drawing/2010/main">
+              <a14:hiddenEffects xmlns:a14="http://schemas.microsoft.com/office/drawing/2010/main" xmlns="">
                 <a:effectLst>
                   <a:outerShdw dist="35921" dir="2700000" algn="ctr" rotWithShape="0">
                     <a:schemeClr val="bg2"/>
@@ -5855,17 +5689,836 @@
     </p:spTree>
     <p:extLst>
       <p:ext uri="{BB962C8B-B14F-4D97-AF65-F5344CB8AC3E}">
-        <p14:creationId xmlns:p14="http://schemas.microsoft.com/office/powerpoint/2010/main" val="3481880667"/>
+        <p14:creationId xmlns:p14="http://schemas.microsoft.com/office/powerpoint/2010/main" xmlns="" val="506937973"/>
       </p:ext>
     </p:extLst>
   </p:cSld>
   <p:clrMapOvr>
     <a:masterClrMapping/>
   </p:clrMapOvr>
+  <p:timing>
+    <p:tnLst>
+      <p:par>
+        <p:cTn id="1" dur="indefinite" restart="never" nodeType="tmRoot"/>
+      </p:par>
+    </p:tnLst>
+  </p:timing>
 </p:sld>
 </file>
 
 <file path=ppt/slides/slide16.xml><?xml version="1.0" encoding="utf-8"?>
+<p:sld xmlns:a="http://schemas.openxmlformats.org/drawingml/2006/main" xmlns:r="http://schemas.openxmlformats.org/officeDocument/2006/relationships" xmlns:p="http://schemas.openxmlformats.org/presentationml/2006/main">
+  <p:cSld>
+    <p:spTree>
+      <p:nvGrpSpPr>
+        <p:cNvPr id="1" name=""/>
+        <p:cNvGrpSpPr/>
+        <p:nvPr/>
+      </p:nvGrpSpPr>
+      <p:grpSpPr>
+        <a:xfrm>
+          <a:off x="0" y="0"/>
+          <a:ext cx="0" cy="0"/>
+          <a:chOff x="0" y="0"/>
+          <a:chExt cx="0" cy="0"/>
+        </a:xfrm>
+      </p:grpSpPr>
+      <p:sp>
+        <p:nvSpPr>
+          <p:cNvPr id="2" name="Title 1"/>
+          <p:cNvSpPr>
+            <a:spLocks noGrp="1"/>
+          </p:cNvSpPr>
+          <p:nvPr>
+            <p:ph type="title"/>
+          </p:nvPr>
+        </p:nvSpPr>
+        <p:spPr>
+          <a:xfrm>
+            <a:off x="76200" y="76200"/>
+            <a:ext cx="8991600" cy="1399032"/>
+          </a:xfrm>
+        </p:spPr>
+        <p:txBody>
+          <a:bodyPr/>
+          <a:lstStyle/>
+          <a:p>
+            <a:pPr marL="55563"/>
+            <a:r>
+              <a:rPr lang="en-US" dirty="0" smtClean="0"/>
+              <a:t>Design – </a:t>
+            </a:r>
+            <a:r>
+              <a:rPr lang="en-US" dirty="0" err="1" smtClean="0"/>
+              <a:t>ConnDetails</a:t>
+            </a:r>
+            <a:r>
+              <a:rPr lang="en-US" dirty="0" smtClean="0"/>
+              <a:t>: Icons and Overlays</a:t>
+            </a:r>
+            <a:endParaRPr lang="en-US" dirty="0"/>
+          </a:p>
+        </p:txBody>
+      </p:sp>
+      <p:pic>
+        <p:nvPicPr>
+          <p:cNvPr id="5122" name="Picture 2"/>
+          <p:cNvPicPr>
+            <a:picLocks noChangeAspect="1" noChangeArrowheads="1"/>
+          </p:cNvPicPr>
+          <p:nvPr/>
+        </p:nvPicPr>
+        <p:blipFill>
+          <a:blip r:embed="rId2" cstate="print">
+            <a:extLst>
+              <a:ext uri="{28A0092B-C50C-407E-A947-70E740481C1C}">
+                <a14:useLocalDpi xmlns:a14="http://schemas.microsoft.com/office/drawing/2010/main" xmlns="" val="0"/>
+              </a:ext>
+            </a:extLst>
+          </a:blip>
+          <a:srcRect/>
+          <a:stretch>
+            <a:fillRect/>
+          </a:stretch>
+        </p:blipFill>
+        <p:spPr bwMode="auto">
+          <a:xfrm>
+            <a:off x="0" y="1380049"/>
+            <a:ext cx="8991600" cy="2048951"/>
+          </a:xfrm>
+          <a:prstGeom prst="rect">
+            <a:avLst/>
+          </a:prstGeom>
+          <a:noFill/>
+          <a:ln>
+            <a:noFill/>
+          </a:ln>
+          <a:effectLst/>
+          <a:extLst>
+            <a:ext uri="{909E8E84-426E-40DD-AFC4-6F175D3DCCD1}">
+              <a14:hiddenFill xmlns:a14="http://schemas.microsoft.com/office/drawing/2010/main" xmlns="">
+                <a:solidFill>
+                  <a:schemeClr val="accent1"/>
+                </a:solidFill>
+              </a14:hiddenFill>
+            </a:ext>
+            <a:ext uri="{91240B29-F687-4F45-9708-019B960494DF}">
+              <a14:hiddenLine xmlns:a14="http://schemas.microsoft.com/office/drawing/2010/main" xmlns="" w="9525">
+                <a:solidFill>
+                  <a:schemeClr val="tx1"/>
+                </a:solidFill>
+                <a:miter lim="800000"/>
+                <a:headEnd/>
+                <a:tailEnd/>
+              </a14:hiddenLine>
+            </a:ext>
+            <a:ext uri="{AF507438-7753-43E0-B8FC-AC1667EBCBE1}">
+              <a14:hiddenEffects xmlns:a14="http://schemas.microsoft.com/office/drawing/2010/main" xmlns="">
+                <a:effectLst>
+                  <a:outerShdw dist="35921" dir="2700000" algn="ctr" rotWithShape="0">
+                    <a:schemeClr val="bg2"/>
+                  </a:outerShdw>
+                </a:effectLst>
+              </a14:hiddenEffects>
+            </a:ext>
+          </a:extLst>
+        </p:spPr>
+      </p:pic>
+      <p:pic>
+        <p:nvPicPr>
+          <p:cNvPr id="5123" name="Picture 3"/>
+          <p:cNvPicPr>
+            <a:picLocks noChangeAspect="1" noChangeArrowheads="1"/>
+          </p:cNvPicPr>
+          <p:nvPr/>
+        </p:nvPicPr>
+        <p:blipFill>
+          <a:blip r:embed="rId3" cstate="print">
+            <a:extLst>
+              <a:ext uri="{28A0092B-C50C-407E-A947-70E740481C1C}">
+                <a14:useLocalDpi xmlns:a14="http://schemas.microsoft.com/office/drawing/2010/main" xmlns="" val="0"/>
+              </a:ext>
+            </a:extLst>
+          </a:blip>
+          <a:srcRect/>
+          <a:stretch>
+            <a:fillRect/>
+          </a:stretch>
+        </p:blipFill>
+        <p:spPr bwMode="auto">
+          <a:xfrm>
+            <a:off x="0" y="3518498"/>
+            <a:ext cx="9059091" cy="3339502"/>
+          </a:xfrm>
+          <a:prstGeom prst="rect">
+            <a:avLst/>
+          </a:prstGeom>
+          <a:noFill/>
+          <a:ln>
+            <a:noFill/>
+          </a:ln>
+          <a:effectLst/>
+          <a:extLst>
+            <a:ext uri="{909E8E84-426E-40DD-AFC4-6F175D3DCCD1}">
+              <a14:hiddenFill xmlns:a14="http://schemas.microsoft.com/office/drawing/2010/main" xmlns="">
+                <a:solidFill>
+                  <a:schemeClr val="accent1"/>
+                </a:solidFill>
+              </a14:hiddenFill>
+            </a:ext>
+            <a:ext uri="{91240B29-F687-4F45-9708-019B960494DF}">
+              <a14:hiddenLine xmlns:a14="http://schemas.microsoft.com/office/drawing/2010/main" xmlns="" w="9525">
+                <a:solidFill>
+                  <a:schemeClr val="tx1"/>
+                </a:solidFill>
+                <a:miter lim="800000"/>
+                <a:headEnd/>
+                <a:tailEnd/>
+              </a14:hiddenLine>
+            </a:ext>
+            <a:ext uri="{AF507438-7753-43E0-B8FC-AC1667EBCBE1}">
+              <a14:hiddenEffects xmlns:a14="http://schemas.microsoft.com/office/drawing/2010/main" xmlns="">
+                <a:effectLst>
+                  <a:outerShdw dist="35921" dir="2700000" algn="ctr" rotWithShape="0">
+                    <a:schemeClr val="bg2"/>
+                  </a:outerShdw>
+                </a:effectLst>
+              </a14:hiddenEffects>
+            </a:ext>
+          </a:extLst>
+        </p:spPr>
+      </p:pic>
+    </p:spTree>
+    <p:extLst>
+      <p:ext uri="{BB962C8B-B14F-4D97-AF65-F5344CB8AC3E}">
+        <p14:creationId xmlns:p14="http://schemas.microsoft.com/office/powerpoint/2010/main" xmlns="" val="849199070"/>
+      </p:ext>
+    </p:extLst>
+  </p:cSld>
+  <p:clrMapOvr>
+    <a:masterClrMapping/>
+  </p:clrMapOvr>
+  <p:timing>
+    <p:tnLst>
+      <p:par>
+        <p:cTn id="1" dur="indefinite" restart="never" nodeType="tmRoot"/>
+      </p:par>
+    </p:tnLst>
+  </p:timing>
+</p:sld>
+</file>
+
+<file path=ppt/slides/slide17.xml><?xml version="1.0" encoding="utf-8"?>
+<p:sld xmlns:a="http://schemas.openxmlformats.org/drawingml/2006/main" xmlns:r="http://schemas.openxmlformats.org/officeDocument/2006/relationships" xmlns:p="http://schemas.openxmlformats.org/presentationml/2006/main">
+  <p:cSld>
+    <p:spTree>
+      <p:nvGrpSpPr>
+        <p:cNvPr id="1" name=""/>
+        <p:cNvGrpSpPr/>
+        <p:nvPr/>
+      </p:nvGrpSpPr>
+      <p:grpSpPr>
+        <a:xfrm>
+          <a:off x="0" y="0"/>
+          <a:ext cx="0" cy="0"/>
+          <a:chOff x="0" y="0"/>
+          <a:chExt cx="0" cy="0"/>
+        </a:xfrm>
+      </p:grpSpPr>
+      <p:sp>
+        <p:nvSpPr>
+          <p:cNvPr id="2" name="Title 1"/>
+          <p:cNvSpPr>
+            <a:spLocks noGrp="1"/>
+          </p:cNvSpPr>
+          <p:nvPr>
+            <p:ph type="title"/>
+          </p:nvPr>
+        </p:nvSpPr>
+        <p:spPr>
+          <a:xfrm>
+            <a:off x="457200" y="76200"/>
+            <a:ext cx="8229600" cy="1399032"/>
+          </a:xfrm>
+        </p:spPr>
+        <p:txBody>
+          <a:bodyPr/>
+          <a:lstStyle/>
+          <a:p>
+            <a:r>
+              <a:rPr lang="en-US" dirty="0" smtClean="0"/>
+              <a:t>Design - </a:t>
+            </a:r>
+            <a:r>
+              <a:rPr lang="en-US" dirty="0" err="1" smtClean="0"/>
+              <a:t>KMLGenWebSVC</a:t>
+            </a:r>
+            <a:endParaRPr lang="en-US" dirty="0"/>
+          </a:p>
+        </p:txBody>
+      </p:sp>
+      <p:pic>
+        <p:nvPicPr>
+          <p:cNvPr id="7170" name="Picture 2"/>
+          <p:cNvPicPr>
+            <a:picLocks noChangeAspect="1" noChangeArrowheads="1"/>
+          </p:cNvPicPr>
+          <p:nvPr/>
+        </p:nvPicPr>
+        <p:blipFill>
+          <a:blip r:embed="rId2" cstate="print">
+            <a:extLst>
+              <a:ext uri="{28A0092B-C50C-407E-A947-70E740481C1C}">
+                <a14:useLocalDpi xmlns:a14="http://schemas.microsoft.com/office/drawing/2010/main" xmlns="" val="0"/>
+              </a:ext>
+            </a:extLst>
+          </a:blip>
+          <a:srcRect/>
+          <a:stretch>
+            <a:fillRect/>
+          </a:stretch>
+        </p:blipFill>
+        <p:spPr bwMode="auto">
+          <a:xfrm>
+            <a:off x="152400" y="1219200"/>
+            <a:ext cx="8841406" cy="5257800"/>
+          </a:xfrm>
+          <a:prstGeom prst="rect">
+            <a:avLst/>
+          </a:prstGeom>
+          <a:noFill/>
+          <a:ln>
+            <a:noFill/>
+          </a:ln>
+          <a:effectLst/>
+          <a:extLst>
+            <a:ext uri="{909E8E84-426E-40DD-AFC4-6F175D3DCCD1}">
+              <a14:hiddenFill xmlns:a14="http://schemas.microsoft.com/office/drawing/2010/main" xmlns="">
+                <a:solidFill>
+                  <a:schemeClr val="accent1"/>
+                </a:solidFill>
+              </a14:hiddenFill>
+            </a:ext>
+            <a:ext uri="{91240B29-F687-4F45-9708-019B960494DF}">
+              <a14:hiddenLine xmlns:a14="http://schemas.microsoft.com/office/drawing/2010/main" xmlns="" w="9525">
+                <a:solidFill>
+                  <a:schemeClr val="tx1"/>
+                </a:solidFill>
+                <a:miter lim="800000"/>
+                <a:headEnd/>
+                <a:tailEnd/>
+              </a14:hiddenLine>
+            </a:ext>
+            <a:ext uri="{AF507438-7753-43E0-B8FC-AC1667EBCBE1}">
+              <a14:hiddenEffects xmlns:a14="http://schemas.microsoft.com/office/drawing/2010/main" xmlns="">
+                <a:effectLst>
+                  <a:outerShdw dist="35921" dir="2700000" algn="ctr" rotWithShape="0">
+                    <a:schemeClr val="bg2"/>
+                  </a:outerShdw>
+                </a:effectLst>
+              </a14:hiddenEffects>
+            </a:ext>
+          </a:extLst>
+        </p:spPr>
+      </p:pic>
+      <p:cxnSp>
+        <p:nvCxnSpPr>
+          <p:cNvPr id="6" name="Straight Arrow Connector 5"/>
+          <p:cNvCxnSpPr/>
+          <p:nvPr/>
+        </p:nvCxnSpPr>
+        <p:spPr>
+          <a:xfrm>
+            <a:off x="2743200" y="2209800"/>
+            <a:ext cx="3048000" cy="1676400"/>
+          </a:xfrm>
+          <a:prstGeom prst="straightConnector1">
+            <a:avLst/>
+          </a:prstGeom>
+          <a:ln w="76200">
+            <a:tailEnd type="arrow"/>
+          </a:ln>
+        </p:spPr>
+        <p:style>
+          <a:lnRef idx="3">
+            <a:schemeClr val="accent1"/>
+          </a:lnRef>
+          <a:fillRef idx="0">
+            <a:schemeClr val="accent1"/>
+          </a:fillRef>
+          <a:effectRef idx="2">
+            <a:schemeClr val="accent1"/>
+          </a:effectRef>
+          <a:fontRef idx="minor">
+            <a:schemeClr val="tx1"/>
+          </a:fontRef>
+        </p:style>
+      </p:cxnSp>
+    </p:spTree>
+    <p:extLst>
+      <p:ext uri="{BB962C8B-B14F-4D97-AF65-F5344CB8AC3E}">
+        <p14:creationId xmlns:p14="http://schemas.microsoft.com/office/powerpoint/2010/main" xmlns="" val="1780943853"/>
+      </p:ext>
+    </p:extLst>
+  </p:cSld>
+  <p:clrMapOvr>
+    <a:masterClrMapping/>
+  </p:clrMapOvr>
+  <p:timing>
+    <p:tnLst>
+      <p:par>
+        <p:cTn id="1" dur="indefinite" restart="never" nodeType="tmRoot"/>
+      </p:par>
+    </p:tnLst>
+  </p:timing>
+</p:sld>
+</file>
+
+<file path=ppt/slides/slide18.xml><?xml version="1.0" encoding="utf-8"?>
+<p:sld xmlns:a="http://schemas.openxmlformats.org/drawingml/2006/main" xmlns:r="http://schemas.openxmlformats.org/officeDocument/2006/relationships" xmlns:p="http://schemas.openxmlformats.org/presentationml/2006/main">
+  <p:cSld>
+    <p:spTree>
+      <p:nvGrpSpPr>
+        <p:cNvPr id="1" name=""/>
+        <p:cNvGrpSpPr/>
+        <p:nvPr/>
+      </p:nvGrpSpPr>
+      <p:grpSpPr>
+        <a:xfrm>
+          <a:off x="0" y="0"/>
+          <a:ext cx="0" cy="0"/>
+          <a:chOff x="0" y="0"/>
+          <a:chExt cx="0" cy="0"/>
+        </a:xfrm>
+      </p:grpSpPr>
+      <p:sp>
+        <p:nvSpPr>
+          <p:cNvPr id="2" name="Title 1"/>
+          <p:cNvSpPr>
+            <a:spLocks noGrp="1"/>
+          </p:cNvSpPr>
+          <p:nvPr>
+            <p:ph type="title"/>
+          </p:nvPr>
+        </p:nvSpPr>
+        <p:spPr>
+          <a:xfrm>
+            <a:off x="457200" y="-76200"/>
+            <a:ext cx="8229600" cy="1399032"/>
+          </a:xfrm>
+        </p:spPr>
+        <p:txBody>
+          <a:bodyPr/>
+          <a:lstStyle/>
+          <a:p>
+            <a:r>
+              <a:rPr lang="en-US" dirty="0" smtClean="0"/>
+              <a:t>Design – Preview KML</a:t>
+            </a:r>
+            <a:endParaRPr lang="en-US" dirty="0"/>
+          </a:p>
+        </p:txBody>
+      </p:sp>
+      <p:pic>
+        <p:nvPicPr>
+          <p:cNvPr id="6146" name="Picture 2"/>
+          <p:cNvPicPr>
+            <a:picLocks noChangeAspect="1" noChangeArrowheads="1"/>
+          </p:cNvPicPr>
+          <p:nvPr/>
+        </p:nvPicPr>
+        <p:blipFill>
+          <a:blip r:embed="rId2" cstate="print">
+            <a:extLst>
+              <a:ext uri="{28A0092B-C50C-407E-A947-70E740481C1C}">
+                <a14:useLocalDpi xmlns:a14="http://schemas.microsoft.com/office/drawing/2010/main" xmlns="" val="0"/>
+              </a:ext>
+            </a:extLst>
+          </a:blip>
+          <a:srcRect/>
+          <a:stretch>
+            <a:fillRect/>
+          </a:stretch>
+        </p:blipFill>
+        <p:spPr bwMode="auto">
+          <a:xfrm>
+            <a:off x="609601" y="1101950"/>
+            <a:ext cx="7848600" cy="5756049"/>
+          </a:xfrm>
+          <a:prstGeom prst="rect">
+            <a:avLst/>
+          </a:prstGeom>
+          <a:noFill/>
+          <a:ln>
+            <a:noFill/>
+          </a:ln>
+          <a:effectLst/>
+          <a:extLst>
+            <a:ext uri="{909E8E84-426E-40DD-AFC4-6F175D3DCCD1}">
+              <a14:hiddenFill xmlns:a14="http://schemas.microsoft.com/office/drawing/2010/main" xmlns="">
+                <a:solidFill>
+                  <a:schemeClr val="accent1"/>
+                </a:solidFill>
+              </a14:hiddenFill>
+            </a:ext>
+            <a:ext uri="{91240B29-F687-4F45-9708-019B960494DF}">
+              <a14:hiddenLine xmlns:a14="http://schemas.microsoft.com/office/drawing/2010/main" xmlns="" w="9525">
+                <a:solidFill>
+                  <a:schemeClr val="tx1"/>
+                </a:solidFill>
+                <a:miter lim="800000"/>
+                <a:headEnd/>
+                <a:tailEnd/>
+              </a14:hiddenLine>
+            </a:ext>
+            <a:ext uri="{AF507438-7753-43E0-B8FC-AC1667EBCBE1}">
+              <a14:hiddenEffects xmlns:a14="http://schemas.microsoft.com/office/drawing/2010/main" xmlns="">
+                <a:effectLst>
+                  <a:outerShdw dist="35921" dir="2700000" algn="ctr" rotWithShape="0">
+                    <a:schemeClr val="bg2"/>
+                  </a:outerShdw>
+                </a:effectLst>
+              </a14:hiddenEffects>
+            </a:ext>
+          </a:extLst>
+        </p:spPr>
+      </p:pic>
+    </p:spTree>
+    <p:extLst>
+      <p:ext uri="{BB962C8B-B14F-4D97-AF65-F5344CB8AC3E}">
+        <p14:creationId xmlns:p14="http://schemas.microsoft.com/office/powerpoint/2010/main" xmlns="" val="3481880667"/>
+      </p:ext>
+    </p:extLst>
+  </p:cSld>
+  <p:clrMapOvr>
+    <a:masterClrMapping/>
+  </p:clrMapOvr>
+  <p:timing>
+    <p:tnLst>
+      <p:par>
+        <p:cTn id="1" dur="indefinite" restart="never" nodeType="tmRoot"/>
+      </p:par>
+    </p:tnLst>
+  </p:timing>
+</p:sld>
+</file>
+
+<file path=ppt/slides/slide19.xml><?xml version="1.0" encoding="utf-8"?>
+<p:sld xmlns:a="http://schemas.openxmlformats.org/drawingml/2006/main" xmlns:r="http://schemas.openxmlformats.org/officeDocument/2006/relationships" xmlns:p="http://schemas.openxmlformats.org/presentationml/2006/main">
+  <p:cSld>
+    <p:spTree>
+      <p:nvGrpSpPr>
+        <p:cNvPr id="1" name=""/>
+        <p:cNvGrpSpPr/>
+        <p:nvPr/>
+      </p:nvGrpSpPr>
+      <p:grpSpPr>
+        <a:xfrm>
+          <a:off x="0" y="0"/>
+          <a:ext cx="0" cy="0"/>
+          <a:chOff x="0" y="0"/>
+          <a:chExt cx="0" cy="0"/>
+        </a:xfrm>
+      </p:grpSpPr>
+      <p:sp>
+        <p:nvSpPr>
+          <p:cNvPr id="2" name="Title 1"/>
+          <p:cNvSpPr>
+            <a:spLocks noGrp="1"/>
+          </p:cNvSpPr>
+          <p:nvPr>
+            <p:ph type="title"/>
+          </p:nvPr>
+        </p:nvSpPr>
+        <p:spPr>
+          <a:xfrm>
+            <a:off x="457200" y="2895600"/>
+            <a:ext cx="6172200" cy="1143000"/>
+          </a:xfrm>
+        </p:spPr>
+        <p:txBody>
+          <a:bodyPr>
+            <a:normAutofit fontScale="90000"/>
+          </a:bodyPr>
+          <a:lstStyle/>
+          <a:p>
+            <a:r>
+              <a:rPr lang="en-US" dirty="0" smtClean="0"/>
+              <a:t>Requirements and Design Questions</a:t>
+            </a:r>
+            <a:r>
+              <a:rPr lang="en-US" dirty="0" smtClean="0"/>
+              <a:t>?</a:t>
+            </a:r>
+            <a:endParaRPr lang="en-US" dirty="0"/>
+          </a:p>
+        </p:txBody>
+      </p:sp>
+    </p:spTree>
+  </p:cSld>
+  <p:clrMapOvr>
+    <a:masterClrMapping/>
+  </p:clrMapOvr>
+  <p:timing>
+    <p:tnLst>
+      <p:par>
+        <p:cTn id="1" dur="indefinite" restart="never" nodeType="tmRoot"/>
+      </p:par>
+    </p:tnLst>
+  </p:timing>
+</p:sld>
+</file>
+
+<file path=ppt/slides/slide2.xml><?xml version="1.0" encoding="utf-8"?>
+<p:sld xmlns:a="http://schemas.openxmlformats.org/drawingml/2006/main" xmlns:r="http://schemas.openxmlformats.org/officeDocument/2006/relationships" xmlns:p="http://schemas.openxmlformats.org/presentationml/2006/main">
+  <p:cSld>
+    <p:spTree>
+      <p:nvGrpSpPr>
+        <p:cNvPr id="1" name=""/>
+        <p:cNvGrpSpPr/>
+        <p:nvPr/>
+      </p:nvGrpSpPr>
+      <p:grpSpPr>
+        <a:xfrm>
+          <a:off x="0" y="0"/>
+          <a:ext cx="0" cy="0"/>
+          <a:chOff x="0" y="0"/>
+          <a:chExt cx="0" cy="0"/>
+        </a:xfrm>
+      </p:grpSpPr>
+      <p:sp>
+        <p:nvSpPr>
+          <p:cNvPr id="3073" name="Rectangle 1"/>
+          <p:cNvSpPr>
+            <a:spLocks noGrp="1" noChangeArrowheads="1"/>
+          </p:cNvSpPr>
+          <p:nvPr>
+            <p:ph type="title"/>
+          </p:nvPr>
+        </p:nvSpPr>
+        <p:spPr>
+          <a:xfrm>
+            <a:off x="456481" y="313953"/>
+            <a:ext cx="8228160" cy="1062832"/>
+          </a:xfrm>
+        </p:spPr>
+        <p:txBody>
+          <a:bodyPr lIns="82945" tIns="41473" rIns="82945" bIns="41473"/>
+          <a:lstStyle/>
+          <a:p>
+            <a:pPr marL="484632" indent="0" fontAlgn="auto">
+              <a:spcAft>
+                <a:spcPts val="0"/>
+              </a:spcAft>
+              <a:tabLst>
+                <a:tab pos="656650" algn="l"/>
+                <a:tab pos="1313299" algn="l"/>
+                <a:tab pos="1969949" algn="l"/>
+                <a:tab pos="2626599" algn="l"/>
+                <a:tab pos="3283248" algn="l"/>
+                <a:tab pos="3939898" algn="l"/>
+                <a:tab pos="4596548" algn="l"/>
+                <a:tab pos="5253198" algn="l"/>
+                <a:tab pos="5909847" algn="l"/>
+                <a:tab pos="6566497" algn="l"/>
+                <a:tab pos="7223147" algn="l"/>
+                <a:tab pos="7879796" algn="l"/>
+              </a:tabLst>
+              <a:defRPr/>
+            </a:pPr>
+            <a:r>
+              <a:rPr lang="en-US" dirty="0">
+                <a:solidFill>
+                  <a:schemeClr val="accent1">
+                    <a:tint val="83000"/>
+                    <a:satMod val="150000"/>
+                  </a:schemeClr>
+                </a:solidFill>
+              </a:rPr>
+              <a:t>Project working structure</a:t>
+            </a:r>
+          </a:p>
+        </p:txBody>
+      </p:sp>
+      <p:sp>
+        <p:nvSpPr>
+          <p:cNvPr id="10243" name="Rectangle 2"/>
+          <p:cNvSpPr>
+            <a:spLocks noGrp="1" noChangeArrowheads="1"/>
+          </p:cNvSpPr>
+          <p:nvPr>
+            <p:ph type="body" idx="1"/>
+          </p:nvPr>
+        </p:nvSpPr>
+        <p:spPr>
+          <a:xfrm>
+            <a:off x="457200" y="1604963"/>
+            <a:ext cx="8228013" cy="4949825"/>
+          </a:xfrm>
+        </p:spPr>
+        <p:txBody>
+          <a:bodyPr lIns="82945" tIns="41473" rIns="82945" bIns="41473"/>
+          <a:lstStyle/>
+          <a:p>
+            <a:pPr marL="390525" indent="-293688">
+              <a:buSzPct val="45000"/>
+              <a:buFont typeface="Wingdings" pitchFamily="2" charset="2"/>
+              <a:buChar char=""/>
+              <a:tabLst>
+                <a:tab pos="655638" algn="l"/>
+                <a:tab pos="1312863" algn="l"/>
+                <a:tab pos="1968500" algn="l"/>
+                <a:tab pos="2625725" algn="l"/>
+                <a:tab pos="3282950" algn="l"/>
+                <a:tab pos="3938588" algn="l"/>
+                <a:tab pos="4595813" algn="l"/>
+                <a:tab pos="5253038" algn="l"/>
+                <a:tab pos="5908675" algn="l"/>
+                <a:tab pos="6565900" algn="l"/>
+                <a:tab pos="7223125" algn="l"/>
+                <a:tab pos="7878763" algn="l"/>
+              </a:tabLst>
+            </a:pPr>
+            <a:r>
+              <a:rPr lang="en-US" dirty="0" smtClean="0"/>
+              <a:t>Two weekly group meetings </a:t>
+            </a:r>
+          </a:p>
+          <a:p>
+            <a:pPr marL="390525" indent="-293688">
+              <a:buSzPct val="45000"/>
+              <a:buFont typeface="Wingdings" pitchFamily="2" charset="2"/>
+              <a:buChar char=""/>
+              <a:tabLst>
+                <a:tab pos="655638" algn="l"/>
+                <a:tab pos="1312863" algn="l"/>
+                <a:tab pos="1968500" algn="l"/>
+                <a:tab pos="2625725" algn="l"/>
+                <a:tab pos="3282950" algn="l"/>
+                <a:tab pos="3938588" algn="l"/>
+                <a:tab pos="4595813" algn="l"/>
+                <a:tab pos="5253038" algn="l"/>
+                <a:tab pos="5908675" algn="l"/>
+                <a:tab pos="6565900" algn="l"/>
+                <a:tab pos="7223125" algn="l"/>
+                <a:tab pos="7878763" algn="l"/>
+              </a:tabLst>
+            </a:pPr>
+            <a:r>
+              <a:rPr lang="en-US" dirty="0" smtClean="0"/>
+              <a:t>Weekly reports are submitted explaining the progress made </a:t>
+            </a:r>
+            <a:r>
+              <a:rPr lang="en-US" dirty="0" err="1" smtClean="0"/>
+              <a:t>duringthat</a:t>
+            </a:r>
+            <a:r>
+              <a:rPr lang="en-US" dirty="0" smtClean="0"/>
+              <a:t> </a:t>
+            </a:r>
+            <a:r>
+              <a:rPr lang="en-US" dirty="0" smtClean="0"/>
+              <a:t>week</a:t>
+            </a:r>
+          </a:p>
+          <a:p>
+            <a:pPr marL="390525" indent="-293688">
+              <a:buSzPct val="45000"/>
+              <a:buFont typeface="Wingdings" pitchFamily="2" charset="2"/>
+              <a:buChar char=""/>
+              <a:tabLst>
+                <a:tab pos="655638" algn="l"/>
+                <a:tab pos="1312863" algn="l"/>
+                <a:tab pos="1968500" algn="l"/>
+                <a:tab pos="2625725" algn="l"/>
+                <a:tab pos="3282950" algn="l"/>
+                <a:tab pos="3938588" algn="l"/>
+                <a:tab pos="4595813" algn="l"/>
+                <a:tab pos="5253038" algn="l"/>
+                <a:tab pos="5908675" algn="l"/>
+                <a:tab pos="6565900" algn="l"/>
+                <a:tab pos="7223125" algn="l"/>
+                <a:tab pos="7878763" algn="l"/>
+              </a:tabLst>
+            </a:pPr>
+            <a:r>
+              <a:rPr lang="en-US" dirty="0" smtClean="0"/>
+              <a:t>Used to keep track of project schedule and time management</a:t>
+            </a:r>
+          </a:p>
+          <a:p>
+            <a:pPr marL="390525" indent="-293688">
+              <a:buSzPct val="45000"/>
+              <a:buFont typeface="Wingdings" pitchFamily="2" charset="2"/>
+              <a:buChar char=""/>
+              <a:tabLst>
+                <a:tab pos="655638" algn="l"/>
+                <a:tab pos="1312863" algn="l"/>
+                <a:tab pos="1968500" algn="l"/>
+                <a:tab pos="2625725" algn="l"/>
+                <a:tab pos="3282950" algn="l"/>
+                <a:tab pos="3938588" algn="l"/>
+                <a:tab pos="4595813" algn="l"/>
+                <a:tab pos="5253038" algn="l"/>
+                <a:tab pos="5908675" algn="l"/>
+                <a:tab pos="6565900" algn="l"/>
+                <a:tab pos="7223125" algn="l"/>
+                <a:tab pos="7878763" algn="l"/>
+              </a:tabLst>
+            </a:pPr>
+            <a:r>
+              <a:rPr lang="en-US" dirty="0" smtClean="0"/>
+              <a:t>Log is maintained for every activity in the </a:t>
+            </a:r>
+            <a:r>
+              <a:rPr lang="en-US" dirty="0" smtClean="0"/>
+              <a:t>group</a:t>
+            </a:r>
+          </a:p>
+        </p:txBody>
+      </p:sp>
+    </p:spTree>
+    <p:extLst>
+      <p:ext uri="{BB962C8B-B14F-4D97-AF65-F5344CB8AC3E}">
+        <p14:creationId xmlns:p14="http://schemas.microsoft.com/office/powerpoint/2010/main" xmlns="" val="2933005212"/>
+      </p:ext>
+    </p:extLst>
+  </p:cSld>
+  <p:clrMapOvr>
+    <a:masterClrMapping/>
+  </p:clrMapOvr>
+  <p:transition spd="med"/>
+  <p:timing>
+    <p:tnLst>
+      <p:par>
+        <p:cTn id="1" dur="indefinite" restart="never" nodeType="tmRoot">
+          <p:childTnLst>
+            <p:seq concurrent="1" nextAc="seek">
+              <p:cTn id="2" dur="0" nodeType="mainSeq"/>
+              <p:prevCondLst>
+                <p:cond evt="onPrev" delay="0">
+                  <p:tgtEl>
+                    <p:sldTgt/>
+                  </p:tgtEl>
+                </p:cond>
+              </p:prevCondLst>
+              <p:nextCondLst>
+                <p:cond evt="onNext" delay="0">
+                  <p:tgtEl>
+                    <p:sldTgt/>
+                  </p:tgtEl>
+                </p:cond>
+              </p:nextCondLst>
+            </p:seq>
+          </p:childTnLst>
+        </p:cTn>
+      </p:par>
+    </p:tnLst>
+  </p:timing>
+</p:sld>
+</file>
+
+<file path=ppt/slides/slide20.xml><?xml version="1.0" encoding="utf-8"?>
 <p:sld xmlns:a="http://schemas.openxmlformats.org/drawingml/2006/main" xmlns:r="http://schemas.openxmlformats.org/officeDocument/2006/relationships" xmlns:p="http://schemas.openxmlformats.org/presentationml/2006/main">
   <p:cSld>
     <p:spTree>
@@ -6095,11 +6748,11 @@
             </a:pathLst>
           </a:custGeom>
           <a:solidFill>
-            <a:srgbClr xmlns:mc="http://schemas.openxmlformats.org/markup-compatibility/2006" xmlns:a14="http://schemas.microsoft.com/office/drawing/2010/main" val="FFFFCC" mc:Ignorable=""/>
+            <a:srgbClr val="FFFFCC"/>
           </a:solidFill>
           <a:ln w="9525">
             <a:solidFill>
-              <a:srgbClr xmlns:mc="http://schemas.openxmlformats.org/markup-compatibility/2006" xmlns:a14="http://schemas.microsoft.com/office/drawing/2010/main" val="000000" mc:Ignorable=""/>
+              <a:srgbClr val="000000"/>
             </a:solidFill>
             <a:miter lim="800000"/>
             <a:headEnd/>
@@ -6307,11 +6960,11 @@
             </a:pathLst>
           </a:custGeom>
           <a:solidFill>
-            <a:srgbClr xmlns:mc="http://schemas.openxmlformats.org/markup-compatibility/2006" xmlns:a14="http://schemas.microsoft.com/office/drawing/2010/main" val="FFFFCC" mc:Ignorable=""/>
+            <a:srgbClr val="FFFFCC"/>
           </a:solidFill>
           <a:ln w="9525">
             <a:solidFill>
-              <a:srgbClr xmlns:mc="http://schemas.openxmlformats.org/markup-compatibility/2006" xmlns:a14="http://schemas.microsoft.com/office/drawing/2010/main" val="000000" mc:Ignorable=""/>
+              <a:srgbClr val="000000"/>
             </a:solidFill>
             <a:miter lim="800000"/>
             <a:headEnd/>
@@ -6543,11 +7196,11 @@
             </a:pathLst>
           </a:custGeom>
           <a:solidFill>
-            <a:srgbClr xmlns:mc="http://schemas.openxmlformats.org/markup-compatibility/2006" xmlns:a14="http://schemas.microsoft.com/office/drawing/2010/main" val="C0C0C0" mc:Ignorable=""/>
+            <a:srgbClr val="C0C0C0"/>
           </a:solidFill>
           <a:ln w="9525">
             <a:solidFill>
-              <a:srgbClr xmlns:mc="http://schemas.openxmlformats.org/markup-compatibility/2006" xmlns:a14="http://schemas.microsoft.com/office/drawing/2010/main" val="000000" mc:Ignorable=""/>
+              <a:srgbClr val="000000"/>
             </a:solidFill>
             <a:miter lim="800000"/>
             <a:headEnd/>
@@ -6727,7 +7380,7 @@
     </p:spTree>
     <p:extLst>
       <p:ext uri="{BB962C8B-B14F-4D97-AF65-F5344CB8AC3E}">
-        <p14:creationId xmlns:p14="http://schemas.microsoft.com/office/powerpoint/2010/main" val="435735856"/>
+        <p14:creationId xmlns:p14="http://schemas.microsoft.com/office/powerpoint/2010/main" xmlns="" val="435735856"/>
       </p:ext>
     </p:extLst>
   </p:cSld>
@@ -6737,14 +7390,14 @@
   <p:timing>
     <p:tnLst>
       <p:par>
-        <p:cTn xmlns:p14="http://schemas.microsoft.com/office/powerpoint/2010/main" id="1" dur="indefinite" restart="never" nodeType="tmRoot"/>
+        <p:cTn id="1" dur="indefinite" restart="never" nodeType="tmRoot"/>
       </p:par>
     </p:tnLst>
   </p:timing>
 </p:sld>
 </file>
 
-<file path=ppt/slides/slide17.xml><?xml version="1.0" encoding="utf-8"?>
+<file path=ppt/slides/slide21.xml><?xml version="1.0" encoding="utf-8"?>
 <p:sld xmlns:a="http://schemas.openxmlformats.org/drawingml/2006/main" xmlns:r="http://schemas.openxmlformats.org/officeDocument/2006/relationships" xmlns:p="http://schemas.openxmlformats.org/presentationml/2006/main">
   <p:cSld>
     <p:spTree>
@@ -6783,7 +7436,7 @@
           <a:p>
             <a:r>
               <a:rPr lang="en-US" dirty="0" smtClean="0"/>
-              <a:t>Questions?</a:t>
+              <a:t>Demo</a:t>
             </a:r>
             <a:endParaRPr lang="en-US" dirty="0"/>
           </a:p>
@@ -6797,14 +7450,14 @@
   <p:timing>
     <p:tnLst>
       <p:par>
-        <p:cTn xmlns:p14="http://schemas.microsoft.com/office/powerpoint/2010/main" id="1" dur="indefinite" restart="never" nodeType="tmRoot"/>
+        <p:cTn id="1" dur="indefinite" restart="never" nodeType="tmRoot"/>
       </p:par>
     </p:tnLst>
   </p:timing>
 </p:sld>
 </file>
 
-<file path=ppt/slides/slide2.xml><?xml version="1.0" encoding="utf-8"?>
+<file path=ppt/slides/slide22.xml><?xml version="1.0" encoding="utf-8"?>
 <p:sld xmlns:a="http://schemas.openxmlformats.org/drawingml/2006/main" xmlns:r="http://schemas.openxmlformats.org/officeDocument/2006/relationships" xmlns:p="http://schemas.openxmlformats.org/presentationml/2006/main">
   <p:cSld>
     <p:spTree>
@@ -6823,9 +7476,9 @@
       </p:grpSpPr>
       <p:sp>
         <p:nvSpPr>
-          <p:cNvPr id="3073" name="Rectangle 1"/>
-          <p:cNvSpPr>
-            <a:spLocks noGrp="1" noChangeArrowheads="1"/>
+          <p:cNvPr id="2" name="Title 1"/>
+          <p:cNvSpPr>
+            <a:spLocks noGrp="1"/>
           </p:cNvSpPr>
           <p:nvPr>
             <p:ph type="title"/>
@@ -6833,229 +7486,31 @@
         </p:nvSpPr>
         <p:spPr>
           <a:xfrm>
-            <a:off x="456481" y="313953"/>
-            <a:ext cx="8228160" cy="1062832"/>
-          </a:xfrm>
-        </p:spPr>
-        <p:txBody>
-          <a:bodyPr lIns="82945" tIns="41473" rIns="82945" bIns="41473"/>
+            <a:off x="457200" y="2895600"/>
+            <a:ext cx="6172200" cy="1143000"/>
+          </a:xfrm>
+        </p:spPr>
+        <p:txBody>
+          <a:bodyPr/>
           <a:lstStyle/>
           <a:p>
-            <a:pPr marL="484632" indent="0" fontAlgn="auto">
-              <a:spcAft>
-                <a:spcPts val="0"/>
-              </a:spcAft>
-              <a:tabLst>
-                <a:tab pos="656650" algn="l"/>
-                <a:tab pos="1313299" algn="l"/>
-                <a:tab pos="1969949" algn="l"/>
-                <a:tab pos="2626599" algn="l"/>
-                <a:tab pos="3283248" algn="l"/>
-                <a:tab pos="3939898" algn="l"/>
-                <a:tab pos="4596548" algn="l"/>
-                <a:tab pos="5253198" algn="l"/>
-                <a:tab pos="5909847" algn="l"/>
-                <a:tab pos="6566497" algn="l"/>
-                <a:tab pos="7223147" algn="l"/>
-                <a:tab pos="7879796" algn="l"/>
-              </a:tabLst>
-              <a:defRPr/>
-            </a:pPr>
-            <a:r>
-              <a:rPr lang="en-US" dirty="0">
-                <a:solidFill>
-                  <a:schemeClr val="accent1">
-                    <a:tint val="83000"/>
-                    <a:satMod val="150000"/>
-                  </a:schemeClr>
-                </a:solidFill>
-              </a:rPr>
-              <a:t>Project working structure</a:t>
-            </a:r>
-          </a:p>
-        </p:txBody>
-      </p:sp>
-      <p:sp>
-        <p:nvSpPr>
-          <p:cNvPr id="10243" name="Rectangle 2"/>
-          <p:cNvSpPr>
-            <a:spLocks noGrp="1" noChangeArrowheads="1"/>
-          </p:cNvSpPr>
-          <p:nvPr>
-            <p:ph type="body" idx="1"/>
-          </p:nvPr>
-        </p:nvSpPr>
-        <p:spPr>
-          <a:xfrm>
-            <a:off x="457200" y="1604963"/>
-            <a:ext cx="8228013" cy="4949825"/>
-          </a:xfrm>
-        </p:spPr>
-        <p:txBody>
-          <a:bodyPr lIns="82945" tIns="41473" rIns="82945" bIns="41473"/>
-          <a:lstStyle/>
-          <a:p>
-            <a:pPr marL="390525" indent="-293688">
-              <a:buSzPct val="45000"/>
-              <a:buFont typeface="Wingdings" pitchFamily="2" charset="2"/>
-              <a:buChar char=""/>
-              <a:tabLst>
-                <a:tab pos="655638" algn="l"/>
-                <a:tab pos="1312863" algn="l"/>
-                <a:tab pos="1968500" algn="l"/>
-                <a:tab pos="2625725" algn="l"/>
-                <a:tab pos="3282950" algn="l"/>
-                <a:tab pos="3938588" algn="l"/>
-                <a:tab pos="4595813" algn="l"/>
-                <a:tab pos="5253038" algn="l"/>
-                <a:tab pos="5908675" algn="l"/>
-                <a:tab pos="6565900" algn="l"/>
-                <a:tab pos="7223125" algn="l"/>
-                <a:tab pos="7878763" algn="l"/>
-              </a:tabLst>
-            </a:pPr>
-            <a:r>
-              <a:rPr lang="en-US" smtClean="0"/>
-              <a:t>Two weekly group meetings </a:t>
-            </a:r>
-          </a:p>
-          <a:p>
-            <a:pPr marL="390525" indent="-293688">
-              <a:buSzPct val="45000"/>
-              <a:buFont typeface="Wingdings" pitchFamily="2" charset="2"/>
-              <a:buChar char=""/>
-              <a:tabLst>
-                <a:tab pos="655638" algn="l"/>
-                <a:tab pos="1312863" algn="l"/>
-                <a:tab pos="1968500" algn="l"/>
-                <a:tab pos="2625725" algn="l"/>
-                <a:tab pos="3282950" algn="l"/>
-                <a:tab pos="3938588" algn="l"/>
-                <a:tab pos="4595813" algn="l"/>
-                <a:tab pos="5253038" algn="l"/>
-                <a:tab pos="5908675" algn="l"/>
-                <a:tab pos="6565900" algn="l"/>
-                <a:tab pos="7223125" algn="l"/>
-                <a:tab pos="7878763" algn="l"/>
-              </a:tabLst>
-            </a:pPr>
-            <a:r>
-              <a:rPr lang="en-US" smtClean="0"/>
-              <a:t>Weekly reports are submitted explaining the progress made on that week</a:t>
-            </a:r>
-          </a:p>
-          <a:p>
-            <a:pPr marL="390525" indent="-293688">
-              <a:buSzPct val="45000"/>
-              <a:buFont typeface="Wingdings" pitchFamily="2" charset="2"/>
-              <a:buChar char=""/>
-              <a:tabLst>
-                <a:tab pos="655638" algn="l"/>
-                <a:tab pos="1312863" algn="l"/>
-                <a:tab pos="1968500" algn="l"/>
-                <a:tab pos="2625725" algn="l"/>
-                <a:tab pos="3282950" algn="l"/>
-                <a:tab pos="3938588" algn="l"/>
-                <a:tab pos="4595813" algn="l"/>
-                <a:tab pos="5253038" algn="l"/>
-                <a:tab pos="5908675" algn="l"/>
-                <a:tab pos="6565900" algn="l"/>
-                <a:tab pos="7223125" algn="l"/>
-                <a:tab pos="7878763" algn="l"/>
-              </a:tabLst>
-            </a:pPr>
-            <a:r>
-              <a:rPr lang="en-US" smtClean="0"/>
-              <a:t>Used to keep track of project schedule and time management</a:t>
-            </a:r>
-          </a:p>
-          <a:p>
-            <a:pPr marL="390525" indent="-293688">
-              <a:buSzPct val="45000"/>
-              <a:buFont typeface="Wingdings" pitchFamily="2" charset="2"/>
-              <a:buChar char=""/>
-              <a:tabLst>
-                <a:tab pos="655638" algn="l"/>
-                <a:tab pos="1312863" algn="l"/>
-                <a:tab pos="1968500" algn="l"/>
-                <a:tab pos="2625725" algn="l"/>
-                <a:tab pos="3282950" algn="l"/>
-                <a:tab pos="3938588" algn="l"/>
-                <a:tab pos="4595813" algn="l"/>
-                <a:tab pos="5253038" algn="l"/>
-                <a:tab pos="5908675" algn="l"/>
-                <a:tab pos="6565900" algn="l"/>
-                <a:tab pos="7223125" algn="l"/>
-                <a:tab pos="7878763" algn="l"/>
-              </a:tabLst>
-            </a:pPr>
-            <a:r>
-              <a:rPr lang="en-US" smtClean="0"/>
-              <a:t>Log is maintained for every activity in the group</a:t>
-            </a:r>
-          </a:p>
-          <a:p>
-            <a:pPr marL="390525" indent="-293688">
-              <a:buSzPct val="45000"/>
-              <a:buFont typeface="Wingdings" pitchFamily="2" charset="2"/>
-              <a:buChar char=""/>
-              <a:tabLst>
-                <a:tab pos="655638" algn="l"/>
-                <a:tab pos="1312863" algn="l"/>
-                <a:tab pos="1968500" algn="l"/>
-                <a:tab pos="2625725" algn="l"/>
-                <a:tab pos="3282950" algn="l"/>
-                <a:tab pos="3938588" algn="l"/>
-                <a:tab pos="4595813" algn="l"/>
-                <a:tab pos="5253038" algn="l"/>
-                <a:tab pos="5908675" algn="l"/>
-                <a:tab pos="6565900" algn="l"/>
-                <a:tab pos="7223125" algn="l"/>
-                <a:tab pos="7878763" algn="l"/>
-              </a:tabLst>
-            </a:pPr>
-            <a:r>
-              <a:rPr lang="en-US" smtClean="0"/>
-              <a:t>Each person is assigned equal amount of work</a:t>
-            </a:r>
+            <a:r>
+              <a:rPr lang="en-US" dirty="0" smtClean="0"/>
+              <a:t>Questions?</a:t>
+            </a:r>
+            <a:endParaRPr lang="en-US" dirty="0"/>
           </a:p>
         </p:txBody>
       </p:sp>
     </p:spTree>
-    <p:extLst>
-      <p:ext uri="{BB962C8B-B14F-4D97-AF65-F5344CB8AC3E}">
-        <p14:creationId xmlns:p14="http://schemas.microsoft.com/office/powerpoint/2010/main" val="2933005212"/>
-      </p:ext>
-    </p:extLst>
   </p:cSld>
   <p:clrMapOvr>
     <a:masterClrMapping/>
   </p:clrMapOvr>
-  <p:transition xmlns:p14="http://schemas.microsoft.com/office/powerpoint/2010/main" spd="med"/>
   <p:timing>
     <p:tnLst>
       <p:par>
-        <p:cTn xmlns:p14="http://schemas.microsoft.com/office/powerpoint/2010/main" id="1" dur="indefinite" restart="never" nodeType="tmRoot">
-          <p:childTnLst>
-            <p:seq concurrent="1" nextAc="seek">
-              <p:cTn id="2" dur="0" nodeType="mainSeq"/>
-              <p:prevCondLst>
-                <p:cond evt="onPrev" delay="0">
-                  <p:tgtEl>
-                    <p:sldTgt/>
-                  </p:tgtEl>
-                </p:cond>
-              </p:prevCondLst>
-              <p:nextCondLst>
-                <p:cond evt="onNext" delay="0">
-                  <p:tgtEl>
-                    <p:sldTgt/>
-                  </p:tgtEl>
-                </p:cond>
-              </p:nextCondLst>
-            </p:seq>
-          </p:childTnLst>
-        </p:cTn>
+        <p:cTn id="1" dur="indefinite" restart="never" nodeType="tmRoot"/>
       </p:par>
     </p:tnLst>
   </p:timing>
@@ -7151,7 +7606,7 @@
         </p:spPr>
         <p:txBody>
           <a:bodyPr lIns="82945" tIns="41473" rIns="82945" bIns="41473">
-            <a:normAutofit lnSpcReduction="10000"/>
+            <a:normAutofit/>
           </a:bodyPr>
           <a:lstStyle/>
           <a:p>
@@ -7208,8 +7663,16 @@
               <a:defRPr/>
             </a:pPr>
             <a:r>
+              <a:rPr lang="en-US" dirty="0" smtClean="0"/>
+              <a:t>Helps </a:t>
+            </a:r>
+            <a:r>
+              <a:rPr lang="en-US" dirty="0" smtClean="0"/>
+              <a:t>students understand </a:t>
+            </a:r>
+            <a:r>
               <a:rPr lang="en-US" dirty="0"/>
-              <a:t>Make students to understand whole SE process</a:t>
+              <a:t>whole SE process</a:t>
             </a:r>
           </a:p>
           <a:p>
@@ -7266,8 +7729,24 @@
               <a:defRPr/>
             </a:pPr>
             <a:r>
+              <a:rPr lang="en-US" dirty="0" smtClean="0"/>
+              <a:t>The</a:t>
+            </a:r>
+            <a:r>
+              <a:rPr lang="en-US" dirty="0" smtClean="0"/>
+              <a:t> </a:t>
+            </a:r>
+            <a:r>
               <a:rPr lang="en-US" dirty="0"/>
-              <a:t>ODBC to KML project makes them to think and work on certain things that they have not covered in courses </a:t>
+              <a:t>project </a:t>
+            </a:r>
+            <a:r>
+              <a:rPr lang="en-US" dirty="0" smtClean="0"/>
+              <a:t>forces students to </a:t>
+            </a:r>
+            <a:r>
+              <a:rPr lang="en-US" dirty="0"/>
+              <a:t>think and work on certain things that they have not covered in courses </a:t>
             </a:r>
           </a:p>
           <a:p>
@@ -7296,59 +7775,39 @@
             </a:pPr>
             <a:r>
               <a:rPr lang="en-US" dirty="0"/>
-              <a:t>Gives them a kind of real world development experience</a:t>
-            </a:r>
-          </a:p>
-          <a:p>
-            <a:pPr marL="391686" indent="-293764" fontAlgn="auto">
-              <a:spcAft>
-                <a:spcPts val="0"/>
-              </a:spcAft>
-              <a:buSzPct val="45000"/>
-              <a:buFont typeface="Wingdings" charset="2"/>
-              <a:buChar char=""/>
-              <a:tabLst>
-                <a:tab pos="656650" algn="l"/>
-                <a:tab pos="1313299" algn="l"/>
-                <a:tab pos="1969949" algn="l"/>
-                <a:tab pos="2626599" algn="l"/>
-                <a:tab pos="3283248" algn="l"/>
-                <a:tab pos="3939898" algn="l"/>
-                <a:tab pos="4596548" algn="l"/>
-                <a:tab pos="5253198" algn="l"/>
-                <a:tab pos="5909847" algn="l"/>
-                <a:tab pos="6566497" algn="l"/>
-                <a:tab pos="7223147" algn="l"/>
-                <a:tab pos="7879796" algn="l"/>
-              </a:tabLst>
-              <a:defRPr/>
-            </a:pPr>
-            <a:r>
-              <a:rPr lang="en-US" smtClean="0"/>
-              <a:t>Really </a:t>
+              <a:t>Gives them a </a:t>
+            </a:r>
+            <a:r>
+              <a:rPr lang="en-US" dirty="0" smtClean="0"/>
+              <a:t>real </a:t>
             </a:r>
             <a:r>
               <a:rPr lang="en-US" dirty="0"/>
-              <a:t>fun experience for all</a:t>
-            </a:r>
+              <a:t>world development </a:t>
+            </a:r>
+            <a:r>
+              <a:rPr lang="en-US" dirty="0" smtClean="0"/>
+              <a:t>experience</a:t>
+            </a:r>
+            <a:endParaRPr lang="en-US" dirty="0"/>
           </a:p>
         </p:txBody>
       </p:sp>
     </p:spTree>
     <p:extLst>
       <p:ext uri="{BB962C8B-B14F-4D97-AF65-F5344CB8AC3E}">
-        <p14:creationId xmlns:p14="http://schemas.microsoft.com/office/powerpoint/2010/main" val="3560984181"/>
+        <p14:creationId xmlns:p14="http://schemas.microsoft.com/office/powerpoint/2010/main" xmlns="" val="3560984181"/>
       </p:ext>
     </p:extLst>
   </p:cSld>
   <p:clrMapOvr>
     <a:masterClrMapping/>
   </p:clrMapOvr>
-  <p:transition xmlns:p14="http://schemas.microsoft.com/office/powerpoint/2010/main" spd="med"/>
+  <p:transition spd="med"/>
   <p:timing>
     <p:tnLst>
       <p:par>
-        <p:cTn xmlns:p14="http://schemas.microsoft.com/office/powerpoint/2010/main" id="1" dur="indefinite" restart="never" nodeType="tmRoot">
+        <p:cTn id="1" dur="indefinite" restart="never" nodeType="tmRoot">
           <p:childTnLst>
             <p:seq concurrent="1" nextAc="seek">
               <p:cTn id="2" dur="0" nodeType="mainSeq"/>
@@ -7462,14 +7921,14 @@
           </a:ln>
           <a:extLst>
             <a:ext uri="{909E8E84-426E-40DD-AFC4-6F175D3DCCD1}">
-              <a14:hiddenFill xmlns:a14="http://schemas.microsoft.com/office/drawing/2010/main">
+              <a14:hiddenFill xmlns:a14="http://schemas.microsoft.com/office/drawing/2010/main" xmlns="">
                 <a:solidFill>
                   <a:srgbClr xmlns:mc="http://schemas.openxmlformats.org/markup-compatibility/2006" val="FFFFFF" mc:Ignorable=""/>
                 </a:solidFill>
               </a14:hiddenFill>
             </a:ext>
             <a:ext uri="{91240B29-F687-4F45-9708-019B960494DF}">
-              <a14:hiddenLine xmlns:a14="http://schemas.microsoft.com/office/drawing/2010/main" w="9525">
+              <a14:hiddenLine xmlns:a14="http://schemas.microsoft.com/office/drawing/2010/main" xmlns="" w="9525">
                 <a:solidFill>
                   <a:srgbClr xmlns:mc="http://schemas.openxmlformats.org/markup-compatibility/2006" val="000000" mc:Ignorable=""/>
                 </a:solidFill>
@@ -7514,14 +7973,14 @@
           </a:ln>
           <a:extLst>
             <a:ext uri="{909E8E84-426E-40DD-AFC4-6F175D3DCCD1}">
-              <a14:hiddenFill xmlns:a14="http://schemas.microsoft.com/office/drawing/2010/main">
+              <a14:hiddenFill xmlns:a14="http://schemas.microsoft.com/office/drawing/2010/main" xmlns="">
                 <a:solidFill>
                   <a:srgbClr xmlns:mc="http://schemas.openxmlformats.org/markup-compatibility/2006" val="FFFFFF" mc:Ignorable=""/>
                 </a:solidFill>
               </a14:hiddenFill>
             </a:ext>
             <a:ext uri="{91240B29-F687-4F45-9708-019B960494DF}">
-              <a14:hiddenLine xmlns:a14="http://schemas.microsoft.com/office/drawing/2010/main" w="9525">
+              <a14:hiddenLine xmlns:a14="http://schemas.microsoft.com/office/drawing/2010/main" xmlns="" w="9525">
                 <a:solidFill>
                   <a:srgbClr xmlns:mc="http://schemas.openxmlformats.org/markup-compatibility/2006" val="000000" mc:Ignorable=""/>
                 </a:solidFill>
@@ -7553,77 +8012,34 @@
           <p:nvPr/>
         </p:nvGraphicFramePr>
         <p:xfrm>
-          <a:off x="1447800" y="457200"/>
-          <a:ext cx="6324600" cy="6662738"/>
+          <a:off x="762000" y="-533400"/>
+          <a:ext cx="8299450" cy="8743950"/>
         </p:xfrm>
         <a:graphic>
           <a:graphicData uri="http://schemas.openxmlformats.org/presentationml/2006/ole">
-            <mc:AlternateContent xmlns:mc="http://schemas.openxmlformats.org/markup-compatibility/2006">
-              <mc:Choice xmlns:v="urn:schemas-microsoft-com:vml" Requires="v">
-                <p:oleObj spid="_x0000_s8194" name="Visio" r:id="rId3" imgW="6009096" imgH="6232927" progId="Visio.Drawing.11">
-                  <p:embed/>
-                </p:oleObj>
-              </mc:Choice>
-              <mc:Fallback>
-                <p:oleObj name="Visio" r:id="rId3" imgW="6009096" imgH="6232927" progId="Visio.Drawing.11">
-                  <p:embed/>
-                  <p:pic>
-                    <p:nvPicPr>
-                      <p:cNvPr id="0" name=""/>
-                      <p:cNvPicPr>
-                        <a:picLocks noChangeAspect="1" noChangeArrowheads="1"/>
-                      </p:cNvPicPr>
-                      <p:nvPr/>
-                    </p:nvPicPr>
-                    <p:blipFill>
-                      <a:blip r:embed="rId4">
-                        <a:extLst>
-                          <a:ext uri="{28A0092B-C50C-407E-A947-70E740481C1C}">
-                            <a14:useLocalDpi xmlns:a14="http://schemas.microsoft.com/office/drawing/2010/main" val="0"/>
-                          </a:ext>
-                        </a:extLst>
-                      </a:blip>
-                      <a:srcRect/>
-                      <a:stretch>
-                        <a:fillRect/>
-                      </a:stretch>
-                    </p:blipFill>
-                    <p:spPr bwMode="auto">
-                      <a:xfrm>
-                        <a:off x="1447800" y="457200"/>
-                        <a:ext cx="6324600" cy="6662738"/>
-                      </a:xfrm>
-                      <a:prstGeom prst="rect">
-                        <a:avLst/>
-                      </a:prstGeom>
-                      <a:noFill/>
-                      <a:extLst>
-                        <a:ext uri="{909E8E84-426E-40DD-AFC4-6F175D3DCCD1}">
-                          <a14:hiddenFill xmlns:a14="http://schemas.microsoft.com/office/drawing/2010/main">
-                            <a:solidFill>
-                              <a:srgbClr val="FFFFFF" mc:Ignorable=""/>
-                            </a:solidFill>
-                          </a14:hiddenFill>
-                        </a:ext>
-                      </a:extLst>
-                    </p:spPr>
-                  </p:pic>
-                </p:oleObj>
-              </mc:Fallback>
-            </mc:AlternateContent>
+            <p:oleObj spid="_x0000_s8194" name="Visio" r:id="rId3" imgW="6000244" imgH="6234079" progId="Visio.Drawing.11">
+              <p:embed/>
+            </p:oleObj>
           </a:graphicData>
         </a:graphic>
       </p:graphicFrame>
     </p:spTree>
     <p:extLst>
       <p:ext uri="{BB962C8B-B14F-4D97-AF65-F5344CB8AC3E}">
-        <p14:creationId xmlns:p14="http://schemas.microsoft.com/office/powerpoint/2010/main" val="4168669383"/>
+        <p14:creationId xmlns:p14="http://schemas.microsoft.com/office/powerpoint/2010/main" xmlns="" val="4168669383"/>
       </p:ext>
     </p:extLst>
   </p:cSld>
   <p:clrMapOvr>
     <a:masterClrMapping/>
   </p:clrMapOvr>
+  <p:timing>
+    <p:tnLst>
+      <p:par>
+        <p:cTn id="1" dur="indefinite" restart="never" nodeType="tmRoot"/>
+      </p:par>
+    </p:tnLst>
+  </p:timing>
 </p:sld>
 </file>
 
@@ -7706,7 +8122,7 @@
                 </a:solidFill>
                 <a:effectLst>
                   <a:outerShdw blurRad="26000" dist="26000" dir="14500000" algn="tl" rotWithShape="0">
-                    <a:srgbClr xmlns:mc="http://schemas.openxmlformats.org/markup-compatibility/2006" xmlns:a14="http://schemas.microsoft.com/office/drawing/2010/main" val="000000" mc:Ignorable="">
+                    <a:srgbClr val="000000">
                       <a:alpha val="40000"/>
                     </a:srgbClr>
                   </a:outerShdw>
@@ -7717,40 +8133,10 @@
               </a:rPr>
               <a:t>The Hours</a:t>
             </a:r>
-            <a:endParaRPr lang="en-US" sz="4400" dirty="0">
-              <a:ln w="6350">
-                <a:solidFill>
-                  <a:schemeClr val="accent1">
-                    <a:shade val="43000"/>
-                  </a:schemeClr>
-                </a:solidFill>
-              </a:ln>
-              <a:solidFill>
-                <a:schemeClr val="accent1">
-                  <a:tint val="83000"/>
-                  <a:satMod val="150000"/>
-                </a:schemeClr>
-              </a:solidFill>
-              <a:effectLst>
-                <a:outerShdw blurRad="26000" dist="26000" dir="14500000" algn="tl" rotWithShape="0">
-                  <a:srgbClr xmlns:mc="http://schemas.openxmlformats.org/markup-compatibility/2006" xmlns:a14="http://schemas.microsoft.com/office/drawing/2010/main" val="000000" mc:Ignorable="">
-                    <a:alpha val="40000"/>
-                  </a:srgbClr>
-                </a:outerShdw>
-              </a:effectLst>
-              <a:latin typeface="+mj-lt"/>
-              <a:ea typeface="+mj-ea"/>
-              <a:cs typeface="+mj-cs"/>
-            </a:endParaRPr>
           </a:p>
         </p:txBody>
       </p:sp>
     </p:spTree>
-    <p:extLst>
-      <p:ext uri="{BB962C8B-B14F-4D97-AF65-F5344CB8AC3E}">
-        <p14:creationId xmlns:p14="http://schemas.microsoft.com/office/powerpoint/2010/main" val="1044364093"/>
-      </p:ext>
-    </p:extLst>
   </p:cSld>
   <p:clrMapOvr>
     <a:masterClrMapping/>
@@ -7787,77 +8173,66 @@
         </p:nvSpPr>
         <p:spPr/>
         <p:txBody>
-          <a:bodyPr>
-            <a:normAutofit/>
-          </a:bodyPr>
-          <a:lstStyle/>
-          <a:p>
-            <a:r>
-              <a:rPr lang="en-US" dirty="0" smtClean="0"/>
-              <a:t>Major Functions</a:t>
-            </a:r>
-            <a:endParaRPr lang="en-US" dirty="0"/>
-          </a:p>
-        </p:txBody>
-      </p:sp>
-      <p:sp>
-        <p:nvSpPr>
-          <p:cNvPr id="3" name="Content Placeholder 2"/>
-          <p:cNvSpPr>
-            <a:spLocks noGrp="1"/>
-          </p:cNvSpPr>
-          <p:nvPr>
-            <p:ph idx="1"/>
-          </p:nvPr>
-        </p:nvSpPr>
-        <p:spPr/>
-        <p:txBody>
           <a:bodyPr/>
           <a:lstStyle/>
           <a:p>
             <a:r>
               <a:rPr lang="en-US" dirty="0" smtClean="0"/>
-              <a:t>Create Connection</a:t>
-            </a:r>
-          </a:p>
+              <a:t>Agenda</a:t>
+            </a:r>
+            <a:endParaRPr lang="en-US" dirty="0"/>
+          </a:p>
+        </p:txBody>
+      </p:sp>
+      <p:sp>
+        <p:nvSpPr>
+          <p:cNvPr id="3" name="Content Placeholder 2"/>
+          <p:cNvSpPr>
+            <a:spLocks noGrp="1"/>
+          </p:cNvSpPr>
+          <p:nvPr>
+            <p:ph idx="1"/>
+          </p:nvPr>
+        </p:nvSpPr>
+        <p:spPr/>
+        <p:txBody>
+          <a:bodyPr/>
+          <a:lstStyle/>
           <a:p>
             <a:r>
               <a:rPr lang="en-US" dirty="0" smtClean="0"/>
-              <a:t>Edit Connection</a:t>
+              <a:t>Project Overview</a:t>
             </a:r>
           </a:p>
           <a:p>
             <a:r>
               <a:rPr lang="en-US" dirty="0" smtClean="0"/>
-              <a:t>Delete Connection</a:t>
+              <a:t>Major Functionality</a:t>
             </a:r>
           </a:p>
           <a:p>
             <a:r>
               <a:rPr lang="en-US" dirty="0" smtClean="0"/>
-              <a:t>Generate KML File</a:t>
-            </a:r>
-          </a:p>
-          <a:p>
-            <a:pPr lvl="1"/>
+              <a:t>Technical Design</a:t>
+            </a:r>
+          </a:p>
+          <a:p>
             <a:r>
               <a:rPr lang="en-US" dirty="0" smtClean="0"/>
-              <a:t>Web Service</a:t>
-            </a:r>
-          </a:p>
-          <a:p>
-            <a:pPr lvl="1"/>
+              <a:t>Interface Design</a:t>
+            </a:r>
+          </a:p>
+          <a:p>
             <a:r>
               <a:rPr lang="en-US" dirty="0" smtClean="0"/>
-              <a:t>Web Application</a:t>
+              <a:t>Project Demo</a:t>
             </a:r>
           </a:p>
           <a:p>
             <a:r>
               <a:rPr lang="en-US" dirty="0" smtClean="0"/>
-              <a:t>Preview KML on Google Maps</a:t>
-            </a:r>
-            <a:endParaRPr lang="en-US" dirty="0"/>
+              <a:t>Questions</a:t>
+            </a:r>
           </a:p>
         </p:txBody>
       </p:sp>
@@ -7869,7 +8244,7 @@
   <p:timing>
     <p:tnLst>
       <p:par>
-        <p:cTn xmlns:p14="http://schemas.microsoft.com/office/powerpoint/2010/main" id="1" dur="indefinite" restart="never" nodeType="tmRoot"/>
+        <p:cTn id="1" dur="indefinite" restart="never" nodeType="tmRoot"/>
       </p:par>
     </p:tnLst>
   </p:timing>
@@ -7910,7 +8285,7 @@
           <a:p>
             <a:r>
               <a:rPr lang="en-US" dirty="0" smtClean="0"/>
-              <a:t>List of Requirements</a:t>
+              <a:t>Why ODBC2KML?</a:t>
             </a:r>
             <a:endParaRPr lang="en-US" dirty="0"/>
           </a:p>
@@ -7926,68 +8301,27 @@
             <p:ph idx="1"/>
           </p:nvPr>
         </p:nvSpPr>
-        <p:spPr>
-          <a:xfrm>
-            <a:off x="457200" y="1676400"/>
-            <a:ext cx="8229600" cy="4572000"/>
-          </a:xfrm>
-        </p:spPr>
+        <p:spPr/>
         <p:txBody>
           <a:bodyPr/>
           <a:lstStyle/>
           <a:p>
             <a:r>
               <a:rPr lang="en-US" dirty="0" smtClean="0"/>
-              <a:t>Create Connection</a:t>
-            </a:r>
+              <a:t>Current situation: manually generating KML from ODBC databases</a:t>
+            </a:r>
+          </a:p>
+          <a:p>
+            <a:pPr>
+              <a:buNone/>
+            </a:pPr>
+            <a:endParaRPr lang="en-US" dirty="0" smtClean="0"/>
           </a:p>
           <a:p>
             <a:r>
               <a:rPr lang="en-US" dirty="0" smtClean="0"/>
-              <a:t>Edit Connection</a:t>
-            </a:r>
-          </a:p>
-          <a:p>
-            <a:r>
-              <a:rPr lang="en-US" dirty="0" smtClean="0"/>
-              <a:t>Delete Connection</a:t>
-            </a:r>
-          </a:p>
-          <a:p>
-            <a:r>
-              <a:rPr lang="en-US" dirty="0" smtClean="0"/>
-              <a:t>View Connection</a:t>
-            </a:r>
-          </a:p>
-          <a:p>
-            <a:r>
-              <a:rPr lang="en-US" dirty="0"/>
-              <a:t>Map database fields to KML fields</a:t>
-            </a:r>
-          </a:p>
-          <a:p>
-            <a:r>
-              <a:rPr lang="en-US" dirty="0"/>
-              <a:t>View Values from Database Tables</a:t>
-            </a:r>
-          </a:p>
-          <a:p>
-            <a:r>
-              <a:rPr lang="en-US" dirty="0"/>
-              <a:t>Set Description</a:t>
-            </a:r>
-          </a:p>
-          <a:p>
-            <a:r>
-              <a:rPr lang="en-US" dirty="0"/>
-              <a:t>Insert field value into KML description</a:t>
-            </a:r>
-          </a:p>
-          <a:p>
-            <a:endParaRPr lang="en-US" dirty="0" smtClean="0"/>
-          </a:p>
-          <a:p>
-            <a:endParaRPr lang="en-US" dirty="0"/>
+              <a:t>Solution: create a system that automates the KML generation</a:t>
+            </a:r>
           </a:p>
         </p:txBody>
       </p:sp>
@@ -7996,13 +8330,6 @@
   <p:clrMapOvr>
     <a:masterClrMapping/>
   </p:clrMapOvr>
-  <p:timing>
-    <p:tnLst>
-      <p:par>
-        <p:cTn xmlns:p14="http://schemas.microsoft.com/office/powerpoint/2010/main" id="1" dur="indefinite" restart="never" nodeType="tmRoot"/>
-      </p:par>
-    </p:tnLst>
-  </p:timing>
 </p:sld>
 </file>
 
@@ -8033,19 +8360,14 @@
             <p:ph type="title"/>
           </p:nvPr>
         </p:nvSpPr>
-        <p:spPr>
-          <a:xfrm>
-            <a:off x="381000" y="277368"/>
-            <a:ext cx="8229600" cy="1399032"/>
-          </a:xfrm>
-        </p:spPr>
+        <p:spPr/>
         <p:txBody>
           <a:bodyPr/>
           <a:lstStyle/>
           <a:p>
             <a:r>
               <a:rPr lang="en-US" dirty="0" smtClean="0"/>
-              <a:t>Requirements, cont.</a:t>
+              <a:t>Project Overview</a:t>
             </a:r>
             <a:endParaRPr lang="en-US" dirty="0"/>
           </a:p>
@@ -8061,66 +8383,71 @@
             <p:ph idx="1"/>
           </p:nvPr>
         </p:nvSpPr>
-        <p:spPr>
-          <a:xfrm>
-            <a:off x="457200" y="1828800"/>
-            <a:ext cx="8229600" cy="4724400"/>
-          </a:xfrm>
-        </p:spPr>
-        <p:txBody>
-          <a:bodyPr>
-            <a:normAutofit/>
-          </a:bodyPr>
+        <p:spPr/>
+        <p:txBody>
+          <a:bodyPr/>
           <a:lstStyle/>
           <a:p>
             <a:r>
               <a:rPr lang="en-US" dirty="0" smtClean="0"/>
-              <a:t>Upload an Icon from User’s Computer</a:t>
-            </a:r>
+              <a:t>Connect to a database</a:t>
+            </a:r>
+          </a:p>
+          <a:p>
+            <a:pPr>
+              <a:buNone/>
+            </a:pPr>
+            <a:endParaRPr lang="en-US" dirty="0" smtClean="0"/>
           </a:p>
           <a:p>
             <a:r>
               <a:rPr lang="en-US" dirty="0" smtClean="0"/>
-              <a:t>Upload an Icon from the web</a:t>
-            </a:r>
-          </a:p>
-          <a:p>
+              <a:t>M</a:t>
+            </a:r>
             <a:r>
               <a:rPr lang="en-US" dirty="0" smtClean="0"/>
-              <a:t>Add an Icon to the Connection</a:t>
-            </a:r>
-          </a:p>
-          <a:p>
+              <a:t>ap database field(s) to KML field(s)</a:t>
+            </a:r>
+          </a:p>
+          <a:p>
+            <a:pPr lvl="1"/>
             <a:r>
               <a:rPr lang="en-US" dirty="0" smtClean="0"/>
-              <a:t>Select Icon Overlay Color</a:t>
-            </a:r>
-          </a:p>
-          <a:p>
+              <a:t>Latitude/Longitude</a:t>
+            </a:r>
+          </a:p>
+          <a:p>
+            <a:pPr lvl="1"/>
+            <a:r>
+              <a:rPr lang="en-US" dirty="0" err="1" smtClean="0"/>
+              <a:t>Placemark</a:t>
+            </a:r>
             <a:r>
               <a:rPr lang="en-US" dirty="0" smtClean="0"/>
-              <a:t>Set Icon Condition</a:t>
-            </a:r>
-          </a:p>
-          <a:p>
-            <a:r>
-              <a:rPr lang="en-US" dirty="0"/>
-              <a:t>Generate KML from Web Service</a:t>
-            </a:r>
-          </a:p>
-          <a:p>
-            <a:r>
-              <a:rPr lang="en-US" dirty="0"/>
-              <a:t>Generate KML from Web Application</a:t>
-            </a:r>
-          </a:p>
-          <a:p>
-            <a:r>
-              <a:rPr lang="en-US" dirty="0"/>
-              <a:t>Preview KML on Google Maps</a:t>
-            </a:r>
-          </a:p>
-          <a:p>
+              <a:t> Name</a:t>
+            </a:r>
+          </a:p>
+          <a:p>
+            <a:pPr lvl="1"/>
+            <a:r>
+              <a:rPr lang="en-US" dirty="0" smtClean="0"/>
+              <a:t>Insert Field Values into Description</a:t>
+            </a:r>
+          </a:p>
+          <a:p>
+            <a:pPr lvl="1">
+              <a:buNone/>
+            </a:pPr>
+            <a:endParaRPr lang="en-US" dirty="0" smtClean="0"/>
+          </a:p>
+          <a:p>
+            <a:r>
+              <a:rPr lang="en-US" dirty="0" smtClean="0"/>
+              <a:t>Generate KML</a:t>
+            </a:r>
+          </a:p>
+          <a:p>
+            <a:pPr lvl="1"/>
             <a:endParaRPr lang="en-US" dirty="0" smtClean="0"/>
           </a:p>
         </p:txBody>
@@ -8130,13 +8457,6 @@
   <p:clrMapOvr>
     <a:masterClrMapping/>
   </p:clrMapOvr>
-  <p:timing>
-    <p:tnLst>
-      <p:par>
-        <p:cTn xmlns:p14="http://schemas.microsoft.com/office/powerpoint/2010/main" id="1" dur="indefinite" restart="never" nodeType="tmRoot"/>
-      </p:par>
-    </p:tnLst>
-  </p:timing>
 </p:sld>
 </file>
 
@@ -8169,91 +8489,104 @@
         </p:nvSpPr>
         <p:spPr/>
         <p:txBody>
+          <a:bodyPr>
+            <a:normAutofit/>
+          </a:bodyPr>
+          <a:lstStyle/>
+          <a:p>
+            <a:r>
+              <a:rPr lang="en-US" dirty="0" smtClean="0"/>
+              <a:t>Major </a:t>
+            </a:r>
+            <a:r>
+              <a:rPr lang="en-US" dirty="0" smtClean="0"/>
+              <a:t>Functionality</a:t>
+            </a:r>
+            <a:endParaRPr lang="en-US" dirty="0"/>
+          </a:p>
+        </p:txBody>
+      </p:sp>
+      <p:sp>
+        <p:nvSpPr>
+          <p:cNvPr id="3" name="Content Placeholder 2"/>
+          <p:cNvSpPr>
+            <a:spLocks noGrp="1"/>
+          </p:cNvSpPr>
+          <p:nvPr>
+            <p:ph idx="1"/>
+          </p:nvPr>
+        </p:nvSpPr>
+        <p:spPr/>
+        <p:txBody>
           <a:bodyPr/>
           <a:lstStyle/>
           <a:p>
             <a:r>
               <a:rPr lang="en-US" dirty="0" smtClean="0"/>
-              <a:t>Design – Main Page</a:t>
+              <a:t>Create Connection</a:t>
+            </a:r>
+          </a:p>
+          <a:p>
+            <a:r>
+              <a:rPr lang="en-US" dirty="0" smtClean="0"/>
+              <a:t>Edit Connection</a:t>
+            </a:r>
+          </a:p>
+          <a:p>
+            <a:r>
+              <a:rPr lang="en-US" dirty="0" smtClean="0"/>
+              <a:t>Delete Connection</a:t>
+            </a:r>
+          </a:p>
+          <a:p>
+            <a:r>
+              <a:rPr lang="en-US" dirty="0" smtClean="0"/>
+              <a:t>Generate KML File</a:t>
+            </a:r>
+          </a:p>
+          <a:p>
+            <a:pPr lvl="1"/>
+            <a:r>
+              <a:rPr lang="en-US" dirty="0" smtClean="0"/>
+              <a:t>Web Service</a:t>
+            </a:r>
+          </a:p>
+          <a:p>
+            <a:pPr lvl="1"/>
+            <a:r>
+              <a:rPr lang="en-US" dirty="0" smtClean="0"/>
+              <a:t>Web Application</a:t>
+            </a:r>
+          </a:p>
+          <a:p>
+            <a:r>
+              <a:rPr lang="en-US" dirty="0" smtClean="0"/>
+              <a:t>Preview KML </a:t>
+            </a:r>
+            <a:r>
+              <a:rPr lang="en-US" dirty="0" smtClean="0"/>
+              <a:t>in browser by Google Earth </a:t>
+            </a:r>
+            <a:r>
+              <a:rPr lang="en-US" dirty="0" err="1" smtClean="0"/>
+              <a:t>Plugin</a:t>
             </a:r>
             <a:endParaRPr lang="en-US" dirty="0"/>
           </a:p>
         </p:txBody>
       </p:sp>
-      <p:pic>
-        <p:nvPicPr>
-          <p:cNvPr id="1026" name="Picture 2"/>
-          <p:cNvPicPr>
-            <a:picLocks noChangeAspect="1" noChangeArrowheads="1"/>
-          </p:cNvPicPr>
-          <p:nvPr/>
-        </p:nvPicPr>
-        <p:blipFill>
-          <a:blip r:embed="rId2">
-            <a:extLst>
-              <a:ext uri="{28A0092B-C50C-407E-A947-70E740481C1C}">
-                <a14:useLocalDpi xmlns:a14="http://schemas.microsoft.com/office/drawing/2010/main" val="0"/>
-              </a:ext>
-            </a:extLst>
-          </a:blip>
-          <a:srcRect/>
-          <a:stretch>
-            <a:fillRect/>
-          </a:stretch>
-        </p:blipFill>
-        <p:spPr bwMode="auto">
-          <a:xfrm>
-            <a:off x="381000" y="2057400"/>
-            <a:ext cx="8583743" cy="4114800"/>
-          </a:xfrm>
-          <a:prstGeom prst="rect">
-            <a:avLst/>
-          </a:prstGeom>
-          <a:noFill/>
-          <a:ln>
-            <a:noFill/>
-          </a:ln>
-          <a:effectLst/>
-          <a:extLst>
-            <a:ext uri="{909E8E84-426E-40DD-AFC4-6F175D3DCCD1}">
-              <a14:hiddenFill xmlns:a14="http://schemas.microsoft.com/office/drawing/2010/main">
-                <a:solidFill>
-                  <a:schemeClr val="accent1"/>
-                </a:solidFill>
-              </a14:hiddenFill>
-            </a:ext>
-            <a:ext uri="{91240B29-F687-4F45-9708-019B960494DF}">
-              <a14:hiddenLine xmlns:a14="http://schemas.microsoft.com/office/drawing/2010/main" w="9525">
-                <a:solidFill>
-                  <a:schemeClr val="tx1"/>
-                </a:solidFill>
-                <a:miter lim="800000"/>
-                <a:headEnd/>
-                <a:tailEnd/>
-              </a14:hiddenLine>
-            </a:ext>
-            <a:ext uri="{AF507438-7753-43E0-B8FC-AC1667EBCBE1}">
-              <a14:hiddenEffects xmlns:a14="http://schemas.microsoft.com/office/drawing/2010/main">
-                <a:effectLst>
-                  <a:outerShdw dist="35921" dir="2700000" algn="ctr" rotWithShape="0">
-                    <a:schemeClr val="bg2"/>
-                  </a:outerShdw>
-                </a:effectLst>
-              </a14:hiddenEffects>
-            </a:ext>
-          </a:extLst>
-        </p:spPr>
-      </p:pic>
     </p:spTree>
-    <p:extLst>
-      <p:ext uri="{BB962C8B-B14F-4D97-AF65-F5344CB8AC3E}">
-        <p14:creationId xmlns:p14="http://schemas.microsoft.com/office/powerpoint/2010/main" val="3304650941"/>
-      </p:ext>
-    </p:extLst>
   </p:cSld>
   <p:clrMapOvr>
     <a:masterClrMapping/>
   </p:clrMapOvr>
+  <p:timing>
+    <p:tnLst>
+      <p:par>
+        <p:cTn id="1" dur="indefinite" restart="never" nodeType="tmRoot"/>
+      </p:par>
+    </p:tnLst>
+  </p:timing>
 </p:sld>
 </file>
 
@@ -8268,34 +8601,34 @@
         <a:sysClr val="window" lastClr="FFFFFF"/>
       </a:lt1>
       <a:dk2>
-        <a:srgbClr xmlns:mc="http://schemas.openxmlformats.org/markup-compatibility/2006" xmlns:a14="http://schemas.microsoft.com/office/drawing/2010/main" val="464646" mc:Ignorable=""/>
+        <a:srgbClr val="464646"/>
       </a:dk2>
       <a:lt2>
-        <a:srgbClr xmlns:mc="http://schemas.openxmlformats.org/markup-compatibility/2006" xmlns:a14="http://schemas.microsoft.com/office/drawing/2010/main" val="DEF5FA" mc:Ignorable=""/>
+        <a:srgbClr val="DEF5FA"/>
       </a:lt2>
       <a:accent1>
-        <a:srgbClr xmlns:mc="http://schemas.openxmlformats.org/markup-compatibility/2006" xmlns:a14="http://schemas.microsoft.com/office/drawing/2010/main" val="2DA2BF" mc:Ignorable=""/>
+        <a:srgbClr val="2DA2BF"/>
       </a:accent1>
       <a:accent2>
-        <a:srgbClr xmlns:mc="http://schemas.openxmlformats.org/markup-compatibility/2006" xmlns:a14="http://schemas.microsoft.com/office/drawing/2010/main" val="DA1F28" mc:Ignorable=""/>
+        <a:srgbClr val="DA1F28"/>
       </a:accent2>
       <a:accent3>
-        <a:srgbClr xmlns:mc="http://schemas.openxmlformats.org/markup-compatibility/2006" xmlns:a14="http://schemas.microsoft.com/office/drawing/2010/main" val="EB641B" mc:Ignorable=""/>
+        <a:srgbClr val="EB641B"/>
       </a:accent3>
       <a:accent4>
-        <a:srgbClr xmlns:mc="http://schemas.openxmlformats.org/markup-compatibility/2006" xmlns:a14="http://schemas.microsoft.com/office/drawing/2010/main" val="39639D" mc:Ignorable=""/>
+        <a:srgbClr val="39639D"/>
       </a:accent4>
       <a:accent5>
-        <a:srgbClr xmlns:mc="http://schemas.openxmlformats.org/markup-compatibility/2006" xmlns:a14="http://schemas.microsoft.com/office/drawing/2010/main" val="474B78" mc:Ignorable=""/>
+        <a:srgbClr val="474B78"/>
       </a:accent5>
       <a:accent6>
-        <a:srgbClr xmlns:mc="http://schemas.openxmlformats.org/markup-compatibility/2006" xmlns:a14="http://schemas.microsoft.com/office/drawing/2010/main" val="7D3C4A" mc:Ignorable=""/>
+        <a:srgbClr val="7D3C4A"/>
       </a:accent6>
       <a:hlink>
-        <a:srgbClr xmlns:mc="http://schemas.openxmlformats.org/markup-compatibility/2006" xmlns:a14="http://schemas.microsoft.com/office/drawing/2010/main" val="FF8119" mc:Ignorable=""/>
+        <a:srgbClr val="FF8119"/>
       </a:hlink>
       <a:folHlink>
-        <a:srgbClr xmlns:mc="http://schemas.openxmlformats.org/markup-compatibility/2006" xmlns:a14="http://schemas.microsoft.com/office/drawing/2010/main" val="44B9E8" mc:Ignorable=""/>
+        <a:srgbClr val="44B9E8"/>
       </a:folHlink>
     </a:clrScheme>
     <a:fontScheme name="Verve">
@@ -8450,7 +8783,7 @@
         <a:effectStyle>
           <a:effectLst>
             <a:outerShdw blurRad="63500" dist="25400" dir="14700000" algn="t" rotWithShape="0">
-              <a:srgbClr xmlns:mc="http://schemas.openxmlformats.org/markup-compatibility/2006" xmlns:a14="http://schemas.microsoft.com/office/drawing/2010/main" val="000000" mc:Ignorable="">
+              <a:srgbClr val="000000">
                 <a:alpha val="50000"/>
               </a:srgbClr>
             </a:outerShdw>
@@ -8459,7 +8792,7 @@
         <a:effectStyle>
           <a:effectLst>
             <a:outerShdw blurRad="50800" dist="38100" dir="14700000" algn="t" rotWithShape="0">
-              <a:srgbClr xmlns:mc="http://schemas.openxmlformats.org/markup-compatibility/2006" xmlns:a14="http://schemas.microsoft.com/office/drawing/2010/main" val="000000" mc:Ignorable="">
+              <a:srgbClr val="000000">
                 <a:alpha val="60000"/>
               </a:srgbClr>
             </a:outerShdw>
@@ -8468,7 +8801,7 @@
         <a:effectStyle>
           <a:effectLst>
             <a:outerShdw blurRad="50800" dist="38100" dir="14700000" algn="t" rotWithShape="0">
-              <a:srgbClr xmlns:mc="http://schemas.openxmlformats.org/markup-compatibility/2006" xmlns:a14="http://schemas.microsoft.com/office/drawing/2010/main" val="000000" mc:Ignorable="">
+              <a:srgbClr val="000000">
                 <a:alpha val="60000"/>
               </a:srgbClr>
             </a:outerShdw>
@@ -8550,34 +8883,34 @@
         <a:sysClr val="window" lastClr="FFFFFF"/>
       </a:lt1>
       <a:dk2>
-        <a:srgbClr xmlns:mc="http://schemas.openxmlformats.org/markup-compatibility/2006" xmlns:a14="http://schemas.microsoft.com/office/drawing/2010/main" val="1F497D" mc:Ignorable=""/>
+        <a:srgbClr val="1F497D"/>
       </a:dk2>
       <a:lt2>
-        <a:srgbClr xmlns:mc="http://schemas.openxmlformats.org/markup-compatibility/2006" xmlns:a14="http://schemas.microsoft.com/office/drawing/2010/main" val="EEECE1" mc:Ignorable=""/>
+        <a:srgbClr val="EEECE1"/>
       </a:lt2>
       <a:accent1>
-        <a:srgbClr xmlns:mc="http://schemas.openxmlformats.org/markup-compatibility/2006" xmlns:a14="http://schemas.microsoft.com/office/drawing/2010/main" val="4F81BD" mc:Ignorable=""/>
+        <a:srgbClr val="4F81BD"/>
       </a:accent1>
       <a:accent2>
-        <a:srgbClr xmlns:mc="http://schemas.openxmlformats.org/markup-compatibility/2006" xmlns:a14="http://schemas.microsoft.com/office/drawing/2010/main" val="C0504D" mc:Ignorable=""/>
+        <a:srgbClr val="C0504D"/>
       </a:accent2>
       <a:accent3>
-        <a:srgbClr xmlns:mc="http://schemas.openxmlformats.org/markup-compatibility/2006" xmlns:a14="http://schemas.microsoft.com/office/drawing/2010/main" val="9BBB59" mc:Ignorable=""/>
+        <a:srgbClr val="9BBB59"/>
       </a:accent3>
       <a:accent4>
-        <a:srgbClr xmlns:mc="http://schemas.openxmlformats.org/markup-compatibility/2006" xmlns:a14="http://schemas.microsoft.com/office/drawing/2010/main" val="8064A2" mc:Ignorable=""/>
+        <a:srgbClr val="8064A2"/>
       </a:accent4>
       <a:accent5>
-        <a:srgbClr xmlns:mc="http://schemas.openxmlformats.org/markup-compatibility/2006" xmlns:a14="http://schemas.microsoft.com/office/drawing/2010/main" val="4BACC6" mc:Ignorable=""/>
+        <a:srgbClr val="4BACC6"/>
       </a:accent5>
       <a:accent6>
-        <a:srgbClr xmlns:mc="http://schemas.openxmlformats.org/markup-compatibility/2006" xmlns:a14="http://schemas.microsoft.com/office/drawing/2010/main" val="F79646" mc:Ignorable=""/>
+        <a:srgbClr val="F79646"/>
       </a:accent6>
       <a:hlink>
-        <a:srgbClr xmlns:mc="http://schemas.openxmlformats.org/markup-compatibility/2006" xmlns:a14="http://schemas.microsoft.com/office/drawing/2010/main" val="0000FF" mc:Ignorable=""/>
+        <a:srgbClr val="0000FF"/>
       </a:hlink>
       <a:folHlink>
-        <a:srgbClr xmlns:mc="http://schemas.openxmlformats.org/markup-compatibility/2006" xmlns:a14="http://schemas.microsoft.com/office/drawing/2010/main" val="800080" mc:Ignorable=""/>
+        <a:srgbClr val="800080"/>
       </a:folHlink>
     </a:clrScheme>
     <a:fontScheme name="Office">
@@ -8729,7 +9062,7 @@
         <a:effectStyle>
           <a:effectLst>
             <a:outerShdw blurRad="40000" dist="20000" dir="5400000" rotWithShape="0">
-              <a:srgbClr xmlns:mc="http://schemas.openxmlformats.org/markup-compatibility/2006" xmlns:a14="http://schemas.microsoft.com/office/drawing/2010/main" val="000000" mc:Ignorable="">
+              <a:srgbClr val="000000">
                 <a:alpha val="38000"/>
               </a:srgbClr>
             </a:outerShdw>
@@ -8738,7 +9071,7 @@
         <a:effectStyle>
           <a:effectLst>
             <a:outerShdw blurRad="40000" dist="23000" dir="5400000" rotWithShape="0">
-              <a:srgbClr xmlns:mc="http://schemas.openxmlformats.org/markup-compatibility/2006" xmlns:a14="http://schemas.microsoft.com/office/drawing/2010/main" val="000000" mc:Ignorable="">
+              <a:srgbClr val="000000">
                 <a:alpha val="35000"/>
               </a:srgbClr>
             </a:outerShdw>
@@ -8747,7 +9080,7 @@
         <a:effectStyle>
           <a:effectLst>
             <a:outerShdw blurRad="40000" dist="23000" dir="5400000" rotWithShape="0">
-              <a:srgbClr xmlns:mc="http://schemas.openxmlformats.org/markup-compatibility/2006" xmlns:a14="http://schemas.microsoft.com/office/drawing/2010/main" val="000000" mc:Ignorable="">
+              <a:srgbClr val="000000">
                 <a:alpha val="35000"/>
               </a:srgbClr>
             </a:outerShdw>
@@ -8820,282 +9153,4 @@
   <a:objectDefaults/>
   <a:extraClrSchemeLst/>
 </a:theme>
-</file>
-
-<file path=ppt/theme/themeOverride1.xml><?xml version="1.0" encoding="utf-8"?>
-<a:themeOverride xmlns:a="http://schemas.openxmlformats.org/drawingml/2006/main">
-  <a:clrScheme name="Verve">
-    <a:dk1>
-      <a:sysClr val="windowText" lastClr="000000"/>
-    </a:dk1>
-    <a:lt1>
-      <a:sysClr val="window" lastClr="FFFFFF"/>
-    </a:lt1>
-    <a:dk2>
-      <a:srgbClr xmlns:mc="http://schemas.openxmlformats.org/markup-compatibility/2006" xmlns:a14="http://schemas.microsoft.com/office/drawing/2010/main" val="666666" mc:Ignorable=""/>
-    </a:dk2>
-    <a:lt2>
-      <a:srgbClr xmlns:mc="http://schemas.openxmlformats.org/markup-compatibility/2006" xmlns:a14="http://schemas.microsoft.com/office/drawing/2010/main" val="D2D2D2" mc:Ignorable=""/>
-    </a:lt2>
-    <a:accent1>
-      <a:srgbClr xmlns:mc="http://schemas.openxmlformats.org/markup-compatibility/2006" xmlns:a14="http://schemas.microsoft.com/office/drawing/2010/main" val="FF388C" mc:Ignorable=""/>
-    </a:accent1>
-    <a:accent2>
-      <a:srgbClr xmlns:mc="http://schemas.openxmlformats.org/markup-compatibility/2006" xmlns:a14="http://schemas.microsoft.com/office/drawing/2010/main" val="E40059" mc:Ignorable=""/>
-    </a:accent2>
-    <a:accent3>
-      <a:srgbClr xmlns:mc="http://schemas.openxmlformats.org/markup-compatibility/2006" xmlns:a14="http://schemas.microsoft.com/office/drawing/2010/main" val="9C007F" mc:Ignorable=""/>
-    </a:accent3>
-    <a:accent4>
-      <a:srgbClr xmlns:mc="http://schemas.openxmlformats.org/markup-compatibility/2006" xmlns:a14="http://schemas.microsoft.com/office/drawing/2010/main" val="68007F" mc:Ignorable=""/>
-    </a:accent4>
-    <a:accent5>
-      <a:srgbClr xmlns:mc="http://schemas.openxmlformats.org/markup-compatibility/2006" xmlns:a14="http://schemas.microsoft.com/office/drawing/2010/main" val="005BD3" mc:Ignorable=""/>
-    </a:accent5>
-    <a:accent6>
-      <a:srgbClr xmlns:mc="http://schemas.openxmlformats.org/markup-compatibility/2006" xmlns:a14="http://schemas.microsoft.com/office/drawing/2010/main" val="00349E" mc:Ignorable=""/>
-    </a:accent6>
-    <a:hlink>
-      <a:srgbClr xmlns:mc="http://schemas.openxmlformats.org/markup-compatibility/2006" xmlns:a14="http://schemas.microsoft.com/office/drawing/2010/main" val="17BBFD" mc:Ignorable=""/>
-    </a:hlink>
-    <a:folHlink>
-      <a:srgbClr xmlns:mc="http://schemas.openxmlformats.org/markup-compatibility/2006" xmlns:a14="http://schemas.microsoft.com/office/drawing/2010/main" val="FF79C2" mc:Ignorable=""/>
-    </a:folHlink>
-  </a:clrScheme>
-  <a:fontScheme name="Verve">
-    <a:majorFont>
-      <a:latin typeface="Century Gothic"/>
-      <a:ea typeface=""/>
-      <a:cs typeface=""/>
-      <a:font script="Jpan" typeface="HGｺﾞｼｯｸM"/>
-      <a:font script="Hang" typeface="HY중고딕"/>
-      <a:font script="Hans" typeface="幼圆"/>
-      <a:font script="Hant" typeface="微軟正黑體"/>
-      <a:font script="Arab" typeface="Tahoma"/>
-      <a:font script="Hebr" typeface="Gisha"/>
-      <a:font script="Thai" typeface="DilleniaUPC"/>
-      <a:font script="Ethi" typeface="Nyala"/>
-      <a:font script="Beng" typeface="Vrinda"/>
-      <a:font script="Gujr" typeface="Shruti"/>
-      <a:font script="Khmr" typeface="DaunPenh"/>
-      <a:font script="Knda" typeface="Tunga"/>
-      <a:font script="Guru" typeface="Raavi"/>
-      <a:font script="Cans" typeface="Euphemia"/>
-      <a:font script="Cher" typeface="Plantagenet Cherokee"/>
-      <a:font script="Yiii" typeface="Microsoft Yi Baiti"/>
-      <a:font script="Tibt" typeface="Microsoft Himalaya"/>
-      <a:font script="Thaa" typeface="MV Boli"/>
-      <a:font script="Deva" typeface="Mangal"/>
-      <a:font script="Telu" typeface="Gautami"/>
-      <a:font script="Taml" typeface="Latha"/>
-      <a:font script="Syrc" typeface="Estrangelo Edessa"/>
-      <a:font script="Orya" typeface="Kalinga"/>
-      <a:font script="Mlym" typeface="Kartika"/>
-      <a:font script="Laoo" typeface="DokChampa"/>
-      <a:font script="Sinh" typeface="Iskoola Pota"/>
-      <a:font script="Mong" typeface="Mongolian Baiti"/>
-      <a:font script="Viet" typeface="Tahoma"/>
-      <a:font script="Uigh" typeface="Microsoft Uighur"/>
-    </a:majorFont>
-    <a:minorFont>
-      <a:latin typeface="Century Gothic"/>
-      <a:ea typeface=""/>
-      <a:cs typeface=""/>
-      <a:font script="Jpan" typeface="ＭＳ ゴシック"/>
-      <a:font script="Hang" typeface="HY중고딕"/>
-      <a:font script="Hans" typeface="幼圆"/>
-      <a:font script="Hant" typeface="微軟正黑體"/>
-      <a:font script="Arab" typeface="Tahoma"/>
-      <a:font script="Hebr" typeface="Gisha"/>
-      <a:font script="Thai" typeface="DilleniaUPC"/>
-      <a:font script="Ethi" typeface="Nyala"/>
-      <a:font script="Beng" typeface="Vrinda"/>
-      <a:font script="Gujr" typeface="Shruti"/>
-      <a:font script="Khmr" typeface="DaunPenh"/>
-      <a:font script="Knda" typeface="Tunga"/>
-      <a:font script="Guru" typeface="Raavi"/>
-      <a:font script="Cans" typeface="Euphemia"/>
-      <a:font script="Cher" typeface="Plantagenet Cherokee"/>
-      <a:font script="Yiii" typeface="Microsoft Yi Baiti"/>
-      <a:font script="Tibt" typeface="Microsoft Himalaya"/>
-      <a:font script="Thaa" typeface="MV Boli"/>
-      <a:font script="Deva" typeface="Mangal"/>
-      <a:font script="Telu" typeface="Gautami"/>
-      <a:font script="Taml" typeface="Latha"/>
-      <a:font script="Syrc" typeface="Estrangelo Edessa"/>
-      <a:font script="Orya" typeface="Kalinga"/>
-      <a:font script="Mlym" typeface="Kartika"/>
-      <a:font script="Laoo" typeface="DokChampa"/>
-      <a:font script="Sinh" typeface="Iskoola Pota"/>
-      <a:font script="Mong" typeface="Mongolian Baiti"/>
-      <a:font script="Viet" typeface="Verdana"/>
-      <a:font script="Uigh" typeface="Microsoft Uighur"/>
-    </a:minorFont>
-  </a:fontScheme>
-  <a:fmtScheme name="Verve">
-    <a:fillStyleLst>
-      <a:solidFill>
-        <a:schemeClr val="phClr"/>
-      </a:solidFill>
-      <a:gradFill rotWithShape="1">
-        <a:gsLst>
-          <a:gs pos="0">
-            <a:schemeClr val="phClr">
-              <a:tint val="10000"/>
-              <a:satMod val="300000"/>
-            </a:schemeClr>
-          </a:gs>
-          <a:gs pos="34000">
-            <a:schemeClr val="phClr">
-              <a:tint val="13500"/>
-              <a:satMod val="250000"/>
-            </a:schemeClr>
-          </a:gs>
-          <a:gs pos="100000">
-            <a:schemeClr val="phClr">
-              <a:tint val="60000"/>
-              <a:satMod val="200000"/>
-            </a:schemeClr>
-          </a:gs>
-        </a:gsLst>
-        <a:path path="circle">
-          <a:fillToRect l="50000" t="155000" r="50000" b="-55000"/>
-        </a:path>
-      </a:gradFill>
-      <a:gradFill rotWithShape="1">
-        <a:gsLst>
-          <a:gs pos="0">
-            <a:schemeClr val="phClr">
-              <a:tint val="60000"/>
-              <a:satMod val="160000"/>
-            </a:schemeClr>
-          </a:gs>
-          <a:gs pos="46000">
-            <a:schemeClr val="phClr">
-              <a:tint val="86000"/>
-              <a:satMod val="160000"/>
-            </a:schemeClr>
-          </a:gs>
-          <a:gs pos="100000">
-            <a:schemeClr val="phClr">
-              <a:shade val="40000"/>
-              <a:satMod val="160000"/>
-            </a:schemeClr>
-          </a:gs>
-        </a:gsLst>
-        <a:path path="circle">
-          <a:fillToRect l="50000" t="155000" r="50000" b="-55000"/>
-        </a:path>
-      </a:gradFill>
-    </a:fillStyleLst>
-    <a:lnStyleLst>
-      <a:ln w="9525" cap="flat" cmpd="sng" algn="ctr">
-        <a:solidFill>
-          <a:schemeClr val="phClr">
-            <a:satMod val="120000"/>
-          </a:schemeClr>
-        </a:solidFill>
-        <a:prstDash val="solid"/>
-      </a:ln>
-      <a:ln w="25400" cap="flat" cmpd="sng" algn="ctr">
-        <a:solidFill>
-          <a:schemeClr val="phClr"/>
-        </a:solidFill>
-        <a:prstDash val="solid"/>
-      </a:ln>
-      <a:ln w="38100" cap="flat" cmpd="sng" algn="ctr">
-        <a:solidFill>
-          <a:schemeClr val="phClr"/>
-        </a:solidFill>
-        <a:prstDash val="solid"/>
-      </a:ln>
-    </a:lnStyleLst>
-    <a:effectStyleLst>
-      <a:effectStyle>
-        <a:effectLst>
-          <a:outerShdw blurRad="63500" dist="25400" dir="14700000" algn="t" rotWithShape="0">
-            <a:srgbClr xmlns:mc="http://schemas.openxmlformats.org/markup-compatibility/2006" xmlns:a14="http://schemas.microsoft.com/office/drawing/2010/main" val="000000" mc:Ignorable="">
-              <a:alpha val="50000"/>
-            </a:srgbClr>
-          </a:outerShdw>
-        </a:effectLst>
-      </a:effectStyle>
-      <a:effectStyle>
-        <a:effectLst>
-          <a:outerShdw blurRad="50800" dist="38100" dir="14700000" algn="t" rotWithShape="0">
-            <a:srgbClr xmlns:mc="http://schemas.openxmlformats.org/markup-compatibility/2006" xmlns:a14="http://schemas.microsoft.com/office/drawing/2010/main" val="000000" mc:Ignorable="">
-              <a:alpha val="60000"/>
-            </a:srgbClr>
-          </a:outerShdw>
-        </a:effectLst>
-      </a:effectStyle>
-      <a:effectStyle>
-        <a:effectLst>
-          <a:outerShdw blurRad="50800" dist="38100" dir="14700000" algn="t" rotWithShape="0">
-            <a:srgbClr xmlns:mc="http://schemas.openxmlformats.org/markup-compatibility/2006" xmlns:a14="http://schemas.microsoft.com/office/drawing/2010/main" val="000000" mc:Ignorable="">
-              <a:alpha val="60000"/>
-            </a:srgbClr>
-          </a:outerShdw>
-        </a:effectLst>
-        <a:scene3d>
-          <a:camera prst="orthographicFront" fov="0">
-            <a:rot lat="0" lon="0" rev="0"/>
-          </a:camera>
-          <a:lightRig rig="contrasting" dir="t">
-            <a:rot lat="0" lon="0" rev="3600000"/>
-          </a:lightRig>
-        </a:scene3d>
-        <a:sp3d prstMaterial="plastic">
-          <a:bevelT w="127000" h="38200" prst="relaxedInset"/>
-          <a:contourClr>
-            <a:schemeClr val="phClr"/>
-          </a:contourClr>
-        </a:sp3d>
-      </a:effectStyle>
-    </a:effectStyleLst>
-    <a:bgFillStyleLst>
-      <a:solidFill>
-        <a:schemeClr val="phClr"/>
-      </a:solidFill>
-      <a:gradFill rotWithShape="1">
-        <a:gsLst>
-          <a:gs pos="0">
-            <a:schemeClr val="phClr">
-              <a:shade val="48000"/>
-              <a:satMod val="230000"/>
-            </a:schemeClr>
-          </a:gs>
-          <a:gs pos="60000">
-            <a:schemeClr val="phClr">
-              <a:shade val="92000"/>
-              <a:satMod val="230000"/>
-            </a:schemeClr>
-          </a:gs>
-          <a:gs pos="100000">
-            <a:schemeClr val="phClr">
-              <a:tint val="85000"/>
-              <a:satMod val="400000"/>
-            </a:schemeClr>
-          </a:gs>
-        </a:gsLst>
-        <a:lin ang="5400000" scaled="0"/>
-      </a:gradFill>
-      <a:blipFill>
-        <a:blip xmlns:r="http://schemas.openxmlformats.org/officeDocument/2006/relationships" r:embed="rId1">
-          <a:duotone>
-            <a:schemeClr val="phClr">
-              <a:shade val="1200"/>
-              <a:satMod val="150000"/>
-            </a:schemeClr>
-            <a:schemeClr val="phClr">
-              <a:tint val="90000"/>
-              <a:satMod val="150000"/>
-            </a:schemeClr>
-          </a:duotone>
-        </a:blip>
-        <a:tile tx="0" ty="0" sx="70000" sy="70000" flip="none" algn="tl"/>
-      </a:blipFill>
-    </a:bgFillStyleLst>
-  </a:fmtScheme>
-</a:themeOverride>
 </file>
--- a/docs/ODBC2KML Demo Slides.pptx
+++ b/docs/ODBC2KML Demo Slides.pptx
@@ -9,11 +9,11 @@
   </p:notesMasterIdLst>
   <p:sldIdLst>
     <p:sldId id="256" r:id="rId2"/>
-    <p:sldId id="276" r:id="rId3"/>
-    <p:sldId id="277" r:id="rId4"/>
-    <p:sldId id="278" r:id="rId5"/>
-    <p:sldId id="283" r:id="rId6"/>
-    <p:sldId id="282" r:id="rId7"/>
+    <p:sldId id="282" r:id="rId3"/>
+    <p:sldId id="276" r:id="rId4"/>
+    <p:sldId id="277" r:id="rId5"/>
+    <p:sldId id="278" r:id="rId6"/>
+    <p:sldId id="283" r:id="rId7"/>
     <p:sldId id="285" r:id="rId8"/>
     <p:sldId id="284" r:id="rId9"/>
     <p:sldId id="257" r:id="rId10"/>
@@ -145,9 +145,14 @@
               <a:defRPr/>
             </a:pPr>
             <a:r>
-              <a:rPr lang="en-US"/>
-              <a:t>Hours Worked on Project</a:t>
-            </a:r>
+              <a:rPr lang="en-US" dirty="0" smtClean="0"/>
+              <a:t>Average Hours</a:t>
+            </a:r>
+            <a:r>
+              <a:rPr lang="en-US" baseline="0" dirty="0" smtClean="0"/>
+              <a:t> Per Person</a:t>
+            </a:r>
+            <a:endParaRPr lang="en-US" dirty="0"/>
           </a:p>
         </c:rich>
       </c:tx>
@@ -827,7 +832,7 @@
                 <a:latin typeface="Calibri" pitchFamily="34" charset="0"/>
               </a:rPr>
               <a:pPr/>
-              <a:t>2</a:t>
+              <a:t>3</a:t>
             </a:fld>
             <a:endParaRPr lang="en-US">
               <a:latin typeface="Calibri" pitchFamily="34" charset="0"/>
@@ -1184,7 +1189,7 @@
                 <a:latin typeface="Calibri" pitchFamily="34" charset="0"/>
               </a:rPr>
               <a:pPr/>
-              <a:t>3</a:t>
+              <a:t>4</a:t>
             </a:fld>
             <a:endParaRPr lang="en-US">
               <a:latin typeface="Calibri" pitchFamily="34" charset="0"/>
@@ -6288,230 +6293,94 @@
       </p:grpSpPr>
       <p:sp>
         <p:nvSpPr>
-          <p:cNvPr id="3073" name="Rectangle 1"/>
-          <p:cNvSpPr>
-            <a:spLocks noGrp="1" noChangeArrowheads="1"/>
+          <p:cNvPr id="2" name="Title 1"/>
+          <p:cNvSpPr>
+            <a:spLocks noGrp="1"/>
           </p:cNvSpPr>
           <p:nvPr>
             <p:ph type="title"/>
           </p:nvPr>
         </p:nvSpPr>
-        <p:spPr>
-          <a:xfrm>
-            <a:off x="456481" y="313953"/>
-            <a:ext cx="8228160" cy="1062832"/>
-          </a:xfrm>
-        </p:spPr>
-        <p:txBody>
-          <a:bodyPr lIns="82945" tIns="41473" rIns="82945" bIns="41473"/>
+        <p:spPr/>
+        <p:txBody>
+          <a:bodyPr/>
           <a:lstStyle/>
           <a:p>
-            <a:pPr marL="484632" indent="0" fontAlgn="auto">
-              <a:spcAft>
-                <a:spcPts val="0"/>
-              </a:spcAft>
-              <a:tabLst>
-                <a:tab pos="656650" algn="l"/>
-                <a:tab pos="1313299" algn="l"/>
-                <a:tab pos="1969949" algn="l"/>
-                <a:tab pos="2626599" algn="l"/>
-                <a:tab pos="3283248" algn="l"/>
-                <a:tab pos="3939898" algn="l"/>
-                <a:tab pos="4596548" algn="l"/>
-                <a:tab pos="5253198" algn="l"/>
-                <a:tab pos="5909847" algn="l"/>
-                <a:tab pos="6566497" algn="l"/>
-                <a:tab pos="7223147" algn="l"/>
-                <a:tab pos="7879796" algn="l"/>
-              </a:tabLst>
-              <a:defRPr/>
-            </a:pPr>
-            <a:r>
-              <a:rPr lang="en-US" dirty="0">
-                <a:solidFill>
-                  <a:schemeClr val="accent1">
-                    <a:tint val="83000"/>
-                    <a:satMod val="150000"/>
-                  </a:schemeClr>
-                </a:solidFill>
-              </a:rPr>
-              <a:t>Project working structure</a:t>
-            </a:r>
-          </a:p>
-        </p:txBody>
-      </p:sp>
-      <p:sp>
-        <p:nvSpPr>
-          <p:cNvPr id="10243" name="Rectangle 2"/>
-          <p:cNvSpPr>
-            <a:spLocks noGrp="1" noChangeArrowheads="1"/>
-          </p:cNvSpPr>
-          <p:nvPr>
-            <p:ph type="body" idx="1"/>
-          </p:nvPr>
-        </p:nvSpPr>
-        <p:spPr>
-          <a:xfrm>
-            <a:off x="457200" y="1604963"/>
-            <a:ext cx="8228013" cy="4949825"/>
-          </a:xfrm>
-        </p:spPr>
-        <p:txBody>
-          <a:bodyPr lIns="82945" tIns="41473" rIns="82945" bIns="41473"/>
+            <a:r>
+              <a:rPr lang="en-US" dirty="0" smtClean="0"/>
+              <a:t>Agenda</a:t>
+            </a:r>
+            <a:endParaRPr lang="en-US" dirty="0"/>
+          </a:p>
+        </p:txBody>
+      </p:sp>
+      <p:sp>
+        <p:nvSpPr>
+          <p:cNvPr id="3" name="Content Placeholder 2"/>
+          <p:cNvSpPr>
+            <a:spLocks noGrp="1"/>
+          </p:cNvSpPr>
+          <p:nvPr>
+            <p:ph idx="1"/>
+          </p:nvPr>
+        </p:nvSpPr>
+        <p:spPr/>
+        <p:txBody>
+          <a:bodyPr/>
           <a:lstStyle/>
           <a:p>
-            <a:pPr marL="390525" indent="-293688">
-              <a:buSzPct val="45000"/>
-              <a:buFont typeface="Wingdings" pitchFamily="2" charset="2"/>
-              <a:buChar char=""/>
-              <a:tabLst>
-                <a:tab pos="655638" algn="l"/>
-                <a:tab pos="1312863" algn="l"/>
-                <a:tab pos="1968500" algn="l"/>
-                <a:tab pos="2625725" algn="l"/>
-                <a:tab pos="3282950" algn="l"/>
-                <a:tab pos="3938588" algn="l"/>
-                <a:tab pos="4595813" algn="l"/>
-                <a:tab pos="5253038" algn="l"/>
-                <a:tab pos="5908675" algn="l"/>
-                <a:tab pos="6565900" algn="l"/>
-                <a:tab pos="7223125" algn="l"/>
-                <a:tab pos="7878763" algn="l"/>
-              </a:tabLst>
-            </a:pPr>
             <a:r>
               <a:rPr lang="en-US" dirty="0" smtClean="0"/>
-              <a:t>Two weekly group meetings </a:t>
-            </a:r>
-          </a:p>
-          <a:p>
-            <a:pPr marL="390525" indent="-293688">
-              <a:buSzPct val="45000"/>
-              <a:buFont typeface="Wingdings" pitchFamily="2" charset="2"/>
-              <a:buChar char=""/>
-              <a:tabLst>
-                <a:tab pos="655638" algn="l"/>
-                <a:tab pos="1312863" algn="l"/>
-                <a:tab pos="1968500" algn="l"/>
-                <a:tab pos="2625725" algn="l"/>
-                <a:tab pos="3282950" algn="l"/>
-                <a:tab pos="3938588" algn="l"/>
-                <a:tab pos="4595813" algn="l"/>
-                <a:tab pos="5253038" algn="l"/>
-                <a:tab pos="5908675" algn="l"/>
-                <a:tab pos="6565900" algn="l"/>
-                <a:tab pos="7223125" algn="l"/>
-                <a:tab pos="7878763" algn="l"/>
-              </a:tabLst>
-            </a:pPr>
+              <a:t>Course Overview</a:t>
+            </a:r>
+          </a:p>
+          <a:p>
             <a:r>
               <a:rPr lang="en-US" dirty="0" smtClean="0"/>
-              <a:t>Weekly reports are submitted explaining the progress made </a:t>
-            </a:r>
-            <a:r>
-              <a:rPr lang="en-US" dirty="0" err="1" smtClean="0"/>
-              <a:t>duringthat</a:t>
-            </a:r>
+              <a:t>Project Overview</a:t>
+            </a:r>
+          </a:p>
+          <a:p>
             <a:r>
               <a:rPr lang="en-US" dirty="0" smtClean="0"/>
-              <a:t> </a:t>
-            </a:r>
+              <a:t>Major Functionality</a:t>
+            </a:r>
+          </a:p>
+          <a:p>
             <a:r>
               <a:rPr lang="en-US" dirty="0" smtClean="0"/>
-              <a:t>week</a:t>
-            </a:r>
-          </a:p>
-          <a:p>
-            <a:pPr marL="390525" indent="-293688">
-              <a:buSzPct val="45000"/>
-              <a:buFont typeface="Wingdings" pitchFamily="2" charset="2"/>
-              <a:buChar char=""/>
-              <a:tabLst>
-                <a:tab pos="655638" algn="l"/>
-                <a:tab pos="1312863" algn="l"/>
-                <a:tab pos="1968500" algn="l"/>
-                <a:tab pos="2625725" algn="l"/>
-                <a:tab pos="3282950" algn="l"/>
-                <a:tab pos="3938588" algn="l"/>
-                <a:tab pos="4595813" algn="l"/>
-                <a:tab pos="5253038" algn="l"/>
-                <a:tab pos="5908675" algn="l"/>
-                <a:tab pos="6565900" algn="l"/>
-                <a:tab pos="7223125" algn="l"/>
-                <a:tab pos="7878763" algn="l"/>
-              </a:tabLst>
-            </a:pPr>
+              <a:t>Technical Design</a:t>
+            </a:r>
+          </a:p>
+          <a:p>
             <a:r>
               <a:rPr lang="en-US" dirty="0" smtClean="0"/>
-              <a:t>Used to keep track of project schedule and time management</a:t>
-            </a:r>
-          </a:p>
-          <a:p>
-            <a:pPr marL="390525" indent="-293688">
-              <a:buSzPct val="45000"/>
-              <a:buFont typeface="Wingdings" pitchFamily="2" charset="2"/>
-              <a:buChar char=""/>
-              <a:tabLst>
-                <a:tab pos="655638" algn="l"/>
-                <a:tab pos="1312863" algn="l"/>
-                <a:tab pos="1968500" algn="l"/>
-                <a:tab pos="2625725" algn="l"/>
-                <a:tab pos="3282950" algn="l"/>
-                <a:tab pos="3938588" algn="l"/>
-                <a:tab pos="4595813" algn="l"/>
-                <a:tab pos="5253038" algn="l"/>
-                <a:tab pos="5908675" algn="l"/>
-                <a:tab pos="6565900" algn="l"/>
-                <a:tab pos="7223125" algn="l"/>
-                <a:tab pos="7878763" algn="l"/>
-              </a:tabLst>
-            </a:pPr>
+              <a:t>Interface Design</a:t>
+            </a:r>
+          </a:p>
+          <a:p>
             <a:r>
               <a:rPr lang="en-US" dirty="0" smtClean="0"/>
-              <a:t>Log is maintained for every activity in the </a:t>
-            </a:r>
+              <a:t>Project Demo</a:t>
+            </a:r>
+          </a:p>
+          <a:p>
             <a:r>
               <a:rPr lang="en-US" dirty="0" smtClean="0"/>
-              <a:t>group</a:t>
+              <a:t>Questions</a:t>
             </a:r>
           </a:p>
         </p:txBody>
       </p:sp>
     </p:spTree>
-    <p:extLst>
-      <p:ext uri="{BB962C8B-B14F-4D97-AF65-F5344CB8AC3E}">
-        <p14:creationId xmlns:p14="http://schemas.microsoft.com/office/powerpoint/2010/main" xmlns="" val="2933005212"/>
-      </p:ext>
-    </p:extLst>
   </p:cSld>
   <p:clrMapOvr>
     <a:masterClrMapping/>
   </p:clrMapOvr>
-  <p:transition spd="med"/>
   <p:timing>
     <p:tnLst>
       <p:par>
-        <p:cTn id="1" dur="indefinite" restart="never" nodeType="tmRoot">
-          <p:childTnLst>
-            <p:seq concurrent="1" nextAc="seek">
-              <p:cTn id="2" dur="0" nodeType="mainSeq"/>
-              <p:prevCondLst>
-                <p:cond evt="onPrev" delay="0">
-                  <p:tgtEl>
-                    <p:sldTgt/>
-                  </p:tgtEl>
-                </p:cond>
-              </p:prevCondLst>
-              <p:nextCondLst>
-                <p:cond evt="onNext" delay="0">
-                  <p:tgtEl>
-                    <p:sldTgt/>
-                  </p:tgtEl>
-                </p:cond>
-              </p:nextCondLst>
-            </p:seq>
-          </p:childTnLst>
-        </p:cTn>
+        <p:cTn id="1" dur="indefinite" restart="never" nodeType="tmRoot"/>
       </p:par>
     </p:tnLst>
   </p:timing>
@@ -7536,7 +7405,7 @@
       </p:grpSpPr>
       <p:sp>
         <p:nvSpPr>
-          <p:cNvPr id="5121" name="Rectangle 1"/>
+          <p:cNvPr id="3073" name="Rectangle 1"/>
           <p:cNvSpPr>
             <a:spLocks noGrp="1" noChangeArrowheads="1"/>
           </p:cNvSpPr>
@@ -7583,14 +7452,14 @@
                   </a:schemeClr>
                 </a:solidFill>
               </a:rPr>
-              <a:t>Impacts of this course</a:t>
-            </a:r>
-          </a:p>
-        </p:txBody>
-      </p:sp>
-      <p:sp>
-        <p:nvSpPr>
-          <p:cNvPr id="5122" name="Rectangle 2"/>
+              <a:t>Project working structure</a:t>
+            </a:r>
+          </a:p>
+        </p:txBody>
+      </p:sp>
+      <p:sp>
+        <p:nvSpPr>
+          <p:cNvPr id="10243" name="Rectangle 2"/>
           <p:cNvSpPr>
             <a:spLocks noGrp="1" noChangeArrowheads="1"/>
           </p:cNvSpPr>
@@ -7601,202 +7470,154 @@
         <p:spPr>
           <a:xfrm>
             <a:off x="457200" y="1604963"/>
-            <a:ext cx="8228013" cy="5408612"/>
-          </a:xfrm>
-        </p:spPr>
-        <p:txBody>
-          <a:bodyPr lIns="82945" tIns="41473" rIns="82945" bIns="41473">
-            <a:normAutofit/>
-          </a:bodyPr>
+            <a:ext cx="8228013" cy="4949825"/>
+          </a:xfrm>
+        </p:spPr>
+        <p:txBody>
+          <a:bodyPr lIns="82945" tIns="41473" rIns="82945" bIns="41473"/>
           <a:lstStyle/>
           <a:p>
-            <a:pPr marL="391686" indent="-293764" fontAlgn="auto">
-              <a:spcAft>
-                <a:spcPts val="0"/>
-              </a:spcAft>
+            <a:pPr marL="390525" indent="-293688">
               <a:buSzPct val="45000"/>
-              <a:buFont typeface="Wingdings" charset="2"/>
+              <a:buFont typeface="Wingdings" pitchFamily="2" charset="2"/>
               <a:buChar char=""/>
               <a:tabLst>
-                <a:tab pos="656650" algn="l"/>
-                <a:tab pos="1313299" algn="l"/>
-                <a:tab pos="1969949" algn="l"/>
-                <a:tab pos="2626599" algn="l"/>
-                <a:tab pos="3283248" algn="l"/>
-                <a:tab pos="3939898" algn="l"/>
-                <a:tab pos="4596548" algn="l"/>
-                <a:tab pos="5253198" algn="l"/>
-                <a:tab pos="5909847" algn="l"/>
-                <a:tab pos="6566497" algn="l"/>
-                <a:tab pos="7223147" algn="l"/>
-                <a:tab pos="7879796" algn="l"/>
+                <a:tab pos="655638" algn="l"/>
+                <a:tab pos="1312863" algn="l"/>
+                <a:tab pos="1968500" algn="l"/>
+                <a:tab pos="2625725" algn="l"/>
+                <a:tab pos="3282950" algn="l"/>
+                <a:tab pos="3938588" algn="l"/>
+                <a:tab pos="4595813" algn="l"/>
+                <a:tab pos="5253038" algn="l"/>
+                <a:tab pos="5908675" algn="l"/>
+                <a:tab pos="6565900" algn="l"/>
+                <a:tab pos="7223125" algn="l"/>
+                <a:tab pos="7878763" algn="l"/>
               </a:tabLst>
-              <a:defRPr/>
             </a:pPr>
             <a:r>
-              <a:rPr lang="en-US" dirty="0"/>
-              <a:t>Every document goes through multiple revisions</a:t>
-            </a:r>
-          </a:p>
-          <a:p>
-            <a:pPr marL="391686" indent="-293764" fontAlgn="auto">
-              <a:spcAft>
-                <a:spcPts val="0"/>
-              </a:spcAft>
+              <a:rPr lang="en-US" dirty="0" smtClean="0"/>
+              <a:t>Two </a:t>
+            </a:r>
+            <a:r>
+              <a:rPr lang="en-US" dirty="0" smtClean="0"/>
+              <a:t>weekly </a:t>
+            </a:r>
+            <a:r>
+              <a:rPr lang="en-US" dirty="0" smtClean="0"/>
+              <a:t>meetings </a:t>
+            </a:r>
+            <a:endParaRPr lang="en-US" dirty="0" smtClean="0"/>
+          </a:p>
+          <a:p>
+            <a:pPr marL="390525" indent="-293688">
               <a:buSzPct val="45000"/>
-              <a:buFont typeface="Wingdings" charset="2"/>
+              <a:buFont typeface="Wingdings" pitchFamily="2" charset="2"/>
               <a:buChar char=""/>
               <a:tabLst>
-                <a:tab pos="656650" algn="l"/>
-                <a:tab pos="1313299" algn="l"/>
-                <a:tab pos="1969949" algn="l"/>
-                <a:tab pos="2626599" algn="l"/>
-                <a:tab pos="3283248" algn="l"/>
-                <a:tab pos="3939898" algn="l"/>
-                <a:tab pos="4596548" algn="l"/>
-                <a:tab pos="5253198" algn="l"/>
-                <a:tab pos="5909847" algn="l"/>
-                <a:tab pos="6566497" algn="l"/>
-                <a:tab pos="7223147" algn="l"/>
-                <a:tab pos="7879796" algn="l"/>
+                <a:tab pos="655638" algn="l"/>
+                <a:tab pos="1312863" algn="l"/>
+                <a:tab pos="1968500" algn="l"/>
+                <a:tab pos="2625725" algn="l"/>
+                <a:tab pos="3282950" algn="l"/>
+                <a:tab pos="3938588" algn="l"/>
+                <a:tab pos="4595813" algn="l"/>
+                <a:tab pos="5253038" algn="l"/>
+                <a:tab pos="5908675" algn="l"/>
+                <a:tab pos="6565900" algn="l"/>
+                <a:tab pos="7223125" algn="l"/>
+                <a:tab pos="7878763" algn="l"/>
               </a:tabLst>
-              <a:defRPr/>
             </a:pPr>
-            <a:r>
-              <a:rPr lang="en-US" dirty="0" smtClean="0"/>
-              <a:t>Helps </a:t>
-            </a:r>
-            <a:r>
-              <a:rPr lang="en-US" dirty="0" smtClean="0"/>
-              <a:t>students understand </a:t>
-            </a:r>
-            <a:r>
-              <a:rPr lang="en-US" dirty="0"/>
-              <a:t>whole SE process</a:t>
-            </a:r>
-          </a:p>
-          <a:p>
-            <a:pPr marL="391686" indent="-293764" fontAlgn="auto">
-              <a:spcAft>
-                <a:spcPts val="0"/>
-              </a:spcAft>
+            <a:endParaRPr lang="en-US" dirty="0" smtClean="0"/>
+          </a:p>
+          <a:p>
+            <a:pPr marL="390525" indent="-293688">
               <a:buSzPct val="45000"/>
-              <a:buFont typeface="Wingdings" charset="2"/>
+              <a:buFont typeface="Wingdings" pitchFamily="2" charset="2"/>
               <a:buChar char=""/>
               <a:tabLst>
-                <a:tab pos="656650" algn="l"/>
-                <a:tab pos="1313299" algn="l"/>
-                <a:tab pos="1969949" algn="l"/>
-                <a:tab pos="2626599" algn="l"/>
-                <a:tab pos="3283248" algn="l"/>
-                <a:tab pos="3939898" algn="l"/>
-                <a:tab pos="4596548" algn="l"/>
-                <a:tab pos="5253198" algn="l"/>
-                <a:tab pos="5909847" algn="l"/>
-                <a:tab pos="6566497" algn="l"/>
-                <a:tab pos="7223147" algn="l"/>
-                <a:tab pos="7879796" algn="l"/>
+                <a:tab pos="655638" algn="l"/>
+                <a:tab pos="1312863" algn="l"/>
+                <a:tab pos="1968500" algn="l"/>
+                <a:tab pos="2625725" algn="l"/>
+                <a:tab pos="3282950" algn="l"/>
+                <a:tab pos="3938588" algn="l"/>
+                <a:tab pos="4595813" algn="l"/>
+                <a:tab pos="5253038" algn="l"/>
+                <a:tab pos="5908675" algn="l"/>
+                <a:tab pos="6565900" algn="l"/>
+                <a:tab pos="7223125" algn="l"/>
+                <a:tab pos="7878763" algn="l"/>
               </a:tabLst>
-              <a:defRPr/>
             </a:pPr>
             <a:r>
-              <a:rPr lang="en-US" dirty="0"/>
-              <a:t>Builds a good working team relationship</a:t>
-            </a:r>
-          </a:p>
-          <a:p>
-            <a:pPr marL="391686" indent="-293764" fontAlgn="auto">
-              <a:spcAft>
-                <a:spcPts val="0"/>
-              </a:spcAft>
+              <a:rPr lang="en-US" dirty="0" smtClean="0"/>
+              <a:t>Weekly </a:t>
+            </a:r>
+            <a:r>
+              <a:rPr lang="en-US" dirty="0" smtClean="0"/>
+              <a:t>reports</a:t>
+            </a:r>
+          </a:p>
+          <a:p>
+            <a:pPr marL="765429" lvl="1" indent="-293688">
               <a:buSzPct val="45000"/>
-              <a:buFont typeface="Wingdings" charset="2"/>
+              <a:buFont typeface="Wingdings" pitchFamily="2" charset="2"/>
               <a:buChar char=""/>
               <a:tabLst>
-                <a:tab pos="656650" algn="l"/>
-                <a:tab pos="1313299" algn="l"/>
-                <a:tab pos="1969949" algn="l"/>
-                <a:tab pos="2626599" algn="l"/>
-                <a:tab pos="3283248" algn="l"/>
-                <a:tab pos="3939898" algn="l"/>
-                <a:tab pos="4596548" algn="l"/>
-                <a:tab pos="5253198" algn="l"/>
-                <a:tab pos="5909847" algn="l"/>
-                <a:tab pos="6566497" algn="l"/>
-                <a:tab pos="7223147" algn="l"/>
-                <a:tab pos="7879796" algn="l"/>
+                <a:tab pos="655638" algn="l"/>
+                <a:tab pos="1312863" algn="l"/>
+                <a:tab pos="1968500" algn="l"/>
+                <a:tab pos="2625725" algn="l"/>
+                <a:tab pos="3282950" algn="l"/>
+                <a:tab pos="3938588" algn="l"/>
+                <a:tab pos="4595813" algn="l"/>
+                <a:tab pos="5253038" algn="l"/>
+                <a:tab pos="5908675" algn="l"/>
+                <a:tab pos="6565900" algn="l"/>
+                <a:tab pos="7223125" algn="l"/>
+                <a:tab pos="7878763" algn="l"/>
               </a:tabLst>
-              <a:defRPr/>
             </a:pPr>
             <a:r>
               <a:rPr lang="en-US" dirty="0" smtClean="0"/>
-              <a:t>The</a:t>
-            </a:r>
-            <a:r>
-              <a:rPr lang="en-US" dirty="0" smtClean="0"/>
-              <a:t> </a:t>
-            </a:r>
-            <a:r>
-              <a:rPr lang="en-US" dirty="0"/>
-              <a:t>project </a:t>
-            </a:r>
-            <a:r>
-              <a:rPr lang="en-US" dirty="0" smtClean="0"/>
-              <a:t>forces students to </a:t>
-            </a:r>
-            <a:r>
-              <a:rPr lang="en-US" dirty="0"/>
-              <a:t>think and work on certain things that they have not covered in courses </a:t>
-            </a:r>
-          </a:p>
-          <a:p>
-            <a:pPr marL="391686" indent="-293764" fontAlgn="auto">
-              <a:spcAft>
-                <a:spcPts val="0"/>
-              </a:spcAft>
+              <a:t>Time	</a:t>
+            </a:r>
+          </a:p>
+          <a:p>
+            <a:pPr marL="765429" lvl="1" indent="-293688">
               <a:buSzPct val="45000"/>
-              <a:buFont typeface="Wingdings" charset="2"/>
+              <a:buFont typeface="Wingdings" pitchFamily="2" charset="2"/>
               <a:buChar char=""/>
               <a:tabLst>
-                <a:tab pos="656650" algn="l"/>
-                <a:tab pos="1313299" algn="l"/>
-                <a:tab pos="1969949" algn="l"/>
-                <a:tab pos="2626599" algn="l"/>
-                <a:tab pos="3283248" algn="l"/>
-                <a:tab pos="3939898" algn="l"/>
-                <a:tab pos="4596548" algn="l"/>
-                <a:tab pos="5253198" algn="l"/>
-                <a:tab pos="5909847" algn="l"/>
-                <a:tab pos="6566497" algn="l"/>
-                <a:tab pos="7223147" algn="l"/>
-                <a:tab pos="7879796" algn="l"/>
+                <a:tab pos="655638" algn="l"/>
+                <a:tab pos="1312863" algn="l"/>
+                <a:tab pos="1968500" algn="l"/>
+                <a:tab pos="2625725" algn="l"/>
+                <a:tab pos="3282950" algn="l"/>
+                <a:tab pos="3938588" algn="l"/>
+                <a:tab pos="4595813" algn="l"/>
+                <a:tab pos="5253038" algn="l"/>
+                <a:tab pos="5908675" algn="l"/>
+                <a:tab pos="6565900" algn="l"/>
+                <a:tab pos="7223125" algn="l"/>
+                <a:tab pos="7878763" algn="l"/>
               </a:tabLst>
-              <a:defRPr/>
             </a:pPr>
             <a:r>
-              <a:rPr lang="en-US" dirty="0"/>
-              <a:t>Gives them a </a:t>
-            </a:r>
-            <a:r>
               <a:rPr lang="en-US" dirty="0" smtClean="0"/>
-              <a:t>real </a:t>
-            </a:r>
-            <a:r>
-              <a:rPr lang="en-US" dirty="0"/>
-              <a:t>world development </a:t>
-            </a:r>
-            <a:r>
-              <a:rPr lang="en-US" dirty="0" smtClean="0"/>
-              <a:t>experience</a:t>
-            </a:r>
-            <a:endParaRPr lang="en-US" dirty="0"/>
+              <a:t>Tasks</a:t>
+            </a:r>
+            <a:endParaRPr lang="en-US" dirty="0" smtClean="0"/>
           </a:p>
         </p:txBody>
       </p:sp>
     </p:spTree>
     <p:extLst>
       <p:ext uri="{BB962C8B-B14F-4D97-AF65-F5344CB8AC3E}">
-        <p14:creationId xmlns:p14="http://schemas.microsoft.com/office/powerpoint/2010/main" xmlns="" val="3560984181"/>
+        <p14:creationId xmlns:p14="http://schemas.microsoft.com/office/powerpoint/2010/main" xmlns="" val="2933005212"/>
       </p:ext>
     </p:extLst>
   </p:cSld>
@@ -7853,6 +7674,314 @@
       </p:grpSpPr>
       <p:sp>
         <p:nvSpPr>
+          <p:cNvPr id="5121" name="Rectangle 1"/>
+          <p:cNvSpPr>
+            <a:spLocks noGrp="1" noChangeArrowheads="1"/>
+          </p:cNvSpPr>
+          <p:nvPr>
+            <p:ph type="title"/>
+          </p:nvPr>
+        </p:nvSpPr>
+        <p:spPr>
+          <a:xfrm>
+            <a:off x="456481" y="313953"/>
+            <a:ext cx="8228160" cy="1062832"/>
+          </a:xfrm>
+        </p:spPr>
+        <p:txBody>
+          <a:bodyPr lIns="82945" tIns="41473" rIns="82945" bIns="41473"/>
+          <a:lstStyle/>
+          <a:p>
+            <a:pPr marL="484632" indent="0" fontAlgn="auto">
+              <a:spcAft>
+                <a:spcPts val="0"/>
+              </a:spcAft>
+              <a:tabLst>
+                <a:tab pos="656650" algn="l"/>
+                <a:tab pos="1313299" algn="l"/>
+                <a:tab pos="1969949" algn="l"/>
+                <a:tab pos="2626599" algn="l"/>
+                <a:tab pos="3283248" algn="l"/>
+                <a:tab pos="3939898" algn="l"/>
+                <a:tab pos="4596548" algn="l"/>
+                <a:tab pos="5253198" algn="l"/>
+                <a:tab pos="5909847" algn="l"/>
+                <a:tab pos="6566497" algn="l"/>
+                <a:tab pos="7223147" algn="l"/>
+                <a:tab pos="7879796" algn="l"/>
+              </a:tabLst>
+              <a:defRPr/>
+            </a:pPr>
+            <a:r>
+              <a:rPr lang="en-US" dirty="0">
+                <a:solidFill>
+                  <a:schemeClr val="accent1">
+                    <a:tint val="83000"/>
+                    <a:satMod val="150000"/>
+                  </a:schemeClr>
+                </a:solidFill>
+              </a:rPr>
+              <a:t>Impacts of this course</a:t>
+            </a:r>
+          </a:p>
+        </p:txBody>
+      </p:sp>
+      <p:sp>
+        <p:nvSpPr>
+          <p:cNvPr id="5122" name="Rectangle 2"/>
+          <p:cNvSpPr>
+            <a:spLocks noGrp="1" noChangeArrowheads="1"/>
+          </p:cNvSpPr>
+          <p:nvPr>
+            <p:ph type="body" idx="1"/>
+          </p:nvPr>
+        </p:nvSpPr>
+        <p:spPr>
+          <a:xfrm>
+            <a:off x="457200" y="1604963"/>
+            <a:ext cx="8228013" cy="5408612"/>
+          </a:xfrm>
+        </p:spPr>
+        <p:txBody>
+          <a:bodyPr lIns="82945" tIns="41473" rIns="82945" bIns="41473">
+            <a:normAutofit/>
+          </a:bodyPr>
+          <a:lstStyle/>
+          <a:p>
+            <a:pPr marL="391686" indent="-293764" fontAlgn="auto">
+              <a:spcAft>
+                <a:spcPts val="0"/>
+              </a:spcAft>
+              <a:buSzPct val="45000"/>
+              <a:buFont typeface="Wingdings" charset="2"/>
+              <a:buChar char=""/>
+              <a:tabLst>
+                <a:tab pos="656650" algn="l"/>
+                <a:tab pos="1313299" algn="l"/>
+                <a:tab pos="1969949" algn="l"/>
+                <a:tab pos="2626599" algn="l"/>
+                <a:tab pos="3283248" algn="l"/>
+                <a:tab pos="3939898" algn="l"/>
+                <a:tab pos="4596548" algn="l"/>
+                <a:tab pos="5253198" algn="l"/>
+                <a:tab pos="5909847" algn="l"/>
+                <a:tab pos="6566497" algn="l"/>
+                <a:tab pos="7223147" algn="l"/>
+                <a:tab pos="7879796" algn="l"/>
+              </a:tabLst>
+              <a:defRPr/>
+            </a:pPr>
+            <a:r>
+              <a:rPr lang="en-US" dirty="0" smtClean="0"/>
+              <a:t>Real world development experience</a:t>
+            </a:r>
+            <a:endParaRPr lang="en-US" dirty="0" smtClean="0"/>
+          </a:p>
+          <a:p>
+            <a:pPr marL="391686" indent="-293764" fontAlgn="auto">
+              <a:spcAft>
+                <a:spcPts val="0"/>
+              </a:spcAft>
+              <a:buSzPct val="45000"/>
+              <a:buFont typeface="Wingdings" charset="2"/>
+              <a:buChar char=""/>
+              <a:tabLst>
+                <a:tab pos="656650" algn="l"/>
+                <a:tab pos="1313299" algn="l"/>
+                <a:tab pos="1969949" algn="l"/>
+                <a:tab pos="2626599" algn="l"/>
+                <a:tab pos="3283248" algn="l"/>
+                <a:tab pos="3939898" algn="l"/>
+                <a:tab pos="4596548" algn="l"/>
+                <a:tab pos="5253198" algn="l"/>
+                <a:tab pos="5909847" algn="l"/>
+                <a:tab pos="6566497" algn="l"/>
+                <a:tab pos="7223147" algn="l"/>
+                <a:tab pos="7879796" algn="l"/>
+              </a:tabLst>
+              <a:defRPr/>
+            </a:pPr>
+            <a:endParaRPr lang="en-US" dirty="0" smtClean="0"/>
+          </a:p>
+          <a:p>
+            <a:pPr marL="391686" indent="-293764" fontAlgn="auto">
+              <a:spcAft>
+                <a:spcPts val="0"/>
+              </a:spcAft>
+              <a:buSzPct val="45000"/>
+              <a:buFont typeface="Wingdings" charset="2"/>
+              <a:buChar char=""/>
+              <a:tabLst>
+                <a:tab pos="656650" algn="l"/>
+                <a:tab pos="1313299" algn="l"/>
+                <a:tab pos="1969949" algn="l"/>
+                <a:tab pos="2626599" algn="l"/>
+                <a:tab pos="3283248" algn="l"/>
+                <a:tab pos="3939898" algn="l"/>
+                <a:tab pos="4596548" algn="l"/>
+                <a:tab pos="5253198" algn="l"/>
+                <a:tab pos="5909847" algn="l"/>
+                <a:tab pos="6566497" algn="l"/>
+                <a:tab pos="7223147" algn="l"/>
+                <a:tab pos="7879796" algn="l"/>
+              </a:tabLst>
+              <a:defRPr/>
+            </a:pPr>
+            <a:r>
+              <a:rPr lang="en-US" dirty="0" smtClean="0"/>
+              <a:t>Builds teamwork and communication skills</a:t>
+            </a:r>
+            <a:endParaRPr lang="en-US" dirty="0"/>
+          </a:p>
+          <a:p>
+            <a:pPr marL="391686" indent="-293764">
+              <a:buSzPct val="45000"/>
+              <a:buFont typeface="Wingdings" charset="2"/>
+              <a:buChar char=""/>
+              <a:tabLst>
+                <a:tab pos="656650" algn="l"/>
+                <a:tab pos="1313299" algn="l"/>
+                <a:tab pos="1969949" algn="l"/>
+                <a:tab pos="2626599" algn="l"/>
+                <a:tab pos="3283248" algn="l"/>
+                <a:tab pos="3939898" algn="l"/>
+                <a:tab pos="4596548" algn="l"/>
+                <a:tab pos="5253198" algn="l"/>
+                <a:tab pos="5909847" algn="l"/>
+                <a:tab pos="6566497" algn="l"/>
+                <a:tab pos="7223147" algn="l"/>
+                <a:tab pos="7879796" algn="l"/>
+              </a:tabLst>
+              <a:defRPr/>
+            </a:pPr>
+            <a:endParaRPr lang="en-US" dirty="0" smtClean="0"/>
+          </a:p>
+          <a:p>
+            <a:pPr marL="391686" indent="-293764">
+              <a:buSzPct val="45000"/>
+              <a:buFont typeface="Wingdings" charset="2"/>
+              <a:buChar char=""/>
+              <a:tabLst>
+                <a:tab pos="656650" algn="l"/>
+                <a:tab pos="1313299" algn="l"/>
+                <a:tab pos="1969949" algn="l"/>
+                <a:tab pos="2626599" algn="l"/>
+                <a:tab pos="3283248" algn="l"/>
+                <a:tab pos="3939898" algn="l"/>
+                <a:tab pos="4596548" algn="l"/>
+                <a:tab pos="5253198" algn="l"/>
+                <a:tab pos="5909847" algn="l"/>
+                <a:tab pos="6566497" algn="l"/>
+                <a:tab pos="7223147" algn="l"/>
+                <a:tab pos="7879796" algn="l"/>
+              </a:tabLst>
+              <a:defRPr/>
+            </a:pPr>
+            <a:r>
+              <a:rPr lang="en-US" dirty="0" smtClean="0"/>
+              <a:t>Helps </a:t>
+            </a:r>
+            <a:r>
+              <a:rPr lang="en-US" dirty="0" smtClean="0"/>
+              <a:t>students understand </a:t>
+            </a:r>
+            <a:r>
+              <a:rPr lang="en-US" dirty="0" smtClean="0"/>
+              <a:t>the Software Engineering </a:t>
+            </a:r>
+            <a:r>
+              <a:rPr lang="en-US" dirty="0" smtClean="0"/>
+              <a:t>process</a:t>
+            </a:r>
+          </a:p>
+          <a:p>
+            <a:pPr marL="391686" indent="-293764" fontAlgn="auto">
+              <a:spcAft>
+                <a:spcPts val="0"/>
+              </a:spcAft>
+              <a:buSzPct val="45000"/>
+              <a:buFont typeface="Wingdings" charset="2"/>
+              <a:buChar char=""/>
+              <a:tabLst>
+                <a:tab pos="656650" algn="l"/>
+                <a:tab pos="1313299" algn="l"/>
+                <a:tab pos="1969949" algn="l"/>
+                <a:tab pos="2626599" algn="l"/>
+                <a:tab pos="3283248" algn="l"/>
+                <a:tab pos="3939898" algn="l"/>
+                <a:tab pos="4596548" algn="l"/>
+                <a:tab pos="5253198" algn="l"/>
+                <a:tab pos="5909847" algn="l"/>
+                <a:tab pos="6566497" algn="l"/>
+                <a:tab pos="7223147" algn="l"/>
+                <a:tab pos="7879796" algn="l"/>
+              </a:tabLst>
+              <a:defRPr/>
+            </a:pPr>
+            <a:endParaRPr lang="en-US" dirty="0"/>
+          </a:p>
+        </p:txBody>
+      </p:sp>
+    </p:spTree>
+    <p:extLst>
+      <p:ext uri="{BB962C8B-B14F-4D97-AF65-F5344CB8AC3E}">
+        <p14:creationId xmlns:p14="http://schemas.microsoft.com/office/powerpoint/2010/main" xmlns="" val="3560984181"/>
+      </p:ext>
+    </p:extLst>
+  </p:cSld>
+  <p:clrMapOvr>
+    <a:masterClrMapping/>
+  </p:clrMapOvr>
+  <p:transition spd="med"/>
+  <p:timing>
+    <p:tnLst>
+      <p:par>
+        <p:cTn id="1" dur="indefinite" restart="never" nodeType="tmRoot">
+          <p:childTnLst>
+            <p:seq concurrent="1" nextAc="seek">
+              <p:cTn id="2" dur="0" nodeType="mainSeq"/>
+              <p:prevCondLst>
+                <p:cond evt="onPrev" delay="0">
+                  <p:tgtEl>
+                    <p:sldTgt/>
+                  </p:tgtEl>
+                </p:cond>
+              </p:prevCondLst>
+              <p:nextCondLst>
+                <p:cond evt="onNext" delay="0">
+                  <p:tgtEl>
+                    <p:sldTgt/>
+                  </p:tgtEl>
+                </p:cond>
+              </p:nextCondLst>
+            </p:seq>
+          </p:childTnLst>
+        </p:cTn>
+      </p:par>
+    </p:tnLst>
+  </p:timing>
+</p:sld>
+</file>
+
+<file path=ppt/slides/slide5.xml><?xml version="1.0" encoding="utf-8"?>
+<p:sld xmlns:a="http://schemas.openxmlformats.org/drawingml/2006/main" xmlns:r="http://schemas.openxmlformats.org/officeDocument/2006/relationships" xmlns:p="http://schemas.openxmlformats.org/presentationml/2006/main">
+  <p:cSld>
+    <p:spTree>
+      <p:nvGrpSpPr>
+        <p:cNvPr id="1" name=""/>
+        <p:cNvGrpSpPr/>
+        <p:nvPr/>
+      </p:nvGrpSpPr>
+      <p:grpSpPr>
+        <a:xfrm>
+          <a:off x="0" y="0"/>
+          <a:ext cx="0" cy="0"/>
+          <a:chOff x="0" y="0"/>
+          <a:chExt cx="0" cy="0"/>
+        </a:xfrm>
+      </p:grpSpPr>
+      <p:sp>
+        <p:nvSpPr>
           <p:cNvPr id="2" name="Title 1"/>
           <p:cNvSpPr>
             <a:spLocks noGrp="1"/>
@@ -8043,7 +8172,7 @@
 </p:sld>
 </file>
 
-<file path=ppt/slides/slide5.xml><?xml version="1.0" encoding="utf-8"?>
+<file path=ppt/slides/slide6.xml><?xml version="1.0" encoding="utf-8"?>
 <p:sld xmlns:a="http://schemas.openxmlformats.org/drawingml/2006/main" xmlns:r="http://schemas.openxmlformats.org/officeDocument/2006/relationships" xmlns:p="http://schemas.openxmlformats.org/presentationml/2006/main">
   <p:cSld>
     <p:spTree>
@@ -8141,106 +8270,6 @@
   <p:clrMapOvr>
     <a:masterClrMapping/>
   </p:clrMapOvr>
-</p:sld>
-</file>
-
-<file path=ppt/slides/slide6.xml><?xml version="1.0" encoding="utf-8"?>
-<p:sld xmlns:a="http://schemas.openxmlformats.org/drawingml/2006/main" xmlns:r="http://schemas.openxmlformats.org/officeDocument/2006/relationships" xmlns:p="http://schemas.openxmlformats.org/presentationml/2006/main">
-  <p:cSld>
-    <p:spTree>
-      <p:nvGrpSpPr>
-        <p:cNvPr id="1" name=""/>
-        <p:cNvGrpSpPr/>
-        <p:nvPr/>
-      </p:nvGrpSpPr>
-      <p:grpSpPr>
-        <a:xfrm>
-          <a:off x="0" y="0"/>
-          <a:ext cx="0" cy="0"/>
-          <a:chOff x="0" y="0"/>
-          <a:chExt cx="0" cy="0"/>
-        </a:xfrm>
-      </p:grpSpPr>
-      <p:sp>
-        <p:nvSpPr>
-          <p:cNvPr id="2" name="Title 1"/>
-          <p:cNvSpPr>
-            <a:spLocks noGrp="1"/>
-          </p:cNvSpPr>
-          <p:nvPr>
-            <p:ph type="title"/>
-          </p:nvPr>
-        </p:nvSpPr>
-        <p:spPr/>
-        <p:txBody>
-          <a:bodyPr/>
-          <a:lstStyle/>
-          <a:p>
-            <a:r>
-              <a:rPr lang="en-US" dirty="0" smtClean="0"/>
-              <a:t>Agenda</a:t>
-            </a:r>
-            <a:endParaRPr lang="en-US" dirty="0"/>
-          </a:p>
-        </p:txBody>
-      </p:sp>
-      <p:sp>
-        <p:nvSpPr>
-          <p:cNvPr id="3" name="Content Placeholder 2"/>
-          <p:cNvSpPr>
-            <a:spLocks noGrp="1"/>
-          </p:cNvSpPr>
-          <p:nvPr>
-            <p:ph idx="1"/>
-          </p:nvPr>
-        </p:nvSpPr>
-        <p:spPr/>
-        <p:txBody>
-          <a:bodyPr/>
-          <a:lstStyle/>
-          <a:p>
-            <a:r>
-              <a:rPr lang="en-US" dirty="0" smtClean="0"/>
-              <a:t>Project Overview</a:t>
-            </a:r>
-          </a:p>
-          <a:p>
-            <a:r>
-              <a:rPr lang="en-US" dirty="0" smtClean="0"/>
-              <a:t>Major Functionality</a:t>
-            </a:r>
-          </a:p>
-          <a:p>
-            <a:r>
-              <a:rPr lang="en-US" dirty="0" smtClean="0"/>
-              <a:t>Technical Design</a:t>
-            </a:r>
-          </a:p>
-          <a:p>
-            <a:r>
-              <a:rPr lang="en-US" dirty="0" smtClean="0"/>
-              <a:t>Interface Design</a:t>
-            </a:r>
-          </a:p>
-          <a:p>
-            <a:r>
-              <a:rPr lang="en-US" dirty="0" smtClean="0"/>
-              <a:t>Project Demo</a:t>
-            </a:r>
-          </a:p>
-          <a:p>
-            <a:r>
-              <a:rPr lang="en-US" dirty="0" smtClean="0"/>
-              <a:t>Questions</a:t>
-            </a:r>
-          </a:p>
-        </p:txBody>
-      </p:sp>
-    </p:spTree>
-  </p:cSld>
-  <p:clrMapOvr>
-    <a:masterClrMapping/>
-  </p:clrMapOvr>
   <p:timing>
     <p:tnLst>
       <p:par>
@@ -8308,7 +8337,15 @@
           <a:p>
             <a:r>
               <a:rPr lang="en-US" dirty="0" smtClean="0"/>
-              <a:t>Current situation: manually generating KML from ODBC databases</a:t>
+              <a:t>Current situation: manually generating </a:t>
+            </a:r>
+            <a:r>
+              <a:rPr lang="en-US" smtClean="0"/>
+              <a:t>KML from </a:t>
+            </a:r>
+            <a:r>
+              <a:rPr lang="en-US" dirty="0" smtClean="0"/>
+              <a:t>databases</a:t>
             </a:r>
           </a:p>
           <a:p>
@@ -8330,6 +8367,13 @@
   <p:clrMapOvr>
     <a:masterClrMapping/>
   </p:clrMapOvr>
+  <p:timing>
+    <p:tnLst>
+      <p:par>
+        <p:cTn id="1" dur="indefinite" restart="never" nodeType="tmRoot"/>
+      </p:par>
+    </p:tnLst>
+  </p:timing>
 </p:sld>
 </file>
 
@@ -8457,6 +8501,13 @@
   <p:clrMapOvr>
     <a:masterClrMapping/>
   </p:clrMapOvr>
+  <p:timing>
+    <p:tnLst>
+      <p:par>
+        <p:cTn id="1" dur="indefinite" restart="never" nodeType="tmRoot"/>
+      </p:par>
+    </p:tnLst>
+  </p:timing>
 </p:sld>
 </file>
 

--- a/docs/ODBC2KML Demo Slides.pptx
+++ b/docs/ODBC2KML Demo Slides.pptx
@@ -5,7 +5,7 @@
     <p:sldMasterId id="2147483744" r:id="rId1"/>
   </p:sldMasterIdLst>
   <p:notesMasterIdLst>
-    <p:notesMasterId r:id="rId24"/>
+    <p:notesMasterId r:id="rId26"/>
   </p:notesMasterIdLst>
   <p:sldIdLst>
     <p:sldId id="256" r:id="rId2"/>
@@ -15,21 +15,23 @@
     <p:sldId id="278" r:id="rId6"/>
     <p:sldId id="283" r:id="rId7"/>
     <p:sldId id="285" r:id="rId8"/>
-    <p:sldId id="284" r:id="rId9"/>
-    <p:sldId id="257" r:id="rId10"/>
-    <p:sldId id="286" r:id="rId11"/>
-    <p:sldId id="287" r:id="rId12"/>
-    <p:sldId id="269" r:id="rId13"/>
-    <p:sldId id="270" r:id="rId14"/>
-    <p:sldId id="271" r:id="rId15"/>
-    <p:sldId id="272" r:id="rId16"/>
-    <p:sldId id="273" r:id="rId17"/>
-    <p:sldId id="275" r:id="rId18"/>
-    <p:sldId id="274" r:id="rId19"/>
-    <p:sldId id="262" r:id="rId20"/>
-    <p:sldId id="267" r:id="rId21"/>
-    <p:sldId id="280" r:id="rId22"/>
-    <p:sldId id="281" r:id="rId23"/>
+    <p:sldId id="288" r:id="rId9"/>
+    <p:sldId id="284" r:id="rId10"/>
+    <p:sldId id="257" r:id="rId11"/>
+    <p:sldId id="286" r:id="rId12"/>
+    <p:sldId id="290" r:id="rId13"/>
+    <p:sldId id="287" r:id="rId14"/>
+    <p:sldId id="269" r:id="rId15"/>
+    <p:sldId id="270" r:id="rId16"/>
+    <p:sldId id="271" r:id="rId17"/>
+    <p:sldId id="272" r:id="rId18"/>
+    <p:sldId id="273" r:id="rId19"/>
+    <p:sldId id="275" r:id="rId20"/>
+    <p:sldId id="274" r:id="rId21"/>
+    <p:sldId id="267" r:id="rId22"/>
+    <p:sldId id="280" r:id="rId23"/>
+    <p:sldId id="289" r:id="rId24"/>
+    <p:sldId id="281" r:id="rId25"/>
   </p:sldIdLst>
   <p:sldSz cx="9144000" cy="6858000" type="screen4x3"/>
   <p:notesSz cx="6858000" cy="9144000"/>
@@ -264,24 +266,24 @@
           </c:val>
         </c:ser>
         <c:marker val="1"/>
-        <c:axId val="83531648"/>
-        <c:axId val="83542400"/>
+        <c:axId val="55109888"/>
+        <c:axId val="56337920"/>
       </c:lineChart>
       <c:catAx>
-        <c:axId val="83531648"/>
+        <c:axId val="55109888"/>
         <c:scaling>
           <c:orientation val="minMax"/>
         </c:scaling>
         <c:axPos val="b"/>
         <c:tickLblPos val="nextTo"/>
-        <c:crossAx val="83542400"/>
+        <c:crossAx val="56337920"/>
         <c:crosses val="autoZero"/>
         <c:auto val="1"/>
         <c:lblAlgn val="ctr"/>
         <c:lblOffset val="100"/>
       </c:catAx>
       <c:valAx>
-        <c:axId val="83542400"/>
+        <c:axId val="56337920"/>
         <c:scaling>
           <c:orientation val="minMax"/>
         </c:scaling>
@@ -289,7 +291,7 @@
         <c:majorGridlines/>
         <c:numFmt formatCode="General" sourceLinked="1"/>
         <c:tickLblPos val="nextTo"/>
-        <c:crossAx val="83531648"/>
+        <c:crossAx val="55109888"/>
         <c:crosses val="autoZero"/>
         <c:crossBetween val="between"/>
       </c:valAx>
@@ -398,7 +400,7 @@
             <a:fld id="{85A68EFB-1316-444C-A87F-A3B405362BF0}" type="datetimeFigureOut">
               <a:rPr lang="en-US" smtClean="0"/>
               <a:pPr/>
-              <a:t>4/12/2010</a:t>
+              <a:t>4/14/2010</a:t>
             </a:fld>
             <a:endParaRPr lang="en-US"/>
           </a:p>
@@ -569,7 +571,7 @@
     </p:spTree>
     <p:extLst>
       <p:ext uri="{BB962C8B-B14F-4D97-AF65-F5344CB8AC3E}">
-        <p14:creationId xmlns:p14="http://schemas.microsoft.com/office/powerpoint/2010/main" xmlns="" val="411620285"/>
+        <p14:creationId xmlns="" xmlns:p14="http://schemas.microsoft.com/office/powerpoint/2010/main" val="411620285"/>
       </p:ext>
     </p:extLst>
   </p:cSld>
@@ -708,14 +710,14 @@
           <a:noFill/>
           <a:extLst>
             <a:ext uri="{909E8E84-426E-40DD-AFC4-6F175D3DCCD1}">
-              <a14:hiddenFill xmlns:a14="http://schemas.microsoft.com/office/drawing/2010/main" xmlns="">
+              <a14:hiddenFill xmlns="" xmlns:a14="http://schemas.microsoft.com/office/drawing/2010/main">
                 <a:solidFill>
                   <a:srgbClr xmlns:mc="http://schemas.openxmlformats.org/markup-compatibility/2006" val="FFFFFF" mc:Ignorable=""/>
                 </a:solidFill>
               </a14:hiddenFill>
             </a:ext>
             <a:ext uri="{91240B29-F687-4F45-9708-019B960494DF}">
-              <a14:hiddenLine xmlns:a14="http://schemas.microsoft.com/office/drawing/2010/main" xmlns="" w="9525">
+              <a14:hiddenLine xmlns="" xmlns:a14="http://schemas.microsoft.com/office/drawing/2010/main" w="9525">
                 <a:solidFill>
                   <a:srgbClr xmlns:mc="http://schemas.openxmlformats.org/markup-compatibility/2006" val="000000" mc:Ignorable=""/>
                 </a:solidFill>
@@ -886,14 +888,14 @@
           <a:noFill/>
           <a:extLst>
             <a:ext uri="{909E8E84-426E-40DD-AFC4-6F175D3DCCD1}">
-              <a14:hiddenFill xmlns:a14="http://schemas.microsoft.com/office/drawing/2010/main" xmlns="">
+              <a14:hiddenFill xmlns="" xmlns:a14="http://schemas.microsoft.com/office/drawing/2010/main">
                 <a:solidFill>
                   <a:srgbClr xmlns:mc="http://schemas.openxmlformats.org/markup-compatibility/2006" val="FFFFFF" mc:Ignorable=""/>
                 </a:solidFill>
               </a14:hiddenFill>
             </a:ext>
             <a:ext uri="{91240B29-F687-4F45-9708-019B960494DF}">
-              <a14:hiddenLine xmlns:a14="http://schemas.microsoft.com/office/drawing/2010/main" xmlns="" w="9525">
+              <a14:hiddenLine xmlns="" xmlns:a14="http://schemas.microsoft.com/office/drawing/2010/main" w="9525">
                 <a:solidFill>
                   <a:srgbClr xmlns:mc="http://schemas.openxmlformats.org/markup-compatibility/2006" val="000000" mc:Ignorable=""/>
                 </a:solidFill>
@@ -1065,14 +1067,14 @@
           <a:noFill/>
           <a:extLst>
             <a:ext uri="{909E8E84-426E-40DD-AFC4-6F175D3DCCD1}">
-              <a14:hiddenFill xmlns:a14="http://schemas.microsoft.com/office/drawing/2010/main" xmlns="">
+              <a14:hiddenFill xmlns="" xmlns:a14="http://schemas.microsoft.com/office/drawing/2010/main">
                 <a:solidFill>
                   <a:srgbClr xmlns:mc="http://schemas.openxmlformats.org/markup-compatibility/2006" val="FFFFFF" mc:Ignorable=""/>
                 </a:solidFill>
               </a14:hiddenFill>
             </a:ext>
             <a:ext uri="{91240B29-F687-4F45-9708-019B960494DF}">
-              <a14:hiddenLine xmlns:a14="http://schemas.microsoft.com/office/drawing/2010/main" xmlns="" w="9525">
+              <a14:hiddenLine xmlns="" xmlns:a14="http://schemas.microsoft.com/office/drawing/2010/main" w="9525">
                 <a:solidFill>
                   <a:srgbClr xmlns:mc="http://schemas.openxmlformats.org/markup-compatibility/2006" val="000000" mc:Ignorable=""/>
                 </a:solidFill>
@@ -1243,14 +1245,14 @@
           <a:noFill/>
           <a:extLst>
             <a:ext uri="{909E8E84-426E-40DD-AFC4-6F175D3DCCD1}">
-              <a14:hiddenFill xmlns:a14="http://schemas.microsoft.com/office/drawing/2010/main" xmlns="">
+              <a14:hiddenFill xmlns="" xmlns:a14="http://schemas.microsoft.com/office/drawing/2010/main">
                 <a:solidFill>
                   <a:srgbClr xmlns:mc="http://schemas.openxmlformats.org/markup-compatibility/2006" val="FFFFFF" mc:Ignorable=""/>
                 </a:solidFill>
               </a14:hiddenFill>
             </a:ext>
             <a:ext uri="{91240B29-F687-4F45-9708-019B960494DF}">
-              <a14:hiddenLine xmlns:a14="http://schemas.microsoft.com/office/drawing/2010/main" xmlns="" w="9525">
+              <a14:hiddenLine xmlns="" xmlns:a14="http://schemas.microsoft.com/office/drawing/2010/main" w="9525">
                 <a:solidFill>
                   <a:srgbClr xmlns:mc="http://schemas.openxmlformats.org/markup-compatibility/2006" val="000000" mc:Ignorable=""/>
                 </a:solidFill>
@@ -1603,7 +1605,7 @@
             <a:fld id="{EDEB2150-E434-4AFF-A209-1B6D19CA9216}" type="datetimeFigureOut">
               <a:rPr lang="en-US" smtClean="0"/>
               <a:pPr/>
-              <a:t>4/12/2010</a:t>
+              <a:t>4/14/2010</a:t>
             </a:fld>
             <a:endParaRPr lang="en-US"/>
           </a:p>
@@ -1792,7 +1794,7 @@
             <a:fld id="{EDEB2150-E434-4AFF-A209-1B6D19CA9216}" type="datetimeFigureOut">
               <a:rPr lang="en-US" smtClean="0"/>
               <a:pPr/>
-              <a:t>4/12/2010</a:t>
+              <a:t>4/14/2010</a:t>
             </a:fld>
             <a:endParaRPr lang="en-US"/>
           </a:p>
@@ -1969,7 +1971,7 @@
             <a:fld id="{EDEB2150-E434-4AFF-A209-1B6D19CA9216}" type="datetimeFigureOut">
               <a:rPr lang="en-US" smtClean="0"/>
               <a:pPr/>
-              <a:t>4/12/2010</a:t>
+              <a:t>4/14/2010</a:t>
             </a:fld>
             <a:endParaRPr lang="en-US"/>
           </a:p>
@@ -2151,7 +2153,7 @@
             <a:fld id="{EDEB2150-E434-4AFF-A209-1B6D19CA9216}" type="datetimeFigureOut">
               <a:rPr lang="en-US" smtClean="0"/>
               <a:pPr/>
-              <a:t>4/12/2010</a:t>
+              <a:t>4/14/2010</a:t>
             </a:fld>
             <a:endParaRPr lang="en-US"/>
           </a:p>
@@ -2400,7 +2402,7 @@
             <a:fld id="{EDEB2150-E434-4AFF-A209-1B6D19CA9216}" type="datetimeFigureOut">
               <a:rPr lang="en-US" smtClean="0"/>
               <a:pPr/>
-              <a:t>4/12/2010</a:t>
+              <a:t>4/14/2010</a:t>
             </a:fld>
             <a:endParaRPr lang="en-US"/>
           </a:p>
@@ -2876,7 +2878,7 @@
             <a:fld id="{EDEB2150-E434-4AFF-A209-1B6D19CA9216}" type="datetimeFigureOut">
               <a:rPr lang="en-US" smtClean="0"/>
               <a:pPr/>
-              <a:t>4/12/2010</a:t>
+              <a:t>4/14/2010</a:t>
             </a:fld>
             <a:endParaRPr lang="en-US"/>
           </a:p>
@@ -3293,7 +3295,7 @@
             <a:fld id="{EDEB2150-E434-4AFF-A209-1B6D19CA9216}" type="datetimeFigureOut">
               <a:rPr lang="en-US" smtClean="0"/>
               <a:pPr/>
-              <a:t>4/12/2010</a:t>
+              <a:t>4/14/2010</a:t>
             </a:fld>
             <a:endParaRPr lang="en-US"/>
           </a:p>
@@ -3426,7 +3428,7 @@
             <a:fld id="{EDEB2150-E434-4AFF-A209-1B6D19CA9216}" type="datetimeFigureOut">
               <a:rPr lang="en-US" smtClean="0"/>
               <a:pPr/>
-              <a:t>4/12/2010</a:t>
+              <a:t>4/14/2010</a:t>
             </a:fld>
             <a:endParaRPr lang="en-US"/>
           </a:p>
@@ -3523,7 +3525,7 @@
             <a:fld id="{EDEB2150-E434-4AFF-A209-1B6D19CA9216}" type="datetimeFigureOut">
               <a:rPr lang="en-US" smtClean="0"/>
               <a:pPr/>
-              <a:t>4/12/2010</a:t>
+              <a:t>4/14/2010</a:t>
             </a:fld>
             <a:endParaRPr lang="en-US"/>
           </a:p>
@@ -3803,7 +3805,7 @@
             <a:fld id="{EDEB2150-E434-4AFF-A209-1B6D19CA9216}" type="datetimeFigureOut">
               <a:rPr lang="en-US" smtClean="0"/>
               <a:pPr/>
-              <a:t>4/12/2010</a:t>
+              <a:t>4/14/2010</a:t>
             </a:fld>
             <a:endParaRPr lang="en-US"/>
           </a:p>
@@ -4057,7 +4059,7 @@
             <a:fld id="{EDEB2150-E434-4AFF-A209-1B6D19CA9216}" type="datetimeFigureOut">
               <a:rPr lang="en-US" smtClean="0"/>
               <a:pPr/>
-              <a:t>4/12/2010</a:t>
+              <a:t>4/14/2010</a:t>
             </a:fld>
             <a:endParaRPr lang="en-US"/>
           </a:p>
@@ -4431,7 +4433,7 @@
             <a:fld id="{EDEB2150-E434-4AFF-A209-1B6D19CA9216}" type="datetimeFigureOut">
               <a:rPr lang="en-US" smtClean="0"/>
               <a:pPr/>
-              <a:t>4/12/2010</a:t>
+              <a:t>4/14/2010</a:t>
             </a:fld>
             <a:endParaRPr lang="en-US"/>
           </a:p>
@@ -4923,7 +4925,15 @@
           <a:p>
             <a:r>
               <a:rPr lang="en-US" b="1" dirty="0" smtClean="0"/>
-              <a:t>April 13, 2010</a:t>
+              <a:t>April </a:t>
+            </a:r>
+            <a:r>
+              <a:rPr lang="en-US" b="1" dirty="0" smtClean="0"/>
+              <a:t>15, </a:t>
+            </a:r>
+            <a:r>
+              <a:rPr lang="en-US" b="1" dirty="0" smtClean="0"/>
+              <a:t>2010</a:t>
             </a:r>
             <a:endParaRPr lang="en-US" b="1" dirty="0"/>
           </a:p>
@@ -5006,71 +5016,122 @@
         </p:nvSpPr>
         <p:spPr/>
         <p:txBody>
+          <a:bodyPr>
+            <a:normAutofit/>
+          </a:bodyPr>
+          <a:lstStyle/>
+          <a:p>
+            <a:r>
+              <a:rPr lang="en-US" dirty="0" smtClean="0"/>
+              <a:t>Major Functionality</a:t>
+            </a:r>
+            <a:endParaRPr lang="en-US" dirty="0"/>
+          </a:p>
+        </p:txBody>
+      </p:sp>
+      <p:sp>
+        <p:nvSpPr>
+          <p:cNvPr id="3" name="Content Placeholder 2"/>
+          <p:cNvSpPr>
+            <a:spLocks noGrp="1"/>
+          </p:cNvSpPr>
+          <p:nvPr>
+            <p:ph idx="1"/>
+          </p:nvPr>
+        </p:nvSpPr>
+        <p:spPr/>
+        <p:txBody>
           <a:bodyPr/>
           <a:lstStyle/>
           <a:p>
             <a:r>
               <a:rPr lang="en-US" dirty="0" smtClean="0"/>
-              <a:t>Technologies Used</a:t>
+              <a:t>Create Connection</a:t>
+            </a:r>
+          </a:p>
+          <a:p>
+            <a:r>
+              <a:rPr lang="en-US" dirty="0" smtClean="0"/>
+              <a:t>Edit Connection</a:t>
+            </a:r>
+          </a:p>
+          <a:p>
+            <a:r>
+              <a:rPr lang="en-US" dirty="0" smtClean="0"/>
+              <a:t>Delete Connection</a:t>
+            </a:r>
+          </a:p>
+          <a:p>
+            <a:r>
+              <a:rPr lang="en-US" dirty="0" smtClean="0"/>
+              <a:t>Generate KML File</a:t>
+            </a:r>
+          </a:p>
+          <a:p>
+            <a:pPr lvl="1"/>
+            <a:r>
+              <a:rPr lang="en-US" dirty="0" smtClean="0"/>
+              <a:t>Web Service</a:t>
+            </a:r>
+          </a:p>
+          <a:p>
+            <a:pPr lvl="1"/>
+            <a:r>
+              <a:rPr lang="en-US" dirty="0" smtClean="0"/>
+              <a:t>Web Application</a:t>
+            </a:r>
+          </a:p>
+          <a:p>
+            <a:r>
+              <a:rPr lang="en-US" dirty="0" smtClean="0"/>
+              <a:t>Preview KML in browser by Google Earth </a:t>
+            </a:r>
+            <a:r>
+              <a:rPr lang="en-US" dirty="0" err="1" smtClean="0"/>
+              <a:t>Plugin</a:t>
             </a:r>
             <a:endParaRPr lang="en-US" dirty="0"/>
           </a:p>
         </p:txBody>
       </p:sp>
-      <p:sp>
-        <p:nvSpPr>
-          <p:cNvPr id="3" name="Content Placeholder 2"/>
-          <p:cNvSpPr>
-            <a:spLocks noGrp="1"/>
-          </p:cNvSpPr>
-          <p:nvPr>
-            <p:ph idx="1"/>
-          </p:nvPr>
-        </p:nvSpPr>
-        <p:spPr/>
-        <p:txBody>
-          <a:bodyPr/>
-          <a:lstStyle/>
-          <a:p>
-            <a:r>
-              <a:rPr lang="en-US" dirty="0" smtClean="0"/>
-              <a:t>ASP.NET 2.0</a:t>
-            </a:r>
-          </a:p>
-          <a:p>
-            <a:endParaRPr lang="en-US" dirty="0" smtClean="0"/>
-          </a:p>
-          <a:p>
-            <a:r>
-              <a:rPr lang="en-US" dirty="0" smtClean="0"/>
-              <a:t>C#.NET</a:t>
-            </a:r>
-          </a:p>
-          <a:p>
-            <a:endParaRPr lang="en-US" dirty="0" smtClean="0"/>
-          </a:p>
-          <a:p>
-            <a:r>
-              <a:rPr lang="en-US" dirty="0" smtClean="0"/>
-              <a:t>JavaScript/Ajax</a:t>
-            </a:r>
-          </a:p>
-          <a:p>
-            <a:endParaRPr lang="en-US" dirty="0" smtClean="0"/>
-          </a:p>
-          <a:p>
-            <a:r>
-              <a:rPr lang="en-US" dirty="0" smtClean="0"/>
-              <a:t>Microsoft SQL Server Database</a:t>
-            </a:r>
-          </a:p>
-        </p:txBody>
-      </p:sp>
+      <p:pic>
+        <p:nvPicPr>
+          <p:cNvPr id="4" name="Picture 2" descr="C:\Users\nindoja\Desktop\odbc2kml\hci\HCI\graphics\odbc2kml.gif"/>
+          <p:cNvPicPr>
+            <a:picLocks noChangeAspect="1" noChangeArrowheads="1"/>
+          </p:cNvPicPr>
+          <p:nvPr/>
+        </p:nvPicPr>
+        <p:blipFill>
+          <a:blip r:embed="rId2" cstate="print"/>
+          <a:srcRect/>
+          <a:stretch>
+            <a:fillRect/>
+          </a:stretch>
+        </p:blipFill>
+        <p:spPr bwMode="auto">
+          <a:xfrm>
+            <a:off x="5029200" y="6319615"/>
+            <a:ext cx="4114800" cy="538385"/>
+          </a:xfrm>
+          <a:prstGeom prst="rect">
+            <a:avLst/>
+          </a:prstGeom>
+          <a:noFill/>
+        </p:spPr>
+      </p:pic>
     </p:spTree>
   </p:cSld>
   <p:clrMapOvr>
     <a:masterClrMapping/>
   </p:clrMapOvr>
+  <p:timing>
+    <p:tnLst>
+      <p:par>
+        <p:cTn id="1" dur="indefinite" restart="never" nodeType="tmRoot"/>
+      </p:par>
+    </p:tnLst>
+  </p:timing>
 </p:sld>
 </file>
 
@@ -5108,7 +5169,7 @@
           <a:p>
             <a:r>
               <a:rPr lang="en-US" dirty="0" smtClean="0"/>
-              <a:t>Technical Design</a:t>
+              <a:t>Technologies</a:t>
             </a:r>
             <a:endParaRPr lang="en-US" dirty="0"/>
           </a:p>
@@ -5126,12 +5187,14 @@
         </p:nvSpPr>
         <p:spPr/>
         <p:txBody>
-          <a:bodyPr/>
+          <a:bodyPr>
+            <a:normAutofit/>
+          </a:bodyPr>
           <a:lstStyle/>
           <a:p>
             <a:r>
               <a:rPr lang="en-US" dirty="0" smtClean="0"/>
-              <a:t>Core ODBC2KML classes</a:t>
+              <a:t>ASP.NET 2.0</a:t>
             </a:r>
           </a:p>
           <a:p>
@@ -5140,7 +5203,7 @@
           <a:p>
             <a:r>
               <a:rPr lang="en-US" dirty="0" smtClean="0"/>
-              <a:t>ODBC Database Connections</a:t>
+              <a:t>C#.NET</a:t>
             </a:r>
           </a:p>
           <a:p>
@@ -5149,26 +5212,66 @@
           <a:p>
             <a:r>
               <a:rPr lang="en-US" dirty="0" smtClean="0"/>
-              <a:t>Public facing Web Pages</a:t>
-            </a:r>
-          </a:p>
-          <a:p>
+              <a:t>JavaScript/Ajax</a:t>
+            </a:r>
             <a:endParaRPr lang="en-US" dirty="0" smtClean="0"/>
           </a:p>
           <a:p>
+            <a:endParaRPr lang="en-US" dirty="0" smtClean="0"/>
+          </a:p>
+          <a:p>
             <a:r>
               <a:rPr lang="en-US" dirty="0" smtClean="0"/>
-              <a:t>KML Generation Web Service</a:t>
-            </a:r>
-            <a:endParaRPr lang="en-US" dirty="0"/>
-          </a:p>
-        </p:txBody>
-      </p:sp>
+              <a:t>Microsoft SQL Server </a:t>
+            </a:r>
+            <a:r>
+              <a:rPr lang="en-US" dirty="0" smtClean="0"/>
+              <a:t>Database</a:t>
+            </a:r>
+          </a:p>
+          <a:p>
+            <a:endParaRPr lang="en-US" dirty="0" smtClean="0"/>
+          </a:p>
+        </p:txBody>
+      </p:sp>
+      <p:pic>
+        <p:nvPicPr>
+          <p:cNvPr id="4" name="Picture 2" descr="C:\Users\nindoja\Desktop\odbc2kml\hci\HCI\graphics\odbc2kml.gif"/>
+          <p:cNvPicPr>
+            <a:picLocks noChangeAspect="1" noChangeArrowheads="1"/>
+          </p:cNvPicPr>
+          <p:nvPr/>
+        </p:nvPicPr>
+        <p:blipFill>
+          <a:blip r:embed="rId2" cstate="print"/>
+          <a:srcRect/>
+          <a:stretch>
+            <a:fillRect/>
+          </a:stretch>
+        </p:blipFill>
+        <p:spPr bwMode="auto">
+          <a:xfrm>
+            <a:off x="5029200" y="6319615"/>
+            <a:ext cx="4114800" cy="538385"/>
+          </a:xfrm>
+          <a:prstGeom prst="rect">
+            <a:avLst/>
+          </a:prstGeom>
+          <a:noFill/>
+        </p:spPr>
+      </p:pic>
     </p:spTree>
   </p:cSld>
   <p:clrMapOvr>
     <a:masterClrMapping/>
   </p:clrMapOvr>
+  <p:timing>
+    <p:tnLst>
+      <p:par>
+        <p:cTn id="1" dur="indefinite" restart="never" nodeType="tmRoot"/>
+      </p:par>
+    </p:tnLst>
+  </p:timing>
 </p:sld>
 </file>
 
@@ -5206,28 +5309,75 @@
           <a:p>
             <a:r>
               <a:rPr lang="en-US" dirty="0" smtClean="0"/>
-              <a:t>Design – Main Page</a:t>
+              <a:t>Google Integration</a:t>
             </a:r>
             <a:endParaRPr lang="en-US" dirty="0"/>
+          </a:p>
+        </p:txBody>
+      </p:sp>
+      <p:sp>
+        <p:nvSpPr>
+          <p:cNvPr id="3" name="Content Placeholder 2"/>
+          <p:cNvSpPr>
+            <a:spLocks noGrp="1"/>
+          </p:cNvSpPr>
+          <p:nvPr>
+            <p:ph idx="1"/>
+          </p:nvPr>
+        </p:nvSpPr>
+        <p:spPr/>
+        <p:txBody>
+          <a:bodyPr/>
+          <a:lstStyle/>
+          <a:p>
+            <a:r>
+              <a:rPr lang="en-US" dirty="0" smtClean="0"/>
+              <a:t>Google Code</a:t>
+            </a:r>
+          </a:p>
+          <a:p>
+            <a:pPr lvl="1"/>
+            <a:r>
+              <a:rPr lang="en-US" dirty="0" smtClean="0"/>
+              <a:t>Wiki</a:t>
+            </a:r>
+          </a:p>
+          <a:p>
+            <a:pPr lvl="1"/>
+            <a:r>
+              <a:rPr lang="en-US" dirty="0" smtClean="0"/>
+              <a:t>Bug tracker</a:t>
+            </a:r>
+          </a:p>
+          <a:p>
+            <a:pPr lvl="1"/>
+            <a:r>
+              <a:rPr lang="en-US" dirty="0" smtClean="0"/>
+              <a:t>Version control</a:t>
+            </a:r>
+          </a:p>
+          <a:p>
+            <a:pPr lvl="1"/>
+            <a:endParaRPr lang="en-US" dirty="0" smtClean="0"/>
+          </a:p>
+          <a:p>
+            <a:r>
+              <a:rPr lang="en-US" dirty="0" smtClean="0"/>
+              <a:t>Google Earth</a:t>
+            </a:r>
           </a:p>
         </p:txBody>
       </p:sp>
       <p:pic>
         <p:nvPicPr>
-          <p:cNvPr id="1026" name="Picture 2"/>
+          <p:cNvPr id="4" name="Picture 2" descr="C:\Users\nindoja\Desktop\odbc2kml\hci\HCI\graphics\odbc2kml.gif"/>
           <p:cNvPicPr>
             <a:picLocks noChangeAspect="1" noChangeArrowheads="1"/>
           </p:cNvPicPr>
           <p:nvPr/>
         </p:nvPicPr>
         <p:blipFill>
-          <a:blip r:embed="rId2" cstate="print">
-            <a:extLst>
-              <a:ext uri="{28A0092B-C50C-407E-A947-70E740481C1C}">
-                <a14:useLocalDpi xmlns:a14="http://schemas.microsoft.com/office/drawing/2010/main" xmlns="" val="0"/>
-              </a:ext>
-            </a:extLst>
-          </a:blip>
+          <a:blip r:embed="rId2" cstate="print"/>
           <a:srcRect/>
           <a:stretch>
             <a:fillRect/>
@@ -5235,53 +5385,16 @@
         </p:blipFill>
         <p:spPr bwMode="auto">
           <a:xfrm>
-            <a:off x="381000" y="2057400"/>
-            <a:ext cx="8583743" cy="4114800"/>
+            <a:off x="5029200" y="6319615"/>
+            <a:ext cx="4114800" cy="538385"/>
           </a:xfrm>
           <a:prstGeom prst="rect">
             <a:avLst/>
           </a:prstGeom>
           <a:noFill/>
-          <a:ln>
-            <a:noFill/>
-          </a:ln>
-          <a:effectLst/>
-          <a:extLst>
-            <a:ext uri="{909E8E84-426E-40DD-AFC4-6F175D3DCCD1}">
-              <a14:hiddenFill xmlns:a14="http://schemas.microsoft.com/office/drawing/2010/main" xmlns="">
-                <a:solidFill>
-                  <a:schemeClr val="accent1"/>
-                </a:solidFill>
-              </a14:hiddenFill>
-            </a:ext>
-            <a:ext uri="{91240B29-F687-4F45-9708-019B960494DF}">
-              <a14:hiddenLine xmlns:a14="http://schemas.microsoft.com/office/drawing/2010/main" xmlns="" w="9525">
-                <a:solidFill>
-                  <a:schemeClr val="tx1"/>
-                </a:solidFill>
-                <a:miter lim="800000"/>
-                <a:headEnd/>
-                <a:tailEnd/>
-              </a14:hiddenLine>
-            </a:ext>
-            <a:ext uri="{AF507438-7753-43E0-B8FC-AC1667EBCBE1}">
-              <a14:hiddenEffects xmlns:a14="http://schemas.microsoft.com/office/drawing/2010/main" xmlns="">
-                <a:effectLst>
-                  <a:outerShdw dist="35921" dir="2700000" algn="ctr" rotWithShape="0">
-                    <a:schemeClr val="bg2"/>
-                  </a:outerShdw>
-                </a:effectLst>
-              </a14:hiddenEffects>
-            </a:ext>
-          </a:extLst>
         </p:spPr>
       </p:pic>
     </p:spTree>
-    <p:extLst>
-      <p:ext uri="{BB962C8B-B14F-4D97-AF65-F5344CB8AC3E}">
-        <p14:creationId xmlns:p14="http://schemas.microsoft.com/office/powerpoint/2010/main" xmlns="" val="3304650941"/>
-      </p:ext>
-    </p:extLst>
   </p:cSld>
   <p:clrMapOvr>
     <a:masterClrMapping/>
@@ -5323,31 +5436,64 @@
             <p:ph type="title"/>
           </p:nvPr>
         </p:nvSpPr>
-        <p:spPr>
-          <a:xfrm>
-            <a:off x="76200" y="267494"/>
-            <a:ext cx="8915400" cy="1399032"/>
-          </a:xfrm>
-        </p:spPr>
+        <p:spPr/>
         <p:txBody>
           <a:bodyPr/>
           <a:lstStyle/>
           <a:p>
             <a:r>
               <a:rPr lang="en-US" dirty="0" smtClean="0"/>
-              <a:t>Design – </a:t>
-            </a:r>
-            <a:r>
-              <a:rPr lang="en-US" dirty="0" err="1" smtClean="0"/>
-              <a:t>ConnDetails</a:t>
-            </a:r>
+              <a:t>Technical Design</a:t>
+            </a:r>
+            <a:endParaRPr lang="en-US" dirty="0"/>
+          </a:p>
+        </p:txBody>
+      </p:sp>
+      <p:sp>
+        <p:nvSpPr>
+          <p:cNvPr id="3" name="Content Placeholder 2"/>
+          <p:cNvSpPr>
+            <a:spLocks noGrp="1"/>
+          </p:cNvSpPr>
+          <p:nvPr>
+            <p:ph idx="1"/>
+          </p:nvPr>
+        </p:nvSpPr>
+        <p:spPr/>
+        <p:txBody>
+          <a:bodyPr/>
+          <a:lstStyle/>
+          <a:p>
             <a:r>
               <a:rPr lang="en-US" dirty="0" smtClean="0"/>
-              <a:t>: </a:t>
-            </a:r>
-            <a:r>
-              <a:rPr lang="en-US" dirty="0" err="1" smtClean="0"/>
-              <a:t>ConnInfo</a:t>
+              <a:t>Core ODBC2KML classes</a:t>
+            </a:r>
+          </a:p>
+          <a:p>
+            <a:endParaRPr lang="en-US" dirty="0" smtClean="0"/>
+          </a:p>
+          <a:p>
+            <a:r>
+              <a:rPr lang="en-US" dirty="0" smtClean="0"/>
+              <a:t>ODBC Database Connections</a:t>
+            </a:r>
+          </a:p>
+          <a:p>
+            <a:endParaRPr lang="en-US" dirty="0" smtClean="0"/>
+          </a:p>
+          <a:p>
+            <a:r>
+              <a:rPr lang="en-US" dirty="0" smtClean="0"/>
+              <a:t>Public facing Web Pages</a:t>
+            </a:r>
+          </a:p>
+          <a:p>
+            <a:endParaRPr lang="en-US" dirty="0" smtClean="0"/>
+          </a:p>
+          <a:p>
+            <a:r>
+              <a:rPr lang="en-US" dirty="0" smtClean="0"/>
+              <a:t>KML Generation Web Service</a:t>
             </a:r>
             <a:endParaRPr lang="en-US" dirty="0"/>
           </a:p>
@@ -5355,20 +5501,14 @@
       </p:sp>
       <p:pic>
         <p:nvPicPr>
-          <p:cNvPr id="2050" name="Picture 2"/>
+          <p:cNvPr id="4" name="Picture 2" descr="C:\Users\nindoja\Desktop\odbc2kml\hci\HCI\graphics\odbc2kml.gif"/>
           <p:cNvPicPr>
             <a:picLocks noChangeAspect="1" noChangeArrowheads="1"/>
           </p:cNvPicPr>
           <p:nvPr/>
         </p:nvPicPr>
         <p:blipFill>
-          <a:blip r:embed="rId2" cstate="print">
-            <a:extLst>
-              <a:ext uri="{28A0092B-C50C-407E-A947-70E740481C1C}">
-                <a14:useLocalDpi xmlns:a14="http://schemas.microsoft.com/office/drawing/2010/main" xmlns="" val="0"/>
-              </a:ext>
-            </a:extLst>
-          </a:blip>
+          <a:blip r:embed="rId2" cstate="print"/>
           <a:srcRect/>
           <a:stretch>
             <a:fillRect/>
@@ -5376,53 +5516,16 @@
         </p:blipFill>
         <p:spPr bwMode="auto">
           <a:xfrm>
-            <a:off x="228600" y="1905000"/>
-            <a:ext cx="8763000" cy="4377217"/>
+            <a:off x="5029200" y="6319615"/>
+            <a:ext cx="4114800" cy="538385"/>
           </a:xfrm>
           <a:prstGeom prst="rect">
             <a:avLst/>
           </a:prstGeom>
           <a:noFill/>
-          <a:ln>
-            <a:noFill/>
-          </a:ln>
-          <a:effectLst/>
-          <a:extLst>
-            <a:ext uri="{909E8E84-426E-40DD-AFC4-6F175D3DCCD1}">
-              <a14:hiddenFill xmlns:a14="http://schemas.microsoft.com/office/drawing/2010/main" xmlns="">
-                <a:solidFill>
-                  <a:schemeClr val="accent1"/>
-                </a:solidFill>
-              </a14:hiddenFill>
-            </a:ext>
-            <a:ext uri="{91240B29-F687-4F45-9708-019B960494DF}">
-              <a14:hiddenLine xmlns:a14="http://schemas.microsoft.com/office/drawing/2010/main" xmlns="" w="9525">
-                <a:solidFill>
-                  <a:schemeClr val="tx1"/>
-                </a:solidFill>
-                <a:miter lim="800000"/>
-                <a:headEnd/>
-                <a:tailEnd/>
-              </a14:hiddenLine>
-            </a:ext>
-            <a:ext uri="{AF507438-7753-43E0-B8FC-AC1667EBCBE1}">
-              <a14:hiddenEffects xmlns:a14="http://schemas.microsoft.com/office/drawing/2010/main" xmlns="">
-                <a:effectLst>
-                  <a:outerShdw dist="35921" dir="2700000" algn="ctr" rotWithShape="0">
-                    <a:schemeClr val="bg2"/>
-                  </a:outerShdw>
-                </a:effectLst>
-              </a14:hiddenEffects>
-            </a:ext>
-          </a:extLst>
         </p:spPr>
       </p:pic>
     </p:spTree>
-    <p:extLst>
-      <p:ext uri="{BB962C8B-B14F-4D97-AF65-F5344CB8AC3E}">
-        <p14:creationId xmlns:p14="http://schemas.microsoft.com/office/powerpoint/2010/main" xmlns="" val="1904229652"/>
-      </p:ext>
-    </p:extLst>
   </p:cSld>
   <p:clrMapOvr>
     <a:masterClrMapping/>
@@ -5464,27 +5567,14 @@
             <p:ph type="title"/>
           </p:nvPr>
         </p:nvSpPr>
-        <p:spPr>
-          <a:xfrm>
-            <a:off x="76200" y="267494"/>
-            <a:ext cx="8915400" cy="1399032"/>
-          </a:xfrm>
-        </p:spPr>
+        <p:spPr/>
         <p:txBody>
           <a:bodyPr/>
           <a:lstStyle/>
           <a:p>
             <a:r>
               <a:rPr lang="en-US" dirty="0" smtClean="0"/>
-              <a:t>Design – </a:t>
-            </a:r>
-            <a:r>
-              <a:rPr lang="en-US" dirty="0" err="1" smtClean="0"/>
-              <a:t>ConnDetails</a:t>
-            </a:r>
-            <a:r>
-              <a:rPr lang="en-US" dirty="0" smtClean="0"/>
-              <a:t>: Mapping</a:t>
+              <a:t>Design – Main Page</a:t>
             </a:r>
             <a:endParaRPr lang="en-US" dirty="0"/>
           </a:p>
@@ -5492,7 +5582,7 @@
       </p:sp>
       <p:pic>
         <p:nvPicPr>
-          <p:cNvPr id="3074" name="Picture 2"/>
+          <p:cNvPr id="1026" name="Picture 2"/>
           <p:cNvPicPr>
             <a:picLocks noChangeAspect="1" noChangeArrowheads="1"/>
           </p:cNvPicPr>
@@ -5502,7 +5592,7 @@
           <a:blip r:embed="rId2" cstate="print">
             <a:extLst>
               <a:ext uri="{28A0092B-C50C-407E-A947-70E740481C1C}">
-                <a14:useLocalDpi xmlns:a14="http://schemas.microsoft.com/office/drawing/2010/main" xmlns="" val="0"/>
+                <a14:useLocalDpi xmlns="" xmlns:a14="http://schemas.microsoft.com/office/drawing/2010/main" val="0"/>
               </a:ext>
             </a:extLst>
           </a:blip>
@@ -5513,8 +5603,8 @@
         </p:blipFill>
         <p:spPr bwMode="auto">
           <a:xfrm>
-            <a:off x="76200" y="2438400"/>
-            <a:ext cx="8991600" cy="3255735"/>
+            <a:off x="381000" y="2057400"/>
+            <a:ext cx="8583743" cy="4114800"/>
           </a:xfrm>
           <a:prstGeom prst="rect">
             <a:avLst/>
@@ -5526,14 +5616,14 @@
           <a:effectLst/>
           <a:extLst>
             <a:ext uri="{909E8E84-426E-40DD-AFC4-6F175D3DCCD1}">
-              <a14:hiddenFill xmlns:a14="http://schemas.microsoft.com/office/drawing/2010/main" xmlns="">
+              <a14:hiddenFill xmlns="" xmlns:a14="http://schemas.microsoft.com/office/drawing/2010/main">
                 <a:solidFill>
                   <a:schemeClr val="accent1"/>
                 </a:solidFill>
               </a14:hiddenFill>
             </a:ext>
             <a:ext uri="{91240B29-F687-4F45-9708-019B960494DF}">
-              <a14:hiddenLine xmlns:a14="http://schemas.microsoft.com/office/drawing/2010/main" xmlns="" w="9525">
+              <a14:hiddenLine xmlns="" xmlns:a14="http://schemas.microsoft.com/office/drawing/2010/main" w="9525">
                 <a:solidFill>
                   <a:schemeClr val="tx1"/>
                 </a:solidFill>
@@ -5543,7 +5633,7 @@
               </a14:hiddenLine>
             </a:ext>
             <a:ext uri="{AF507438-7753-43E0-B8FC-AC1667EBCBE1}">
-              <a14:hiddenEffects xmlns:a14="http://schemas.microsoft.com/office/drawing/2010/main" xmlns="">
+              <a14:hiddenEffects xmlns="" xmlns:a14="http://schemas.microsoft.com/office/drawing/2010/main">
                 <a:effectLst>
                   <a:outerShdw dist="35921" dir="2700000" algn="ctr" rotWithShape="0">
                     <a:schemeClr val="bg2"/>
@@ -5557,7 +5647,7 @@
     </p:spTree>
     <p:extLst>
       <p:ext uri="{BB962C8B-B14F-4D97-AF65-F5344CB8AC3E}">
-        <p14:creationId xmlns:p14="http://schemas.microsoft.com/office/powerpoint/2010/main" xmlns="" val="4164307088"/>
+        <p14:creationId xmlns="" xmlns:p14="http://schemas.microsoft.com/office/powerpoint/2010/main" val="3304650941"/>
       </p:ext>
     </p:extLst>
   </p:cSld>
@@ -5603,8 +5693,8 @@
         </p:nvSpPr>
         <p:spPr>
           <a:xfrm>
-            <a:off x="-228600" y="267494"/>
-            <a:ext cx="9372600" cy="1399032"/>
+            <a:off x="76200" y="267494"/>
+            <a:ext cx="8915400" cy="1399032"/>
           </a:xfrm>
         </p:spPr>
         <p:txBody>
@@ -5613,7 +5703,7 @@
           <a:p>
             <a:r>
               <a:rPr lang="en-US" dirty="0" smtClean="0"/>
-              <a:t>Design - </a:t>
+              <a:t>Design – </a:t>
             </a:r>
             <a:r>
               <a:rPr lang="en-US" dirty="0" err="1" smtClean="0"/>
@@ -5621,7 +5711,11 @@
             </a:r>
             <a:r>
               <a:rPr lang="en-US" dirty="0" smtClean="0"/>
-              <a:t>: Description</a:t>
+              <a:t>: </a:t>
+            </a:r>
+            <a:r>
+              <a:rPr lang="en-US" dirty="0" err="1" smtClean="0"/>
+              <a:t>ConnInfo</a:t>
             </a:r>
             <a:endParaRPr lang="en-US" dirty="0"/>
           </a:p>
@@ -5629,20 +5723,14 @@
       </p:sp>
       <p:pic>
         <p:nvPicPr>
-          <p:cNvPr id="4098" name="Picture 2"/>
+          <p:cNvPr id="31746" name="Picture 2"/>
           <p:cNvPicPr>
             <a:picLocks noChangeAspect="1" noChangeArrowheads="1"/>
           </p:cNvPicPr>
           <p:nvPr/>
         </p:nvPicPr>
         <p:blipFill>
-          <a:blip r:embed="rId2" cstate="print">
-            <a:extLst>
-              <a:ext uri="{28A0092B-C50C-407E-A947-70E740481C1C}">
-                <a14:useLocalDpi xmlns:a14="http://schemas.microsoft.com/office/drawing/2010/main" xmlns="" val="0"/>
-              </a:ext>
-            </a:extLst>
-          </a:blip>
+          <a:blip r:embed="rId2" cstate="print"/>
           <a:srcRect/>
           <a:stretch>
             <a:fillRect/>
@@ -5650,51 +5738,25 @@
         </p:blipFill>
         <p:spPr bwMode="auto">
           <a:xfrm>
-            <a:off x="76200" y="2057400"/>
-            <a:ext cx="8915400" cy="3928820"/>
+            <a:off x="333726" y="2319338"/>
+            <a:ext cx="8581674" cy="3014662"/>
           </a:xfrm>
           <a:prstGeom prst="rect">
             <a:avLst/>
           </a:prstGeom>
           <a:noFill/>
-          <a:ln>
+          <a:ln w="9525">
             <a:noFill/>
+            <a:miter lim="800000"/>
+            <a:headEnd/>
+            <a:tailEnd/>
           </a:ln>
-          <a:effectLst/>
-          <a:extLst>
-            <a:ext uri="{909E8E84-426E-40DD-AFC4-6F175D3DCCD1}">
-              <a14:hiddenFill xmlns:a14="http://schemas.microsoft.com/office/drawing/2010/main" xmlns="">
-                <a:solidFill>
-                  <a:schemeClr val="accent1"/>
-                </a:solidFill>
-              </a14:hiddenFill>
-            </a:ext>
-            <a:ext uri="{91240B29-F687-4F45-9708-019B960494DF}">
-              <a14:hiddenLine xmlns:a14="http://schemas.microsoft.com/office/drawing/2010/main" xmlns="" w="9525">
-                <a:solidFill>
-                  <a:schemeClr val="tx1"/>
-                </a:solidFill>
-                <a:miter lim="800000"/>
-                <a:headEnd/>
-                <a:tailEnd/>
-              </a14:hiddenLine>
-            </a:ext>
-            <a:ext uri="{AF507438-7753-43E0-B8FC-AC1667EBCBE1}">
-              <a14:hiddenEffects xmlns:a14="http://schemas.microsoft.com/office/drawing/2010/main" xmlns="">
-                <a:effectLst>
-                  <a:outerShdw dist="35921" dir="2700000" algn="ctr" rotWithShape="0">
-                    <a:schemeClr val="bg2"/>
-                  </a:outerShdw>
-                </a:effectLst>
-              </a14:hiddenEffects>
-            </a:ext>
-          </a:extLst>
         </p:spPr>
       </p:pic>
     </p:spTree>
     <p:extLst>
       <p:ext uri="{BB962C8B-B14F-4D97-AF65-F5344CB8AC3E}">
-        <p14:creationId xmlns:p14="http://schemas.microsoft.com/office/powerpoint/2010/main" xmlns="" val="506937973"/>
+        <p14:creationId xmlns="" xmlns:p14="http://schemas.microsoft.com/office/powerpoint/2010/main" val="1904229652"/>
       </p:ext>
     </p:extLst>
   </p:cSld>
@@ -5740,15 +5802,14 @@
         </p:nvSpPr>
         <p:spPr>
           <a:xfrm>
-            <a:off x="76200" y="76200"/>
-            <a:ext cx="8991600" cy="1399032"/>
+            <a:off x="76200" y="-332232"/>
+            <a:ext cx="8915400" cy="1399032"/>
           </a:xfrm>
         </p:spPr>
         <p:txBody>
           <a:bodyPr/>
           <a:lstStyle/>
           <a:p>
-            <a:pPr marL="55563"/>
             <a:r>
               <a:rPr lang="en-US" dirty="0" smtClean="0"/>
               <a:t>Design – </a:t>
@@ -5759,7 +5820,7 @@
             </a:r>
             <a:r>
               <a:rPr lang="en-US" dirty="0" smtClean="0"/>
-              <a:t>: Icons and Overlays</a:t>
+              <a:t>: Mapping</a:t>
             </a:r>
             <a:endParaRPr lang="en-US" dirty="0"/>
           </a:p>
@@ -5767,20 +5828,14 @@
       </p:sp>
       <p:pic>
         <p:nvPicPr>
-          <p:cNvPr id="5122" name="Picture 2"/>
+          <p:cNvPr id="30723" name="Picture 3"/>
           <p:cNvPicPr>
             <a:picLocks noChangeAspect="1" noChangeArrowheads="1"/>
           </p:cNvPicPr>
           <p:nvPr/>
         </p:nvPicPr>
         <p:blipFill>
-          <a:blip r:embed="rId2" cstate="print">
-            <a:extLst>
-              <a:ext uri="{28A0092B-C50C-407E-A947-70E740481C1C}">
-                <a14:useLocalDpi xmlns:a14="http://schemas.microsoft.com/office/drawing/2010/main" xmlns="" val="0"/>
-              </a:ext>
-            </a:extLst>
-          </a:blip>
+          <a:blip r:embed="rId2" cstate="print"/>
           <a:srcRect/>
           <a:stretch>
             <a:fillRect/>
@@ -5788,115 +5843,25 @@
         </p:blipFill>
         <p:spPr bwMode="auto">
           <a:xfrm>
-            <a:off x="0" y="1380049"/>
-            <a:ext cx="8991600" cy="2048951"/>
+            <a:off x="304800" y="771525"/>
+            <a:ext cx="8582025" cy="6086475"/>
           </a:xfrm>
           <a:prstGeom prst="rect">
             <a:avLst/>
           </a:prstGeom>
           <a:noFill/>
-          <a:ln>
+          <a:ln w="9525">
             <a:noFill/>
+            <a:miter lim="800000"/>
+            <a:headEnd/>
+            <a:tailEnd/>
           </a:ln>
-          <a:effectLst/>
-          <a:extLst>
-            <a:ext uri="{909E8E84-426E-40DD-AFC4-6F175D3DCCD1}">
-              <a14:hiddenFill xmlns:a14="http://schemas.microsoft.com/office/drawing/2010/main" xmlns="">
-                <a:solidFill>
-                  <a:schemeClr val="accent1"/>
-                </a:solidFill>
-              </a14:hiddenFill>
-            </a:ext>
-            <a:ext uri="{91240B29-F687-4F45-9708-019B960494DF}">
-              <a14:hiddenLine xmlns:a14="http://schemas.microsoft.com/office/drawing/2010/main" xmlns="" w="9525">
-                <a:solidFill>
-                  <a:schemeClr val="tx1"/>
-                </a:solidFill>
-                <a:miter lim="800000"/>
-                <a:headEnd/>
-                <a:tailEnd/>
-              </a14:hiddenLine>
-            </a:ext>
-            <a:ext uri="{AF507438-7753-43E0-B8FC-AC1667EBCBE1}">
-              <a14:hiddenEffects xmlns:a14="http://schemas.microsoft.com/office/drawing/2010/main" xmlns="">
-                <a:effectLst>
-                  <a:outerShdw dist="35921" dir="2700000" algn="ctr" rotWithShape="0">
-                    <a:schemeClr val="bg2"/>
-                  </a:outerShdw>
-                </a:effectLst>
-              </a14:hiddenEffects>
-            </a:ext>
-          </a:extLst>
-        </p:spPr>
-      </p:pic>
-      <p:pic>
-        <p:nvPicPr>
-          <p:cNvPr id="5123" name="Picture 3"/>
-          <p:cNvPicPr>
-            <a:picLocks noChangeAspect="1" noChangeArrowheads="1"/>
-          </p:cNvPicPr>
-          <p:nvPr/>
-        </p:nvPicPr>
-        <p:blipFill>
-          <a:blip r:embed="rId3" cstate="print">
-            <a:extLst>
-              <a:ext uri="{28A0092B-C50C-407E-A947-70E740481C1C}">
-                <a14:useLocalDpi xmlns:a14="http://schemas.microsoft.com/office/drawing/2010/main" xmlns="" val="0"/>
-              </a:ext>
-            </a:extLst>
-          </a:blip>
-          <a:srcRect/>
-          <a:stretch>
-            <a:fillRect/>
-          </a:stretch>
-        </p:blipFill>
-        <p:spPr bwMode="auto">
-          <a:xfrm>
-            <a:off x="0" y="3518498"/>
-            <a:ext cx="9059091" cy="3339502"/>
-          </a:xfrm>
-          <a:prstGeom prst="rect">
-            <a:avLst/>
-          </a:prstGeom>
-          <a:noFill/>
-          <a:ln>
-            <a:noFill/>
-          </a:ln>
-          <a:effectLst/>
-          <a:extLst>
-            <a:ext uri="{909E8E84-426E-40DD-AFC4-6F175D3DCCD1}">
-              <a14:hiddenFill xmlns:a14="http://schemas.microsoft.com/office/drawing/2010/main" xmlns="">
-                <a:solidFill>
-                  <a:schemeClr val="accent1"/>
-                </a:solidFill>
-              </a14:hiddenFill>
-            </a:ext>
-            <a:ext uri="{91240B29-F687-4F45-9708-019B960494DF}">
-              <a14:hiddenLine xmlns:a14="http://schemas.microsoft.com/office/drawing/2010/main" xmlns="" w="9525">
-                <a:solidFill>
-                  <a:schemeClr val="tx1"/>
-                </a:solidFill>
-                <a:miter lim="800000"/>
-                <a:headEnd/>
-                <a:tailEnd/>
-              </a14:hiddenLine>
-            </a:ext>
-            <a:ext uri="{AF507438-7753-43E0-B8FC-AC1667EBCBE1}">
-              <a14:hiddenEffects xmlns:a14="http://schemas.microsoft.com/office/drawing/2010/main" xmlns="">
-                <a:effectLst>
-                  <a:outerShdw dist="35921" dir="2700000" algn="ctr" rotWithShape="0">
-                    <a:schemeClr val="bg2"/>
-                  </a:outerShdw>
-                </a:effectLst>
-              </a14:hiddenEffects>
-            </a:ext>
-          </a:extLst>
         </p:spPr>
       </p:pic>
     </p:spTree>
     <p:extLst>
       <p:ext uri="{BB962C8B-B14F-4D97-AF65-F5344CB8AC3E}">
-        <p14:creationId xmlns:p14="http://schemas.microsoft.com/office/powerpoint/2010/main" xmlns="" val="849199070"/>
+        <p14:creationId xmlns="" xmlns:p14="http://schemas.microsoft.com/office/powerpoint/2010/main" val="4164307088"/>
       </p:ext>
     </p:extLst>
   </p:cSld>
@@ -5942,8 +5907,8 @@
         </p:nvSpPr>
         <p:spPr>
           <a:xfrm>
-            <a:off x="457200" y="76200"/>
-            <a:ext cx="8229600" cy="1399032"/>
+            <a:off x="-228600" y="267494"/>
+            <a:ext cx="9372600" cy="1399032"/>
           </a:xfrm>
         </p:spPr>
         <p:txBody>
@@ -5956,7 +5921,11 @@
             </a:r>
             <a:r>
               <a:rPr lang="en-US" dirty="0" err="1" smtClean="0"/>
-              <a:t>KMLGenWebSVC</a:t>
+              <a:t>ConnDetails</a:t>
+            </a:r>
+            <a:r>
+              <a:rPr lang="en-US" dirty="0" smtClean="0"/>
+              <a:t>: Description</a:t>
             </a:r>
             <a:endParaRPr lang="en-US" dirty="0"/>
           </a:p>
@@ -5964,7 +5933,7 @@
       </p:sp>
       <p:pic>
         <p:nvPicPr>
-          <p:cNvPr id="7170" name="Picture 2"/>
+          <p:cNvPr id="4098" name="Picture 2"/>
           <p:cNvPicPr>
             <a:picLocks noChangeAspect="1" noChangeArrowheads="1"/>
           </p:cNvPicPr>
@@ -5974,7 +5943,7 @@
           <a:blip r:embed="rId2" cstate="print">
             <a:extLst>
               <a:ext uri="{28A0092B-C50C-407E-A947-70E740481C1C}">
-                <a14:useLocalDpi xmlns:a14="http://schemas.microsoft.com/office/drawing/2010/main" xmlns="" val="0"/>
+                <a14:useLocalDpi xmlns="" xmlns:a14="http://schemas.microsoft.com/office/drawing/2010/main" val="0"/>
               </a:ext>
             </a:extLst>
           </a:blip>
@@ -5985,8 +5954,8 @@
         </p:blipFill>
         <p:spPr bwMode="auto">
           <a:xfrm>
-            <a:off x="152400" y="1219200"/>
-            <a:ext cx="8841406" cy="5257800"/>
+            <a:off x="76200" y="2057400"/>
+            <a:ext cx="8915400" cy="3928820"/>
           </a:xfrm>
           <a:prstGeom prst="rect">
             <a:avLst/>
@@ -5998,14 +5967,14 @@
           <a:effectLst/>
           <a:extLst>
             <a:ext uri="{909E8E84-426E-40DD-AFC4-6F175D3DCCD1}">
-              <a14:hiddenFill xmlns:a14="http://schemas.microsoft.com/office/drawing/2010/main" xmlns="">
+              <a14:hiddenFill xmlns="" xmlns:a14="http://schemas.microsoft.com/office/drawing/2010/main">
                 <a:solidFill>
                   <a:schemeClr val="accent1"/>
                 </a:solidFill>
               </a14:hiddenFill>
             </a:ext>
             <a:ext uri="{91240B29-F687-4F45-9708-019B960494DF}">
-              <a14:hiddenLine xmlns:a14="http://schemas.microsoft.com/office/drawing/2010/main" xmlns="" w="9525">
+              <a14:hiddenLine xmlns="" xmlns:a14="http://schemas.microsoft.com/office/drawing/2010/main" w="9525">
                 <a:solidFill>
                   <a:schemeClr val="tx1"/>
                 </a:solidFill>
@@ -6015,7 +5984,7 @@
               </a14:hiddenLine>
             </a:ext>
             <a:ext uri="{AF507438-7753-43E0-B8FC-AC1667EBCBE1}">
-              <a14:hiddenEffects xmlns:a14="http://schemas.microsoft.com/office/drawing/2010/main" xmlns="">
+              <a14:hiddenEffects xmlns="" xmlns:a14="http://schemas.microsoft.com/office/drawing/2010/main">
                 <a:effectLst>
                   <a:outerShdw dist="35921" dir="2700000" algn="ctr" rotWithShape="0">
                     <a:schemeClr val="bg2"/>
@@ -6026,43 +5995,10 @@
           </a:extLst>
         </p:spPr>
       </p:pic>
-      <p:cxnSp>
-        <p:nvCxnSpPr>
-          <p:cNvPr id="6" name="Straight Arrow Connector 5"/>
-          <p:cNvCxnSpPr/>
-          <p:nvPr/>
-        </p:nvCxnSpPr>
-        <p:spPr>
-          <a:xfrm>
-            <a:off x="2743200" y="2209800"/>
-            <a:ext cx="3048000" cy="1676400"/>
-          </a:xfrm>
-          <a:prstGeom prst="straightConnector1">
-            <a:avLst/>
-          </a:prstGeom>
-          <a:ln w="76200">
-            <a:tailEnd type="arrow"/>
-          </a:ln>
-        </p:spPr>
-        <p:style>
-          <a:lnRef idx="3">
-            <a:schemeClr val="accent1"/>
-          </a:lnRef>
-          <a:fillRef idx="0">
-            <a:schemeClr val="accent1"/>
-          </a:fillRef>
-          <a:effectRef idx="2">
-            <a:schemeClr val="accent1"/>
-          </a:effectRef>
-          <a:fontRef idx="minor">
-            <a:schemeClr val="tx1"/>
-          </a:fontRef>
-        </p:style>
-      </p:cxnSp>
     </p:spTree>
     <p:extLst>
       <p:ext uri="{BB962C8B-B14F-4D97-AF65-F5344CB8AC3E}">
-        <p14:creationId xmlns:p14="http://schemas.microsoft.com/office/powerpoint/2010/main" xmlns="" val="1780943853"/>
+        <p14:creationId xmlns="" xmlns:p14="http://schemas.microsoft.com/office/powerpoint/2010/main" val="506937973"/>
       </p:ext>
     </p:extLst>
   </p:cSld>
@@ -6108,17 +6044,26 @@
         </p:nvSpPr>
         <p:spPr>
           <a:xfrm>
-            <a:off x="457200" y="-76200"/>
-            <a:ext cx="8229600" cy="1399032"/>
+            <a:off x="76200" y="76200"/>
+            <a:ext cx="8991600" cy="1399032"/>
           </a:xfrm>
         </p:spPr>
         <p:txBody>
           <a:bodyPr/>
           <a:lstStyle/>
           <a:p>
+            <a:pPr marL="55563"/>
             <a:r>
               <a:rPr lang="en-US" dirty="0" smtClean="0"/>
-              <a:t>Design – Preview KML</a:t>
+              <a:t>Design – </a:t>
+            </a:r>
+            <a:r>
+              <a:rPr lang="en-US" dirty="0" err="1" smtClean="0"/>
+              <a:t>ConnDetails</a:t>
+            </a:r>
+            <a:r>
+              <a:rPr lang="en-US" dirty="0" smtClean="0"/>
+              <a:t>: Icons and Overlays</a:t>
             </a:r>
             <a:endParaRPr lang="en-US" dirty="0"/>
           </a:p>
@@ -6126,7 +6071,7 @@
       </p:sp>
       <p:pic>
         <p:nvPicPr>
-          <p:cNvPr id="6146" name="Picture 2"/>
+          <p:cNvPr id="5122" name="Picture 2"/>
           <p:cNvPicPr>
             <a:picLocks noChangeAspect="1" noChangeArrowheads="1"/>
           </p:cNvPicPr>
@@ -6136,7 +6081,7 @@
           <a:blip r:embed="rId2" cstate="print">
             <a:extLst>
               <a:ext uri="{28A0092B-C50C-407E-A947-70E740481C1C}">
-                <a14:useLocalDpi xmlns:a14="http://schemas.microsoft.com/office/drawing/2010/main" xmlns="" val="0"/>
+                <a14:useLocalDpi xmlns="" xmlns:a14="http://schemas.microsoft.com/office/drawing/2010/main" val="0"/>
               </a:ext>
             </a:extLst>
           </a:blip>
@@ -6147,8 +6092,8 @@
         </p:blipFill>
         <p:spPr bwMode="auto">
           <a:xfrm>
-            <a:off x="609601" y="1101950"/>
-            <a:ext cx="7848600" cy="5756049"/>
+            <a:off x="0" y="1380049"/>
+            <a:ext cx="8991600" cy="2048951"/>
           </a:xfrm>
           <a:prstGeom prst="rect">
             <a:avLst/>
@@ -6160,14 +6105,14 @@
           <a:effectLst/>
           <a:extLst>
             <a:ext uri="{909E8E84-426E-40DD-AFC4-6F175D3DCCD1}">
-              <a14:hiddenFill xmlns:a14="http://schemas.microsoft.com/office/drawing/2010/main" xmlns="">
+              <a14:hiddenFill xmlns="" xmlns:a14="http://schemas.microsoft.com/office/drawing/2010/main">
                 <a:solidFill>
                   <a:schemeClr val="accent1"/>
                 </a:solidFill>
               </a14:hiddenFill>
             </a:ext>
             <a:ext uri="{91240B29-F687-4F45-9708-019B960494DF}">
-              <a14:hiddenLine xmlns:a14="http://schemas.microsoft.com/office/drawing/2010/main" xmlns="" w="9525">
+              <a14:hiddenLine xmlns="" xmlns:a14="http://schemas.microsoft.com/office/drawing/2010/main" w="9525">
                 <a:solidFill>
                   <a:schemeClr val="tx1"/>
                 </a:solidFill>
@@ -6177,7 +6122,7 @@
               </a14:hiddenLine>
             </a:ext>
             <a:ext uri="{AF507438-7753-43E0-B8FC-AC1667EBCBE1}">
-              <a14:hiddenEffects xmlns:a14="http://schemas.microsoft.com/office/drawing/2010/main" xmlns="">
+              <a14:hiddenEffects xmlns="" xmlns:a14="http://schemas.microsoft.com/office/drawing/2010/main">
                 <a:effectLst>
                   <a:outerShdw dist="35921" dir="2700000" algn="ctr" rotWithShape="0">
                     <a:schemeClr val="bg2"/>
@@ -6188,10 +6133,74 @@
           </a:extLst>
         </p:spPr>
       </p:pic>
+      <p:pic>
+        <p:nvPicPr>
+          <p:cNvPr id="5123" name="Picture 3"/>
+          <p:cNvPicPr>
+            <a:picLocks noChangeAspect="1" noChangeArrowheads="1"/>
+          </p:cNvPicPr>
+          <p:nvPr/>
+        </p:nvPicPr>
+        <p:blipFill>
+          <a:blip r:embed="rId3" cstate="print">
+            <a:extLst>
+              <a:ext uri="{28A0092B-C50C-407E-A947-70E740481C1C}">
+                <a14:useLocalDpi xmlns="" xmlns:a14="http://schemas.microsoft.com/office/drawing/2010/main" val="0"/>
+              </a:ext>
+            </a:extLst>
+          </a:blip>
+          <a:srcRect/>
+          <a:stretch>
+            <a:fillRect/>
+          </a:stretch>
+        </p:blipFill>
+        <p:spPr bwMode="auto">
+          <a:xfrm>
+            <a:off x="0" y="3518498"/>
+            <a:ext cx="9059091" cy="3339502"/>
+          </a:xfrm>
+          <a:prstGeom prst="rect">
+            <a:avLst/>
+          </a:prstGeom>
+          <a:noFill/>
+          <a:ln>
+            <a:noFill/>
+          </a:ln>
+          <a:effectLst/>
+          <a:extLst>
+            <a:ext uri="{909E8E84-426E-40DD-AFC4-6F175D3DCCD1}">
+              <a14:hiddenFill xmlns="" xmlns:a14="http://schemas.microsoft.com/office/drawing/2010/main">
+                <a:solidFill>
+                  <a:schemeClr val="accent1"/>
+                </a:solidFill>
+              </a14:hiddenFill>
+            </a:ext>
+            <a:ext uri="{91240B29-F687-4F45-9708-019B960494DF}">
+              <a14:hiddenLine xmlns="" xmlns:a14="http://schemas.microsoft.com/office/drawing/2010/main" w="9525">
+                <a:solidFill>
+                  <a:schemeClr val="tx1"/>
+                </a:solidFill>
+                <a:miter lim="800000"/>
+                <a:headEnd/>
+                <a:tailEnd/>
+              </a14:hiddenLine>
+            </a:ext>
+            <a:ext uri="{AF507438-7753-43E0-B8FC-AC1667EBCBE1}">
+              <a14:hiddenEffects xmlns="" xmlns:a14="http://schemas.microsoft.com/office/drawing/2010/main">
+                <a:effectLst>
+                  <a:outerShdw dist="35921" dir="2700000" algn="ctr" rotWithShape="0">
+                    <a:schemeClr val="bg2"/>
+                  </a:outerShdw>
+                </a:effectLst>
+              </a14:hiddenEffects>
+            </a:ext>
+          </a:extLst>
+        </p:spPr>
+      </p:pic>
     </p:spTree>
     <p:extLst>
       <p:ext uri="{BB962C8B-B14F-4D97-AF65-F5344CB8AC3E}">
-        <p14:creationId xmlns:p14="http://schemas.microsoft.com/office/powerpoint/2010/main" xmlns="" val="3481880667"/>
+        <p14:creationId xmlns="" xmlns:p14="http://schemas.microsoft.com/office/powerpoint/2010/main" val="849199070"/>
       </p:ext>
     </p:extLst>
   </p:cSld>
@@ -6237,29 +6246,129 @@
         </p:nvSpPr>
         <p:spPr>
           <a:xfrm>
-            <a:off x="457200" y="2895600"/>
-            <a:ext cx="6172200" cy="1143000"/>
-          </a:xfrm>
-        </p:spPr>
-        <p:txBody>
-          <a:bodyPr>
-            <a:normAutofit fontScale="90000"/>
-          </a:bodyPr>
+            <a:off x="457200" y="76200"/>
+            <a:ext cx="8229600" cy="1399032"/>
+          </a:xfrm>
+        </p:spPr>
+        <p:txBody>
+          <a:bodyPr/>
           <a:lstStyle/>
           <a:p>
             <a:r>
               <a:rPr lang="en-US" dirty="0" smtClean="0"/>
-              <a:t>Requirements and Design Questions</a:t>
-            </a:r>
-            <a:r>
-              <a:rPr lang="en-US" dirty="0" smtClean="0"/>
-              <a:t>?</a:t>
+              <a:t>Design - </a:t>
+            </a:r>
+            <a:r>
+              <a:rPr lang="en-US" dirty="0" err="1" smtClean="0"/>
+              <a:t>KMLGenWebSVC</a:t>
             </a:r>
             <a:endParaRPr lang="en-US" dirty="0"/>
           </a:p>
         </p:txBody>
       </p:sp>
+      <p:pic>
+        <p:nvPicPr>
+          <p:cNvPr id="7170" name="Picture 2"/>
+          <p:cNvPicPr>
+            <a:picLocks noChangeAspect="1" noChangeArrowheads="1"/>
+          </p:cNvPicPr>
+          <p:nvPr/>
+        </p:nvPicPr>
+        <p:blipFill>
+          <a:blip r:embed="rId2" cstate="print">
+            <a:extLst>
+              <a:ext uri="{28A0092B-C50C-407E-A947-70E740481C1C}">
+                <a14:useLocalDpi xmlns="" xmlns:a14="http://schemas.microsoft.com/office/drawing/2010/main" val="0"/>
+              </a:ext>
+            </a:extLst>
+          </a:blip>
+          <a:srcRect/>
+          <a:stretch>
+            <a:fillRect/>
+          </a:stretch>
+        </p:blipFill>
+        <p:spPr bwMode="auto">
+          <a:xfrm>
+            <a:off x="152400" y="1219200"/>
+            <a:ext cx="8841406" cy="5257800"/>
+          </a:xfrm>
+          <a:prstGeom prst="rect">
+            <a:avLst/>
+          </a:prstGeom>
+          <a:noFill/>
+          <a:ln>
+            <a:noFill/>
+          </a:ln>
+          <a:effectLst/>
+          <a:extLst>
+            <a:ext uri="{909E8E84-426E-40DD-AFC4-6F175D3DCCD1}">
+              <a14:hiddenFill xmlns="" xmlns:a14="http://schemas.microsoft.com/office/drawing/2010/main">
+                <a:solidFill>
+                  <a:schemeClr val="accent1"/>
+                </a:solidFill>
+              </a14:hiddenFill>
+            </a:ext>
+            <a:ext uri="{91240B29-F687-4F45-9708-019B960494DF}">
+              <a14:hiddenLine xmlns="" xmlns:a14="http://schemas.microsoft.com/office/drawing/2010/main" w="9525">
+                <a:solidFill>
+                  <a:schemeClr val="tx1"/>
+                </a:solidFill>
+                <a:miter lim="800000"/>
+                <a:headEnd/>
+                <a:tailEnd/>
+              </a14:hiddenLine>
+            </a:ext>
+            <a:ext uri="{AF507438-7753-43E0-B8FC-AC1667EBCBE1}">
+              <a14:hiddenEffects xmlns="" xmlns:a14="http://schemas.microsoft.com/office/drawing/2010/main">
+                <a:effectLst>
+                  <a:outerShdw dist="35921" dir="2700000" algn="ctr" rotWithShape="0">
+                    <a:schemeClr val="bg2"/>
+                  </a:outerShdw>
+                </a:effectLst>
+              </a14:hiddenEffects>
+            </a:ext>
+          </a:extLst>
+        </p:spPr>
+      </p:pic>
+      <p:cxnSp>
+        <p:nvCxnSpPr>
+          <p:cNvPr id="6" name="Straight Arrow Connector 5"/>
+          <p:cNvCxnSpPr/>
+          <p:nvPr/>
+        </p:nvCxnSpPr>
+        <p:spPr>
+          <a:xfrm>
+            <a:off x="2743200" y="2209800"/>
+            <a:ext cx="3048000" cy="1676400"/>
+          </a:xfrm>
+          <a:prstGeom prst="straightConnector1">
+            <a:avLst/>
+          </a:prstGeom>
+          <a:ln w="76200">
+            <a:tailEnd type="arrow"/>
+          </a:ln>
+        </p:spPr>
+        <p:style>
+          <a:lnRef idx="3">
+            <a:schemeClr val="accent1"/>
+          </a:lnRef>
+          <a:fillRef idx="0">
+            <a:schemeClr val="accent1"/>
+          </a:fillRef>
+          <a:effectRef idx="2">
+            <a:schemeClr val="accent1"/>
+          </a:effectRef>
+          <a:fontRef idx="minor">
+            <a:schemeClr val="tx1"/>
+          </a:fontRef>
+        </p:style>
+      </p:cxnSp>
     </p:spTree>
+    <p:extLst>
+      <p:ext uri="{BB962C8B-B14F-4D97-AF65-F5344CB8AC3E}">
+        <p14:creationId xmlns="" xmlns:p14="http://schemas.microsoft.com/office/powerpoint/2010/main" val="1780943853"/>
+      </p:ext>
+    </p:extLst>
   </p:cSld>
   <p:clrMapOvr>
     <a:masterClrMapping/>
@@ -6372,6 +6481,32 @@
           </a:p>
         </p:txBody>
       </p:sp>
+      <p:pic>
+        <p:nvPicPr>
+          <p:cNvPr id="5" name="Picture 2" descr="C:\Users\nindoja\Desktop\odbc2kml\hci\HCI\graphics\odbc2kml.gif"/>
+          <p:cNvPicPr>
+            <a:picLocks noChangeAspect="1" noChangeArrowheads="1"/>
+          </p:cNvPicPr>
+          <p:nvPr/>
+        </p:nvPicPr>
+        <p:blipFill>
+          <a:blip r:embed="rId2" cstate="print"/>
+          <a:srcRect/>
+          <a:stretch>
+            <a:fillRect/>
+          </a:stretch>
+        </p:blipFill>
+        <p:spPr bwMode="auto">
+          <a:xfrm>
+            <a:off x="5029200" y="6319615"/>
+            <a:ext cx="4114800" cy="538385"/>
+          </a:xfrm>
+          <a:prstGeom prst="rect">
+            <a:avLst/>
+          </a:prstGeom>
+          <a:noFill/>
+        </p:spPr>
+      </p:pic>
     </p:spTree>
   </p:cSld>
   <p:clrMapOvr>
@@ -6388,6 +6523,135 @@
 </file>
 
 <file path=ppt/slides/slide20.xml><?xml version="1.0" encoding="utf-8"?>
+<p:sld xmlns:a="http://schemas.openxmlformats.org/drawingml/2006/main" xmlns:r="http://schemas.openxmlformats.org/officeDocument/2006/relationships" xmlns:p="http://schemas.openxmlformats.org/presentationml/2006/main">
+  <p:cSld>
+    <p:spTree>
+      <p:nvGrpSpPr>
+        <p:cNvPr id="1" name=""/>
+        <p:cNvGrpSpPr/>
+        <p:nvPr/>
+      </p:nvGrpSpPr>
+      <p:grpSpPr>
+        <a:xfrm>
+          <a:off x="0" y="0"/>
+          <a:ext cx="0" cy="0"/>
+          <a:chOff x="0" y="0"/>
+          <a:chExt cx="0" cy="0"/>
+        </a:xfrm>
+      </p:grpSpPr>
+      <p:sp>
+        <p:nvSpPr>
+          <p:cNvPr id="2" name="Title 1"/>
+          <p:cNvSpPr>
+            <a:spLocks noGrp="1"/>
+          </p:cNvSpPr>
+          <p:nvPr>
+            <p:ph type="title"/>
+          </p:nvPr>
+        </p:nvSpPr>
+        <p:spPr>
+          <a:xfrm>
+            <a:off x="457200" y="-76200"/>
+            <a:ext cx="8229600" cy="1399032"/>
+          </a:xfrm>
+        </p:spPr>
+        <p:txBody>
+          <a:bodyPr/>
+          <a:lstStyle/>
+          <a:p>
+            <a:r>
+              <a:rPr lang="en-US" dirty="0" smtClean="0"/>
+              <a:t>Design – Preview KML</a:t>
+            </a:r>
+            <a:endParaRPr lang="en-US" dirty="0"/>
+          </a:p>
+        </p:txBody>
+      </p:sp>
+      <p:pic>
+        <p:nvPicPr>
+          <p:cNvPr id="6146" name="Picture 2"/>
+          <p:cNvPicPr>
+            <a:picLocks noChangeAspect="1" noChangeArrowheads="1"/>
+          </p:cNvPicPr>
+          <p:nvPr/>
+        </p:nvPicPr>
+        <p:blipFill>
+          <a:blip r:embed="rId2" cstate="print">
+            <a:extLst>
+              <a:ext uri="{28A0092B-C50C-407E-A947-70E740481C1C}">
+                <a14:useLocalDpi xmlns="" xmlns:a14="http://schemas.microsoft.com/office/drawing/2010/main" val="0"/>
+              </a:ext>
+            </a:extLst>
+          </a:blip>
+          <a:srcRect/>
+          <a:stretch>
+            <a:fillRect/>
+          </a:stretch>
+        </p:blipFill>
+        <p:spPr bwMode="auto">
+          <a:xfrm>
+            <a:off x="609601" y="1101950"/>
+            <a:ext cx="7848600" cy="5756049"/>
+          </a:xfrm>
+          <a:prstGeom prst="rect">
+            <a:avLst/>
+          </a:prstGeom>
+          <a:noFill/>
+          <a:ln>
+            <a:noFill/>
+          </a:ln>
+          <a:effectLst/>
+          <a:extLst>
+            <a:ext uri="{909E8E84-426E-40DD-AFC4-6F175D3DCCD1}">
+              <a14:hiddenFill xmlns="" xmlns:a14="http://schemas.microsoft.com/office/drawing/2010/main">
+                <a:solidFill>
+                  <a:schemeClr val="accent1"/>
+                </a:solidFill>
+              </a14:hiddenFill>
+            </a:ext>
+            <a:ext uri="{91240B29-F687-4F45-9708-019B960494DF}">
+              <a14:hiddenLine xmlns="" xmlns:a14="http://schemas.microsoft.com/office/drawing/2010/main" w="9525">
+                <a:solidFill>
+                  <a:schemeClr val="tx1"/>
+                </a:solidFill>
+                <a:miter lim="800000"/>
+                <a:headEnd/>
+                <a:tailEnd/>
+              </a14:hiddenLine>
+            </a:ext>
+            <a:ext uri="{AF507438-7753-43E0-B8FC-AC1667EBCBE1}">
+              <a14:hiddenEffects xmlns="" xmlns:a14="http://schemas.microsoft.com/office/drawing/2010/main">
+                <a:effectLst>
+                  <a:outerShdw dist="35921" dir="2700000" algn="ctr" rotWithShape="0">
+                    <a:schemeClr val="bg2"/>
+                  </a:outerShdw>
+                </a:effectLst>
+              </a14:hiddenEffects>
+            </a:ext>
+          </a:extLst>
+        </p:spPr>
+      </p:pic>
+    </p:spTree>
+    <p:extLst>
+      <p:ext uri="{BB962C8B-B14F-4D97-AF65-F5344CB8AC3E}">
+        <p14:creationId xmlns="" xmlns:p14="http://schemas.microsoft.com/office/powerpoint/2010/main" val="3481880667"/>
+      </p:ext>
+    </p:extLst>
+  </p:cSld>
+  <p:clrMapOvr>
+    <a:masterClrMapping/>
+  </p:clrMapOvr>
+  <p:timing>
+    <p:tnLst>
+      <p:par>
+        <p:cTn id="1" dur="indefinite" restart="never" nodeType="tmRoot"/>
+      </p:par>
+    </p:tnLst>
+  </p:timing>
+</p:sld>
+</file>
+
+<file path=ppt/slides/slide21.xml><?xml version="1.0" encoding="utf-8"?>
 <p:sld xmlns:a="http://schemas.openxmlformats.org/drawingml/2006/main" xmlns:r="http://schemas.openxmlformats.org/officeDocument/2006/relationships" xmlns:p="http://schemas.openxmlformats.org/presentationml/2006/main">
   <p:cSld>
     <p:spTree>
@@ -7249,69 +7513,9 @@
     </p:spTree>
     <p:extLst>
       <p:ext uri="{BB962C8B-B14F-4D97-AF65-F5344CB8AC3E}">
-        <p14:creationId xmlns:p14="http://schemas.microsoft.com/office/powerpoint/2010/main" xmlns="" val="435735856"/>
+        <p14:creationId xmlns="" xmlns:p14="http://schemas.microsoft.com/office/powerpoint/2010/main" val="435735856"/>
       </p:ext>
     </p:extLst>
-  </p:cSld>
-  <p:clrMapOvr>
-    <a:masterClrMapping/>
-  </p:clrMapOvr>
-  <p:timing>
-    <p:tnLst>
-      <p:par>
-        <p:cTn id="1" dur="indefinite" restart="never" nodeType="tmRoot"/>
-      </p:par>
-    </p:tnLst>
-  </p:timing>
-</p:sld>
-</file>
-
-<file path=ppt/slides/slide21.xml><?xml version="1.0" encoding="utf-8"?>
-<p:sld xmlns:a="http://schemas.openxmlformats.org/drawingml/2006/main" xmlns:r="http://schemas.openxmlformats.org/officeDocument/2006/relationships" xmlns:p="http://schemas.openxmlformats.org/presentationml/2006/main">
-  <p:cSld>
-    <p:spTree>
-      <p:nvGrpSpPr>
-        <p:cNvPr id="1" name=""/>
-        <p:cNvGrpSpPr/>
-        <p:nvPr/>
-      </p:nvGrpSpPr>
-      <p:grpSpPr>
-        <a:xfrm>
-          <a:off x="0" y="0"/>
-          <a:ext cx="0" cy="0"/>
-          <a:chOff x="0" y="0"/>
-          <a:chExt cx="0" cy="0"/>
-        </a:xfrm>
-      </p:grpSpPr>
-      <p:sp>
-        <p:nvSpPr>
-          <p:cNvPr id="2" name="Title 1"/>
-          <p:cNvSpPr>
-            <a:spLocks noGrp="1"/>
-          </p:cNvSpPr>
-          <p:nvPr>
-            <p:ph type="title"/>
-          </p:nvPr>
-        </p:nvSpPr>
-        <p:spPr>
-          <a:xfrm>
-            <a:off x="457200" y="2895600"/>
-            <a:ext cx="6172200" cy="1143000"/>
-          </a:xfrm>
-        </p:spPr>
-        <p:txBody>
-          <a:bodyPr/>
-          <a:lstStyle/>
-          <a:p>
-            <a:r>
-              <a:rPr lang="en-US" dirty="0" smtClean="0"/>
-              <a:t>Demo</a:t>
-            </a:r>
-            <a:endParaRPr lang="en-US" dirty="0"/>
-          </a:p>
-        </p:txBody>
-      </p:sp>
-    </p:spTree>
   </p:cSld>
   <p:clrMapOvr>
     <a:masterClrMapping/>
@@ -7365,12 +7569,281 @@
           <a:p>
             <a:r>
               <a:rPr lang="en-US" dirty="0" smtClean="0"/>
+              <a:t>Demo</a:t>
+            </a:r>
+            <a:endParaRPr lang="en-US" dirty="0"/>
+          </a:p>
+        </p:txBody>
+      </p:sp>
+      <p:pic>
+        <p:nvPicPr>
+          <p:cNvPr id="3" name="Picture 2" descr="C:\Users\nindoja\Desktop\odbc2kml\hci\HCI\graphics\odbc2kml.gif"/>
+          <p:cNvPicPr>
+            <a:picLocks noChangeAspect="1" noChangeArrowheads="1"/>
+          </p:cNvPicPr>
+          <p:nvPr/>
+        </p:nvPicPr>
+        <p:blipFill>
+          <a:blip r:embed="rId2" cstate="print"/>
+          <a:srcRect/>
+          <a:stretch>
+            <a:fillRect/>
+          </a:stretch>
+        </p:blipFill>
+        <p:spPr bwMode="auto">
+          <a:xfrm>
+            <a:off x="5029200" y="6319615"/>
+            <a:ext cx="4114800" cy="538385"/>
+          </a:xfrm>
+          <a:prstGeom prst="rect">
+            <a:avLst/>
+          </a:prstGeom>
+          <a:noFill/>
+        </p:spPr>
+      </p:pic>
+    </p:spTree>
+  </p:cSld>
+  <p:clrMapOvr>
+    <a:masterClrMapping/>
+  </p:clrMapOvr>
+  <p:timing>
+    <p:tnLst>
+      <p:par>
+        <p:cTn id="1" dur="indefinite" restart="never" nodeType="tmRoot"/>
+      </p:par>
+    </p:tnLst>
+  </p:timing>
+</p:sld>
+</file>
+
+<file path=ppt/slides/slide23.xml><?xml version="1.0" encoding="utf-8"?>
+<p:sld xmlns:a="http://schemas.openxmlformats.org/drawingml/2006/main" xmlns:r="http://schemas.openxmlformats.org/officeDocument/2006/relationships" xmlns:p="http://schemas.openxmlformats.org/presentationml/2006/main">
+  <p:cSld>
+    <p:spTree>
+      <p:nvGrpSpPr>
+        <p:cNvPr id="1" name=""/>
+        <p:cNvGrpSpPr/>
+        <p:nvPr/>
+      </p:nvGrpSpPr>
+      <p:grpSpPr>
+        <a:xfrm>
+          <a:off x="0" y="0"/>
+          <a:ext cx="0" cy="0"/>
+          <a:chOff x="0" y="0"/>
+          <a:chExt cx="0" cy="0"/>
+        </a:xfrm>
+      </p:grpSpPr>
+      <p:sp>
+        <p:nvSpPr>
+          <p:cNvPr id="2" name="Title 1"/>
+          <p:cNvSpPr>
+            <a:spLocks noGrp="1"/>
+          </p:cNvSpPr>
+          <p:nvPr>
+            <p:ph type="title"/>
+          </p:nvPr>
+        </p:nvSpPr>
+        <p:spPr/>
+        <p:txBody>
+          <a:bodyPr/>
+          <a:lstStyle/>
+          <a:p>
+            <a:r>
+              <a:rPr lang="en-US" dirty="0" smtClean="0"/>
+              <a:t>Perfective Maintenance</a:t>
+            </a:r>
+            <a:endParaRPr lang="en-US" dirty="0"/>
+          </a:p>
+        </p:txBody>
+      </p:sp>
+      <p:sp>
+        <p:nvSpPr>
+          <p:cNvPr id="3" name="Content Placeholder 2"/>
+          <p:cNvSpPr>
+            <a:spLocks noGrp="1"/>
+          </p:cNvSpPr>
+          <p:nvPr>
+            <p:ph idx="1"/>
+          </p:nvPr>
+        </p:nvSpPr>
+        <p:spPr/>
+        <p:txBody>
+          <a:bodyPr/>
+          <a:lstStyle/>
+          <a:p>
+            <a:r>
+              <a:rPr lang="en-US" dirty="0" err="1" smtClean="0"/>
+              <a:t>CallBacks</a:t>
+            </a:r>
+            <a:r>
+              <a:rPr lang="en-US" dirty="0" smtClean="0"/>
+              <a:t> instead of </a:t>
+            </a:r>
+            <a:r>
+              <a:rPr lang="en-US" dirty="0" err="1" smtClean="0"/>
+              <a:t>PostBacks</a:t>
+            </a:r>
+            <a:endParaRPr lang="en-US" dirty="0" smtClean="0"/>
+          </a:p>
+          <a:p>
+            <a:r>
+              <a:rPr lang="en-US" dirty="0" smtClean="0"/>
+              <a:t>More JavaScript</a:t>
+            </a:r>
+          </a:p>
+          <a:p>
+            <a:r>
+              <a:rPr lang="en-US" dirty="0" smtClean="0"/>
+              <a:t>Implement more ODBC Databases</a:t>
+            </a:r>
+          </a:p>
+          <a:p>
+            <a:r>
+              <a:rPr lang="en-US" dirty="0" smtClean="0"/>
+              <a:t>Map more KML Fields</a:t>
+            </a:r>
+          </a:p>
+          <a:p>
+            <a:r>
+              <a:rPr lang="en-US" dirty="0" smtClean="0"/>
+              <a:t>Map multiple tables per connection</a:t>
+            </a:r>
+          </a:p>
+          <a:p>
+            <a:r>
+              <a:rPr lang="en-US" dirty="0" smtClean="0"/>
+              <a:t>Image generation web service</a:t>
+            </a:r>
+          </a:p>
+          <a:p>
+            <a:r>
+              <a:rPr lang="en-US" dirty="0" smtClean="0"/>
+              <a:t>Change </a:t>
+            </a:r>
+            <a:r>
+              <a:rPr lang="en-US" dirty="0" smtClean="0"/>
+              <a:t>default view in </a:t>
+            </a:r>
+            <a:r>
+              <a:rPr lang="en-US" dirty="0" smtClean="0"/>
+              <a:t>KML</a:t>
+            </a:r>
+            <a:endParaRPr lang="en-US" dirty="0" smtClean="0"/>
+          </a:p>
+        </p:txBody>
+      </p:sp>
+      <p:pic>
+        <p:nvPicPr>
+          <p:cNvPr id="4" name="Picture 2" descr="C:\Users\nindoja\Desktop\odbc2kml\hci\HCI\graphics\odbc2kml.gif"/>
+          <p:cNvPicPr>
+            <a:picLocks noChangeAspect="1" noChangeArrowheads="1"/>
+          </p:cNvPicPr>
+          <p:nvPr/>
+        </p:nvPicPr>
+        <p:blipFill>
+          <a:blip r:embed="rId2" cstate="print"/>
+          <a:srcRect/>
+          <a:stretch>
+            <a:fillRect/>
+          </a:stretch>
+        </p:blipFill>
+        <p:spPr bwMode="auto">
+          <a:xfrm>
+            <a:off x="5029200" y="6319615"/>
+            <a:ext cx="4114800" cy="538385"/>
+          </a:xfrm>
+          <a:prstGeom prst="rect">
+            <a:avLst/>
+          </a:prstGeom>
+          <a:noFill/>
+        </p:spPr>
+      </p:pic>
+    </p:spTree>
+  </p:cSld>
+  <p:clrMapOvr>
+    <a:masterClrMapping/>
+  </p:clrMapOvr>
+  <p:timing>
+    <p:tnLst>
+      <p:par>
+        <p:cTn id="1" dur="indefinite" restart="never" nodeType="tmRoot"/>
+      </p:par>
+    </p:tnLst>
+  </p:timing>
+</p:sld>
+</file>
+
+<file path=ppt/slides/slide24.xml><?xml version="1.0" encoding="utf-8"?>
+<p:sld xmlns:a="http://schemas.openxmlformats.org/drawingml/2006/main" xmlns:r="http://schemas.openxmlformats.org/officeDocument/2006/relationships" xmlns:p="http://schemas.openxmlformats.org/presentationml/2006/main">
+  <p:cSld>
+    <p:spTree>
+      <p:nvGrpSpPr>
+        <p:cNvPr id="1" name=""/>
+        <p:cNvGrpSpPr/>
+        <p:nvPr/>
+      </p:nvGrpSpPr>
+      <p:grpSpPr>
+        <a:xfrm>
+          <a:off x="0" y="0"/>
+          <a:ext cx="0" cy="0"/>
+          <a:chOff x="0" y="0"/>
+          <a:chExt cx="0" cy="0"/>
+        </a:xfrm>
+      </p:grpSpPr>
+      <p:sp>
+        <p:nvSpPr>
+          <p:cNvPr id="2" name="Title 1"/>
+          <p:cNvSpPr>
+            <a:spLocks noGrp="1"/>
+          </p:cNvSpPr>
+          <p:nvPr>
+            <p:ph type="title"/>
+          </p:nvPr>
+        </p:nvSpPr>
+        <p:spPr>
+          <a:xfrm>
+            <a:off x="457200" y="2895600"/>
+            <a:ext cx="6172200" cy="1143000"/>
+          </a:xfrm>
+        </p:spPr>
+        <p:txBody>
+          <a:bodyPr/>
+          <a:lstStyle/>
+          <a:p>
+            <a:r>
+              <a:rPr lang="en-US" dirty="0" smtClean="0"/>
               <a:t>Questions?</a:t>
             </a:r>
             <a:endParaRPr lang="en-US" dirty="0"/>
           </a:p>
         </p:txBody>
       </p:sp>
+      <p:pic>
+        <p:nvPicPr>
+          <p:cNvPr id="3" name="Picture 2" descr="C:\Users\nindoja\Desktop\odbc2kml\hci\HCI\graphics\odbc2kml.gif"/>
+          <p:cNvPicPr>
+            <a:picLocks noChangeAspect="1" noChangeArrowheads="1"/>
+          </p:cNvPicPr>
+          <p:nvPr/>
+        </p:nvPicPr>
+        <p:blipFill>
+          <a:blip r:embed="rId2" cstate="print"/>
+          <a:srcRect/>
+          <a:stretch>
+            <a:fillRect/>
+          </a:stretch>
+        </p:blipFill>
+        <p:spPr bwMode="auto">
+          <a:xfrm>
+            <a:off x="5029200" y="6319615"/>
+            <a:ext cx="4114800" cy="538385"/>
+          </a:xfrm>
+          <a:prstGeom prst="rect">
+            <a:avLst/>
+          </a:prstGeom>
+          <a:noFill/>
+        </p:spPr>
+      </p:pic>
     </p:spTree>
   </p:cSld>
   <p:clrMapOvr>
@@ -7498,17 +7971,8 @@
             </a:pPr>
             <a:r>
               <a:rPr lang="en-US" dirty="0" smtClean="0"/>
-              <a:t>Two </a:t>
-            </a:r>
-            <a:r>
-              <a:rPr lang="en-US" dirty="0" smtClean="0"/>
-              <a:t>weekly </a:t>
-            </a:r>
-            <a:r>
-              <a:rPr lang="en-US" dirty="0" smtClean="0"/>
-              <a:t>meetings </a:t>
-            </a:r>
-            <a:endParaRPr lang="en-US" dirty="0" smtClean="0"/>
+              <a:t>Two weekly meetings </a:t>
+            </a:r>
           </a:p>
           <a:p>
             <a:pPr marL="390525" indent="-293688">
@@ -7554,11 +8018,7 @@
             </a:pPr>
             <a:r>
               <a:rPr lang="en-US" dirty="0" smtClean="0"/>
-              <a:t>Weekly </a:t>
-            </a:r>
-            <a:r>
-              <a:rPr lang="en-US" dirty="0" smtClean="0"/>
-              <a:t>reports</a:t>
+              <a:t>Weekly reports</a:t>
             </a:r>
           </a:p>
           <a:p>
@@ -7610,14 +8070,39 @@
               <a:rPr lang="en-US" dirty="0" smtClean="0"/>
               <a:t>Tasks</a:t>
             </a:r>
-            <a:endParaRPr lang="en-US" dirty="0" smtClean="0"/>
-          </a:p>
-        </p:txBody>
-      </p:sp>
+          </a:p>
+        </p:txBody>
+      </p:sp>
+      <p:pic>
+        <p:nvPicPr>
+          <p:cNvPr id="4" name="Picture 2" descr="C:\Users\nindoja\Desktop\odbc2kml\hci\HCI\graphics\odbc2kml.gif"/>
+          <p:cNvPicPr>
+            <a:picLocks noChangeAspect="1" noChangeArrowheads="1"/>
+          </p:cNvPicPr>
+          <p:nvPr/>
+        </p:nvPicPr>
+        <p:blipFill>
+          <a:blip r:embed="rId3" cstate="print"/>
+          <a:srcRect/>
+          <a:stretch>
+            <a:fillRect/>
+          </a:stretch>
+        </p:blipFill>
+        <p:spPr bwMode="auto">
+          <a:xfrm>
+            <a:off x="5029200" y="6319615"/>
+            <a:ext cx="4114800" cy="538385"/>
+          </a:xfrm>
+          <a:prstGeom prst="rect">
+            <a:avLst/>
+          </a:prstGeom>
+          <a:noFill/>
+        </p:spPr>
+      </p:pic>
     </p:spTree>
     <p:extLst>
       <p:ext uri="{BB962C8B-B14F-4D97-AF65-F5344CB8AC3E}">
-        <p14:creationId xmlns:p14="http://schemas.microsoft.com/office/powerpoint/2010/main" xmlns="" val="2933005212"/>
+        <p14:creationId xmlns="" xmlns:p14="http://schemas.microsoft.com/office/powerpoint/2010/main" val="2933005212"/>
       </p:ext>
     </p:extLst>
   </p:cSld>
@@ -7775,7 +8260,6 @@
               <a:rPr lang="en-US" dirty="0" smtClean="0"/>
               <a:t>Real world development experience</a:t>
             </a:r>
-            <a:endParaRPr lang="en-US" dirty="0" smtClean="0"/>
           </a:p>
           <a:p>
             <a:pPr marL="391686" indent="-293764" fontAlgn="auto">
@@ -7879,19 +8363,7 @@
             </a:pPr>
             <a:r>
               <a:rPr lang="en-US" dirty="0" smtClean="0"/>
-              <a:t>Helps </a:t>
-            </a:r>
-            <a:r>
-              <a:rPr lang="en-US" dirty="0" smtClean="0"/>
-              <a:t>students understand </a:t>
-            </a:r>
-            <a:r>
-              <a:rPr lang="en-US" dirty="0" smtClean="0"/>
-              <a:t>the Software Engineering </a:t>
-            </a:r>
-            <a:r>
-              <a:rPr lang="en-US" dirty="0" smtClean="0"/>
-              <a:t>process</a:t>
+              <a:t>Helps students understand the Software Engineering process</a:t>
             </a:r>
           </a:p>
           <a:p>
@@ -7922,10 +8394,36 @@
           </a:p>
         </p:txBody>
       </p:sp>
+      <p:pic>
+        <p:nvPicPr>
+          <p:cNvPr id="4" name="Picture 2" descr="C:\Users\nindoja\Desktop\odbc2kml\hci\HCI\graphics\odbc2kml.gif"/>
+          <p:cNvPicPr>
+            <a:picLocks noChangeAspect="1" noChangeArrowheads="1"/>
+          </p:cNvPicPr>
+          <p:nvPr/>
+        </p:nvPicPr>
+        <p:blipFill>
+          <a:blip r:embed="rId3" cstate="print"/>
+          <a:srcRect/>
+          <a:stretch>
+            <a:fillRect/>
+          </a:stretch>
+        </p:blipFill>
+        <p:spPr bwMode="auto">
+          <a:xfrm>
+            <a:off x="5029200" y="6319615"/>
+            <a:ext cx="4114800" cy="538385"/>
+          </a:xfrm>
+          <a:prstGeom prst="rect">
+            <a:avLst/>
+          </a:prstGeom>
+          <a:noFill/>
+        </p:spPr>
+      </p:pic>
     </p:spTree>
     <p:extLst>
       <p:ext uri="{BB962C8B-B14F-4D97-AF65-F5344CB8AC3E}">
-        <p14:creationId xmlns:p14="http://schemas.microsoft.com/office/powerpoint/2010/main" xmlns="" val="3560984181"/>
+        <p14:creationId xmlns="" xmlns:p14="http://schemas.microsoft.com/office/powerpoint/2010/main" val="3560984181"/>
       </p:ext>
     </p:extLst>
   </p:cSld>
@@ -8050,14 +8548,14 @@
           </a:ln>
           <a:extLst>
             <a:ext uri="{909E8E84-426E-40DD-AFC4-6F175D3DCCD1}">
-              <a14:hiddenFill xmlns:a14="http://schemas.microsoft.com/office/drawing/2010/main" xmlns="">
+              <a14:hiddenFill xmlns="" xmlns:a14="http://schemas.microsoft.com/office/drawing/2010/main">
                 <a:solidFill>
                   <a:srgbClr xmlns:mc="http://schemas.openxmlformats.org/markup-compatibility/2006" val="FFFFFF" mc:Ignorable=""/>
                 </a:solidFill>
               </a14:hiddenFill>
             </a:ext>
             <a:ext uri="{91240B29-F687-4F45-9708-019B960494DF}">
-              <a14:hiddenLine xmlns:a14="http://schemas.microsoft.com/office/drawing/2010/main" xmlns="" w="9525">
+              <a14:hiddenLine xmlns="" xmlns:a14="http://schemas.microsoft.com/office/drawing/2010/main" w="9525">
                 <a:solidFill>
                   <a:srgbClr xmlns:mc="http://schemas.openxmlformats.org/markup-compatibility/2006" val="000000" mc:Ignorable=""/>
                 </a:solidFill>
@@ -8102,14 +8600,14 @@
           </a:ln>
           <a:extLst>
             <a:ext uri="{909E8E84-426E-40DD-AFC4-6F175D3DCCD1}">
-              <a14:hiddenFill xmlns:a14="http://schemas.microsoft.com/office/drawing/2010/main" xmlns="">
+              <a14:hiddenFill xmlns="" xmlns:a14="http://schemas.microsoft.com/office/drawing/2010/main">
                 <a:solidFill>
                   <a:srgbClr xmlns:mc="http://schemas.openxmlformats.org/markup-compatibility/2006" val="FFFFFF" mc:Ignorable=""/>
                 </a:solidFill>
               </a14:hiddenFill>
             </a:ext>
             <a:ext uri="{91240B29-F687-4F45-9708-019B960494DF}">
-              <a14:hiddenLine xmlns:a14="http://schemas.microsoft.com/office/drawing/2010/main" xmlns="" w="9525">
+              <a14:hiddenLine xmlns="" xmlns:a14="http://schemas.microsoft.com/office/drawing/2010/main" w="9525">
                 <a:solidFill>
                   <a:srgbClr xmlns:mc="http://schemas.openxmlformats.org/markup-compatibility/2006" val="000000" mc:Ignorable=""/>
                 </a:solidFill>
@@ -8152,10 +8650,36 @@
           </a:graphicData>
         </a:graphic>
       </p:graphicFrame>
+      <p:pic>
+        <p:nvPicPr>
+          <p:cNvPr id="6" name="Picture 2" descr="C:\Users\nindoja\Desktop\odbc2kml\hci\HCI\graphics\odbc2kml.gif"/>
+          <p:cNvPicPr>
+            <a:picLocks noChangeAspect="1" noChangeArrowheads="1"/>
+          </p:cNvPicPr>
+          <p:nvPr/>
+        </p:nvPicPr>
+        <p:blipFill>
+          <a:blip r:embed="rId4" cstate="print"/>
+          <a:srcRect/>
+          <a:stretch>
+            <a:fillRect/>
+          </a:stretch>
+        </p:blipFill>
+        <p:spPr bwMode="auto">
+          <a:xfrm>
+            <a:off x="5029200" y="6319615"/>
+            <a:ext cx="4114800" cy="538385"/>
+          </a:xfrm>
+          <a:prstGeom prst="rect">
+            <a:avLst/>
+          </a:prstGeom>
+          <a:noFill/>
+        </p:spPr>
+      </p:pic>
     </p:spTree>
     <p:extLst>
       <p:ext uri="{BB962C8B-B14F-4D97-AF65-F5344CB8AC3E}">
-        <p14:creationId xmlns:p14="http://schemas.microsoft.com/office/powerpoint/2010/main" xmlns="" val="4168669383"/>
+        <p14:creationId xmlns="" xmlns:p14="http://schemas.microsoft.com/office/powerpoint/2010/main" val="4168669383"/>
       </p:ext>
     </p:extLst>
   </p:cSld>
@@ -8265,6 +8789,32 @@
           </a:p>
         </p:txBody>
       </p:sp>
+      <p:pic>
+        <p:nvPicPr>
+          <p:cNvPr id="6" name="Picture 2" descr="C:\Users\nindoja\Desktop\odbc2kml\hci\HCI\graphics\odbc2kml.gif"/>
+          <p:cNvPicPr>
+            <a:picLocks noChangeAspect="1" noChangeArrowheads="1"/>
+          </p:cNvPicPr>
+          <p:nvPr/>
+        </p:nvPicPr>
+        <p:blipFill>
+          <a:blip r:embed="rId3" cstate="print"/>
+          <a:srcRect/>
+          <a:stretch>
+            <a:fillRect/>
+          </a:stretch>
+        </p:blipFill>
+        <p:spPr bwMode="auto">
+          <a:xfrm>
+            <a:off x="5029200" y="6319615"/>
+            <a:ext cx="4114800" cy="538385"/>
+          </a:xfrm>
+          <a:prstGeom prst="rect">
+            <a:avLst/>
+          </a:prstGeom>
+          <a:noFill/>
+        </p:spPr>
+      </p:pic>
     </p:spTree>
   </p:cSld>
   <p:clrMapOvr>
@@ -8314,7 +8864,7 @@
           <a:p>
             <a:r>
               <a:rPr lang="en-US" dirty="0" smtClean="0"/>
-              <a:t>Why ODBC2KML?</a:t>
+              <a:t>Current Situation</a:t>
             </a:r>
             <a:endParaRPr lang="en-US" dirty="0"/>
           </a:p>
@@ -8337,31 +8887,67 @@
           <a:p>
             <a:r>
               <a:rPr lang="en-US" dirty="0" smtClean="0"/>
-              <a:t>Current situation: manually generating </a:t>
-            </a:r>
-            <a:r>
-              <a:rPr lang="en-US" smtClean="0"/>
-              <a:t>KML from </a:t>
-            </a:r>
+              <a:t>Manual database parsing</a:t>
+            </a:r>
+          </a:p>
+          <a:p>
+            <a:pPr lvl="1"/>
             <a:r>
               <a:rPr lang="en-US" dirty="0" smtClean="0"/>
-              <a:t>databases</a:t>
-            </a:r>
-          </a:p>
-          <a:p>
-            <a:pPr>
-              <a:buNone/>
-            </a:pPr>
+              <a:t>On demand</a:t>
+            </a:r>
+          </a:p>
+          <a:p>
+            <a:pPr lvl="1"/>
+            <a:r>
+              <a:rPr lang="en-US" dirty="0" smtClean="0"/>
+              <a:t>Any database</a:t>
+            </a:r>
+          </a:p>
+          <a:p>
+            <a:pPr lvl="1"/>
+            <a:r>
+              <a:rPr lang="en-US" dirty="0" smtClean="0"/>
+              <a:t>Time consuming</a:t>
+            </a:r>
             <a:endParaRPr lang="en-US" dirty="0" smtClean="0"/>
           </a:p>
           <a:p>
+            <a:pPr lvl="1"/>
             <a:r>
               <a:rPr lang="en-US" dirty="0" smtClean="0"/>
-              <a:t>Solution: create a system that automates the KML generation</a:t>
-            </a:r>
-          </a:p>
-        </p:txBody>
-      </p:sp>
+              <a:t>End result: KML file</a:t>
+            </a:r>
+            <a:endParaRPr lang="en-US" dirty="0" smtClean="0"/>
+          </a:p>
+        </p:txBody>
+      </p:sp>
+      <p:pic>
+        <p:nvPicPr>
+          <p:cNvPr id="4" name="Picture 2" descr="C:\Users\nindoja\Desktop\odbc2kml\hci\HCI\graphics\odbc2kml.gif"/>
+          <p:cNvPicPr>
+            <a:picLocks noChangeAspect="1" noChangeArrowheads="1"/>
+          </p:cNvPicPr>
+          <p:nvPr/>
+        </p:nvPicPr>
+        <p:blipFill>
+          <a:blip r:embed="rId2" cstate="print"/>
+          <a:srcRect/>
+          <a:stretch>
+            <a:fillRect/>
+          </a:stretch>
+        </p:blipFill>
+        <p:spPr bwMode="auto">
+          <a:xfrm>
+            <a:off x="5029200" y="6319615"/>
+            <a:ext cx="4114800" cy="538385"/>
+          </a:xfrm>
+          <a:prstGeom prst="rect">
+            <a:avLst/>
+          </a:prstGeom>
+          <a:noFill/>
+        </p:spPr>
+      </p:pic>
     </p:spTree>
   </p:cSld>
   <p:clrMapOvr>
@@ -8411,7 +8997,7 @@
           <a:p>
             <a:r>
               <a:rPr lang="en-US" dirty="0" smtClean="0"/>
-              <a:t>Project Overview</a:t>
+              <a:t>Solution</a:t>
             </a:r>
             <a:endParaRPr lang="en-US" dirty="0"/>
           </a:p>
@@ -8434,68 +9020,76 @@
           <a:p>
             <a:r>
               <a:rPr lang="en-US" dirty="0" smtClean="0"/>
-              <a:t>Connect to a database</a:t>
-            </a:r>
-          </a:p>
-          <a:p>
-            <a:pPr>
-              <a:buNone/>
-            </a:pPr>
-            <a:endParaRPr lang="en-US" dirty="0" smtClean="0"/>
-          </a:p>
-          <a:p>
+              <a:t>ODBC2KML</a:t>
+            </a:r>
+          </a:p>
+          <a:p>
+            <a:pPr lvl="1"/>
             <a:r>
               <a:rPr lang="en-US" dirty="0" smtClean="0"/>
-              <a:t>M</a:t>
-            </a:r>
+              <a:t>Easy to use </a:t>
+            </a:r>
+          </a:p>
+          <a:p>
+            <a:pPr lvl="1"/>
             <a:r>
               <a:rPr lang="en-US" dirty="0" smtClean="0"/>
-              <a:t>ap database field(s) to KML field(s)</a:t>
+              <a:t>Intuitive interface design</a:t>
             </a:r>
           </a:p>
           <a:p>
             <a:pPr lvl="1"/>
             <a:r>
               <a:rPr lang="en-US" dirty="0" smtClean="0"/>
-              <a:t>Latitude/Longitude</a:t>
+              <a:t>Preview KML</a:t>
             </a:r>
           </a:p>
           <a:p>
             <a:pPr lvl="1"/>
             <a:r>
-              <a:rPr lang="en-US" dirty="0" err="1" smtClean="0"/>
-              <a:t>Placemark</a:t>
-            </a:r>
-            <a:r>
               <a:rPr lang="en-US" dirty="0" smtClean="0"/>
-              <a:t> Name</a:t>
+              <a:t>Automated KML generation</a:t>
             </a:r>
           </a:p>
           <a:p>
             <a:pPr lvl="1"/>
             <a:r>
               <a:rPr lang="en-US" dirty="0" smtClean="0"/>
-              <a:t>Insert Field Values into Description</a:t>
-            </a:r>
-          </a:p>
-          <a:p>
-            <a:pPr lvl="1">
-              <a:buNone/>
-            </a:pPr>
-            <a:endParaRPr lang="en-US" dirty="0" smtClean="0"/>
-          </a:p>
-          <a:p>
-            <a:r>
-              <a:rPr lang="en-US" dirty="0" smtClean="0"/>
-              <a:t>Generate KML</a:t>
+              <a:t>End result: KML file</a:t>
             </a:r>
           </a:p>
           <a:p>
             <a:pPr lvl="1"/>
-            <a:endParaRPr lang="en-US" dirty="0" smtClean="0"/>
-          </a:p>
-        </p:txBody>
-      </p:sp>
+            <a:endParaRPr lang="en-US" dirty="0"/>
+          </a:p>
+        </p:txBody>
+      </p:sp>
+      <p:pic>
+        <p:nvPicPr>
+          <p:cNvPr id="5" name="Picture 2" descr="C:\Users\nindoja\Desktop\odbc2kml\hci\HCI\graphics\odbc2kml.gif"/>
+          <p:cNvPicPr>
+            <a:picLocks noChangeAspect="1" noChangeArrowheads="1"/>
+          </p:cNvPicPr>
+          <p:nvPr/>
+        </p:nvPicPr>
+        <p:blipFill>
+          <a:blip r:embed="rId2" cstate="print"/>
+          <a:srcRect/>
+          <a:stretch>
+            <a:fillRect/>
+          </a:stretch>
+        </p:blipFill>
+        <p:spPr bwMode="auto">
+          <a:xfrm>
+            <a:off x="5029200" y="6319615"/>
+            <a:ext cx="4114800" cy="538385"/>
+          </a:xfrm>
+          <a:prstGeom prst="rect">
+            <a:avLst/>
+          </a:prstGeom>
+          <a:noFill/>
+        </p:spPr>
+      </p:pic>
     </p:spTree>
   </p:cSld>
   <p:clrMapOvr>
@@ -8540,92 +9134,118 @@
         </p:nvSpPr>
         <p:spPr/>
         <p:txBody>
-          <a:bodyPr>
-            <a:normAutofit/>
-          </a:bodyPr>
-          <a:lstStyle/>
-          <a:p>
-            <a:r>
-              <a:rPr lang="en-US" dirty="0" smtClean="0"/>
-              <a:t>Major </a:t>
-            </a:r>
-            <a:r>
-              <a:rPr lang="en-US" dirty="0" smtClean="0"/>
-              <a:t>Functionality</a:t>
-            </a:r>
-            <a:endParaRPr lang="en-US" dirty="0"/>
-          </a:p>
-        </p:txBody>
-      </p:sp>
-      <p:sp>
-        <p:nvSpPr>
-          <p:cNvPr id="3" name="Content Placeholder 2"/>
-          <p:cNvSpPr>
-            <a:spLocks noGrp="1"/>
-          </p:cNvSpPr>
-          <p:nvPr>
-            <p:ph idx="1"/>
-          </p:nvPr>
-        </p:nvSpPr>
-        <p:spPr/>
-        <p:txBody>
           <a:bodyPr/>
           <a:lstStyle/>
           <a:p>
             <a:r>
               <a:rPr lang="en-US" dirty="0" smtClean="0"/>
-              <a:t>Create Connection</a:t>
-            </a:r>
-          </a:p>
+              <a:t>Project Overview</a:t>
+            </a:r>
+            <a:endParaRPr lang="en-US" dirty="0"/>
+          </a:p>
+        </p:txBody>
+      </p:sp>
+      <p:sp>
+        <p:nvSpPr>
+          <p:cNvPr id="3" name="Content Placeholder 2"/>
+          <p:cNvSpPr>
+            <a:spLocks noGrp="1"/>
+          </p:cNvSpPr>
+          <p:nvPr>
+            <p:ph idx="1"/>
+          </p:nvPr>
+        </p:nvSpPr>
+        <p:spPr/>
+        <p:txBody>
+          <a:bodyPr/>
+          <a:lstStyle/>
           <a:p>
             <a:r>
               <a:rPr lang="en-US" dirty="0" smtClean="0"/>
-              <a:t>Edit Connection</a:t>
-            </a:r>
+              <a:t>Connect to a database</a:t>
+            </a:r>
+          </a:p>
+          <a:p>
+            <a:pPr>
+              <a:buNone/>
+            </a:pPr>
+            <a:endParaRPr lang="en-US" dirty="0" smtClean="0"/>
           </a:p>
           <a:p>
             <a:r>
               <a:rPr lang="en-US" dirty="0" smtClean="0"/>
-              <a:t>Delete Connection</a:t>
-            </a:r>
-          </a:p>
-          <a:p>
+              <a:t>Map database field(s) to KML field(s)</a:t>
+            </a:r>
+          </a:p>
+          <a:p>
+            <a:pPr lvl="1"/>
             <a:r>
               <a:rPr lang="en-US" dirty="0" smtClean="0"/>
-              <a:t>Generate KML File</a:t>
+              <a:t>Latitude/Longitude</a:t>
             </a:r>
           </a:p>
           <a:p>
             <a:pPr lvl="1"/>
             <a:r>
+              <a:rPr lang="en-US" dirty="0" err="1" smtClean="0"/>
+              <a:t>Placemark</a:t>
+            </a:r>
+            <a:r>
               <a:rPr lang="en-US" dirty="0" smtClean="0"/>
-              <a:t>Web Service</a:t>
+              <a:t> Name</a:t>
             </a:r>
           </a:p>
           <a:p>
             <a:pPr lvl="1"/>
             <a:r>
               <a:rPr lang="en-US" dirty="0" smtClean="0"/>
-              <a:t>Web Application</a:t>
-            </a:r>
+              <a:t>Insert Field Values into Description</a:t>
+            </a:r>
+          </a:p>
+          <a:p>
+            <a:pPr lvl="1">
+              <a:buNone/>
+            </a:pPr>
+            <a:endParaRPr lang="en-US" dirty="0" smtClean="0"/>
           </a:p>
           <a:p>
             <a:r>
               <a:rPr lang="en-US" dirty="0" smtClean="0"/>
-              <a:t>Preview KML </a:t>
-            </a:r>
-            <a:r>
-              <a:rPr lang="en-US" dirty="0" smtClean="0"/>
-              <a:t>in browser by Google Earth </a:t>
-            </a:r>
-            <a:r>
-              <a:rPr lang="en-US" dirty="0" err="1" smtClean="0"/>
-              <a:t>Plugin</a:t>
-            </a:r>
-            <a:endParaRPr lang="en-US" dirty="0"/>
-          </a:p>
-        </p:txBody>
-      </p:sp>
+              <a:t>Generate KML</a:t>
+            </a:r>
+          </a:p>
+          <a:p>
+            <a:pPr lvl="1"/>
+            <a:endParaRPr lang="en-US" dirty="0" smtClean="0"/>
+          </a:p>
+        </p:txBody>
+      </p:sp>
+      <p:pic>
+        <p:nvPicPr>
+          <p:cNvPr id="4" name="Picture 2" descr="C:\Users\nindoja\Desktop\odbc2kml\hci\HCI\graphics\odbc2kml.gif"/>
+          <p:cNvPicPr>
+            <a:picLocks noChangeAspect="1" noChangeArrowheads="1"/>
+          </p:cNvPicPr>
+          <p:nvPr/>
+        </p:nvPicPr>
+        <p:blipFill>
+          <a:blip r:embed="rId2" cstate="print"/>
+          <a:srcRect/>
+          <a:stretch>
+            <a:fillRect/>
+          </a:stretch>
+        </p:blipFill>
+        <p:spPr bwMode="auto">
+          <a:xfrm>
+            <a:off x="5029200" y="6319615"/>
+            <a:ext cx="4114800" cy="538385"/>
+          </a:xfrm>
+          <a:prstGeom prst="rect">
+            <a:avLst/>
+          </a:prstGeom>
+          <a:noFill/>
+        </p:spPr>
+      </p:pic>
     </p:spTree>
   </p:cSld>
   <p:clrMapOvr>
